--- a/Py Web Unit2c.pptx
+++ b/Py Web Unit2c.pptx
@@ -6,34 +6,29 @@
   </p:sldMasterIdLst>
   <p:sldIdLst>
     <p:sldId id="256" r:id="rId2"/>
-    <p:sldId id="300" r:id="rId3"/>
-    <p:sldId id="284" r:id="rId4"/>
-    <p:sldId id="261" r:id="rId5"/>
-    <p:sldId id="276" r:id="rId6"/>
-    <p:sldId id="263" r:id="rId7"/>
-    <p:sldId id="277" r:id="rId8"/>
-    <p:sldId id="299" r:id="rId9"/>
-    <p:sldId id="286" r:id="rId10"/>
-    <p:sldId id="287" r:id="rId11"/>
-    <p:sldId id="293" r:id="rId12"/>
-    <p:sldId id="301" r:id="rId13"/>
-    <p:sldId id="285" r:id="rId14"/>
-    <p:sldId id="288" r:id="rId15"/>
-    <p:sldId id="289" r:id="rId16"/>
-    <p:sldId id="290" r:id="rId17"/>
-    <p:sldId id="291" r:id="rId18"/>
-    <p:sldId id="292" r:id="rId19"/>
-    <p:sldId id="294" r:id="rId20"/>
-    <p:sldId id="302" r:id="rId21"/>
-    <p:sldId id="307" r:id="rId22"/>
-    <p:sldId id="303" r:id="rId23"/>
-    <p:sldId id="304" r:id="rId24"/>
-    <p:sldId id="308" r:id="rId25"/>
-    <p:sldId id="305" r:id="rId26"/>
-    <p:sldId id="309" r:id="rId27"/>
-    <p:sldId id="306" r:id="rId28"/>
-    <p:sldId id="310" r:id="rId29"/>
-    <p:sldId id="297" r:id="rId30"/>
+    <p:sldId id="299" r:id="rId3"/>
+    <p:sldId id="286" r:id="rId4"/>
+    <p:sldId id="287" r:id="rId5"/>
+    <p:sldId id="293" r:id="rId6"/>
+    <p:sldId id="301" r:id="rId7"/>
+    <p:sldId id="285" r:id="rId8"/>
+    <p:sldId id="288" r:id="rId9"/>
+    <p:sldId id="289" r:id="rId10"/>
+    <p:sldId id="290" r:id="rId11"/>
+    <p:sldId id="291" r:id="rId12"/>
+    <p:sldId id="292" r:id="rId13"/>
+    <p:sldId id="294" r:id="rId14"/>
+    <p:sldId id="311" r:id="rId15"/>
+    <p:sldId id="302" r:id="rId16"/>
+    <p:sldId id="307" r:id="rId17"/>
+    <p:sldId id="303" r:id="rId18"/>
+    <p:sldId id="304" r:id="rId19"/>
+    <p:sldId id="308" r:id="rId20"/>
+    <p:sldId id="305" r:id="rId21"/>
+    <p:sldId id="309" r:id="rId22"/>
+    <p:sldId id="306" r:id="rId23"/>
+    <p:sldId id="310" r:id="rId24"/>
+    <p:sldId id="297" r:id="rId25"/>
   </p:sldIdLst>
   <p:sldSz cx="12192000" cy="6858000"/>
   <p:notesSz cx="6858000" cy="9144000"/>
@@ -2693,7 +2688,7 @@
   <pc:docChgLst>
     <pc:chgData name="Li Lixiang" userId="6104bbfcb56aea79" providerId="LiveId" clId="{1CCA740D-5DC1-4844-8AC4-1FA36A5E2D2C}"/>
     <pc:docChg chg="undo custSel addSld delSld modSld sldOrd">
-      <pc:chgData name="Li Lixiang" userId="6104bbfcb56aea79" providerId="LiveId" clId="{1CCA740D-5DC1-4844-8AC4-1FA36A5E2D2C}" dt="2021-09-05T05:30:27.610" v="6876" actId="14100"/>
+      <pc:chgData name="Li Lixiang" userId="6104bbfcb56aea79" providerId="LiveId" clId="{1CCA740D-5DC1-4844-8AC4-1FA36A5E2D2C}" dt="2021-11-08T12:27:02.005" v="7535" actId="1076"/>
       <pc:docMkLst>
         <pc:docMk/>
       </pc:docMkLst>
@@ -2807,8 +2802,8 @@
           </ac:picMkLst>
         </pc:picChg>
       </pc:sldChg>
-      <pc:sldChg chg="addSp delSp modSp mod">
-        <pc:chgData name="Li Lixiang" userId="6104bbfcb56aea79" providerId="LiveId" clId="{1CCA740D-5DC1-4844-8AC4-1FA36A5E2D2C}" dt="2021-09-04T08:46:52.983" v="3463" actId="20577"/>
+      <pc:sldChg chg="addSp delSp modSp del mod">
+        <pc:chgData name="Li Lixiang" userId="6104bbfcb56aea79" providerId="LiveId" clId="{1CCA740D-5DC1-4844-8AC4-1FA36A5E2D2C}" dt="2021-11-01T08:47:59.953" v="7234" actId="2696"/>
         <pc:sldMkLst>
           <pc:docMk/>
           <pc:sldMk cId="246451916" sldId="261"/>
@@ -2846,8 +2841,8 @@
           </ac:picMkLst>
         </pc:picChg>
       </pc:sldChg>
-      <pc:sldChg chg="addSp delSp modSp mod">
-        <pc:chgData name="Li Lixiang" userId="6104bbfcb56aea79" providerId="LiveId" clId="{1CCA740D-5DC1-4844-8AC4-1FA36A5E2D2C}" dt="2021-09-04T10:45:03.780" v="4268" actId="20577"/>
+      <pc:sldChg chg="addSp delSp modSp del mod">
+        <pc:chgData name="Li Lixiang" userId="6104bbfcb56aea79" providerId="LiveId" clId="{1CCA740D-5DC1-4844-8AC4-1FA36A5E2D2C}" dt="2021-11-01T08:47:59.953" v="7234" actId="2696"/>
         <pc:sldMkLst>
           <pc:docMk/>
           <pc:sldMk cId="2587062739" sldId="263"/>
@@ -2972,8 +2967,8 @@
           <pc:sldMk cId="3858086840" sldId="275"/>
         </pc:sldMkLst>
       </pc:sldChg>
-      <pc:sldChg chg="addSp delSp modSp mod">
-        <pc:chgData name="Li Lixiang" userId="6104bbfcb56aea79" providerId="LiveId" clId="{1CCA740D-5DC1-4844-8AC4-1FA36A5E2D2C}" dt="2021-09-03T08:14:36.768" v="1079" actId="14100"/>
+      <pc:sldChg chg="addSp delSp modSp del mod">
+        <pc:chgData name="Li Lixiang" userId="6104bbfcb56aea79" providerId="LiveId" clId="{1CCA740D-5DC1-4844-8AC4-1FA36A5E2D2C}" dt="2021-11-01T08:47:59.953" v="7234" actId="2696"/>
         <pc:sldMkLst>
           <pc:docMk/>
           <pc:sldMk cId="285818922" sldId="276"/>
@@ -3035,8 +3030,8 @@
           </ac:picMkLst>
         </pc:picChg>
       </pc:sldChg>
-      <pc:sldChg chg="addSp delSp modSp mod">
-        <pc:chgData name="Li Lixiang" userId="6104bbfcb56aea79" providerId="LiveId" clId="{1CCA740D-5DC1-4844-8AC4-1FA36A5E2D2C}" dt="2021-09-04T10:45:22.543" v="4287" actId="20577"/>
+      <pc:sldChg chg="addSp delSp modSp del mod">
+        <pc:chgData name="Li Lixiang" userId="6104bbfcb56aea79" providerId="LiveId" clId="{1CCA740D-5DC1-4844-8AC4-1FA36A5E2D2C}" dt="2021-11-01T08:47:59.953" v="7234" actId="2696"/>
         <pc:sldMkLst>
           <pc:docMk/>
           <pc:sldMk cId="3827001385" sldId="277"/>
@@ -3180,8 +3175,8 @@
           <pc:sldMk cId="1866813330" sldId="283"/>
         </pc:sldMkLst>
       </pc:sldChg>
-      <pc:sldChg chg="delSp modSp add mod">
-        <pc:chgData name="Li Lixiang" userId="6104bbfcb56aea79" providerId="LiveId" clId="{1CCA740D-5DC1-4844-8AC4-1FA36A5E2D2C}" dt="2021-09-03T08:11:33.325" v="803" actId="1076"/>
+      <pc:sldChg chg="delSp modSp add del mod">
+        <pc:chgData name="Li Lixiang" userId="6104bbfcb56aea79" providerId="LiveId" clId="{1CCA740D-5DC1-4844-8AC4-1FA36A5E2D2C}" dt="2021-11-01T08:47:59.953" v="7234" actId="2696"/>
         <pc:sldMkLst>
           <pc:docMk/>
           <pc:sldMk cId="3320987705" sldId="284"/>
@@ -3652,7 +3647,7 @@
         </pc:picChg>
       </pc:sldChg>
       <pc:sldChg chg="addSp modSp new mod ord">
-        <pc:chgData name="Li Lixiang" userId="6104bbfcb56aea79" providerId="LiveId" clId="{1CCA740D-5DC1-4844-8AC4-1FA36A5E2D2C}" dt="2021-09-04T10:50:47.127" v="4703"/>
+        <pc:chgData name="Li Lixiang" userId="6104bbfcb56aea79" providerId="LiveId" clId="{1CCA740D-5DC1-4844-8AC4-1FA36A5E2D2C}" dt="2021-10-18T04:20:51.208" v="7187" actId="6549"/>
         <pc:sldMkLst>
           <pc:docMk/>
           <pc:sldMk cId="1041291948" sldId="293"/>
@@ -3674,7 +3669,7 @@
           </ac:spMkLst>
         </pc:spChg>
         <pc:spChg chg="add mod">
-          <ac:chgData name="Li Lixiang" userId="6104bbfcb56aea79" providerId="LiveId" clId="{1CCA740D-5DC1-4844-8AC4-1FA36A5E2D2C}" dt="2021-09-04T02:41:34.571" v="2993" actId="1076"/>
+          <ac:chgData name="Li Lixiang" userId="6104bbfcb56aea79" providerId="LiveId" clId="{1CCA740D-5DC1-4844-8AC4-1FA36A5E2D2C}" dt="2021-10-18T04:20:51.208" v="7187" actId="6549"/>
           <ac:spMkLst>
             <pc:docMk/>
             <pc:sldMk cId="1041291948" sldId="293"/>
@@ -3848,7 +3843,7 @@
         </pc:picChg>
       </pc:sldChg>
       <pc:sldChg chg="addSp delSp modSp new mod">
-        <pc:chgData name="Li Lixiang" userId="6104bbfcb56aea79" providerId="LiveId" clId="{1CCA740D-5DC1-4844-8AC4-1FA36A5E2D2C}" dt="2021-09-05T05:30:27.610" v="6876" actId="14100"/>
+        <pc:chgData name="Li Lixiang" userId="6104bbfcb56aea79" providerId="LiveId" clId="{1CCA740D-5DC1-4844-8AC4-1FA36A5E2D2C}" dt="2021-11-07T13:35:10.621" v="7278" actId="14100"/>
         <pc:sldMkLst>
           <pc:docMk/>
           <pc:sldMk cId="2804067587" sldId="297"/>
@@ -3878,7 +3873,7 @@
           </ac:spMkLst>
         </pc:spChg>
         <pc:spChg chg="add mod">
-          <ac:chgData name="Li Lixiang" userId="6104bbfcb56aea79" providerId="LiveId" clId="{1CCA740D-5DC1-4844-8AC4-1FA36A5E2D2C}" dt="2021-09-05T03:57:46.698" v="6860" actId="1076"/>
+          <ac:chgData name="Li Lixiang" userId="6104bbfcb56aea79" providerId="LiveId" clId="{1CCA740D-5DC1-4844-8AC4-1FA36A5E2D2C}" dt="2021-11-07T13:35:10.621" v="7278" actId="14100"/>
           <ac:spMkLst>
             <pc:docMk/>
             <pc:sldMk cId="2804067587" sldId="297"/>
@@ -3886,7 +3881,7 @@
           </ac:spMkLst>
         </pc:spChg>
         <pc:spChg chg="add mod">
-          <ac:chgData name="Li Lixiang" userId="6104bbfcb56aea79" providerId="LiveId" clId="{1CCA740D-5DC1-4844-8AC4-1FA36A5E2D2C}" dt="2021-09-05T05:30:27.610" v="6876" actId="14100"/>
+          <ac:chgData name="Li Lixiang" userId="6104bbfcb56aea79" providerId="LiveId" clId="{1CCA740D-5DC1-4844-8AC4-1FA36A5E2D2C}" dt="2021-10-18T04:25:48.006" v="7233" actId="6549"/>
           <ac:spMkLst>
             <pc:docMk/>
             <pc:sldMk cId="2804067587" sldId="297"/>
@@ -4012,8 +4007,8 @@
           </ac:spMkLst>
         </pc:spChg>
       </pc:sldChg>
-      <pc:sldChg chg="modSp new mod ord">
-        <pc:chgData name="Li Lixiang" userId="6104bbfcb56aea79" providerId="LiveId" clId="{1CCA740D-5DC1-4844-8AC4-1FA36A5E2D2C}" dt="2021-09-04T10:43:56.811" v="4234" actId="14100"/>
+      <pc:sldChg chg="modSp new del mod ord">
+        <pc:chgData name="Li Lixiang" userId="6104bbfcb56aea79" providerId="LiveId" clId="{1CCA740D-5DC1-4844-8AC4-1FA36A5E2D2C}" dt="2021-11-01T08:47:59.953" v="7234" actId="2696"/>
         <pc:sldMkLst>
           <pc:docMk/>
           <pc:sldMk cId="729408814" sldId="300"/>
@@ -4027,7 +4022,7 @@
           </ac:spMkLst>
         </pc:spChg>
         <pc:spChg chg="mod">
-          <ac:chgData name="Li Lixiang" userId="6104bbfcb56aea79" providerId="LiveId" clId="{1CCA740D-5DC1-4844-8AC4-1FA36A5E2D2C}" dt="2021-09-04T10:43:56.811" v="4234" actId="14100"/>
+          <ac:chgData name="Li Lixiang" userId="6104bbfcb56aea79" providerId="LiveId" clId="{1CCA740D-5DC1-4844-8AC4-1FA36A5E2D2C}" dt="2021-10-18T04:19:04.677" v="7169" actId="20577"/>
           <ac:spMkLst>
             <pc:docMk/>
             <pc:sldMk cId="729408814" sldId="300"/>
@@ -4664,6 +4659,53 @@
             <ac:cxnSpMk id="60" creationId="{77D24DE9-C7E6-4BE6-B059-6BE9AEC380C8}"/>
           </ac:cxnSpMkLst>
         </pc:cxnChg>
+      </pc:sldChg>
+      <pc:sldChg chg="addSp delSp modSp new mod">
+        <pc:chgData name="Li Lixiang" userId="6104bbfcb56aea79" providerId="LiveId" clId="{1CCA740D-5DC1-4844-8AC4-1FA36A5E2D2C}" dt="2021-11-08T12:27:02.005" v="7535" actId="1076"/>
+        <pc:sldMkLst>
+          <pc:docMk/>
+          <pc:sldMk cId="3863609363" sldId="311"/>
+        </pc:sldMkLst>
+        <pc:spChg chg="mod">
+          <ac:chgData name="Li Lixiang" userId="6104bbfcb56aea79" providerId="LiveId" clId="{1CCA740D-5DC1-4844-8AC4-1FA36A5E2D2C}" dt="2021-11-08T12:24:03.453" v="7394" actId="20577"/>
+          <ac:spMkLst>
+            <pc:docMk/>
+            <pc:sldMk cId="3863609363" sldId="311"/>
+            <ac:spMk id="2" creationId="{545B3FC3-E7FA-4044-A901-4AE1E9BE0C59}"/>
+          </ac:spMkLst>
+        </pc:spChg>
+        <pc:spChg chg="mod">
+          <ac:chgData name="Li Lixiang" userId="6104bbfcb56aea79" providerId="LiveId" clId="{1CCA740D-5DC1-4844-8AC4-1FA36A5E2D2C}" dt="2021-11-08T12:24:47.974" v="7529" actId="14100"/>
+          <ac:spMkLst>
+            <pc:docMk/>
+            <pc:sldMk cId="3863609363" sldId="311"/>
+            <ac:spMk id="3" creationId="{467090EF-49A8-46F0-9945-55192AA0FCD8}"/>
+          </ac:spMkLst>
+        </pc:spChg>
+        <pc:spChg chg="add del">
+          <ac:chgData name="Li Lixiang" userId="6104bbfcb56aea79" providerId="LiveId" clId="{1CCA740D-5DC1-4844-8AC4-1FA36A5E2D2C}" dt="2021-11-08T12:26:35.525" v="7533" actId="478"/>
+          <ac:spMkLst>
+            <pc:docMk/>
+            <pc:sldMk cId="3863609363" sldId="311"/>
+            <ac:spMk id="5" creationId="{C530F8F5-B290-40AD-AF25-DCDFCCBC5E46}"/>
+          </ac:spMkLst>
+        </pc:spChg>
+        <pc:spChg chg="add del">
+          <ac:chgData name="Li Lixiang" userId="6104bbfcb56aea79" providerId="LiveId" clId="{1CCA740D-5DC1-4844-8AC4-1FA36A5E2D2C}" dt="2021-11-08T12:26:34.088" v="7532" actId="478"/>
+          <ac:spMkLst>
+            <pc:docMk/>
+            <pc:sldMk cId="3863609363" sldId="311"/>
+            <ac:spMk id="7" creationId="{DF616776-33F3-4F51-B0C2-7C221465D718}"/>
+          </ac:spMkLst>
+        </pc:spChg>
+        <pc:picChg chg="add mod">
+          <ac:chgData name="Li Lixiang" userId="6104bbfcb56aea79" providerId="LiveId" clId="{1CCA740D-5DC1-4844-8AC4-1FA36A5E2D2C}" dt="2021-11-08T12:27:02.005" v="7535" actId="1076"/>
+          <ac:picMkLst>
+            <pc:docMk/>
+            <pc:sldMk cId="3863609363" sldId="311"/>
+            <ac:picMk id="9" creationId="{DE8321AA-8609-4917-8A1C-6FC613C8FE77}"/>
+          </ac:picMkLst>
+        </pc:picChg>
       </pc:sldChg>
     </pc:docChg>
   </pc:docChgLst>
@@ -5075,7 +5117,7 @@
             <a:fld id="{A5B0A250-5CC0-1746-B209-08E8B0DAE6AF}" type="datetimeFigureOut">
               <a:rPr lang="en-US" smtClean="0"/>
               <a:pPr algn="l"/>
-              <a:t>9/5/2021</a:t>
+              <a:t>11/8/2021</a:t>
             </a:fld>
             <a:endParaRPr lang="en-US" dirty="0"/>
           </a:p>
@@ -5254,7 +5296,7 @@
           <a:p>
             <a:fld id="{A5B0A250-5CC0-1746-B209-08E8B0DAE6AF}" type="datetimeFigureOut">
               <a:rPr lang="en-US" smtClean="0"/>
-              <a:t>9/5/2021</a:t>
+              <a:t>11/8/2021</a:t>
             </a:fld>
             <a:endParaRPr lang="en-US" dirty="0"/>
           </a:p>
@@ -5434,7 +5476,7 @@
           <a:p>
             <a:fld id="{A5B0A250-5CC0-1746-B209-08E8B0DAE6AF}" type="datetimeFigureOut">
               <a:rPr lang="en-US" smtClean="0"/>
-              <a:t>9/5/2021</a:t>
+              <a:t>11/8/2021</a:t>
             </a:fld>
             <a:endParaRPr lang="en-US"/>
           </a:p>
@@ -5604,7 +5646,7 @@
           <a:p>
             <a:fld id="{A5B0A250-5CC0-1746-B209-08E8B0DAE6AF}" type="datetimeFigureOut">
               <a:rPr lang="en-US" smtClean="0"/>
-              <a:t>9/5/2021</a:t>
+              <a:t>11/8/2021</a:t>
             </a:fld>
             <a:endParaRPr lang="en-US" dirty="0"/>
           </a:p>
@@ -5917,7 +5959,7 @@
           <a:p>
             <a:fld id="{A5B0A250-5CC0-1746-B209-08E8B0DAE6AF}" type="datetimeFigureOut">
               <a:rPr lang="en-US" smtClean="0"/>
-              <a:t>9/5/2021</a:t>
+              <a:t>11/8/2021</a:t>
             </a:fld>
             <a:endParaRPr lang="en-US" dirty="0"/>
           </a:p>
@@ -6303,7 +6345,7 @@
           <a:p>
             <a:fld id="{A5B0A250-5CC0-1746-B209-08E8B0DAE6AF}" type="datetimeFigureOut">
               <a:rPr lang="en-US" smtClean="0"/>
-              <a:t>9/5/2021</a:t>
+              <a:t>11/8/2021</a:t>
             </a:fld>
             <a:endParaRPr lang="en-US" dirty="0"/>
           </a:p>
@@ -6737,7 +6779,7 @@
           <a:p>
             <a:fld id="{A5B0A250-5CC0-1746-B209-08E8B0DAE6AF}" type="datetimeFigureOut">
               <a:rPr lang="en-US" smtClean="0"/>
-              <a:t>9/5/2021</a:t>
+              <a:t>11/8/2021</a:t>
             </a:fld>
             <a:endParaRPr lang="en-US" dirty="0"/>
           </a:p>
@@ -6855,7 +6897,7 @@
           <a:p>
             <a:fld id="{A5B0A250-5CC0-1746-B209-08E8B0DAE6AF}" type="datetimeFigureOut">
               <a:rPr lang="en-US" smtClean="0"/>
-              <a:t>9/5/2021</a:t>
+              <a:t>11/8/2021</a:t>
             </a:fld>
             <a:endParaRPr lang="en-US" dirty="0"/>
           </a:p>
@@ -6951,7 +6993,7 @@
             <a:fld id="{A5B0A250-5CC0-1746-B209-08E8B0DAE6AF}" type="datetimeFigureOut">
               <a:rPr lang="en-US" smtClean="0"/>
               <a:pPr/>
-              <a:t>9/5/2021</a:t>
+              <a:t>11/8/2021</a:t>
             </a:fld>
             <a:endParaRPr lang="en-US" dirty="0"/>
           </a:p>
@@ -7302,7 +7344,7 @@
           <a:p>
             <a:fld id="{A5B0A250-5CC0-1746-B209-08E8B0DAE6AF}" type="datetimeFigureOut">
               <a:rPr lang="en-US" smtClean="0"/>
-              <a:t>9/5/2021</a:t>
+              <a:t>11/8/2021</a:t>
             </a:fld>
             <a:endParaRPr lang="en-US" dirty="0"/>
           </a:p>
@@ -7727,7 +7769,7 @@
           <a:p>
             <a:fld id="{A5B0A250-5CC0-1746-B209-08E8B0DAE6AF}" type="datetimeFigureOut">
               <a:rPr lang="en-US" smtClean="0"/>
-              <a:t>9/5/2021</a:t>
+              <a:t>11/8/2021</a:t>
             </a:fld>
             <a:endParaRPr lang="en-US" dirty="0"/>
           </a:p>
@@ -8009,7 +8051,7 @@
             <a:fld id="{A5B0A250-5CC0-1746-B209-08E8B0DAE6AF}" type="datetimeFigureOut">
               <a:rPr lang="en-US" smtClean="0"/>
               <a:pPr/>
-              <a:t>9/5/2021</a:t>
+              <a:t>11/8/2021</a:t>
             </a:fld>
             <a:endParaRPr lang="en-US" dirty="0"/>
           </a:p>
@@ -9126,6 +9168,4292 @@
           <p:cNvPr id="2" name="Title 1">
             <a:extLst>
               <a:ext uri="{FF2B5EF4-FFF2-40B4-BE49-F238E27FC236}">
+                <a16:creationId xmlns:a16="http://schemas.microsoft.com/office/drawing/2014/main" id="{D9B1C52C-254D-41F1-B4D9-68BC364ACA0D}"/>
+              </a:ext>
+            </a:extLst>
+          </p:cNvPr>
+          <p:cNvSpPr>
+            <a:spLocks noGrp="1"/>
+          </p:cNvSpPr>
+          <p:nvPr>
+            <p:ph type="title"/>
+          </p:nvPr>
+        </p:nvSpPr>
+        <p:spPr/>
+        <p:txBody>
+          <a:bodyPr/>
+          <a:lstStyle/>
+          <a:p>
+            <a:r>
+              <a:rPr lang="en-US" dirty="0"/>
+              <a:t>Add template for add comment</a:t>
+            </a:r>
+            <a:endParaRPr lang="en-MY" dirty="0"/>
+          </a:p>
+        </p:txBody>
+      </p:sp>
+      <p:sp>
+        <p:nvSpPr>
+          <p:cNvPr id="3" name="Content Placeholder 2">
+            <a:extLst>
+              <a:ext uri="{FF2B5EF4-FFF2-40B4-BE49-F238E27FC236}">
+                <a16:creationId xmlns:a16="http://schemas.microsoft.com/office/drawing/2014/main" id="{60EEE875-AF1A-45BF-BAF9-6FADED0BC726}"/>
+              </a:ext>
+            </a:extLst>
+          </p:cNvPr>
+          <p:cNvSpPr>
+            <a:spLocks noGrp="1"/>
+          </p:cNvSpPr>
+          <p:nvPr>
+            <p:ph idx="1"/>
+          </p:nvPr>
+        </p:nvSpPr>
+        <p:spPr>
+          <a:xfrm>
+            <a:off x="1069848" y="2121408"/>
+            <a:ext cx="10058400" cy="974217"/>
+          </a:xfrm>
+        </p:spPr>
+        <p:txBody>
+          <a:bodyPr/>
+          <a:lstStyle/>
+          <a:p>
+            <a:r>
+              <a:rPr lang="en-US" dirty="0"/>
+              <a:t>The template will use form for user to input and post</a:t>
+            </a:r>
+            <a:endParaRPr lang="en-MY" dirty="0"/>
+          </a:p>
+        </p:txBody>
+      </p:sp>
+      <p:pic>
+        <p:nvPicPr>
+          <p:cNvPr id="5" name="Picture 4">
+            <a:extLst>
+              <a:ext uri="{FF2B5EF4-FFF2-40B4-BE49-F238E27FC236}">
+                <a16:creationId xmlns:a16="http://schemas.microsoft.com/office/drawing/2014/main" id="{3E43F1F9-F04F-4E55-AABE-1FC08CB3B367}"/>
+              </a:ext>
+            </a:extLst>
+          </p:cNvPr>
+          <p:cNvPicPr>
+            <a:picLocks noChangeAspect="1"/>
+          </p:cNvPicPr>
+          <p:nvPr/>
+        </p:nvPicPr>
+        <p:blipFill>
+          <a:blip r:embed="rId2"/>
+          <a:stretch>
+            <a:fillRect/>
+          </a:stretch>
+        </p:blipFill>
+        <p:spPr>
+          <a:xfrm>
+            <a:off x="2199731" y="2608516"/>
+            <a:ext cx="7792537" cy="3867690"/>
+          </a:xfrm>
+          <a:prstGeom prst="rect">
+            <a:avLst/>
+          </a:prstGeom>
+        </p:spPr>
+      </p:pic>
+    </p:spTree>
+    <p:extLst>
+      <p:ext uri="{BB962C8B-B14F-4D97-AF65-F5344CB8AC3E}">
+        <p14:creationId xmlns:p14="http://schemas.microsoft.com/office/powerpoint/2010/main" val="1150983787"/>
+      </p:ext>
+    </p:extLst>
+  </p:cSld>
+  <p:clrMapOvr>
+    <a:masterClrMapping/>
+  </p:clrMapOvr>
+</p:sld>
+</file>
+
+<file path=ppt/slides/slide11.xml><?xml version="1.0" encoding="utf-8"?>
+<p:sld xmlns:a="http://schemas.openxmlformats.org/drawingml/2006/main" xmlns:r="http://schemas.openxmlformats.org/officeDocument/2006/relationships" xmlns:p="http://schemas.openxmlformats.org/presentationml/2006/main">
+  <p:cSld>
+    <p:spTree>
+      <p:nvGrpSpPr>
+        <p:cNvPr id="1" name=""/>
+        <p:cNvGrpSpPr/>
+        <p:nvPr/>
+      </p:nvGrpSpPr>
+      <p:grpSpPr>
+        <a:xfrm>
+          <a:off x="0" y="0"/>
+          <a:ext cx="0" cy="0"/>
+          <a:chOff x="0" y="0"/>
+          <a:chExt cx="0" cy="0"/>
+        </a:xfrm>
+      </p:grpSpPr>
+      <p:sp>
+        <p:nvSpPr>
+          <p:cNvPr id="2" name="Title 1">
+            <a:extLst>
+              <a:ext uri="{FF2B5EF4-FFF2-40B4-BE49-F238E27FC236}">
+                <a16:creationId xmlns:a16="http://schemas.microsoft.com/office/drawing/2014/main" id="{8F4E621C-42E5-4F2D-9894-3DF3A3BB9933}"/>
+              </a:ext>
+            </a:extLst>
+          </p:cNvPr>
+          <p:cNvSpPr>
+            <a:spLocks noGrp="1"/>
+          </p:cNvSpPr>
+          <p:nvPr>
+            <p:ph type="title"/>
+          </p:nvPr>
+        </p:nvSpPr>
+        <p:spPr/>
+        <p:txBody>
+          <a:bodyPr/>
+          <a:lstStyle/>
+          <a:p>
+            <a:r>
+              <a:rPr lang="en-US" dirty="0"/>
+              <a:t>Check the result</a:t>
+            </a:r>
+            <a:endParaRPr lang="en-MY" dirty="0"/>
+          </a:p>
+        </p:txBody>
+      </p:sp>
+      <p:sp>
+        <p:nvSpPr>
+          <p:cNvPr id="3" name="Content Placeholder 2">
+            <a:extLst>
+              <a:ext uri="{FF2B5EF4-FFF2-40B4-BE49-F238E27FC236}">
+                <a16:creationId xmlns:a16="http://schemas.microsoft.com/office/drawing/2014/main" id="{8D3937B8-CEAD-4F56-A9AD-1B8EE98D5B2B}"/>
+              </a:ext>
+            </a:extLst>
+          </p:cNvPr>
+          <p:cNvSpPr>
+            <a:spLocks noGrp="1"/>
+          </p:cNvSpPr>
+          <p:nvPr>
+            <p:ph idx="1"/>
+          </p:nvPr>
+        </p:nvSpPr>
+        <p:spPr>
+          <a:xfrm>
+            <a:off x="1069848" y="2121408"/>
+            <a:ext cx="4902327" cy="4050792"/>
+          </a:xfrm>
+        </p:spPr>
+        <p:txBody>
+          <a:bodyPr/>
+          <a:lstStyle/>
+          <a:p>
+            <a:r>
+              <a:rPr lang="en-US" dirty="0"/>
+              <a:t>We got the form, but for the datetime field, it is like a text we must key in information manually.</a:t>
+            </a:r>
+          </a:p>
+          <a:p>
+            <a:r>
+              <a:rPr lang="en-US" dirty="0"/>
+              <a:t>The format must be exactly like what shown in picture, </a:t>
+            </a:r>
+          </a:p>
+          <a:p>
+            <a:r>
+              <a:rPr lang="en-US" dirty="0"/>
+              <a:t>YYYY-MM-DD HH:MM:SS</a:t>
+            </a:r>
+            <a:endParaRPr lang="en-MY" dirty="0"/>
+          </a:p>
+        </p:txBody>
+      </p:sp>
+      <p:pic>
+        <p:nvPicPr>
+          <p:cNvPr id="9" name="Picture 8">
+            <a:extLst>
+              <a:ext uri="{FF2B5EF4-FFF2-40B4-BE49-F238E27FC236}">
+                <a16:creationId xmlns:a16="http://schemas.microsoft.com/office/drawing/2014/main" id="{5948C15E-7F5F-438F-8470-9A5C00D250ED}"/>
+              </a:ext>
+            </a:extLst>
+          </p:cNvPr>
+          <p:cNvPicPr>
+            <a:picLocks noChangeAspect="1"/>
+          </p:cNvPicPr>
+          <p:nvPr/>
+        </p:nvPicPr>
+        <p:blipFill>
+          <a:blip r:embed="rId2"/>
+          <a:stretch>
+            <a:fillRect/>
+          </a:stretch>
+        </p:blipFill>
+        <p:spPr>
+          <a:xfrm>
+            <a:off x="6076950" y="1080760"/>
+            <a:ext cx="5220429" cy="4696480"/>
+          </a:xfrm>
+          <a:prstGeom prst="rect">
+            <a:avLst/>
+          </a:prstGeom>
+        </p:spPr>
+      </p:pic>
+      <p:sp>
+        <p:nvSpPr>
+          <p:cNvPr id="10" name="TextBox 9">
+            <a:extLst>
+              <a:ext uri="{FF2B5EF4-FFF2-40B4-BE49-F238E27FC236}">
+                <a16:creationId xmlns:a16="http://schemas.microsoft.com/office/drawing/2014/main" id="{2D1860B0-6032-4F27-B127-4672FF174536}"/>
+              </a:ext>
+            </a:extLst>
+          </p:cNvPr>
+          <p:cNvSpPr txBox="1"/>
+          <p:nvPr/>
+        </p:nvSpPr>
+        <p:spPr>
+          <a:xfrm>
+            <a:off x="7098267" y="5015240"/>
+            <a:ext cx="1588897" cy="276999"/>
+          </a:xfrm>
+          <a:prstGeom prst="rect">
+            <a:avLst/>
+          </a:prstGeom>
+          <a:noFill/>
+        </p:spPr>
+        <p:txBody>
+          <a:bodyPr wrap="none" rtlCol="0">
+            <a:spAutoFit/>
+          </a:bodyPr>
+          <a:lstStyle/>
+          <a:p>
+            <a:r>
+              <a:rPr lang="en-US" sz="1200" dirty="0"/>
+              <a:t>2020-09-01 20:20:20</a:t>
+            </a:r>
+            <a:endParaRPr lang="en-MY" sz="1200" dirty="0"/>
+          </a:p>
+        </p:txBody>
+      </p:sp>
+    </p:spTree>
+    <p:extLst>
+      <p:ext uri="{BB962C8B-B14F-4D97-AF65-F5344CB8AC3E}">
+        <p14:creationId xmlns:p14="http://schemas.microsoft.com/office/powerpoint/2010/main" val="4056878008"/>
+      </p:ext>
+    </p:extLst>
+  </p:cSld>
+  <p:clrMapOvr>
+    <a:masterClrMapping/>
+  </p:clrMapOvr>
+</p:sld>
+</file>
+
+<file path=ppt/slides/slide12.xml><?xml version="1.0" encoding="utf-8"?>
+<p:sld xmlns:a="http://schemas.openxmlformats.org/drawingml/2006/main" xmlns:r="http://schemas.openxmlformats.org/officeDocument/2006/relationships" xmlns:p="http://schemas.openxmlformats.org/presentationml/2006/main">
+  <p:cSld>
+    <p:spTree>
+      <p:nvGrpSpPr>
+        <p:cNvPr id="1" name=""/>
+        <p:cNvGrpSpPr/>
+        <p:nvPr/>
+      </p:nvGrpSpPr>
+      <p:grpSpPr>
+        <a:xfrm>
+          <a:off x="0" y="0"/>
+          <a:ext cx="0" cy="0"/>
+          <a:chOff x="0" y="0"/>
+          <a:chExt cx="0" cy="0"/>
+        </a:xfrm>
+      </p:grpSpPr>
+      <p:sp>
+        <p:nvSpPr>
+          <p:cNvPr id="2" name="Title 1">
+            <a:extLst>
+              <a:ext uri="{FF2B5EF4-FFF2-40B4-BE49-F238E27FC236}">
+                <a16:creationId xmlns:a16="http://schemas.microsoft.com/office/drawing/2014/main" id="{8F4E621C-42E5-4F2D-9894-3DF3A3BB9933}"/>
+              </a:ext>
+            </a:extLst>
+          </p:cNvPr>
+          <p:cNvSpPr>
+            <a:spLocks noGrp="1"/>
+          </p:cNvSpPr>
+          <p:nvPr>
+            <p:ph type="title"/>
+          </p:nvPr>
+        </p:nvSpPr>
+        <p:spPr/>
+        <p:txBody>
+          <a:bodyPr/>
+          <a:lstStyle/>
+          <a:p>
+            <a:r>
+              <a:rPr lang="en-US" dirty="0"/>
+              <a:t>But still another issue</a:t>
+            </a:r>
+            <a:endParaRPr lang="en-MY" dirty="0"/>
+          </a:p>
+        </p:txBody>
+      </p:sp>
+      <p:sp>
+        <p:nvSpPr>
+          <p:cNvPr id="3" name="Content Placeholder 2">
+            <a:extLst>
+              <a:ext uri="{FF2B5EF4-FFF2-40B4-BE49-F238E27FC236}">
+                <a16:creationId xmlns:a16="http://schemas.microsoft.com/office/drawing/2014/main" id="{8D3937B8-CEAD-4F56-A9AD-1B8EE98D5B2B}"/>
+              </a:ext>
+            </a:extLst>
+          </p:cNvPr>
+          <p:cNvSpPr>
+            <a:spLocks noGrp="1"/>
+          </p:cNvSpPr>
+          <p:nvPr>
+            <p:ph idx="1"/>
+          </p:nvPr>
+        </p:nvSpPr>
+        <p:spPr>
+          <a:xfrm>
+            <a:off x="1069848" y="3000374"/>
+            <a:ext cx="9741027" cy="3171825"/>
+          </a:xfrm>
+        </p:spPr>
+        <p:txBody>
+          <a:bodyPr/>
+          <a:lstStyle/>
+          <a:p>
+            <a:r>
+              <a:rPr lang="en-US" dirty="0"/>
+              <a:t>When finish a POST action, the webserver should return back a new URL for the browser to view.</a:t>
+            </a:r>
+          </a:p>
+          <a:p>
+            <a:r>
+              <a:rPr lang="en-US" dirty="0"/>
+              <a:t>As shown by the error information from Django, we can do this by define </a:t>
+            </a:r>
+            <a:r>
+              <a:rPr lang="en-US" dirty="0" err="1"/>
+              <a:t>get_absolute_url</a:t>
+            </a:r>
+            <a:r>
+              <a:rPr lang="en-US" dirty="0"/>
+              <a:t> for the model which we are modifying. This URL will be the success </a:t>
+            </a:r>
+            <a:r>
+              <a:rPr lang="en-US" dirty="0" err="1"/>
+              <a:t>url</a:t>
+            </a:r>
+            <a:r>
+              <a:rPr lang="en-US" dirty="0"/>
+              <a:t> for the user after he add the new comment.</a:t>
+            </a:r>
+          </a:p>
+          <a:p>
+            <a:r>
+              <a:rPr lang="en-MY" dirty="0"/>
+              <a:t>Then we add the </a:t>
+            </a:r>
+            <a:r>
+              <a:rPr lang="en-MY" dirty="0" err="1"/>
+              <a:t>get_absolute_url</a:t>
+            </a:r>
+            <a:r>
+              <a:rPr lang="en-MY" dirty="0"/>
+              <a:t>, make it go back to the homepage after success submit.</a:t>
+            </a:r>
+            <a:endParaRPr lang="en-US" dirty="0"/>
+          </a:p>
+        </p:txBody>
+      </p:sp>
+      <p:pic>
+        <p:nvPicPr>
+          <p:cNvPr id="5" name="Picture 4">
+            <a:extLst>
+              <a:ext uri="{FF2B5EF4-FFF2-40B4-BE49-F238E27FC236}">
+                <a16:creationId xmlns:a16="http://schemas.microsoft.com/office/drawing/2014/main" id="{6071E29F-7FD2-4485-9339-AE7A116EE9B7}"/>
+              </a:ext>
+            </a:extLst>
+          </p:cNvPr>
+          <p:cNvPicPr>
+            <a:picLocks noChangeAspect="1"/>
+          </p:cNvPicPr>
+          <p:nvPr/>
+        </p:nvPicPr>
+        <p:blipFill>
+          <a:blip r:embed="rId2"/>
+          <a:stretch>
+            <a:fillRect/>
+          </a:stretch>
+        </p:blipFill>
+        <p:spPr>
+          <a:xfrm>
+            <a:off x="1995001" y="1757298"/>
+            <a:ext cx="6963747" cy="924054"/>
+          </a:xfrm>
+          <a:prstGeom prst="rect">
+            <a:avLst/>
+          </a:prstGeom>
+        </p:spPr>
+      </p:pic>
+      <p:pic>
+        <p:nvPicPr>
+          <p:cNvPr id="6" name="Picture 5">
+            <a:extLst>
+              <a:ext uri="{FF2B5EF4-FFF2-40B4-BE49-F238E27FC236}">
+                <a16:creationId xmlns:a16="http://schemas.microsoft.com/office/drawing/2014/main" id="{645541B8-FAB8-46AB-A2CB-1FA699E9AA8A}"/>
+              </a:ext>
+            </a:extLst>
+          </p:cNvPr>
+          <p:cNvPicPr>
+            <a:picLocks noChangeAspect="1"/>
+          </p:cNvPicPr>
+          <p:nvPr/>
+        </p:nvPicPr>
+        <p:blipFill>
+          <a:blip r:embed="rId3"/>
+          <a:stretch>
+            <a:fillRect/>
+          </a:stretch>
+        </p:blipFill>
+        <p:spPr>
+          <a:xfrm>
+            <a:off x="2680086" y="5561180"/>
+            <a:ext cx="5287113" cy="476316"/>
+          </a:xfrm>
+          <a:prstGeom prst="rect">
+            <a:avLst/>
+          </a:prstGeom>
+        </p:spPr>
+      </p:pic>
+    </p:spTree>
+    <p:extLst>
+      <p:ext uri="{BB962C8B-B14F-4D97-AF65-F5344CB8AC3E}">
+        <p14:creationId xmlns:p14="http://schemas.microsoft.com/office/powerpoint/2010/main" val="1178567567"/>
+      </p:ext>
+    </p:extLst>
+  </p:cSld>
+  <p:clrMapOvr>
+    <a:masterClrMapping/>
+  </p:clrMapOvr>
+</p:sld>
+</file>
+
+<file path=ppt/slides/slide13.xml><?xml version="1.0" encoding="utf-8"?>
+<p:sld xmlns:a="http://schemas.openxmlformats.org/drawingml/2006/main" xmlns:r="http://schemas.openxmlformats.org/officeDocument/2006/relationships" xmlns:p="http://schemas.openxmlformats.org/presentationml/2006/main">
+  <p:cSld>
+    <p:spTree>
+      <p:nvGrpSpPr>
+        <p:cNvPr id="1" name=""/>
+        <p:cNvGrpSpPr/>
+        <p:nvPr/>
+      </p:nvGrpSpPr>
+      <p:grpSpPr>
+        <a:xfrm>
+          <a:off x="0" y="0"/>
+          <a:ext cx="0" cy="0"/>
+          <a:chOff x="0" y="0"/>
+          <a:chExt cx="0" cy="0"/>
+        </a:xfrm>
+      </p:grpSpPr>
+      <p:sp>
+        <p:nvSpPr>
+          <p:cNvPr id="2" name="Title 1">
+            <a:extLst>
+              <a:ext uri="{FF2B5EF4-FFF2-40B4-BE49-F238E27FC236}">
+                <a16:creationId xmlns:a16="http://schemas.microsoft.com/office/drawing/2014/main" id="{BAFDF99F-0837-403D-8F6F-E82D56850A4F}"/>
+              </a:ext>
+            </a:extLst>
+          </p:cNvPr>
+          <p:cNvSpPr>
+            <a:spLocks noGrp="1"/>
+          </p:cNvSpPr>
+          <p:nvPr>
+            <p:ph type="title"/>
+          </p:nvPr>
+        </p:nvSpPr>
+        <p:spPr/>
+        <p:txBody>
+          <a:bodyPr/>
+          <a:lstStyle/>
+          <a:p>
+            <a:r>
+              <a:rPr lang="en-US" dirty="0"/>
+              <a:t>Check the result</a:t>
+            </a:r>
+            <a:endParaRPr lang="en-MY" dirty="0"/>
+          </a:p>
+        </p:txBody>
+      </p:sp>
+      <p:sp>
+        <p:nvSpPr>
+          <p:cNvPr id="5" name="Content Placeholder 2">
+            <a:extLst>
+              <a:ext uri="{FF2B5EF4-FFF2-40B4-BE49-F238E27FC236}">
+                <a16:creationId xmlns:a16="http://schemas.microsoft.com/office/drawing/2014/main" id="{29EECDDD-AC6C-4855-8354-2B6EA7AA92BC}"/>
+              </a:ext>
+            </a:extLst>
+          </p:cNvPr>
+          <p:cNvSpPr>
+            <a:spLocks noGrp="1"/>
+          </p:cNvSpPr>
+          <p:nvPr>
+            <p:ph idx="1"/>
+          </p:nvPr>
+        </p:nvSpPr>
+        <p:spPr>
+          <a:xfrm>
+            <a:off x="1069848" y="2121408"/>
+            <a:ext cx="4105849" cy="2642617"/>
+          </a:xfrm>
+        </p:spPr>
+        <p:txBody>
+          <a:bodyPr/>
+          <a:lstStyle/>
+          <a:p>
+            <a:r>
+              <a:rPr lang="en-US" dirty="0"/>
+              <a:t>After submit a form then it will go back to show the homepage, with the comment updated.</a:t>
+            </a:r>
+          </a:p>
+        </p:txBody>
+      </p:sp>
+      <p:pic>
+        <p:nvPicPr>
+          <p:cNvPr id="6" name="Picture 5">
+            <a:extLst>
+              <a:ext uri="{FF2B5EF4-FFF2-40B4-BE49-F238E27FC236}">
+                <a16:creationId xmlns:a16="http://schemas.microsoft.com/office/drawing/2014/main" id="{719CFD8A-B8B0-4C36-B6B2-F5DD3FAC5E1C}"/>
+              </a:ext>
+            </a:extLst>
+          </p:cNvPr>
+          <p:cNvPicPr>
+            <a:picLocks noChangeAspect="1"/>
+          </p:cNvPicPr>
+          <p:nvPr/>
+        </p:nvPicPr>
+        <p:blipFill>
+          <a:blip r:embed="rId2"/>
+          <a:stretch>
+            <a:fillRect/>
+          </a:stretch>
+        </p:blipFill>
+        <p:spPr>
+          <a:xfrm>
+            <a:off x="5513427" y="2405847"/>
+            <a:ext cx="6211119" cy="4248335"/>
+          </a:xfrm>
+          <a:prstGeom prst="rect">
+            <a:avLst/>
+          </a:prstGeom>
+        </p:spPr>
+      </p:pic>
+    </p:spTree>
+    <p:extLst>
+      <p:ext uri="{BB962C8B-B14F-4D97-AF65-F5344CB8AC3E}">
+        <p14:creationId xmlns:p14="http://schemas.microsoft.com/office/powerpoint/2010/main" val="172523229"/>
+      </p:ext>
+    </p:extLst>
+  </p:cSld>
+  <p:clrMapOvr>
+    <a:masterClrMapping/>
+  </p:clrMapOvr>
+</p:sld>
+</file>
+
+<file path=ppt/slides/slide14.xml><?xml version="1.0" encoding="utf-8"?>
+<p:sld xmlns:a="http://schemas.openxmlformats.org/drawingml/2006/main" xmlns:r="http://schemas.openxmlformats.org/officeDocument/2006/relationships" xmlns:p="http://schemas.openxmlformats.org/presentationml/2006/main">
+  <p:cSld>
+    <p:spTree>
+      <p:nvGrpSpPr>
+        <p:cNvPr id="1" name=""/>
+        <p:cNvGrpSpPr/>
+        <p:nvPr/>
+      </p:nvGrpSpPr>
+      <p:grpSpPr>
+        <a:xfrm>
+          <a:off x="0" y="0"/>
+          <a:ext cx="0" cy="0"/>
+          <a:chOff x="0" y="0"/>
+          <a:chExt cx="0" cy="0"/>
+        </a:xfrm>
+      </p:grpSpPr>
+      <p:sp>
+        <p:nvSpPr>
+          <p:cNvPr id="2" name="Title 1">
+            <a:extLst>
+              <a:ext uri="{FF2B5EF4-FFF2-40B4-BE49-F238E27FC236}">
+                <a16:creationId xmlns:a16="http://schemas.microsoft.com/office/drawing/2014/main" id="{545B3FC3-E7FA-4044-A901-4AE1E9BE0C59}"/>
+              </a:ext>
+            </a:extLst>
+          </p:cNvPr>
+          <p:cNvSpPr>
+            <a:spLocks noGrp="1"/>
+          </p:cNvSpPr>
+          <p:nvPr>
+            <p:ph type="title"/>
+          </p:nvPr>
+        </p:nvSpPr>
+        <p:spPr/>
+        <p:txBody>
+          <a:bodyPr/>
+          <a:lstStyle/>
+          <a:p>
+            <a:r>
+              <a:rPr lang="en-US" dirty="0" err="1"/>
+              <a:t>User_name</a:t>
+            </a:r>
+            <a:r>
+              <a:rPr lang="en-US" dirty="0"/>
+              <a:t> and datetime information</a:t>
+            </a:r>
+            <a:endParaRPr lang="en-MY" dirty="0"/>
+          </a:p>
+        </p:txBody>
+      </p:sp>
+      <p:sp>
+        <p:nvSpPr>
+          <p:cNvPr id="3" name="Content Placeholder 2">
+            <a:extLst>
+              <a:ext uri="{FF2B5EF4-FFF2-40B4-BE49-F238E27FC236}">
+                <a16:creationId xmlns:a16="http://schemas.microsoft.com/office/drawing/2014/main" id="{467090EF-49A8-46F0-9945-55192AA0FCD8}"/>
+              </a:ext>
+            </a:extLst>
+          </p:cNvPr>
+          <p:cNvSpPr>
+            <a:spLocks noGrp="1"/>
+          </p:cNvSpPr>
+          <p:nvPr>
+            <p:ph idx="1"/>
+          </p:nvPr>
+        </p:nvSpPr>
+        <p:spPr>
+          <a:xfrm>
+            <a:off x="1069848" y="2121408"/>
+            <a:ext cx="10058400" cy="1405563"/>
+          </a:xfrm>
+        </p:spPr>
+        <p:txBody>
+          <a:bodyPr/>
+          <a:lstStyle/>
+          <a:p>
+            <a:r>
+              <a:rPr lang="en-US" dirty="0"/>
+              <a:t>The field of </a:t>
+            </a:r>
+            <a:r>
+              <a:rPr lang="en-US" dirty="0" err="1"/>
+              <a:t>user_name</a:t>
+            </a:r>
+            <a:r>
+              <a:rPr lang="en-US" dirty="0"/>
+              <a:t> and datetime, should not be input by the user.</a:t>
+            </a:r>
+          </a:p>
+          <a:p>
+            <a:pPr lvl="1"/>
+            <a:r>
+              <a:rPr lang="en-US" dirty="0" err="1"/>
+              <a:t>User_name</a:t>
+            </a:r>
+            <a:r>
+              <a:rPr lang="en-US" dirty="0"/>
+              <a:t> should get from the user signup / login information</a:t>
+            </a:r>
+          </a:p>
+          <a:p>
+            <a:pPr lvl="1"/>
+            <a:r>
+              <a:rPr lang="en-US" dirty="0"/>
+              <a:t>Datetime should be automatically added when user submit.</a:t>
+            </a:r>
+            <a:endParaRPr lang="en-MY" dirty="0"/>
+          </a:p>
+        </p:txBody>
+      </p:sp>
+      <p:pic>
+        <p:nvPicPr>
+          <p:cNvPr id="9" name="Picture 8">
+            <a:extLst>
+              <a:ext uri="{FF2B5EF4-FFF2-40B4-BE49-F238E27FC236}">
+                <a16:creationId xmlns:a16="http://schemas.microsoft.com/office/drawing/2014/main" id="{DE8321AA-8609-4917-8A1C-6FC613C8FE77}"/>
+              </a:ext>
+            </a:extLst>
+          </p:cNvPr>
+          <p:cNvPicPr>
+            <a:picLocks noChangeAspect="1"/>
+          </p:cNvPicPr>
+          <p:nvPr/>
+        </p:nvPicPr>
+        <p:blipFill>
+          <a:blip r:embed="rId2"/>
+          <a:stretch>
+            <a:fillRect/>
+          </a:stretch>
+        </p:blipFill>
+        <p:spPr>
+          <a:xfrm>
+            <a:off x="1974033" y="3526971"/>
+            <a:ext cx="6601746" cy="2276793"/>
+          </a:xfrm>
+          <a:prstGeom prst="rect">
+            <a:avLst/>
+          </a:prstGeom>
+        </p:spPr>
+      </p:pic>
+    </p:spTree>
+    <p:extLst>
+      <p:ext uri="{BB962C8B-B14F-4D97-AF65-F5344CB8AC3E}">
+        <p14:creationId xmlns:p14="http://schemas.microsoft.com/office/powerpoint/2010/main" val="3863609363"/>
+      </p:ext>
+    </p:extLst>
+  </p:cSld>
+  <p:clrMapOvr>
+    <a:masterClrMapping/>
+  </p:clrMapOvr>
+</p:sld>
+</file>
+
+<file path=ppt/slides/slide15.xml><?xml version="1.0" encoding="utf-8"?>
+<p:sld xmlns:a="http://schemas.openxmlformats.org/drawingml/2006/main" xmlns:r="http://schemas.openxmlformats.org/officeDocument/2006/relationships" xmlns:p="http://schemas.openxmlformats.org/presentationml/2006/main">
+  <p:cSld>
+    <p:spTree>
+      <p:nvGrpSpPr>
+        <p:cNvPr id="1" name=""/>
+        <p:cNvGrpSpPr/>
+        <p:nvPr/>
+      </p:nvGrpSpPr>
+      <p:grpSpPr>
+        <a:xfrm>
+          <a:off x="0" y="0"/>
+          <a:ext cx="0" cy="0"/>
+          <a:chOff x="0" y="0"/>
+          <a:chExt cx="0" cy="0"/>
+        </a:xfrm>
+      </p:grpSpPr>
+      <p:sp>
+        <p:nvSpPr>
+          <p:cNvPr id="2" name="Title 1">
+            <a:extLst>
+              <a:ext uri="{FF2B5EF4-FFF2-40B4-BE49-F238E27FC236}">
+                <a16:creationId xmlns:a16="http://schemas.microsoft.com/office/drawing/2014/main" id="{AEEEA25B-5888-44E2-98F8-4B128765EF82}"/>
+              </a:ext>
+            </a:extLst>
+          </p:cNvPr>
+          <p:cNvSpPr>
+            <a:spLocks noGrp="1"/>
+          </p:cNvSpPr>
+          <p:nvPr>
+            <p:ph type="title"/>
+          </p:nvPr>
+        </p:nvSpPr>
+        <p:spPr/>
+        <p:txBody>
+          <a:bodyPr/>
+          <a:lstStyle/>
+          <a:p>
+            <a:r>
+              <a:rPr lang="en-US" dirty="0"/>
+              <a:t>Add edit comment function</a:t>
+            </a:r>
+            <a:endParaRPr lang="en-MY" dirty="0"/>
+          </a:p>
+        </p:txBody>
+      </p:sp>
+      <p:sp>
+        <p:nvSpPr>
+          <p:cNvPr id="3" name="Content Placeholder 2">
+            <a:extLst>
+              <a:ext uri="{FF2B5EF4-FFF2-40B4-BE49-F238E27FC236}">
+                <a16:creationId xmlns:a16="http://schemas.microsoft.com/office/drawing/2014/main" id="{A08C5308-A461-42D2-BCFC-A54FCF49B333}"/>
+              </a:ext>
+            </a:extLst>
+          </p:cNvPr>
+          <p:cNvSpPr>
+            <a:spLocks noGrp="1"/>
+          </p:cNvSpPr>
+          <p:nvPr>
+            <p:ph idx="1"/>
+          </p:nvPr>
+        </p:nvSpPr>
+        <p:spPr>
+          <a:xfrm>
+            <a:off x="1069848" y="2121408"/>
+            <a:ext cx="10058400" cy="1110064"/>
+          </a:xfrm>
+        </p:spPr>
+        <p:txBody>
+          <a:bodyPr/>
+          <a:lstStyle/>
+          <a:p>
+            <a:r>
+              <a:rPr lang="en-US" dirty="0"/>
+              <a:t>At home page for each comment add link to click and see detail of comments.</a:t>
+            </a:r>
+          </a:p>
+          <a:p>
+            <a:r>
+              <a:rPr lang="en-US" dirty="0"/>
+              <a:t>at detail comments add edit the comment and delete the comment, two button at the bottom</a:t>
+            </a:r>
+            <a:endParaRPr lang="en-MY" dirty="0"/>
+          </a:p>
+        </p:txBody>
+      </p:sp>
+      <p:pic>
+        <p:nvPicPr>
+          <p:cNvPr id="5" name="Picture 4">
+            <a:extLst>
+              <a:ext uri="{FF2B5EF4-FFF2-40B4-BE49-F238E27FC236}">
+                <a16:creationId xmlns:a16="http://schemas.microsoft.com/office/drawing/2014/main" id="{B039D882-D344-404A-B665-1AC48EFFAFC1}"/>
+              </a:ext>
+            </a:extLst>
+          </p:cNvPr>
+          <p:cNvPicPr>
+            <a:picLocks noChangeAspect="1"/>
+          </p:cNvPicPr>
+          <p:nvPr/>
+        </p:nvPicPr>
+        <p:blipFill>
+          <a:blip r:embed="rId2"/>
+          <a:stretch>
+            <a:fillRect/>
+          </a:stretch>
+        </p:blipFill>
+        <p:spPr>
+          <a:xfrm>
+            <a:off x="1599052" y="3429000"/>
+            <a:ext cx="7182852" cy="1943371"/>
+          </a:xfrm>
+          <a:prstGeom prst="rect">
+            <a:avLst/>
+          </a:prstGeom>
+        </p:spPr>
+      </p:pic>
+      <p:sp>
+        <p:nvSpPr>
+          <p:cNvPr id="6" name="Rectangle 5">
+            <a:extLst>
+              <a:ext uri="{FF2B5EF4-FFF2-40B4-BE49-F238E27FC236}">
+                <a16:creationId xmlns:a16="http://schemas.microsoft.com/office/drawing/2014/main" id="{EEEEF8BD-F3C0-4D52-80B9-9DA0076F69A3}"/>
+              </a:ext>
+            </a:extLst>
+          </p:cNvPr>
+          <p:cNvSpPr/>
+          <p:nvPr/>
+        </p:nvSpPr>
+        <p:spPr>
+          <a:xfrm>
+            <a:off x="2677549" y="4052693"/>
+            <a:ext cx="5889402" cy="687983"/>
+          </a:xfrm>
+          <a:prstGeom prst="rect">
+            <a:avLst/>
+          </a:prstGeom>
+          <a:noFill/>
+        </p:spPr>
+        <p:style>
+          <a:lnRef idx="2">
+            <a:schemeClr val="accent1">
+              <a:shade val="50000"/>
+            </a:schemeClr>
+          </a:lnRef>
+          <a:fillRef idx="1">
+            <a:schemeClr val="accent1"/>
+          </a:fillRef>
+          <a:effectRef idx="0">
+            <a:schemeClr val="accent1"/>
+          </a:effectRef>
+          <a:fontRef idx="minor">
+            <a:schemeClr val="lt1"/>
+          </a:fontRef>
+        </p:style>
+        <p:txBody>
+          <a:bodyPr rtlCol="0" anchor="ctr"/>
+          <a:lstStyle/>
+          <a:p>
+            <a:pPr algn="ctr"/>
+            <a:endParaRPr lang="en-MY"/>
+          </a:p>
+        </p:txBody>
+      </p:sp>
+    </p:spTree>
+    <p:extLst>
+      <p:ext uri="{BB962C8B-B14F-4D97-AF65-F5344CB8AC3E}">
+        <p14:creationId xmlns:p14="http://schemas.microsoft.com/office/powerpoint/2010/main" val="765903914"/>
+      </p:ext>
+    </p:extLst>
+  </p:cSld>
+  <p:clrMapOvr>
+    <a:masterClrMapping/>
+  </p:clrMapOvr>
+</p:sld>
+</file>
+
+<file path=ppt/slides/slide16.xml><?xml version="1.0" encoding="utf-8"?>
+<p:sld xmlns:a="http://schemas.openxmlformats.org/drawingml/2006/main" xmlns:r="http://schemas.openxmlformats.org/officeDocument/2006/relationships" xmlns:p="http://schemas.openxmlformats.org/presentationml/2006/main">
+  <p:cSld>
+    <p:spTree>
+      <p:nvGrpSpPr>
+        <p:cNvPr id="1" name=""/>
+        <p:cNvGrpSpPr/>
+        <p:nvPr/>
+      </p:nvGrpSpPr>
+      <p:grpSpPr>
+        <a:xfrm>
+          <a:off x="0" y="0"/>
+          <a:ext cx="0" cy="0"/>
+          <a:chOff x="0" y="0"/>
+          <a:chExt cx="0" cy="0"/>
+        </a:xfrm>
+      </p:grpSpPr>
+      <p:sp>
+        <p:nvSpPr>
+          <p:cNvPr id="2" name="Title 1">
+            <a:extLst>
+              <a:ext uri="{FF2B5EF4-FFF2-40B4-BE49-F238E27FC236}">
+                <a16:creationId xmlns:a16="http://schemas.microsoft.com/office/drawing/2014/main" id="{09C1C2A0-514F-4EBD-B371-370992651974}"/>
+              </a:ext>
+            </a:extLst>
+          </p:cNvPr>
+          <p:cNvSpPr>
+            <a:spLocks noGrp="1"/>
+          </p:cNvSpPr>
+          <p:nvPr>
+            <p:ph type="title"/>
+          </p:nvPr>
+        </p:nvSpPr>
+        <p:spPr>
+          <a:xfrm>
+            <a:off x="1069848" y="484632"/>
+            <a:ext cx="3928280" cy="1609344"/>
+          </a:xfrm>
+        </p:spPr>
+        <p:txBody>
+          <a:bodyPr/>
+          <a:lstStyle/>
+          <a:p>
+            <a:r>
+              <a:rPr lang="en-US" dirty="0"/>
+              <a:t>Detail comment</a:t>
+            </a:r>
+            <a:endParaRPr lang="en-MY" dirty="0"/>
+          </a:p>
+        </p:txBody>
+      </p:sp>
+      <p:pic>
+        <p:nvPicPr>
+          <p:cNvPr id="5" name="Picture 4">
+            <a:extLst>
+              <a:ext uri="{FF2B5EF4-FFF2-40B4-BE49-F238E27FC236}">
+                <a16:creationId xmlns:a16="http://schemas.microsoft.com/office/drawing/2014/main" id="{EF51A502-A86A-4825-B7E5-BD9FFA9BDF30}"/>
+              </a:ext>
+            </a:extLst>
+          </p:cNvPr>
+          <p:cNvPicPr>
+            <a:picLocks noChangeAspect="1"/>
+          </p:cNvPicPr>
+          <p:nvPr/>
+        </p:nvPicPr>
+        <p:blipFill>
+          <a:blip r:embed="rId2"/>
+          <a:stretch>
+            <a:fillRect/>
+          </a:stretch>
+        </p:blipFill>
+        <p:spPr>
+          <a:xfrm>
+            <a:off x="4715495" y="113190"/>
+            <a:ext cx="7305565" cy="6631619"/>
+          </a:xfrm>
+          <a:prstGeom prst="rect">
+            <a:avLst/>
+          </a:prstGeom>
+        </p:spPr>
+      </p:pic>
+    </p:spTree>
+    <p:extLst>
+      <p:ext uri="{BB962C8B-B14F-4D97-AF65-F5344CB8AC3E}">
+        <p14:creationId xmlns:p14="http://schemas.microsoft.com/office/powerpoint/2010/main" val="3166210721"/>
+      </p:ext>
+    </p:extLst>
+  </p:cSld>
+  <p:clrMapOvr>
+    <a:masterClrMapping/>
+  </p:clrMapOvr>
+</p:sld>
+</file>
+
+<file path=ppt/slides/slide17.xml><?xml version="1.0" encoding="utf-8"?>
+<p:sld xmlns:a="http://schemas.openxmlformats.org/drawingml/2006/main" xmlns:r="http://schemas.openxmlformats.org/officeDocument/2006/relationships" xmlns:p="http://schemas.openxmlformats.org/presentationml/2006/main">
+  <p:cSld>
+    <p:spTree>
+      <p:nvGrpSpPr>
+        <p:cNvPr id="1" name=""/>
+        <p:cNvGrpSpPr/>
+        <p:nvPr/>
+      </p:nvGrpSpPr>
+      <p:grpSpPr>
+        <a:xfrm>
+          <a:off x="0" y="0"/>
+          <a:ext cx="0" cy="0"/>
+          <a:chOff x="0" y="0"/>
+          <a:chExt cx="0" cy="0"/>
+        </a:xfrm>
+      </p:grpSpPr>
+      <p:sp>
+        <p:nvSpPr>
+          <p:cNvPr id="2" name="Title 1">
+            <a:extLst>
+              <a:ext uri="{FF2B5EF4-FFF2-40B4-BE49-F238E27FC236}">
+                <a16:creationId xmlns:a16="http://schemas.microsoft.com/office/drawing/2014/main" id="{EAD4186D-F36B-4AA6-87CE-4C6041871F6B}"/>
+              </a:ext>
+            </a:extLst>
+          </p:cNvPr>
+          <p:cNvSpPr>
+            <a:spLocks noGrp="1"/>
+          </p:cNvSpPr>
+          <p:nvPr>
+            <p:ph type="title"/>
+          </p:nvPr>
+        </p:nvSpPr>
+        <p:spPr/>
+        <p:txBody>
+          <a:bodyPr/>
+          <a:lstStyle/>
+          <a:p>
+            <a:r>
+              <a:rPr lang="en-US" dirty="0"/>
+              <a:t>Add </a:t>
+            </a:r>
+            <a:r>
+              <a:rPr lang="en-US" dirty="0" err="1"/>
+              <a:t>url</a:t>
+            </a:r>
+            <a:r>
+              <a:rPr lang="en-US" dirty="0"/>
+              <a:t> conf</a:t>
+            </a:r>
+            <a:endParaRPr lang="en-MY" dirty="0"/>
+          </a:p>
+        </p:txBody>
+      </p:sp>
+      <p:sp>
+        <p:nvSpPr>
+          <p:cNvPr id="3" name="Content Placeholder 2">
+            <a:extLst>
+              <a:ext uri="{FF2B5EF4-FFF2-40B4-BE49-F238E27FC236}">
+                <a16:creationId xmlns:a16="http://schemas.microsoft.com/office/drawing/2014/main" id="{E2653FD0-C365-4654-AF7E-17A773EBEAF1}"/>
+              </a:ext>
+            </a:extLst>
+          </p:cNvPr>
+          <p:cNvSpPr>
+            <a:spLocks noGrp="1"/>
+          </p:cNvSpPr>
+          <p:nvPr>
+            <p:ph idx="1"/>
+          </p:nvPr>
+        </p:nvSpPr>
+        <p:spPr/>
+        <p:txBody>
+          <a:bodyPr/>
+          <a:lstStyle/>
+          <a:p>
+            <a:r>
+              <a:rPr lang="en-US" dirty="0"/>
+              <a:t>Comment details</a:t>
+            </a:r>
+          </a:p>
+          <a:p>
+            <a:r>
+              <a:rPr lang="en-US" dirty="0"/>
+              <a:t>Comment edit</a:t>
+            </a:r>
+          </a:p>
+          <a:p>
+            <a:r>
+              <a:rPr lang="en-US" dirty="0"/>
+              <a:t>Comment delete</a:t>
+            </a:r>
+            <a:endParaRPr lang="en-MY" dirty="0"/>
+          </a:p>
+        </p:txBody>
+      </p:sp>
+      <p:pic>
+        <p:nvPicPr>
+          <p:cNvPr id="5" name="Picture 4">
+            <a:extLst>
+              <a:ext uri="{FF2B5EF4-FFF2-40B4-BE49-F238E27FC236}">
+                <a16:creationId xmlns:a16="http://schemas.microsoft.com/office/drawing/2014/main" id="{0CD4267F-F37E-4575-A264-6432753DBC27}"/>
+              </a:ext>
+            </a:extLst>
+          </p:cNvPr>
+          <p:cNvPicPr>
+            <a:picLocks noChangeAspect="1"/>
+          </p:cNvPicPr>
+          <p:nvPr/>
+        </p:nvPicPr>
+        <p:blipFill>
+          <a:blip r:embed="rId2"/>
+          <a:stretch>
+            <a:fillRect/>
+          </a:stretch>
+        </p:blipFill>
+        <p:spPr>
+          <a:xfrm>
+            <a:off x="2304521" y="3813382"/>
+            <a:ext cx="7582958" cy="666843"/>
+          </a:xfrm>
+          <a:prstGeom prst="rect">
+            <a:avLst/>
+          </a:prstGeom>
+        </p:spPr>
+      </p:pic>
+    </p:spTree>
+    <p:extLst>
+      <p:ext uri="{BB962C8B-B14F-4D97-AF65-F5344CB8AC3E}">
+        <p14:creationId xmlns:p14="http://schemas.microsoft.com/office/powerpoint/2010/main" val="2746116165"/>
+      </p:ext>
+    </p:extLst>
+  </p:cSld>
+  <p:clrMapOvr>
+    <a:masterClrMapping/>
+  </p:clrMapOvr>
+</p:sld>
+</file>
+
+<file path=ppt/slides/slide18.xml><?xml version="1.0" encoding="utf-8"?>
+<p:sld xmlns:a="http://schemas.openxmlformats.org/drawingml/2006/main" xmlns:r="http://schemas.openxmlformats.org/officeDocument/2006/relationships" xmlns:p="http://schemas.openxmlformats.org/presentationml/2006/main">
+  <p:cSld>
+    <p:spTree>
+      <p:nvGrpSpPr>
+        <p:cNvPr id="1" name=""/>
+        <p:cNvGrpSpPr/>
+        <p:nvPr/>
+      </p:nvGrpSpPr>
+      <p:grpSpPr>
+        <a:xfrm>
+          <a:off x="0" y="0"/>
+          <a:ext cx="0" cy="0"/>
+          <a:chOff x="0" y="0"/>
+          <a:chExt cx="0" cy="0"/>
+        </a:xfrm>
+      </p:grpSpPr>
+      <p:sp>
+        <p:nvSpPr>
+          <p:cNvPr id="2" name="Title 1">
+            <a:extLst>
+              <a:ext uri="{FF2B5EF4-FFF2-40B4-BE49-F238E27FC236}">
+                <a16:creationId xmlns:a16="http://schemas.microsoft.com/office/drawing/2014/main" id="{EAD4186D-F36B-4AA6-87CE-4C6041871F6B}"/>
+              </a:ext>
+            </a:extLst>
+          </p:cNvPr>
+          <p:cNvSpPr>
+            <a:spLocks noGrp="1"/>
+          </p:cNvSpPr>
+          <p:nvPr>
+            <p:ph type="title"/>
+          </p:nvPr>
+        </p:nvSpPr>
+        <p:spPr/>
+        <p:txBody>
+          <a:bodyPr/>
+          <a:lstStyle/>
+          <a:p>
+            <a:r>
+              <a:rPr lang="en-US" dirty="0"/>
+              <a:t>Add view</a:t>
+            </a:r>
+            <a:endParaRPr lang="en-MY" dirty="0"/>
+          </a:p>
+        </p:txBody>
+      </p:sp>
+      <p:sp>
+        <p:nvSpPr>
+          <p:cNvPr id="3" name="Content Placeholder 2">
+            <a:extLst>
+              <a:ext uri="{FF2B5EF4-FFF2-40B4-BE49-F238E27FC236}">
+                <a16:creationId xmlns:a16="http://schemas.microsoft.com/office/drawing/2014/main" id="{E2653FD0-C365-4654-AF7E-17A773EBEAF1}"/>
+              </a:ext>
+            </a:extLst>
+          </p:cNvPr>
+          <p:cNvSpPr>
+            <a:spLocks noGrp="1"/>
+          </p:cNvSpPr>
+          <p:nvPr>
+            <p:ph idx="1"/>
+          </p:nvPr>
+        </p:nvSpPr>
+        <p:spPr/>
+        <p:txBody>
+          <a:bodyPr/>
+          <a:lstStyle/>
+          <a:p>
+            <a:r>
+              <a:rPr lang="en-US" dirty="0"/>
+              <a:t>Comment details</a:t>
+            </a:r>
+          </a:p>
+          <a:p>
+            <a:r>
+              <a:rPr lang="en-US" dirty="0"/>
+              <a:t>Comment edit</a:t>
+            </a:r>
+          </a:p>
+          <a:p>
+            <a:r>
+              <a:rPr lang="en-US" dirty="0"/>
+              <a:t>Comment delete</a:t>
+            </a:r>
+            <a:endParaRPr lang="en-MY" dirty="0"/>
+          </a:p>
+        </p:txBody>
+      </p:sp>
+      <p:pic>
+        <p:nvPicPr>
+          <p:cNvPr id="5" name="Picture 4">
+            <a:extLst>
+              <a:ext uri="{FF2B5EF4-FFF2-40B4-BE49-F238E27FC236}">
+                <a16:creationId xmlns:a16="http://schemas.microsoft.com/office/drawing/2014/main" id="{C9F678D4-C522-41B0-B306-7371650DD20B}"/>
+              </a:ext>
+            </a:extLst>
+          </p:cNvPr>
+          <p:cNvPicPr>
+            <a:picLocks noChangeAspect="1"/>
+          </p:cNvPicPr>
+          <p:nvPr/>
+        </p:nvPicPr>
+        <p:blipFill>
+          <a:blip r:embed="rId2"/>
+          <a:stretch>
+            <a:fillRect/>
+          </a:stretch>
+        </p:blipFill>
+        <p:spPr>
+          <a:xfrm>
+            <a:off x="5339670" y="685800"/>
+            <a:ext cx="5782482" cy="1829055"/>
+          </a:xfrm>
+          <a:prstGeom prst="rect">
+            <a:avLst/>
+          </a:prstGeom>
+        </p:spPr>
+      </p:pic>
+      <p:pic>
+        <p:nvPicPr>
+          <p:cNvPr id="7" name="Picture 6">
+            <a:extLst>
+              <a:ext uri="{FF2B5EF4-FFF2-40B4-BE49-F238E27FC236}">
+                <a16:creationId xmlns:a16="http://schemas.microsoft.com/office/drawing/2014/main" id="{7CCE10B0-D2F0-49AD-9575-1280728A4C32}"/>
+              </a:ext>
+            </a:extLst>
+          </p:cNvPr>
+          <p:cNvPicPr>
+            <a:picLocks noChangeAspect="1"/>
+          </p:cNvPicPr>
+          <p:nvPr/>
+        </p:nvPicPr>
+        <p:blipFill>
+          <a:blip r:embed="rId3"/>
+          <a:stretch>
+            <a:fillRect/>
+          </a:stretch>
+        </p:blipFill>
+        <p:spPr>
+          <a:xfrm>
+            <a:off x="5339670" y="2514855"/>
+            <a:ext cx="5687219" cy="2086266"/>
+          </a:xfrm>
+          <a:prstGeom prst="rect">
+            <a:avLst/>
+          </a:prstGeom>
+        </p:spPr>
+      </p:pic>
+      <p:pic>
+        <p:nvPicPr>
+          <p:cNvPr id="9" name="Picture 8">
+            <a:extLst>
+              <a:ext uri="{FF2B5EF4-FFF2-40B4-BE49-F238E27FC236}">
+                <a16:creationId xmlns:a16="http://schemas.microsoft.com/office/drawing/2014/main" id="{09C9EEA9-E73E-406F-9310-B9CDA4A43524}"/>
+              </a:ext>
+            </a:extLst>
+          </p:cNvPr>
+          <p:cNvPicPr>
+            <a:picLocks noChangeAspect="1"/>
+          </p:cNvPicPr>
+          <p:nvPr/>
+        </p:nvPicPr>
+        <p:blipFill rotWithShape="1">
+          <a:blip r:embed="rId4"/>
+          <a:srcRect b="24837"/>
+          <a:stretch/>
+        </p:blipFill>
+        <p:spPr>
+          <a:xfrm>
+            <a:off x="810179" y="4764025"/>
+            <a:ext cx="5973009" cy="1854501"/>
+          </a:xfrm>
+          <a:prstGeom prst="rect">
+            <a:avLst/>
+          </a:prstGeom>
+        </p:spPr>
+      </p:pic>
+    </p:spTree>
+    <p:extLst>
+      <p:ext uri="{BB962C8B-B14F-4D97-AF65-F5344CB8AC3E}">
+        <p14:creationId xmlns:p14="http://schemas.microsoft.com/office/powerpoint/2010/main" val="3886424871"/>
+      </p:ext>
+    </p:extLst>
+  </p:cSld>
+  <p:clrMapOvr>
+    <a:masterClrMapping/>
+  </p:clrMapOvr>
+</p:sld>
+</file>
+
+<file path=ppt/slides/slide19.xml><?xml version="1.0" encoding="utf-8"?>
+<p:sld xmlns:a="http://schemas.openxmlformats.org/drawingml/2006/main" xmlns:r="http://schemas.openxmlformats.org/officeDocument/2006/relationships" xmlns:p="http://schemas.openxmlformats.org/presentationml/2006/main">
+  <p:cSld>
+    <p:spTree>
+      <p:nvGrpSpPr>
+        <p:cNvPr id="1" name=""/>
+        <p:cNvGrpSpPr/>
+        <p:nvPr/>
+      </p:nvGrpSpPr>
+      <p:grpSpPr>
+        <a:xfrm>
+          <a:off x="0" y="0"/>
+          <a:ext cx="0" cy="0"/>
+          <a:chOff x="0" y="0"/>
+          <a:chExt cx="0" cy="0"/>
+        </a:xfrm>
+      </p:grpSpPr>
+      <p:sp>
+        <p:nvSpPr>
+          <p:cNvPr id="2" name="Title 1">
+            <a:extLst>
+              <a:ext uri="{FF2B5EF4-FFF2-40B4-BE49-F238E27FC236}">
+                <a16:creationId xmlns:a16="http://schemas.microsoft.com/office/drawing/2014/main" id="{EAD4186D-F36B-4AA6-87CE-4C6041871F6B}"/>
+              </a:ext>
+            </a:extLst>
+          </p:cNvPr>
+          <p:cNvSpPr>
+            <a:spLocks noGrp="1"/>
+          </p:cNvSpPr>
+          <p:nvPr>
+            <p:ph type="title"/>
+          </p:nvPr>
+        </p:nvSpPr>
+        <p:spPr/>
+        <p:txBody>
+          <a:bodyPr/>
+          <a:lstStyle/>
+          <a:p>
+            <a:r>
+              <a:rPr lang="en-US"/>
+              <a:t>Add template</a:t>
+            </a:r>
+            <a:endParaRPr lang="en-MY" dirty="0"/>
+          </a:p>
+        </p:txBody>
+      </p:sp>
+      <p:sp>
+        <p:nvSpPr>
+          <p:cNvPr id="3" name="Content Placeholder 2">
+            <a:extLst>
+              <a:ext uri="{FF2B5EF4-FFF2-40B4-BE49-F238E27FC236}">
+                <a16:creationId xmlns:a16="http://schemas.microsoft.com/office/drawing/2014/main" id="{E2653FD0-C365-4654-AF7E-17A773EBEAF1}"/>
+              </a:ext>
+            </a:extLst>
+          </p:cNvPr>
+          <p:cNvSpPr>
+            <a:spLocks noGrp="1"/>
+          </p:cNvSpPr>
+          <p:nvPr>
+            <p:ph idx="1"/>
+          </p:nvPr>
+        </p:nvSpPr>
+        <p:spPr>
+          <a:xfrm>
+            <a:off x="1069848" y="2121408"/>
+            <a:ext cx="3670828" cy="1420782"/>
+          </a:xfrm>
+        </p:spPr>
+        <p:txBody>
+          <a:bodyPr/>
+          <a:lstStyle/>
+          <a:p>
+            <a:r>
+              <a:rPr lang="en-US" dirty="0"/>
+              <a:t>Comment details</a:t>
+            </a:r>
+          </a:p>
+        </p:txBody>
+      </p:sp>
+      <p:pic>
+        <p:nvPicPr>
+          <p:cNvPr id="6" name="Picture 5">
+            <a:extLst>
+              <a:ext uri="{FF2B5EF4-FFF2-40B4-BE49-F238E27FC236}">
+                <a16:creationId xmlns:a16="http://schemas.microsoft.com/office/drawing/2014/main" id="{4B9E47FD-CACB-4F39-A7C4-5B4F277C25D9}"/>
+              </a:ext>
+            </a:extLst>
+          </p:cNvPr>
+          <p:cNvPicPr>
+            <a:picLocks noChangeAspect="1"/>
+          </p:cNvPicPr>
+          <p:nvPr/>
+        </p:nvPicPr>
+        <p:blipFill>
+          <a:blip r:embed="rId2"/>
+          <a:stretch>
+            <a:fillRect/>
+          </a:stretch>
+        </p:blipFill>
+        <p:spPr>
+          <a:xfrm>
+            <a:off x="4962618" y="292963"/>
+            <a:ext cx="7105095" cy="6458382"/>
+          </a:xfrm>
+          <a:prstGeom prst="rect">
+            <a:avLst/>
+          </a:prstGeom>
+        </p:spPr>
+      </p:pic>
+    </p:spTree>
+    <p:extLst>
+      <p:ext uri="{BB962C8B-B14F-4D97-AF65-F5344CB8AC3E}">
+        <p14:creationId xmlns:p14="http://schemas.microsoft.com/office/powerpoint/2010/main" val="133345068"/>
+      </p:ext>
+    </p:extLst>
+  </p:cSld>
+  <p:clrMapOvr>
+    <a:masterClrMapping/>
+  </p:clrMapOvr>
+</p:sld>
+</file>
+
+<file path=ppt/slides/slide2.xml><?xml version="1.0" encoding="utf-8"?>
+<p:sld xmlns:a="http://schemas.openxmlformats.org/drawingml/2006/main" xmlns:r="http://schemas.openxmlformats.org/officeDocument/2006/relationships" xmlns:p="http://schemas.openxmlformats.org/presentationml/2006/main">
+  <p:cSld>
+    <p:spTree>
+      <p:nvGrpSpPr>
+        <p:cNvPr id="1" name=""/>
+        <p:cNvGrpSpPr/>
+        <p:nvPr/>
+      </p:nvGrpSpPr>
+      <p:grpSpPr>
+        <a:xfrm>
+          <a:off x="0" y="0"/>
+          <a:ext cx="0" cy="0"/>
+          <a:chOff x="0" y="0"/>
+          <a:chExt cx="0" cy="0"/>
+        </a:xfrm>
+      </p:grpSpPr>
+      <p:sp>
+        <p:nvSpPr>
+          <p:cNvPr id="2" name="Title 1">
+            <a:extLst>
+              <a:ext uri="{FF2B5EF4-FFF2-40B4-BE49-F238E27FC236}">
+                <a16:creationId xmlns:a16="http://schemas.microsoft.com/office/drawing/2014/main" id="{B727E39C-792E-404C-A849-A302EFFB3EFB}"/>
+              </a:ext>
+            </a:extLst>
+          </p:cNvPr>
+          <p:cNvSpPr>
+            <a:spLocks noGrp="1"/>
+          </p:cNvSpPr>
+          <p:nvPr>
+            <p:ph type="title"/>
+          </p:nvPr>
+        </p:nvSpPr>
+        <p:spPr/>
+        <p:txBody>
+          <a:bodyPr/>
+          <a:lstStyle/>
+          <a:p>
+            <a:r>
+              <a:rPr lang="en-US" dirty="0"/>
+              <a:t>Add new function for user to add comment or feedback</a:t>
+            </a:r>
+            <a:endParaRPr lang="en-MY" dirty="0"/>
+          </a:p>
+        </p:txBody>
+      </p:sp>
+      <p:sp>
+        <p:nvSpPr>
+          <p:cNvPr id="3" name="Content Placeholder 2">
+            <a:extLst>
+              <a:ext uri="{FF2B5EF4-FFF2-40B4-BE49-F238E27FC236}">
+                <a16:creationId xmlns:a16="http://schemas.microsoft.com/office/drawing/2014/main" id="{0C9AD400-E08E-4F4D-BB2A-E33D4E30E88B}"/>
+              </a:ext>
+            </a:extLst>
+          </p:cNvPr>
+          <p:cNvSpPr>
+            <a:spLocks noGrp="1"/>
+          </p:cNvSpPr>
+          <p:nvPr>
+            <p:ph idx="1"/>
+          </p:nvPr>
+        </p:nvSpPr>
+        <p:spPr>
+          <a:xfrm>
+            <a:off x="1069848" y="2121408"/>
+            <a:ext cx="10058400" cy="1500681"/>
+          </a:xfrm>
+        </p:spPr>
+        <p:txBody>
+          <a:bodyPr/>
+          <a:lstStyle/>
+          <a:p>
+            <a:r>
+              <a:rPr lang="en-US" dirty="0"/>
+              <a:t>Before we start to let user participate the questionnaire, we first develop the function for user to add comment/feedback.</a:t>
+            </a:r>
+            <a:endParaRPr lang="en-MY" dirty="0"/>
+          </a:p>
+        </p:txBody>
+      </p:sp>
+    </p:spTree>
+    <p:extLst>
+      <p:ext uri="{BB962C8B-B14F-4D97-AF65-F5344CB8AC3E}">
+        <p14:creationId xmlns:p14="http://schemas.microsoft.com/office/powerpoint/2010/main" val="2526600334"/>
+      </p:ext>
+    </p:extLst>
+  </p:cSld>
+  <p:clrMapOvr>
+    <a:masterClrMapping/>
+  </p:clrMapOvr>
+</p:sld>
+</file>
+
+<file path=ppt/slides/slide20.xml><?xml version="1.0" encoding="utf-8"?>
+<p:sld xmlns:a="http://schemas.openxmlformats.org/drawingml/2006/main" xmlns:r="http://schemas.openxmlformats.org/officeDocument/2006/relationships" xmlns:p="http://schemas.openxmlformats.org/presentationml/2006/main">
+  <p:cSld>
+    <p:spTree>
+      <p:nvGrpSpPr>
+        <p:cNvPr id="1" name=""/>
+        <p:cNvGrpSpPr/>
+        <p:nvPr/>
+      </p:nvGrpSpPr>
+      <p:grpSpPr>
+        <a:xfrm>
+          <a:off x="0" y="0"/>
+          <a:ext cx="0" cy="0"/>
+          <a:chOff x="0" y="0"/>
+          <a:chExt cx="0" cy="0"/>
+        </a:xfrm>
+      </p:grpSpPr>
+      <p:sp>
+        <p:nvSpPr>
+          <p:cNvPr id="2" name="Title 1">
+            <a:extLst>
+              <a:ext uri="{FF2B5EF4-FFF2-40B4-BE49-F238E27FC236}">
+                <a16:creationId xmlns:a16="http://schemas.microsoft.com/office/drawing/2014/main" id="{EAD4186D-F36B-4AA6-87CE-4C6041871F6B}"/>
+              </a:ext>
+            </a:extLst>
+          </p:cNvPr>
+          <p:cNvSpPr>
+            <a:spLocks noGrp="1"/>
+          </p:cNvSpPr>
+          <p:nvPr>
+            <p:ph type="title"/>
+          </p:nvPr>
+        </p:nvSpPr>
+        <p:spPr/>
+        <p:txBody>
+          <a:bodyPr/>
+          <a:lstStyle/>
+          <a:p>
+            <a:r>
+              <a:rPr lang="en-US"/>
+              <a:t>Add template</a:t>
+            </a:r>
+            <a:endParaRPr lang="en-MY" dirty="0"/>
+          </a:p>
+        </p:txBody>
+      </p:sp>
+      <p:sp>
+        <p:nvSpPr>
+          <p:cNvPr id="3" name="Content Placeholder 2">
+            <a:extLst>
+              <a:ext uri="{FF2B5EF4-FFF2-40B4-BE49-F238E27FC236}">
+                <a16:creationId xmlns:a16="http://schemas.microsoft.com/office/drawing/2014/main" id="{E2653FD0-C365-4654-AF7E-17A773EBEAF1}"/>
+              </a:ext>
+            </a:extLst>
+          </p:cNvPr>
+          <p:cNvSpPr>
+            <a:spLocks noGrp="1"/>
+          </p:cNvSpPr>
+          <p:nvPr>
+            <p:ph idx="1"/>
+          </p:nvPr>
+        </p:nvSpPr>
+        <p:spPr>
+          <a:xfrm>
+            <a:off x="1069848" y="2121408"/>
+            <a:ext cx="2490098" cy="1882421"/>
+          </a:xfrm>
+        </p:spPr>
+        <p:txBody>
+          <a:bodyPr/>
+          <a:lstStyle/>
+          <a:p>
+            <a:r>
+              <a:rPr lang="en-US" dirty="0"/>
+              <a:t>Comment edit. Same template as add new comment</a:t>
+            </a:r>
+          </a:p>
+        </p:txBody>
+      </p:sp>
+      <p:pic>
+        <p:nvPicPr>
+          <p:cNvPr id="5" name="Picture 4">
+            <a:extLst>
+              <a:ext uri="{FF2B5EF4-FFF2-40B4-BE49-F238E27FC236}">
+                <a16:creationId xmlns:a16="http://schemas.microsoft.com/office/drawing/2014/main" id="{7434D0AB-CB95-4D3E-9EB6-B58A7C8FA3F9}"/>
+              </a:ext>
+            </a:extLst>
+          </p:cNvPr>
+          <p:cNvPicPr>
+            <a:picLocks noChangeAspect="1"/>
+          </p:cNvPicPr>
+          <p:nvPr/>
+        </p:nvPicPr>
+        <p:blipFill>
+          <a:blip r:embed="rId2"/>
+          <a:stretch>
+            <a:fillRect/>
+          </a:stretch>
+        </p:blipFill>
+        <p:spPr>
+          <a:xfrm>
+            <a:off x="3805941" y="2008337"/>
+            <a:ext cx="7811590" cy="4048690"/>
+          </a:xfrm>
+          <a:prstGeom prst="rect">
+            <a:avLst/>
+          </a:prstGeom>
+        </p:spPr>
+      </p:pic>
+    </p:spTree>
+    <p:extLst>
+      <p:ext uri="{BB962C8B-B14F-4D97-AF65-F5344CB8AC3E}">
+        <p14:creationId xmlns:p14="http://schemas.microsoft.com/office/powerpoint/2010/main" val="2090435506"/>
+      </p:ext>
+    </p:extLst>
+  </p:cSld>
+  <p:clrMapOvr>
+    <a:masterClrMapping/>
+  </p:clrMapOvr>
+</p:sld>
+</file>
+
+<file path=ppt/slides/slide21.xml><?xml version="1.0" encoding="utf-8"?>
+<p:sld xmlns:a="http://schemas.openxmlformats.org/drawingml/2006/main" xmlns:r="http://schemas.openxmlformats.org/officeDocument/2006/relationships" xmlns:p="http://schemas.openxmlformats.org/presentationml/2006/main">
+  <p:cSld>
+    <p:spTree>
+      <p:nvGrpSpPr>
+        <p:cNvPr id="1" name=""/>
+        <p:cNvGrpSpPr/>
+        <p:nvPr/>
+      </p:nvGrpSpPr>
+      <p:grpSpPr>
+        <a:xfrm>
+          <a:off x="0" y="0"/>
+          <a:ext cx="0" cy="0"/>
+          <a:chOff x="0" y="0"/>
+          <a:chExt cx="0" cy="0"/>
+        </a:xfrm>
+      </p:grpSpPr>
+      <p:sp>
+        <p:nvSpPr>
+          <p:cNvPr id="2" name="Title 1">
+            <a:extLst>
+              <a:ext uri="{FF2B5EF4-FFF2-40B4-BE49-F238E27FC236}">
+                <a16:creationId xmlns:a16="http://schemas.microsoft.com/office/drawing/2014/main" id="{EAD4186D-F36B-4AA6-87CE-4C6041871F6B}"/>
+              </a:ext>
+            </a:extLst>
+          </p:cNvPr>
+          <p:cNvSpPr>
+            <a:spLocks noGrp="1"/>
+          </p:cNvSpPr>
+          <p:nvPr>
+            <p:ph type="title"/>
+          </p:nvPr>
+        </p:nvSpPr>
+        <p:spPr/>
+        <p:txBody>
+          <a:bodyPr/>
+          <a:lstStyle/>
+          <a:p>
+            <a:r>
+              <a:rPr lang="en-US"/>
+              <a:t>Add template</a:t>
+            </a:r>
+            <a:endParaRPr lang="en-MY" dirty="0"/>
+          </a:p>
+        </p:txBody>
+      </p:sp>
+      <p:sp>
+        <p:nvSpPr>
+          <p:cNvPr id="3" name="Content Placeholder 2">
+            <a:extLst>
+              <a:ext uri="{FF2B5EF4-FFF2-40B4-BE49-F238E27FC236}">
+                <a16:creationId xmlns:a16="http://schemas.microsoft.com/office/drawing/2014/main" id="{E2653FD0-C365-4654-AF7E-17A773EBEAF1}"/>
+              </a:ext>
+            </a:extLst>
+          </p:cNvPr>
+          <p:cNvSpPr>
+            <a:spLocks noGrp="1"/>
+          </p:cNvSpPr>
+          <p:nvPr>
+            <p:ph idx="1"/>
+          </p:nvPr>
+        </p:nvSpPr>
+        <p:spPr>
+          <a:xfrm>
+            <a:off x="1069848" y="2121408"/>
+            <a:ext cx="2490098" cy="1882421"/>
+          </a:xfrm>
+        </p:spPr>
+        <p:txBody>
+          <a:bodyPr/>
+          <a:lstStyle/>
+          <a:p>
+            <a:r>
+              <a:rPr lang="en-US" dirty="0"/>
+              <a:t>Comment delete</a:t>
+            </a:r>
+          </a:p>
+          <a:p>
+            <a:r>
+              <a:rPr lang="en-US" dirty="0"/>
+              <a:t>Add one additional cancel link</a:t>
+            </a:r>
+          </a:p>
+        </p:txBody>
+      </p:sp>
+      <p:pic>
+        <p:nvPicPr>
+          <p:cNvPr id="6" name="Picture 5">
+            <a:extLst>
+              <a:ext uri="{FF2B5EF4-FFF2-40B4-BE49-F238E27FC236}">
+                <a16:creationId xmlns:a16="http://schemas.microsoft.com/office/drawing/2014/main" id="{05D3A18C-D3A2-4635-9AE3-5A230CECB445}"/>
+              </a:ext>
+            </a:extLst>
+          </p:cNvPr>
+          <p:cNvPicPr>
+            <a:picLocks noChangeAspect="1"/>
+          </p:cNvPicPr>
+          <p:nvPr/>
+        </p:nvPicPr>
+        <p:blipFill>
+          <a:blip r:embed="rId2"/>
+          <a:stretch>
+            <a:fillRect/>
+          </a:stretch>
+        </p:blipFill>
+        <p:spPr>
+          <a:xfrm>
+            <a:off x="4058630" y="1896431"/>
+            <a:ext cx="7821116" cy="4858428"/>
+          </a:xfrm>
+          <a:prstGeom prst="rect">
+            <a:avLst/>
+          </a:prstGeom>
+        </p:spPr>
+      </p:pic>
+    </p:spTree>
+    <p:extLst>
+      <p:ext uri="{BB962C8B-B14F-4D97-AF65-F5344CB8AC3E}">
+        <p14:creationId xmlns:p14="http://schemas.microsoft.com/office/powerpoint/2010/main" val="270901561"/>
+      </p:ext>
+    </p:extLst>
+  </p:cSld>
+  <p:clrMapOvr>
+    <a:masterClrMapping/>
+  </p:clrMapOvr>
+</p:sld>
+</file>
+
+<file path=ppt/slides/slide22.xml><?xml version="1.0" encoding="utf-8"?>
+<p:sld xmlns:a="http://schemas.openxmlformats.org/drawingml/2006/main" xmlns:r="http://schemas.openxmlformats.org/officeDocument/2006/relationships" xmlns:p="http://schemas.openxmlformats.org/presentationml/2006/main">
+  <p:cSld>
+    <p:spTree>
+      <p:nvGrpSpPr>
+        <p:cNvPr id="1" name=""/>
+        <p:cNvGrpSpPr/>
+        <p:nvPr/>
+      </p:nvGrpSpPr>
+      <p:grpSpPr>
+        <a:xfrm>
+          <a:off x="0" y="0"/>
+          <a:ext cx="0" cy="0"/>
+          <a:chOff x="0" y="0"/>
+          <a:chExt cx="0" cy="0"/>
+        </a:xfrm>
+      </p:grpSpPr>
+      <p:sp>
+        <p:nvSpPr>
+          <p:cNvPr id="2" name="Title 1">
+            <a:extLst>
+              <a:ext uri="{FF2B5EF4-FFF2-40B4-BE49-F238E27FC236}">
+                <a16:creationId xmlns:a16="http://schemas.microsoft.com/office/drawing/2014/main" id="{5807FBB3-82AF-4536-A639-D507A6673076}"/>
+              </a:ext>
+            </a:extLst>
+          </p:cNvPr>
+          <p:cNvSpPr>
+            <a:spLocks noGrp="1"/>
+          </p:cNvSpPr>
+          <p:nvPr>
+            <p:ph type="title"/>
+          </p:nvPr>
+        </p:nvSpPr>
+        <p:spPr/>
+        <p:txBody>
+          <a:bodyPr/>
+          <a:lstStyle/>
+          <a:p>
+            <a:r>
+              <a:rPr lang="en-US" dirty="0"/>
+              <a:t>Still got one issue when delete</a:t>
+            </a:r>
+            <a:endParaRPr lang="en-MY" dirty="0"/>
+          </a:p>
+        </p:txBody>
+      </p:sp>
+      <p:sp>
+        <p:nvSpPr>
+          <p:cNvPr id="3" name="Content Placeholder 2">
+            <a:extLst>
+              <a:ext uri="{FF2B5EF4-FFF2-40B4-BE49-F238E27FC236}">
+                <a16:creationId xmlns:a16="http://schemas.microsoft.com/office/drawing/2014/main" id="{8F310D17-819D-425B-A452-5CA6B33892B0}"/>
+              </a:ext>
+            </a:extLst>
+          </p:cNvPr>
+          <p:cNvSpPr>
+            <a:spLocks noGrp="1"/>
+          </p:cNvSpPr>
+          <p:nvPr>
+            <p:ph idx="1"/>
+          </p:nvPr>
+        </p:nvSpPr>
+        <p:spPr>
+          <a:xfrm>
+            <a:off x="1069848" y="2965142"/>
+            <a:ext cx="10058400" cy="949910"/>
+          </a:xfrm>
+        </p:spPr>
+        <p:txBody>
+          <a:bodyPr/>
+          <a:lstStyle/>
+          <a:p>
+            <a:r>
+              <a:rPr lang="en-US" dirty="0"/>
+              <a:t>The model function </a:t>
+            </a:r>
+            <a:r>
+              <a:rPr lang="en-US" dirty="0" err="1"/>
+              <a:t>get_absolute_url</a:t>
+            </a:r>
+            <a:r>
+              <a:rPr lang="en-US" dirty="0"/>
+              <a:t> not working for this </a:t>
+            </a:r>
+            <a:r>
+              <a:rPr lang="en-US" dirty="0" err="1"/>
+              <a:t>deleteview</a:t>
+            </a:r>
+            <a:r>
+              <a:rPr lang="en-US" dirty="0"/>
+              <a:t>. So need add </a:t>
+            </a:r>
+            <a:r>
+              <a:rPr lang="en-US" dirty="0" err="1"/>
+              <a:t>get_success_url</a:t>
+            </a:r>
+            <a:r>
+              <a:rPr lang="en-US" dirty="0"/>
+              <a:t> function for the view.</a:t>
+            </a:r>
+            <a:endParaRPr lang="en-MY" dirty="0"/>
+          </a:p>
+        </p:txBody>
+      </p:sp>
+      <p:pic>
+        <p:nvPicPr>
+          <p:cNvPr id="5" name="Picture 4">
+            <a:extLst>
+              <a:ext uri="{FF2B5EF4-FFF2-40B4-BE49-F238E27FC236}">
+                <a16:creationId xmlns:a16="http://schemas.microsoft.com/office/drawing/2014/main" id="{2FA4BD86-C1BE-4B22-ABF5-139F58C549BA}"/>
+              </a:ext>
+            </a:extLst>
+          </p:cNvPr>
+          <p:cNvPicPr>
+            <a:picLocks noChangeAspect="1"/>
+          </p:cNvPicPr>
+          <p:nvPr/>
+        </p:nvPicPr>
+        <p:blipFill>
+          <a:blip r:embed="rId2"/>
+          <a:stretch>
+            <a:fillRect/>
+          </a:stretch>
+        </p:blipFill>
+        <p:spPr>
+          <a:xfrm>
+            <a:off x="1338762" y="1992801"/>
+            <a:ext cx="6744641" cy="724001"/>
+          </a:xfrm>
+          <a:prstGeom prst="rect">
+            <a:avLst/>
+          </a:prstGeom>
+        </p:spPr>
+      </p:pic>
+      <p:pic>
+        <p:nvPicPr>
+          <p:cNvPr id="7" name="Picture 6">
+            <a:extLst>
+              <a:ext uri="{FF2B5EF4-FFF2-40B4-BE49-F238E27FC236}">
+                <a16:creationId xmlns:a16="http://schemas.microsoft.com/office/drawing/2014/main" id="{774A86DB-15A2-4EBB-8B53-E41649D93394}"/>
+              </a:ext>
+            </a:extLst>
+          </p:cNvPr>
+          <p:cNvPicPr>
+            <a:picLocks noChangeAspect="1"/>
+          </p:cNvPicPr>
+          <p:nvPr/>
+        </p:nvPicPr>
+        <p:blipFill>
+          <a:blip r:embed="rId3"/>
+          <a:stretch>
+            <a:fillRect/>
+          </a:stretch>
+        </p:blipFill>
+        <p:spPr>
+          <a:xfrm>
+            <a:off x="3511324" y="4384563"/>
+            <a:ext cx="4991797" cy="485843"/>
+          </a:xfrm>
+          <a:prstGeom prst="rect">
+            <a:avLst/>
+          </a:prstGeom>
+        </p:spPr>
+      </p:pic>
+    </p:spTree>
+    <p:extLst>
+      <p:ext uri="{BB962C8B-B14F-4D97-AF65-F5344CB8AC3E}">
+        <p14:creationId xmlns:p14="http://schemas.microsoft.com/office/powerpoint/2010/main" val="2025691371"/>
+      </p:ext>
+    </p:extLst>
+  </p:cSld>
+  <p:clrMapOvr>
+    <a:masterClrMapping/>
+  </p:clrMapOvr>
+</p:sld>
+</file>
+
+<file path=ppt/slides/slide23.xml><?xml version="1.0" encoding="utf-8"?>
+<p:sld xmlns:a="http://schemas.openxmlformats.org/drawingml/2006/main" xmlns:r="http://schemas.openxmlformats.org/officeDocument/2006/relationships" xmlns:p="http://schemas.openxmlformats.org/presentationml/2006/main">
+  <p:cSld>
+    <p:spTree>
+      <p:nvGrpSpPr>
+        <p:cNvPr id="1" name=""/>
+        <p:cNvGrpSpPr/>
+        <p:nvPr/>
+      </p:nvGrpSpPr>
+      <p:grpSpPr>
+        <a:xfrm>
+          <a:off x="0" y="0"/>
+          <a:ext cx="0" cy="0"/>
+          <a:chOff x="0" y="0"/>
+          <a:chExt cx="0" cy="0"/>
+        </a:xfrm>
+      </p:grpSpPr>
+      <p:sp>
+        <p:nvSpPr>
+          <p:cNvPr id="2" name="Title 1">
+            <a:extLst>
+              <a:ext uri="{FF2B5EF4-FFF2-40B4-BE49-F238E27FC236}">
+                <a16:creationId xmlns:a16="http://schemas.microsoft.com/office/drawing/2014/main" id="{75FDDE90-172F-49A5-A6A1-02D5F4E92EAA}"/>
+              </a:ext>
+            </a:extLst>
+          </p:cNvPr>
+          <p:cNvSpPr>
+            <a:spLocks noGrp="1"/>
+          </p:cNvSpPr>
+          <p:nvPr>
+            <p:ph type="title"/>
+          </p:nvPr>
+        </p:nvSpPr>
+        <p:spPr/>
+        <p:txBody>
+          <a:bodyPr/>
+          <a:lstStyle/>
+          <a:p>
+            <a:r>
+              <a:rPr lang="en-US" dirty="0"/>
+              <a:t>Check the details from server log</a:t>
+            </a:r>
+            <a:endParaRPr lang="en-MY" dirty="0"/>
+          </a:p>
+        </p:txBody>
+      </p:sp>
+      <p:pic>
+        <p:nvPicPr>
+          <p:cNvPr id="5" name="Picture 4">
+            <a:extLst>
+              <a:ext uri="{FF2B5EF4-FFF2-40B4-BE49-F238E27FC236}">
+                <a16:creationId xmlns:a16="http://schemas.microsoft.com/office/drawing/2014/main" id="{C0BB631D-5E90-4C63-B5D7-D3AD2BCB0175}"/>
+              </a:ext>
+            </a:extLst>
+          </p:cNvPr>
+          <p:cNvPicPr>
+            <a:picLocks noChangeAspect="1"/>
+          </p:cNvPicPr>
+          <p:nvPr/>
+        </p:nvPicPr>
+        <p:blipFill>
+          <a:blip r:embed="rId2"/>
+          <a:stretch>
+            <a:fillRect/>
+          </a:stretch>
+        </p:blipFill>
+        <p:spPr>
+          <a:xfrm>
+            <a:off x="3048227" y="2710487"/>
+            <a:ext cx="5582429" cy="2886478"/>
+          </a:xfrm>
+          <a:prstGeom prst="rect">
+            <a:avLst/>
+          </a:prstGeom>
+        </p:spPr>
+      </p:pic>
+      <p:cxnSp>
+        <p:nvCxnSpPr>
+          <p:cNvPr id="7" name="Straight Arrow Connector 6">
+            <a:extLst>
+              <a:ext uri="{FF2B5EF4-FFF2-40B4-BE49-F238E27FC236}">
+                <a16:creationId xmlns:a16="http://schemas.microsoft.com/office/drawing/2014/main" id="{3234EC18-B7EC-4D8A-ACBD-A37E8FD07AB0}"/>
+              </a:ext>
+            </a:extLst>
+          </p:cNvPr>
+          <p:cNvCxnSpPr>
+            <a:cxnSpLocks/>
+          </p:cNvCxnSpPr>
+          <p:nvPr/>
+        </p:nvCxnSpPr>
+        <p:spPr>
+          <a:xfrm flipH="1">
+            <a:off x="7915700" y="2442025"/>
+            <a:ext cx="1367827" cy="713099"/>
+          </a:xfrm>
+          <a:prstGeom prst="straightConnector1">
+            <a:avLst/>
+          </a:prstGeom>
+          <a:ln>
+            <a:tailEnd type="triangle"/>
+          </a:ln>
+        </p:spPr>
+        <p:style>
+          <a:lnRef idx="1">
+            <a:schemeClr val="accent1"/>
+          </a:lnRef>
+          <a:fillRef idx="0">
+            <a:schemeClr val="accent1"/>
+          </a:fillRef>
+          <a:effectRef idx="0">
+            <a:schemeClr val="accent1"/>
+          </a:effectRef>
+          <a:fontRef idx="minor">
+            <a:schemeClr val="tx1"/>
+          </a:fontRef>
+        </p:style>
+      </p:cxnSp>
+      <p:sp>
+        <p:nvSpPr>
+          <p:cNvPr id="12" name="TextBox 11">
+            <a:extLst>
+              <a:ext uri="{FF2B5EF4-FFF2-40B4-BE49-F238E27FC236}">
+                <a16:creationId xmlns:a16="http://schemas.microsoft.com/office/drawing/2014/main" id="{03DF5686-EA19-46BF-AE88-0EEAA280A97A}"/>
+              </a:ext>
+            </a:extLst>
+          </p:cNvPr>
+          <p:cNvSpPr txBox="1"/>
+          <p:nvPr/>
+        </p:nvSpPr>
+        <p:spPr>
+          <a:xfrm>
+            <a:off x="9283527" y="2149637"/>
+            <a:ext cx="2337464" cy="523220"/>
+          </a:xfrm>
+          <a:prstGeom prst="rect">
+            <a:avLst/>
+          </a:prstGeom>
+          <a:noFill/>
+        </p:spPr>
+        <p:txBody>
+          <a:bodyPr wrap="square" rtlCol="0">
+            <a:spAutoFit/>
+          </a:bodyPr>
+          <a:lstStyle/>
+          <a:p>
+            <a:r>
+              <a:rPr lang="en-US" sz="1400" dirty="0"/>
+              <a:t>Click add comment, browser send this GET</a:t>
+            </a:r>
+            <a:endParaRPr lang="en-MY" sz="1400" dirty="0"/>
+          </a:p>
+        </p:txBody>
+      </p:sp>
+      <p:cxnSp>
+        <p:nvCxnSpPr>
+          <p:cNvPr id="13" name="Straight Arrow Connector 12">
+            <a:extLst>
+              <a:ext uri="{FF2B5EF4-FFF2-40B4-BE49-F238E27FC236}">
+                <a16:creationId xmlns:a16="http://schemas.microsoft.com/office/drawing/2014/main" id="{8C0FFC06-F178-48AA-A454-C7C5EF7ED375}"/>
+              </a:ext>
+            </a:extLst>
+          </p:cNvPr>
+          <p:cNvCxnSpPr>
+            <a:cxnSpLocks/>
+          </p:cNvCxnSpPr>
+          <p:nvPr/>
+        </p:nvCxnSpPr>
+        <p:spPr>
+          <a:xfrm flipH="1">
+            <a:off x="7829550" y="3155124"/>
+            <a:ext cx="1214862" cy="178626"/>
+          </a:xfrm>
+          <a:prstGeom prst="straightConnector1">
+            <a:avLst/>
+          </a:prstGeom>
+          <a:ln>
+            <a:tailEnd type="triangle"/>
+          </a:ln>
+        </p:spPr>
+        <p:style>
+          <a:lnRef idx="1">
+            <a:schemeClr val="accent1"/>
+          </a:lnRef>
+          <a:fillRef idx="0">
+            <a:schemeClr val="accent1"/>
+          </a:fillRef>
+          <a:effectRef idx="0">
+            <a:schemeClr val="accent1"/>
+          </a:effectRef>
+          <a:fontRef idx="minor">
+            <a:schemeClr val="tx1"/>
+          </a:fontRef>
+        </p:style>
+      </p:cxnSp>
+      <p:sp>
+        <p:nvSpPr>
+          <p:cNvPr id="16" name="TextBox 15">
+            <a:extLst>
+              <a:ext uri="{FF2B5EF4-FFF2-40B4-BE49-F238E27FC236}">
+                <a16:creationId xmlns:a16="http://schemas.microsoft.com/office/drawing/2014/main" id="{4D84A162-ED2E-4568-8765-922961425DAA}"/>
+              </a:ext>
+            </a:extLst>
+          </p:cNvPr>
+          <p:cNvSpPr txBox="1"/>
+          <p:nvPr/>
+        </p:nvSpPr>
+        <p:spPr>
+          <a:xfrm>
+            <a:off x="9175576" y="2844225"/>
+            <a:ext cx="2806799" cy="954107"/>
+          </a:xfrm>
+          <a:prstGeom prst="rect">
+            <a:avLst/>
+          </a:prstGeom>
+          <a:noFill/>
+        </p:spPr>
+        <p:txBody>
+          <a:bodyPr wrap="square" rtlCol="0">
+            <a:spAutoFit/>
+          </a:bodyPr>
+          <a:lstStyle/>
+          <a:p>
+            <a:r>
+              <a:rPr lang="en-US" sz="1400" dirty="0"/>
+              <a:t>Finish edit the form and click submit, browser send this POST. The add comment successful. Server respond 302</a:t>
+            </a:r>
+            <a:endParaRPr lang="en-MY" sz="1400" dirty="0"/>
+          </a:p>
+        </p:txBody>
+      </p:sp>
+      <p:sp>
+        <p:nvSpPr>
+          <p:cNvPr id="17" name="TextBox 16">
+            <a:extLst>
+              <a:ext uri="{FF2B5EF4-FFF2-40B4-BE49-F238E27FC236}">
+                <a16:creationId xmlns:a16="http://schemas.microsoft.com/office/drawing/2014/main" id="{832B6836-DC71-4E8E-9474-51E8506EC515}"/>
+              </a:ext>
+            </a:extLst>
+          </p:cNvPr>
+          <p:cNvSpPr txBox="1"/>
+          <p:nvPr/>
+        </p:nvSpPr>
+        <p:spPr>
+          <a:xfrm>
+            <a:off x="9175575" y="3768759"/>
+            <a:ext cx="3095799" cy="307777"/>
+          </a:xfrm>
+          <a:prstGeom prst="rect">
+            <a:avLst/>
+          </a:prstGeom>
+          <a:noFill/>
+        </p:spPr>
+        <p:txBody>
+          <a:bodyPr wrap="square" rtlCol="0">
+            <a:spAutoFit/>
+          </a:bodyPr>
+          <a:lstStyle/>
+          <a:p>
+            <a:r>
+              <a:rPr lang="en-US" sz="1400" dirty="0"/>
+              <a:t>Go to the URL of </a:t>
+            </a:r>
+            <a:r>
+              <a:rPr lang="en-US" sz="1400" dirty="0" err="1"/>
+              <a:t>get_absolute_url</a:t>
+            </a:r>
+            <a:endParaRPr lang="en-MY" sz="1400" dirty="0"/>
+          </a:p>
+        </p:txBody>
+      </p:sp>
+      <p:cxnSp>
+        <p:nvCxnSpPr>
+          <p:cNvPr id="18" name="Straight Arrow Connector 17">
+            <a:extLst>
+              <a:ext uri="{FF2B5EF4-FFF2-40B4-BE49-F238E27FC236}">
+                <a16:creationId xmlns:a16="http://schemas.microsoft.com/office/drawing/2014/main" id="{2F128B75-ACFD-41DC-A8E9-A8979DFCF3D3}"/>
+              </a:ext>
+            </a:extLst>
+          </p:cNvPr>
+          <p:cNvCxnSpPr>
+            <a:cxnSpLocks/>
+          </p:cNvCxnSpPr>
+          <p:nvPr/>
+        </p:nvCxnSpPr>
+        <p:spPr>
+          <a:xfrm flipH="1" flipV="1">
+            <a:off x="7315200" y="3551193"/>
+            <a:ext cx="1860377" cy="317030"/>
+          </a:xfrm>
+          <a:prstGeom prst="straightConnector1">
+            <a:avLst/>
+          </a:prstGeom>
+          <a:ln>
+            <a:tailEnd type="triangle"/>
+          </a:ln>
+        </p:spPr>
+        <p:style>
+          <a:lnRef idx="1">
+            <a:schemeClr val="accent1"/>
+          </a:lnRef>
+          <a:fillRef idx="0">
+            <a:schemeClr val="accent1"/>
+          </a:fillRef>
+          <a:effectRef idx="0">
+            <a:schemeClr val="accent1"/>
+          </a:effectRef>
+          <a:fontRef idx="minor">
+            <a:schemeClr val="tx1"/>
+          </a:fontRef>
+        </p:style>
+      </p:cxnSp>
+      <p:sp>
+        <p:nvSpPr>
+          <p:cNvPr id="21" name="TextBox 20">
+            <a:extLst>
+              <a:ext uri="{FF2B5EF4-FFF2-40B4-BE49-F238E27FC236}">
+                <a16:creationId xmlns:a16="http://schemas.microsoft.com/office/drawing/2014/main" id="{8A2F6532-E6C5-4657-85D5-A39223BB9B93}"/>
+              </a:ext>
+            </a:extLst>
+          </p:cNvPr>
+          <p:cNvSpPr txBox="1"/>
+          <p:nvPr/>
+        </p:nvSpPr>
+        <p:spPr>
+          <a:xfrm>
+            <a:off x="189057" y="2595086"/>
+            <a:ext cx="2445414" cy="523220"/>
+          </a:xfrm>
+          <a:prstGeom prst="rect">
+            <a:avLst/>
+          </a:prstGeom>
+          <a:noFill/>
+        </p:spPr>
+        <p:txBody>
+          <a:bodyPr wrap="square" rtlCol="0">
+            <a:spAutoFit/>
+          </a:bodyPr>
+          <a:lstStyle/>
+          <a:p>
+            <a:r>
+              <a:rPr lang="en-US" sz="1400" dirty="0"/>
+              <a:t>Click on one comment and view the details. </a:t>
+            </a:r>
+            <a:endParaRPr lang="en-MY" sz="1400" dirty="0"/>
+          </a:p>
+        </p:txBody>
+      </p:sp>
+      <p:cxnSp>
+        <p:nvCxnSpPr>
+          <p:cNvPr id="22" name="Straight Arrow Connector 21">
+            <a:extLst>
+              <a:ext uri="{FF2B5EF4-FFF2-40B4-BE49-F238E27FC236}">
+                <a16:creationId xmlns:a16="http://schemas.microsoft.com/office/drawing/2014/main" id="{5E818722-8C4D-4974-93A2-1179F6BB93E4}"/>
+              </a:ext>
+            </a:extLst>
+          </p:cNvPr>
+          <p:cNvCxnSpPr>
+            <a:cxnSpLocks/>
+          </p:cNvCxnSpPr>
+          <p:nvPr/>
+        </p:nvCxnSpPr>
+        <p:spPr>
+          <a:xfrm>
+            <a:off x="2503307" y="3093720"/>
+            <a:ext cx="2474429" cy="615988"/>
+          </a:xfrm>
+          <a:prstGeom prst="straightConnector1">
+            <a:avLst/>
+          </a:prstGeom>
+          <a:ln>
+            <a:solidFill>
+              <a:srgbClr val="FFC000"/>
+            </a:solidFill>
+            <a:tailEnd type="triangle"/>
+          </a:ln>
+        </p:spPr>
+        <p:style>
+          <a:lnRef idx="1">
+            <a:schemeClr val="accent1"/>
+          </a:lnRef>
+          <a:fillRef idx="0">
+            <a:schemeClr val="accent1"/>
+          </a:fillRef>
+          <a:effectRef idx="0">
+            <a:schemeClr val="accent1"/>
+          </a:effectRef>
+          <a:fontRef idx="minor">
+            <a:schemeClr val="tx1"/>
+          </a:fontRef>
+        </p:style>
+      </p:cxnSp>
+      <p:sp>
+        <p:nvSpPr>
+          <p:cNvPr id="25" name="TextBox 24">
+            <a:extLst>
+              <a:ext uri="{FF2B5EF4-FFF2-40B4-BE49-F238E27FC236}">
+                <a16:creationId xmlns:a16="http://schemas.microsoft.com/office/drawing/2014/main" id="{E2BCAE73-E72C-486B-BC1A-62BA2827ED3C}"/>
+              </a:ext>
+            </a:extLst>
+          </p:cNvPr>
+          <p:cNvSpPr txBox="1"/>
+          <p:nvPr/>
+        </p:nvSpPr>
+        <p:spPr>
+          <a:xfrm>
+            <a:off x="165843" y="3372762"/>
+            <a:ext cx="2445414" cy="307777"/>
+          </a:xfrm>
+          <a:prstGeom prst="rect">
+            <a:avLst/>
+          </a:prstGeom>
+          <a:noFill/>
+        </p:spPr>
+        <p:txBody>
+          <a:bodyPr wrap="square" rtlCol="0">
+            <a:spAutoFit/>
+          </a:bodyPr>
+          <a:lstStyle/>
+          <a:p>
+            <a:r>
+              <a:rPr lang="en-US" sz="1400" dirty="0"/>
+              <a:t>Click edit the comment. </a:t>
+            </a:r>
+            <a:endParaRPr lang="en-MY" sz="1400" dirty="0"/>
+          </a:p>
+        </p:txBody>
+      </p:sp>
+      <p:cxnSp>
+        <p:nvCxnSpPr>
+          <p:cNvPr id="26" name="Straight Arrow Connector 25">
+            <a:extLst>
+              <a:ext uri="{FF2B5EF4-FFF2-40B4-BE49-F238E27FC236}">
+                <a16:creationId xmlns:a16="http://schemas.microsoft.com/office/drawing/2014/main" id="{F491F7CE-18C3-4CC6-9966-CB7A8EBF2AAA}"/>
+              </a:ext>
+            </a:extLst>
+          </p:cNvPr>
+          <p:cNvCxnSpPr>
+            <a:cxnSpLocks/>
+          </p:cNvCxnSpPr>
+          <p:nvPr/>
+        </p:nvCxnSpPr>
+        <p:spPr>
+          <a:xfrm>
+            <a:off x="2194560" y="3709708"/>
+            <a:ext cx="2849880" cy="186274"/>
+          </a:xfrm>
+          <a:prstGeom prst="straightConnector1">
+            <a:avLst/>
+          </a:prstGeom>
+          <a:ln>
+            <a:solidFill>
+              <a:srgbClr val="FFC000"/>
+            </a:solidFill>
+            <a:tailEnd type="triangle"/>
+          </a:ln>
+        </p:spPr>
+        <p:style>
+          <a:lnRef idx="1">
+            <a:schemeClr val="accent1"/>
+          </a:lnRef>
+          <a:fillRef idx="0">
+            <a:schemeClr val="accent1"/>
+          </a:fillRef>
+          <a:effectRef idx="0">
+            <a:schemeClr val="accent1"/>
+          </a:effectRef>
+          <a:fontRef idx="minor">
+            <a:schemeClr val="tx1"/>
+          </a:fontRef>
+        </p:style>
+      </p:cxnSp>
+      <p:sp>
+        <p:nvSpPr>
+          <p:cNvPr id="29" name="TextBox 28">
+            <a:extLst>
+              <a:ext uri="{FF2B5EF4-FFF2-40B4-BE49-F238E27FC236}">
+                <a16:creationId xmlns:a16="http://schemas.microsoft.com/office/drawing/2014/main" id="{3AE8E857-2547-43AC-A878-7D06FABDBECD}"/>
+              </a:ext>
+            </a:extLst>
+          </p:cNvPr>
+          <p:cNvSpPr txBox="1"/>
+          <p:nvPr/>
+        </p:nvSpPr>
+        <p:spPr>
+          <a:xfrm>
+            <a:off x="189056" y="3739269"/>
+            <a:ext cx="2859169" cy="738664"/>
+          </a:xfrm>
+          <a:prstGeom prst="rect">
+            <a:avLst/>
+          </a:prstGeom>
+          <a:noFill/>
+        </p:spPr>
+        <p:txBody>
+          <a:bodyPr wrap="square" rtlCol="0">
+            <a:spAutoFit/>
+          </a:bodyPr>
+          <a:lstStyle/>
+          <a:p>
+            <a:r>
+              <a:rPr lang="en-US" sz="1400" dirty="0"/>
+              <a:t>Finish the edit of form, submit the result. Update comment success. Server </a:t>
+            </a:r>
+            <a:r>
+              <a:rPr lang="en-US" sz="1400" dirty="0" err="1"/>
+              <a:t>responde</a:t>
+            </a:r>
+            <a:r>
+              <a:rPr lang="en-US" sz="1400" dirty="0"/>
+              <a:t> 302</a:t>
+            </a:r>
+            <a:endParaRPr lang="en-MY" sz="1400" dirty="0"/>
+          </a:p>
+        </p:txBody>
+      </p:sp>
+      <p:cxnSp>
+        <p:nvCxnSpPr>
+          <p:cNvPr id="30" name="Straight Arrow Connector 29">
+            <a:extLst>
+              <a:ext uri="{FF2B5EF4-FFF2-40B4-BE49-F238E27FC236}">
+                <a16:creationId xmlns:a16="http://schemas.microsoft.com/office/drawing/2014/main" id="{90A9A49D-E7A0-4075-82FC-6DEADCF4C174}"/>
+              </a:ext>
+            </a:extLst>
+          </p:cNvPr>
+          <p:cNvCxnSpPr>
+            <a:cxnSpLocks/>
+          </p:cNvCxnSpPr>
+          <p:nvPr/>
+        </p:nvCxnSpPr>
+        <p:spPr>
+          <a:xfrm>
+            <a:off x="2315581" y="3987952"/>
+            <a:ext cx="2728859" cy="73440"/>
+          </a:xfrm>
+          <a:prstGeom prst="straightConnector1">
+            <a:avLst/>
+          </a:prstGeom>
+          <a:ln>
+            <a:solidFill>
+              <a:srgbClr val="FFC000"/>
+            </a:solidFill>
+            <a:tailEnd type="triangle"/>
+          </a:ln>
+        </p:spPr>
+        <p:style>
+          <a:lnRef idx="1">
+            <a:schemeClr val="accent1"/>
+          </a:lnRef>
+          <a:fillRef idx="0">
+            <a:schemeClr val="accent1"/>
+          </a:fillRef>
+          <a:effectRef idx="0">
+            <a:schemeClr val="accent1"/>
+          </a:effectRef>
+          <a:fontRef idx="minor">
+            <a:schemeClr val="tx1"/>
+          </a:fontRef>
+        </p:style>
+      </p:cxnSp>
+      <p:sp>
+        <p:nvSpPr>
+          <p:cNvPr id="32" name="TextBox 31">
+            <a:extLst>
+              <a:ext uri="{FF2B5EF4-FFF2-40B4-BE49-F238E27FC236}">
+                <a16:creationId xmlns:a16="http://schemas.microsoft.com/office/drawing/2014/main" id="{BB2AC105-9303-4E46-81B1-A1109459F0E2}"/>
+              </a:ext>
+            </a:extLst>
+          </p:cNvPr>
+          <p:cNvSpPr txBox="1"/>
+          <p:nvPr/>
+        </p:nvSpPr>
+        <p:spPr>
+          <a:xfrm>
+            <a:off x="143336" y="4481665"/>
+            <a:ext cx="3034203" cy="307777"/>
+          </a:xfrm>
+          <a:prstGeom prst="rect">
+            <a:avLst/>
+          </a:prstGeom>
+          <a:noFill/>
+        </p:spPr>
+        <p:txBody>
+          <a:bodyPr wrap="square" rtlCol="0">
+            <a:spAutoFit/>
+          </a:bodyPr>
+          <a:lstStyle/>
+          <a:p>
+            <a:r>
+              <a:rPr lang="en-US" sz="1400" dirty="0"/>
+              <a:t>Go to the URL of </a:t>
+            </a:r>
+            <a:r>
+              <a:rPr lang="en-US" sz="1400" dirty="0" err="1"/>
+              <a:t>get_absolute_url</a:t>
+            </a:r>
+            <a:endParaRPr lang="en-MY" sz="1400" dirty="0"/>
+          </a:p>
+        </p:txBody>
+      </p:sp>
+      <p:cxnSp>
+        <p:nvCxnSpPr>
+          <p:cNvPr id="33" name="Straight Arrow Connector 32">
+            <a:extLst>
+              <a:ext uri="{FF2B5EF4-FFF2-40B4-BE49-F238E27FC236}">
+                <a16:creationId xmlns:a16="http://schemas.microsoft.com/office/drawing/2014/main" id="{22A71C40-B564-4EE8-8851-32B996B841C3}"/>
+              </a:ext>
+            </a:extLst>
+          </p:cNvPr>
+          <p:cNvCxnSpPr>
+            <a:cxnSpLocks/>
+          </p:cNvCxnSpPr>
+          <p:nvPr/>
+        </p:nvCxnSpPr>
+        <p:spPr>
+          <a:xfrm flipV="1">
+            <a:off x="2315581" y="4215884"/>
+            <a:ext cx="2728859" cy="474172"/>
+          </a:xfrm>
+          <a:prstGeom prst="straightConnector1">
+            <a:avLst/>
+          </a:prstGeom>
+          <a:ln>
+            <a:solidFill>
+              <a:srgbClr val="FFC000"/>
+            </a:solidFill>
+            <a:tailEnd type="triangle"/>
+          </a:ln>
+        </p:spPr>
+        <p:style>
+          <a:lnRef idx="1">
+            <a:schemeClr val="accent1"/>
+          </a:lnRef>
+          <a:fillRef idx="0">
+            <a:schemeClr val="accent1"/>
+          </a:fillRef>
+          <a:effectRef idx="0">
+            <a:schemeClr val="accent1"/>
+          </a:effectRef>
+          <a:fontRef idx="minor">
+            <a:schemeClr val="tx1"/>
+          </a:fontRef>
+        </p:style>
+      </p:cxnSp>
+      <p:sp>
+        <p:nvSpPr>
+          <p:cNvPr id="36" name="TextBox 35">
+            <a:extLst>
+              <a:ext uri="{FF2B5EF4-FFF2-40B4-BE49-F238E27FC236}">
+                <a16:creationId xmlns:a16="http://schemas.microsoft.com/office/drawing/2014/main" id="{CA85789E-71B9-4BB4-9E95-8A60F4936CF7}"/>
+              </a:ext>
+            </a:extLst>
+          </p:cNvPr>
+          <p:cNvSpPr txBox="1"/>
+          <p:nvPr/>
+        </p:nvSpPr>
+        <p:spPr>
+          <a:xfrm>
+            <a:off x="9430983" y="4333250"/>
+            <a:ext cx="2445414" cy="523220"/>
+          </a:xfrm>
+          <a:prstGeom prst="rect">
+            <a:avLst/>
+          </a:prstGeom>
+          <a:noFill/>
+        </p:spPr>
+        <p:txBody>
+          <a:bodyPr wrap="square" rtlCol="0">
+            <a:spAutoFit/>
+          </a:bodyPr>
+          <a:lstStyle/>
+          <a:p>
+            <a:r>
+              <a:rPr lang="en-US" sz="1400" dirty="0"/>
+              <a:t>Click one comment view details</a:t>
+            </a:r>
+            <a:endParaRPr lang="en-MY" sz="1400" dirty="0"/>
+          </a:p>
+        </p:txBody>
+      </p:sp>
+      <p:cxnSp>
+        <p:nvCxnSpPr>
+          <p:cNvPr id="37" name="Straight Arrow Connector 36">
+            <a:extLst>
+              <a:ext uri="{FF2B5EF4-FFF2-40B4-BE49-F238E27FC236}">
+                <a16:creationId xmlns:a16="http://schemas.microsoft.com/office/drawing/2014/main" id="{4D9FCBC9-10A8-4DC6-8850-751C6E5405BC}"/>
+              </a:ext>
+            </a:extLst>
+          </p:cNvPr>
+          <p:cNvCxnSpPr>
+            <a:cxnSpLocks/>
+          </p:cNvCxnSpPr>
+          <p:nvPr/>
+        </p:nvCxnSpPr>
+        <p:spPr>
+          <a:xfrm flipH="1" flipV="1">
+            <a:off x="7915700" y="4452971"/>
+            <a:ext cx="1568623" cy="141889"/>
+          </a:xfrm>
+          <a:prstGeom prst="straightConnector1">
+            <a:avLst/>
+          </a:prstGeom>
+          <a:ln>
+            <a:tailEnd type="triangle"/>
+          </a:ln>
+        </p:spPr>
+        <p:style>
+          <a:lnRef idx="1">
+            <a:schemeClr val="accent1"/>
+          </a:lnRef>
+          <a:fillRef idx="0">
+            <a:schemeClr val="accent1"/>
+          </a:fillRef>
+          <a:effectRef idx="0">
+            <a:schemeClr val="accent1"/>
+          </a:effectRef>
+          <a:fontRef idx="minor">
+            <a:schemeClr val="tx1"/>
+          </a:fontRef>
+        </p:style>
+      </p:cxnSp>
+      <p:sp>
+        <p:nvSpPr>
+          <p:cNvPr id="40" name="TextBox 39">
+            <a:extLst>
+              <a:ext uri="{FF2B5EF4-FFF2-40B4-BE49-F238E27FC236}">
+                <a16:creationId xmlns:a16="http://schemas.microsoft.com/office/drawing/2014/main" id="{208B68B4-CCC2-4FCA-9136-911692C8FCD8}"/>
+              </a:ext>
+            </a:extLst>
+          </p:cNvPr>
+          <p:cNvSpPr txBox="1"/>
+          <p:nvPr/>
+        </p:nvSpPr>
+        <p:spPr>
+          <a:xfrm>
+            <a:off x="9430983" y="4805697"/>
+            <a:ext cx="2445414" cy="307777"/>
+          </a:xfrm>
+          <a:prstGeom prst="rect">
+            <a:avLst/>
+          </a:prstGeom>
+          <a:noFill/>
+        </p:spPr>
+        <p:txBody>
+          <a:bodyPr wrap="square" rtlCol="0">
+            <a:spAutoFit/>
+          </a:bodyPr>
+          <a:lstStyle/>
+          <a:p>
+            <a:r>
+              <a:rPr lang="en-US" sz="1400" dirty="0"/>
+              <a:t>Click delete</a:t>
+            </a:r>
+            <a:endParaRPr lang="en-MY" sz="1400" dirty="0"/>
+          </a:p>
+        </p:txBody>
+      </p:sp>
+      <p:cxnSp>
+        <p:nvCxnSpPr>
+          <p:cNvPr id="41" name="Straight Arrow Connector 40">
+            <a:extLst>
+              <a:ext uri="{FF2B5EF4-FFF2-40B4-BE49-F238E27FC236}">
+                <a16:creationId xmlns:a16="http://schemas.microsoft.com/office/drawing/2014/main" id="{E7FE8EE8-960D-44D1-BE29-E1AC5E7AD3DB}"/>
+              </a:ext>
+            </a:extLst>
+          </p:cNvPr>
+          <p:cNvCxnSpPr>
+            <a:cxnSpLocks/>
+            <a:stCxn id="40" idx="1"/>
+          </p:cNvCxnSpPr>
+          <p:nvPr/>
+        </p:nvCxnSpPr>
+        <p:spPr>
+          <a:xfrm flipH="1" flipV="1">
+            <a:off x="8267700" y="4594860"/>
+            <a:ext cx="1163283" cy="364726"/>
+          </a:xfrm>
+          <a:prstGeom prst="straightConnector1">
+            <a:avLst/>
+          </a:prstGeom>
+          <a:ln>
+            <a:tailEnd type="triangle"/>
+          </a:ln>
+        </p:spPr>
+        <p:style>
+          <a:lnRef idx="1">
+            <a:schemeClr val="accent1"/>
+          </a:lnRef>
+          <a:fillRef idx="0">
+            <a:schemeClr val="accent1"/>
+          </a:fillRef>
+          <a:effectRef idx="0">
+            <a:schemeClr val="accent1"/>
+          </a:effectRef>
+          <a:fontRef idx="minor">
+            <a:schemeClr val="tx1"/>
+          </a:fontRef>
+        </p:style>
+      </p:cxnSp>
+      <p:sp>
+        <p:nvSpPr>
+          <p:cNvPr id="44" name="TextBox 43">
+            <a:extLst>
+              <a:ext uri="{FF2B5EF4-FFF2-40B4-BE49-F238E27FC236}">
+                <a16:creationId xmlns:a16="http://schemas.microsoft.com/office/drawing/2014/main" id="{E11EC98B-1D19-4520-AD5F-A8A5D556E8B6}"/>
+              </a:ext>
+            </a:extLst>
+          </p:cNvPr>
+          <p:cNvSpPr txBox="1"/>
+          <p:nvPr/>
+        </p:nvSpPr>
+        <p:spPr>
+          <a:xfrm>
+            <a:off x="9175576" y="5102456"/>
+            <a:ext cx="3016424" cy="307777"/>
+          </a:xfrm>
+          <a:prstGeom prst="rect">
+            <a:avLst/>
+          </a:prstGeom>
+          <a:noFill/>
+        </p:spPr>
+        <p:txBody>
+          <a:bodyPr wrap="square" rtlCol="0">
+            <a:spAutoFit/>
+          </a:bodyPr>
+          <a:lstStyle/>
+          <a:p>
+            <a:r>
+              <a:rPr lang="en-US" sz="1400" dirty="0"/>
+              <a:t>Click cancel, it links to homepage</a:t>
+            </a:r>
+            <a:endParaRPr lang="en-MY" sz="1400" dirty="0"/>
+          </a:p>
+        </p:txBody>
+      </p:sp>
+      <p:cxnSp>
+        <p:nvCxnSpPr>
+          <p:cNvPr id="45" name="Straight Arrow Connector 44">
+            <a:extLst>
+              <a:ext uri="{FF2B5EF4-FFF2-40B4-BE49-F238E27FC236}">
+                <a16:creationId xmlns:a16="http://schemas.microsoft.com/office/drawing/2014/main" id="{3CC752FC-0BCF-4FDC-9528-874743AF5FBB}"/>
+              </a:ext>
+            </a:extLst>
+          </p:cNvPr>
+          <p:cNvCxnSpPr>
+            <a:cxnSpLocks/>
+            <a:stCxn id="44" idx="1"/>
+          </p:cNvCxnSpPr>
+          <p:nvPr/>
+        </p:nvCxnSpPr>
+        <p:spPr>
+          <a:xfrm flipH="1" flipV="1">
+            <a:off x="7211758" y="4733125"/>
+            <a:ext cx="1963818" cy="523220"/>
+          </a:xfrm>
+          <a:prstGeom prst="straightConnector1">
+            <a:avLst/>
+          </a:prstGeom>
+          <a:ln>
+            <a:tailEnd type="triangle"/>
+          </a:ln>
+        </p:spPr>
+        <p:style>
+          <a:lnRef idx="1">
+            <a:schemeClr val="accent1"/>
+          </a:lnRef>
+          <a:fillRef idx="0">
+            <a:schemeClr val="accent1"/>
+          </a:fillRef>
+          <a:effectRef idx="0">
+            <a:schemeClr val="accent1"/>
+          </a:effectRef>
+          <a:fontRef idx="minor">
+            <a:schemeClr val="tx1"/>
+          </a:fontRef>
+        </p:style>
+      </p:cxnSp>
+      <p:cxnSp>
+        <p:nvCxnSpPr>
+          <p:cNvPr id="50" name="Straight Arrow Connector 49">
+            <a:extLst>
+              <a:ext uri="{FF2B5EF4-FFF2-40B4-BE49-F238E27FC236}">
+                <a16:creationId xmlns:a16="http://schemas.microsoft.com/office/drawing/2014/main" id="{9E6789E4-CBFE-4407-889D-AA6571CBCCAE}"/>
+              </a:ext>
+            </a:extLst>
+          </p:cNvPr>
+          <p:cNvCxnSpPr>
+            <a:cxnSpLocks/>
+          </p:cNvCxnSpPr>
+          <p:nvPr/>
+        </p:nvCxnSpPr>
+        <p:spPr>
+          <a:xfrm flipV="1">
+            <a:off x="2247900" y="4958518"/>
+            <a:ext cx="2796540" cy="259726"/>
+          </a:xfrm>
+          <a:prstGeom prst="straightConnector1">
+            <a:avLst/>
+          </a:prstGeom>
+          <a:ln>
+            <a:solidFill>
+              <a:srgbClr val="FFC000"/>
+            </a:solidFill>
+            <a:tailEnd type="triangle"/>
+          </a:ln>
+        </p:spPr>
+        <p:style>
+          <a:lnRef idx="1">
+            <a:schemeClr val="accent1"/>
+          </a:lnRef>
+          <a:fillRef idx="0">
+            <a:schemeClr val="accent1"/>
+          </a:fillRef>
+          <a:effectRef idx="0">
+            <a:schemeClr val="accent1"/>
+          </a:effectRef>
+          <a:fontRef idx="minor">
+            <a:schemeClr val="tx1"/>
+          </a:fontRef>
+        </p:style>
+      </p:cxnSp>
+      <p:sp>
+        <p:nvSpPr>
+          <p:cNvPr id="52" name="TextBox 51">
+            <a:extLst>
+              <a:ext uri="{FF2B5EF4-FFF2-40B4-BE49-F238E27FC236}">
+                <a16:creationId xmlns:a16="http://schemas.microsoft.com/office/drawing/2014/main" id="{1C20DFA0-12A2-4B06-B722-799ED56CA88F}"/>
+              </a:ext>
+            </a:extLst>
+          </p:cNvPr>
+          <p:cNvSpPr txBox="1"/>
+          <p:nvPr/>
+        </p:nvSpPr>
+        <p:spPr>
+          <a:xfrm>
+            <a:off x="165843" y="4999594"/>
+            <a:ext cx="2445414" cy="523220"/>
+          </a:xfrm>
+          <a:prstGeom prst="rect">
+            <a:avLst/>
+          </a:prstGeom>
+          <a:noFill/>
+        </p:spPr>
+        <p:txBody>
+          <a:bodyPr wrap="square" rtlCol="0">
+            <a:spAutoFit/>
+          </a:bodyPr>
+          <a:lstStyle/>
+          <a:p>
+            <a:r>
+              <a:rPr lang="en-US" sz="1400" dirty="0"/>
+              <a:t>Click on one comment and view the details. </a:t>
+            </a:r>
+            <a:endParaRPr lang="en-MY" sz="1400" dirty="0"/>
+          </a:p>
+        </p:txBody>
+      </p:sp>
+      <p:cxnSp>
+        <p:nvCxnSpPr>
+          <p:cNvPr id="53" name="Straight Arrow Connector 52">
+            <a:extLst>
+              <a:ext uri="{FF2B5EF4-FFF2-40B4-BE49-F238E27FC236}">
+                <a16:creationId xmlns:a16="http://schemas.microsoft.com/office/drawing/2014/main" id="{1444A24C-93C7-42CC-BF4B-6CFCB985D530}"/>
+              </a:ext>
+            </a:extLst>
+          </p:cNvPr>
+          <p:cNvCxnSpPr>
+            <a:cxnSpLocks/>
+          </p:cNvCxnSpPr>
+          <p:nvPr/>
+        </p:nvCxnSpPr>
+        <p:spPr>
+          <a:xfrm flipV="1">
+            <a:off x="2315581" y="5116863"/>
+            <a:ext cx="2664663" cy="523220"/>
+          </a:xfrm>
+          <a:prstGeom prst="straightConnector1">
+            <a:avLst/>
+          </a:prstGeom>
+          <a:ln>
+            <a:solidFill>
+              <a:srgbClr val="FFC000"/>
+            </a:solidFill>
+            <a:tailEnd type="triangle"/>
+          </a:ln>
+        </p:spPr>
+        <p:style>
+          <a:lnRef idx="1">
+            <a:schemeClr val="accent1"/>
+          </a:lnRef>
+          <a:fillRef idx="0">
+            <a:schemeClr val="accent1"/>
+          </a:fillRef>
+          <a:effectRef idx="0">
+            <a:schemeClr val="accent1"/>
+          </a:effectRef>
+          <a:fontRef idx="minor">
+            <a:schemeClr val="tx1"/>
+          </a:fontRef>
+        </p:style>
+      </p:cxnSp>
+      <p:sp>
+        <p:nvSpPr>
+          <p:cNvPr id="55" name="TextBox 54">
+            <a:extLst>
+              <a:ext uri="{FF2B5EF4-FFF2-40B4-BE49-F238E27FC236}">
+                <a16:creationId xmlns:a16="http://schemas.microsoft.com/office/drawing/2014/main" id="{2AE8C603-3440-4FCE-9672-B121B7D4E66C}"/>
+              </a:ext>
+            </a:extLst>
+          </p:cNvPr>
+          <p:cNvSpPr txBox="1"/>
+          <p:nvPr/>
+        </p:nvSpPr>
+        <p:spPr>
+          <a:xfrm>
+            <a:off x="1200756" y="5463675"/>
+            <a:ext cx="1433715" cy="307777"/>
+          </a:xfrm>
+          <a:prstGeom prst="rect">
+            <a:avLst/>
+          </a:prstGeom>
+          <a:noFill/>
+        </p:spPr>
+        <p:txBody>
+          <a:bodyPr wrap="square" rtlCol="0">
+            <a:spAutoFit/>
+          </a:bodyPr>
+          <a:lstStyle/>
+          <a:p>
+            <a:r>
+              <a:rPr lang="en-US" sz="1400" dirty="0"/>
+              <a:t>Click delete</a:t>
+            </a:r>
+            <a:endParaRPr lang="en-MY" sz="1400" dirty="0"/>
+          </a:p>
+        </p:txBody>
+      </p:sp>
+      <p:cxnSp>
+        <p:nvCxnSpPr>
+          <p:cNvPr id="57" name="Straight Arrow Connector 56">
+            <a:extLst>
+              <a:ext uri="{FF2B5EF4-FFF2-40B4-BE49-F238E27FC236}">
+                <a16:creationId xmlns:a16="http://schemas.microsoft.com/office/drawing/2014/main" id="{B2A798BB-247A-407B-AD0A-4F9D6793B2FD}"/>
+              </a:ext>
+            </a:extLst>
+          </p:cNvPr>
+          <p:cNvCxnSpPr>
+            <a:cxnSpLocks/>
+          </p:cNvCxnSpPr>
+          <p:nvPr/>
+        </p:nvCxnSpPr>
+        <p:spPr>
+          <a:xfrm flipV="1">
+            <a:off x="2101405" y="5290285"/>
+            <a:ext cx="2943035" cy="669393"/>
+          </a:xfrm>
+          <a:prstGeom prst="straightConnector1">
+            <a:avLst/>
+          </a:prstGeom>
+          <a:ln>
+            <a:solidFill>
+              <a:srgbClr val="FFC000"/>
+            </a:solidFill>
+            <a:tailEnd type="triangle"/>
+          </a:ln>
+        </p:spPr>
+        <p:style>
+          <a:lnRef idx="1">
+            <a:schemeClr val="accent1"/>
+          </a:lnRef>
+          <a:fillRef idx="0">
+            <a:schemeClr val="accent1"/>
+          </a:fillRef>
+          <a:effectRef idx="0">
+            <a:schemeClr val="accent1"/>
+          </a:effectRef>
+          <a:fontRef idx="minor">
+            <a:schemeClr val="tx1"/>
+          </a:fontRef>
+        </p:style>
+      </p:cxnSp>
+      <p:sp>
+        <p:nvSpPr>
+          <p:cNvPr id="58" name="TextBox 57">
+            <a:extLst>
+              <a:ext uri="{FF2B5EF4-FFF2-40B4-BE49-F238E27FC236}">
+                <a16:creationId xmlns:a16="http://schemas.microsoft.com/office/drawing/2014/main" id="{55D2CFED-AA19-46BA-B341-21F5063AACAB}"/>
+              </a:ext>
+            </a:extLst>
+          </p:cNvPr>
+          <p:cNvSpPr txBox="1"/>
+          <p:nvPr/>
+        </p:nvSpPr>
+        <p:spPr>
+          <a:xfrm>
+            <a:off x="411480" y="5726120"/>
+            <a:ext cx="2943035" cy="523220"/>
+          </a:xfrm>
+          <a:prstGeom prst="rect">
+            <a:avLst/>
+          </a:prstGeom>
+          <a:noFill/>
+        </p:spPr>
+        <p:txBody>
+          <a:bodyPr wrap="square" rtlCol="0">
+            <a:spAutoFit/>
+          </a:bodyPr>
+          <a:lstStyle/>
+          <a:p>
+            <a:r>
+              <a:rPr lang="en-US" sz="1400" dirty="0"/>
+              <a:t>Click confirm delete. Server process success, respond 302</a:t>
+            </a:r>
+            <a:endParaRPr lang="en-MY" sz="1400" dirty="0"/>
+          </a:p>
+        </p:txBody>
+      </p:sp>
+      <p:cxnSp>
+        <p:nvCxnSpPr>
+          <p:cNvPr id="60" name="Straight Arrow Connector 59">
+            <a:extLst>
+              <a:ext uri="{FF2B5EF4-FFF2-40B4-BE49-F238E27FC236}">
+                <a16:creationId xmlns:a16="http://schemas.microsoft.com/office/drawing/2014/main" id="{77D24DE9-C7E6-4BE6-B059-6BE9AEC380C8}"/>
+              </a:ext>
+            </a:extLst>
+          </p:cNvPr>
+          <p:cNvCxnSpPr>
+            <a:cxnSpLocks/>
+          </p:cNvCxnSpPr>
+          <p:nvPr/>
+        </p:nvCxnSpPr>
+        <p:spPr>
+          <a:xfrm flipV="1">
+            <a:off x="2420295" y="5486706"/>
+            <a:ext cx="2624145" cy="901099"/>
+          </a:xfrm>
+          <a:prstGeom prst="straightConnector1">
+            <a:avLst/>
+          </a:prstGeom>
+          <a:ln>
+            <a:solidFill>
+              <a:srgbClr val="FFC000"/>
+            </a:solidFill>
+            <a:tailEnd type="triangle"/>
+          </a:ln>
+        </p:spPr>
+        <p:style>
+          <a:lnRef idx="1">
+            <a:schemeClr val="accent1"/>
+          </a:lnRef>
+          <a:fillRef idx="0">
+            <a:schemeClr val="accent1"/>
+          </a:fillRef>
+          <a:effectRef idx="0">
+            <a:schemeClr val="accent1"/>
+          </a:effectRef>
+          <a:fontRef idx="minor">
+            <a:schemeClr val="tx1"/>
+          </a:fontRef>
+        </p:style>
+      </p:cxnSp>
+      <p:sp>
+        <p:nvSpPr>
+          <p:cNvPr id="61" name="TextBox 60">
+            <a:extLst>
+              <a:ext uri="{FF2B5EF4-FFF2-40B4-BE49-F238E27FC236}">
+                <a16:creationId xmlns:a16="http://schemas.microsoft.com/office/drawing/2014/main" id="{8AAC1E51-4F03-49AF-9AAF-8BAA6103F316}"/>
+              </a:ext>
+            </a:extLst>
+          </p:cNvPr>
+          <p:cNvSpPr txBox="1"/>
+          <p:nvPr/>
+        </p:nvSpPr>
+        <p:spPr>
+          <a:xfrm>
+            <a:off x="379284" y="6288932"/>
+            <a:ext cx="3826955" cy="523220"/>
+          </a:xfrm>
+          <a:prstGeom prst="rect">
+            <a:avLst/>
+          </a:prstGeom>
+          <a:noFill/>
+        </p:spPr>
+        <p:txBody>
+          <a:bodyPr wrap="square" rtlCol="0">
+            <a:spAutoFit/>
+          </a:bodyPr>
+          <a:lstStyle/>
+          <a:p>
+            <a:r>
+              <a:rPr lang="en-US" sz="1400" dirty="0" err="1"/>
+              <a:t>Goto</a:t>
+            </a:r>
+            <a:r>
+              <a:rPr lang="en-US" sz="1400" dirty="0"/>
+              <a:t> the URL of </a:t>
+            </a:r>
+            <a:r>
+              <a:rPr lang="en-US" sz="1400" dirty="0" err="1"/>
+              <a:t>get_success_url</a:t>
+            </a:r>
+            <a:r>
+              <a:rPr lang="en-US" sz="1400" dirty="0"/>
+              <a:t>. Because one comment deleted, so the size smaller.</a:t>
+            </a:r>
+            <a:endParaRPr lang="en-MY" sz="1400" dirty="0"/>
+          </a:p>
+        </p:txBody>
+      </p:sp>
+      <p:sp>
+        <p:nvSpPr>
+          <p:cNvPr id="63" name="Rectangle 62">
+            <a:extLst>
+              <a:ext uri="{FF2B5EF4-FFF2-40B4-BE49-F238E27FC236}">
+                <a16:creationId xmlns:a16="http://schemas.microsoft.com/office/drawing/2014/main" id="{BCD18510-E677-4B2E-9911-D6066B80B63F}"/>
+              </a:ext>
+            </a:extLst>
+          </p:cNvPr>
+          <p:cNvSpPr/>
+          <p:nvPr/>
+        </p:nvSpPr>
+        <p:spPr>
+          <a:xfrm>
+            <a:off x="4965040" y="3110564"/>
+            <a:ext cx="2857500" cy="514675"/>
+          </a:xfrm>
+          <a:prstGeom prst="rect">
+            <a:avLst/>
+          </a:prstGeom>
+          <a:noFill/>
+        </p:spPr>
+        <p:style>
+          <a:lnRef idx="2">
+            <a:schemeClr val="accent1">
+              <a:shade val="50000"/>
+            </a:schemeClr>
+          </a:lnRef>
+          <a:fillRef idx="1">
+            <a:schemeClr val="accent1"/>
+          </a:fillRef>
+          <a:effectRef idx="0">
+            <a:schemeClr val="accent1"/>
+          </a:effectRef>
+          <a:fontRef idx="minor">
+            <a:schemeClr val="lt1"/>
+          </a:fontRef>
+        </p:style>
+        <p:txBody>
+          <a:bodyPr rtlCol="0" anchor="ctr"/>
+          <a:lstStyle/>
+          <a:p>
+            <a:pPr algn="ctr"/>
+            <a:endParaRPr lang="en-MY"/>
+          </a:p>
+        </p:txBody>
+      </p:sp>
+      <p:sp>
+        <p:nvSpPr>
+          <p:cNvPr id="64" name="Rectangle 63">
+            <a:extLst>
+              <a:ext uri="{FF2B5EF4-FFF2-40B4-BE49-F238E27FC236}">
+                <a16:creationId xmlns:a16="http://schemas.microsoft.com/office/drawing/2014/main" id="{0E3393F0-F1CC-47BC-85B5-234AC9E4B83D}"/>
+              </a:ext>
+            </a:extLst>
+          </p:cNvPr>
+          <p:cNvSpPr/>
+          <p:nvPr/>
+        </p:nvSpPr>
+        <p:spPr>
+          <a:xfrm>
+            <a:off x="4965040" y="3639458"/>
+            <a:ext cx="2857500" cy="669393"/>
+          </a:xfrm>
+          <a:prstGeom prst="rect">
+            <a:avLst/>
+          </a:prstGeom>
+          <a:noFill/>
+          <a:ln>
+            <a:solidFill>
+              <a:srgbClr val="FFC000"/>
+            </a:solidFill>
+          </a:ln>
+        </p:spPr>
+        <p:style>
+          <a:lnRef idx="2">
+            <a:schemeClr val="accent1">
+              <a:shade val="50000"/>
+            </a:schemeClr>
+          </a:lnRef>
+          <a:fillRef idx="1">
+            <a:schemeClr val="accent1"/>
+          </a:fillRef>
+          <a:effectRef idx="0">
+            <a:schemeClr val="accent1"/>
+          </a:effectRef>
+          <a:fontRef idx="minor">
+            <a:schemeClr val="lt1"/>
+          </a:fontRef>
+        </p:style>
+        <p:txBody>
+          <a:bodyPr rtlCol="0" anchor="ctr"/>
+          <a:lstStyle/>
+          <a:p>
+            <a:pPr algn="ctr"/>
+            <a:endParaRPr lang="en-MY"/>
+          </a:p>
+        </p:txBody>
+      </p:sp>
+      <p:sp>
+        <p:nvSpPr>
+          <p:cNvPr id="65" name="Rectangle 64">
+            <a:extLst>
+              <a:ext uri="{FF2B5EF4-FFF2-40B4-BE49-F238E27FC236}">
+                <a16:creationId xmlns:a16="http://schemas.microsoft.com/office/drawing/2014/main" id="{4D3FFC23-3917-41C3-B012-2894D4A63524}"/>
+              </a:ext>
+            </a:extLst>
+          </p:cNvPr>
+          <p:cNvSpPr/>
+          <p:nvPr/>
+        </p:nvSpPr>
+        <p:spPr>
+          <a:xfrm>
+            <a:off x="4972050" y="4323732"/>
+            <a:ext cx="2857500" cy="503418"/>
+          </a:xfrm>
+          <a:prstGeom prst="rect">
+            <a:avLst/>
+          </a:prstGeom>
+          <a:noFill/>
+        </p:spPr>
+        <p:style>
+          <a:lnRef idx="2">
+            <a:schemeClr val="accent1">
+              <a:shade val="50000"/>
+            </a:schemeClr>
+          </a:lnRef>
+          <a:fillRef idx="1">
+            <a:schemeClr val="accent1"/>
+          </a:fillRef>
+          <a:effectRef idx="0">
+            <a:schemeClr val="accent1"/>
+          </a:effectRef>
+          <a:fontRef idx="minor">
+            <a:schemeClr val="lt1"/>
+          </a:fontRef>
+        </p:style>
+        <p:txBody>
+          <a:bodyPr rtlCol="0" anchor="ctr"/>
+          <a:lstStyle/>
+          <a:p>
+            <a:pPr algn="ctr"/>
+            <a:endParaRPr lang="en-MY"/>
+          </a:p>
+        </p:txBody>
+      </p:sp>
+      <p:sp>
+        <p:nvSpPr>
+          <p:cNvPr id="66" name="Rectangle 65">
+            <a:extLst>
+              <a:ext uri="{FF2B5EF4-FFF2-40B4-BE49-F238E27FC236}">
+                <a16:creationId xmlns:a16="http://schemas.microsoft.com/office/drawing/2014/main" id="{33C9C5DD-6FD3-43B3-8DFC-24DC20C00340}"/>
+              </a:ext>
+            </a:extLst>
+          </p:cNvPr>
+          <p:cNvSpPr/>
+          <p:nvPr/>
+        </p:nvSpPr>
+        <p:spPr>
+          <a:xfrm>
+            <a:off x="4971390" y="4845958"/>
+            <a:ext cx="2857500" cy="669393"/>
+          </a:xfrm>
+          <a:prstGeom prst="rect">
+            <a:avLst/>
+          </a:prstGeom>
+          <a:noFill/>
+          <a:ln>
+            <a:solidFill>
+              <a:srgbClr val="FFC000"/>
+            </a:solidFill>
+          </a:ln>
+        </p:spPr>
+        <p:style>
+          <a:lnRef idx="2">
+            <a:schemeClr val="accent1">
+              <a:shade val="50000"/>
+            </a:schemeClr>
+          </a:lnRef>
+          <a:fillRef idx="1">
+            <a:schemeClr val="accent1"/>
+          </a:fillRef>
+          <a:effectRef idx="0">
+            <a:schemeClr val="accent1"/>
+          </a:effectRef>
+          <a:fontRef idx="minor">
+            <a:schemeClr val="lt1"/>
+          </a:fontRef>
+        </p:style>
+        <p:txBody>
+          <a:bodyPr rtlCol="0" anchor="ctr"/>
+          <a:lstStyle/>
+          <a:p>
+            <a:pPr algn="ctr"/>
+            <a:endParaRPr lang="en-MY"/>
+          </a:p>
+        </p:txBody>
+      </p:sp>
+    </p:spTree>
+    <p:extLst>
+      <p:ext uri="{BB962C8B-B14F-4D97-AF65-F5344CB8AC3E}">
+        <p14:creationId xmlns:p14="http://schemas.microsoft.com/office/powerpoint/2010/main" val="3110217208"/>
+      </p:ext>
+    </p:extLst>
+  </p:cSld>
+  <p:clrMapOvr>
+    <a:masterClrMapping/>
+  </p:clrMapOvr>
+</p:sld>
+</file>
+
+<file path=ppt/slides/slide24.xml><?xml version="1.0" encoding="utf-8"?>
+<p:sld xmlns:a="http://schemas.openxmlformats.org/drawingml/2006/main" xmlns:r="http://schemas.openxmlformats.org/officeDocument/2006/relationships" xmlns:p="http://schemas.openxmlformats.org/presentationml/2006/main">
+  <p:cSld>
+    <p:spTree>
+      <p:nvGrpSpPr>
+        <p:cNvPr id="1" name=""/>
+        <p:cNvGrpSpPr/>
+        <p:nvPr/>
+      </p:nvGrpSpPr>
+      <p:grpSpPr>
+        <a:xfrm>
+          <a:off x="0" y="0"/>
+          <a:ext cx="0" cy="0"/>
+          <a:chOff x="0" y="0"/>
+          <a:chExt cx="0" cy="0"/>
+        </a:xfrm>
+      </p:grpSpPr>
+      <p:sp>
+        <p:nvSpPr>
+          <p:cNvPr id="2" name="Title 1">
+            <a:extLst>
+              <a:ext uri="{FF2B5EF4-FFF2-40B4-BE49-F238E27FC236}">
+                <a16:creationId xmlns:a16="http://schemas.microsoft.com/office/drawing/2014/main" id="{DEB0EFB7-1AF4-4FB4-A8B8-5B9211FBC235}"/>
+              </a:ext>
+            </a:extLst>
+          </p:cNvPr>
+          <p:cNvSpPr>
+            <a:spLocks noGrp="1"/>
+          </p:cNvSpPr>
+          <p:nvPr>
+            <p:ph type="title"/>
+          </p:nvPr>
+        </p:nvSpPr>
+        <p:spPr/>
+        <p:txBody>
+          <a:bodyPr/>
+          <a:lstStyle/>
+          <a:p>
+            <a:r>
+              <a:rPr lang="en-US" dirty="0"/>
+              <a:t>Deploy to Heroku cloud</a:t>
+            </a:r>
+            <a:endParaRPr lang="en-MY" dirty="0"/>
+          </a:p>
+        </p:txBody>
+      </p:sp>
+      <p:sp>
+        <p:nvSpPr>
+          <p:cNvPr id="3" name="Content Placeholder 2">
+            <a:extLst>
+              <a:ext uri="{FF2B5EF4-FFF2-40B4-BE49-F238E27FC236}">
+                <a16:creationId xmlns:a16="http://schemas.microsoft.com/office/drawing/2014/main" id="{7DF49AA8-3177-455A-A317-C68673E9672E}"/>
+              </a:ext>
+            </a:extLst>
+          </p:cNvPr>
+          <p:cNvSpPr>
+            <a:spLocks noGrp="1"/>
+          </p:cNvSpPr>
+          <p:nvPr>
+            <p:ph idx="1"/>
+          </p:nvPr>
+        </p:nvSpPr>
+        <p:spPr>
+          <a:xfrm>
+            <a:off x="1069848" y="2121408"/>
+            <a:ext cx="10058400" cy="1012409"/>
+          </a:xfrm>
+        </p:spPr>
+        <p:txBody>
+          <a:bodyPr/>
+          <a:lstStyle/>
+          <a:p>
+            <a:r>
+              <a:rPr lang="en-US" dirty="0"/>
+              <a:t>Push to git repo</a:t>
+            </a:r>
+          </a:p>
+          <a:p>
+            <a:r>
+              <a:rPr lang="en-US" dirty="0"/>
+              <a:t>Deploy to </a:t>
+            </a:r>
+            <a:r>
+              <a:rPr lang="en-US" dirty="0" err="1"/>
+              <a:t>heroku</a:t>
+            </a:r>
+            <a:endParaRPr lang="en-MY" dirty="0"/>
+          </a:p>
+        </p:txBody>
+      </p:sp>
+      <p:sp>
+        <p:nvSpPr>
+          <p:cNvPr id="7" name="Content Placeholder 2">
+            <a:extLst>
+              <a:ext uri="{FF2B5EF4-FFF2-40B4-BE49-F238E27FC236}">
+                <a16:creationId xmlns:a16="http://schemas.microsoft.com/office/drawing/2014/main" id="{01AD6AAC-08F7-4D63-A3DE-A9B5BAD56FFF}"/>
+              </a:ext>
+            </a:extLst>
+          </p:cNvPr>
+          <p:cNvSpPr txBox="1">
+            <a:spLocks/>
+          </p:cNvSpPr>
+          <p:nvPr/>
+        </p:nvSpPr>
+        <p:spPr>
+          <a:xfrm>
+            <a:off x="3815830" y="2235046"/>
+            <a:ext cx="7306322" cy="1609344"/>
+          </a:xfrm>
+          <a:prstGeom prst="rect">
+            <a:avLst/>
+          </a:prstGeom>
+        </p:spPr>
+        <p:txBody>
+          <a:bodyPr vert="horz" lIns="91440" tIns="45720" rIns="91440" bIns="45720" rtlCol="0">
+            <a:normAutofit lnSpcReduction="10000"/>
+          </a:bodyPr>
+          <a:lstStyle>
+            <a:lvl1pPr marL="182880" indent="-182880" algn="l" defTabSz="914400" rtl="0" eaLnBrk="1" latinLnBrk="0" hangingPunct="1">
+              <a:lnSpc>
+                <a:spcPct val="90000"/>
+              </a:lnSpc>
+              <a:spcBef>
+                <a:spcPts val="1200"/>
+              </a:spcBef>
+              <a:buClr>
+                <a:schemeClr val="accent1">
+                  <a:lumMod val="75000"/>
+                </a:schemeClr>
+              </a:buClr>
+              <a:buSzPct val="85000"/>
+              <a:buFont typeface="Wingdings" pitchFamily="2" charset="2"/>
+              <a:buChar char="§"/>
+              <a:defRPr sz="2000" kern="1200">
+                <a:solidFill>
+                  <a:schemeClr val="tx1"/>
+                </a:solidFill>
+                <a:latin typeface="+mn-lt"/>
+                <a:ea typeface="+mn-ea"/>
+                <a:cs typeface="+mn-cs"/>
+              </a:defRPr>
+            </a:lvl1pPr>
+            <a:lvl2pPr marL="457200" indent="-182880" algn="l" defTabSz="914400" rtl="0" eaLnBrk="1" latinLnBrk="0" hangingPunct="1">
+              <a:lnSpc>
+                <a:spcPct val="90000"/>
+              </a:lnSpc>
+              <a:spcBef>
+                <a:spcPts val="400"/>
+              </a:spcBef>
+              <a:spcAft>
+                <a:spcPts val="200"/>
+              </a:spcAft>
+              <a:buClr>
+                <a:schemeClr val="accent1">
+                  <a:lumMod val="75000"/>
+                </a:schemeClr>
+              </a:buClr>
+              <a:buSzPct val="85000"/>
+              <a:buFont typeface="Wingdings" pitchFamily="2" charset="2"/>
+              <a:buChar char="§"/>
+              <a:defRPr sz="1800" kern="1200">
+                <a:solidFill>
+                  <a:schemeClr val="tx1"/>
+                </a:solidFill>
+                <a:latin typeface="+mn-lt"/>
+                <a:ea typeface="+mn-ea"/>
+                <a:cs typeface="+mn-cs"/>
+              </a:defRPr>
+            </a:lvl2pPr>
+            <a:lvl3pPr marL="731520" indent="-182880" algn="l" defTabSz="914400" rtl="0" eaLnBrk="1" latinLnBrk="0" hangingPunct="1">
+              <a:lnSpc>
+                <a:spcPct val="90000"/>
+              </a:lnSpc>
+              <a:spcBef>
+                <a:spcPts val="400"/>
+              </a:spcBef>
+              <a:spcAft>
+                <a:spcPts val="200"/>
+              </a:spcAft>
+              <a:buClr>
+                <a:schemeClr val="accent1">
+                  <a:lumMod val="75000"/>
+                </a:schemeClr>
+              </a:buClr>
+              <a:buSzPct val="85000"/>
+              <a:buFont typeface="Wingdings" pitchFamily="2" charset="2"/>
+              <a:buChar char="§"/>
+              <a:defRPr sz="1600" kern="1200">
+                <a:solidFill>
+                  <a:schemeClr val="tx1"/>
+                </a:solidFill>
+                <a:latin typeface="+mn-lt"/>
+                <a:ea typeface="+mn-ea"/>
+                <a:cs typeface="+mn-cs"/>
+              </a:defRPr>
+            </a:lvl3pPr>
+            <a:lvl4pPr marL="1005840" indent="-182880" algn="l" defTabSz="914400" rtl="0" eaLnBrk="1" latinLnBrk="0" hangingPunct="1">
+              <a:lnSpc>
+                <a:spcPct val="90000"/>
+              </a:lnSpc>
+              <a:spcBef>
+                <a:spcPts val="400"/>
+              </a:spcBef>
+              <a:spcAft>
+                <a:spcPts val="200"/>
+              </a:spcAft>
+              <a:buClr>
+                <a:schemeClr val="accent1">
+                  <a:lumMod val="75000"/>
+                </a:schemeClr>
+              </a:buClr>
+              <a:buSzPct val="85000"/>
+              <a:buFont typeface="Wingdings" pitchFamily="2" charset="2"/>
+              <a:buChar char="§"/>
+              <a:defRPr sz="1600" kern="1200">
+                <a:solidFill>
+                  <a:schemeClr val="tx1"/>
+                </a:solidFill>
+                <a:latin typeface="+mn-lt"/>
+                <a:ea typeface="+mn-ea"/>
+                <a:cs typeface="+mn-cs"/>
+              </a:defRPr>
+            </a:lvl4pPr>
+            <a:lvl5pPr marL="1280160" indent="-182880" algn="l" defTabSz="914400" rtl="0" eaLnBrk="1" latinLnBrk="0" hangingPunct="1">
+              <a:lnSpc>
+                <a:spcPct val="90000"/>
+              </a:lnSpc>
+              <a:spcBef>
+                <a:spcPts val="400"/>
+              </a:spcBef>
+              <a:spcAft>
+                <a:spcPts val="200"/>
+              </a:spcAft>
+              <a:buClr>
+                <a:schemeClr val="accent1">
+                  <a:lumMod val="75000"/>
+                </a:schemeClr>
+              </a:buClr>
+              <a:buSzPct val="85000"/>
+              <a:buFont typeface="Wingdings" pitchFamily="2" charset="2"/>
+              <a:buChar char="§"/>
+              <a:defRPr sz="1600" kern="1200">
+                <a:solidFill>
+                  <a:schemeClr val="tx1"/>
+                </a:solidFill>
+                <a:latin typeface="+mn-lt"/>
+                <a:ea typeface="+mn-ea"/>
+                <a:cs typeface="+mn-cs"/>
+              </a:defRPr>
+            </a:lvl5pPr>
+            <a:lvl6pPr marL="1600000" indent="-228600" algn="l" defTabSz="914400" rtl="0" eaLnBrk="1" latinLnBrk="0" hangingPunct="1">
+              <a:lnSpc>
+                <a:spcPct val="90000"/>
+              </a:lnSpc>
+              <a:spcBef>
+                <a:spcPts val="400"/>
+              </a:spcBef>
+              <a:spcAft>
+                <a:spcPts val="200"/>
+              </a:spcAft>
+              <a:buClr>
+                <a:schemeClr val="accent1">
+                  <a:lumMod val="75000"/>
+                </a:schemeClr>
+              </a:buClr>
+              <a:buSzPct val="85000"/>
+              <a:buFont typeface="Wingdings" pitchFamily="2" charset="2"/>
+              <a:buChar char="§"/>
+              <a:defRPr sz="1600" kern="1200">
+                <a:solidFill>
+                  <a:schemeClr val="tx1"/>
+                </a:solidFill>
+                <a:latin typeface="+mn-lt"/>
+                <a:ea typeface="+mn-ea"/>
+                <a:cs typeface="+mn-cs"/>
+              </a:defRPr>
+            </a:lvl6pPr>
+            <a:lvl7pPr marL="1900000" indent="-228600" algn="l" defTabSz="914400" rtl="0" eaLnBrk="1" latinLnBrk="0" hangingPunct="1">
+              <a:lnSpc>
+                <a:spcPct val="90000"/>
+              </a:lnSpc>
+              <a:spcBef>
+                <a:spcPts val="400"/>
+              </a:spcBef>
+              <a:spcAft>
+                <a:spcPts val="200"/>
+              </a:spcAft>
+              <a:buClr>
+                <a:schemeClr val="accent1">
+                  <a:lumMod val="75000"/>
+                </a:schemeClr>
+              </a:buClr>
+              <a:buSzPct val="85000"/>
+              <a:buFont typeface="Wingdings" pitchFamily="2" charset="2"/>
+              <a:buChar char="§"/>
+              <a:defRPr sz="1600" kern="1200">
+                <a:solidFill>
+                  <a:schemeClr val="tx1"/>
+                </a:solidFill>
+                <a:latin typeface="+mn-lt"/>
+                <a:ea typeface="+mn-ea"/>
+                <a:cs typeface="+mn-cs"/>
+              </a:defRPr>
+            </a:lvl7pPr>
+            <a:lvl8pPr marL="2200000" indent="-228600" algn="l" defTabSz="914400" rtl="0" eaLnBrk="1" latinLnBrk="0" hangingPunct="1">
+              <a:lnSpc>
+                <a:spcPct val="90000"/>
+              </a:lnSpc>
+              <a:spcBef>
+                <a:spcPts val="400"/>
+              </a:spcBef>
+              <a:spcAft>
+                <a:spcPts val="200"/>
+              </a:spcAft>
+              <a:buClr>
+                <a:schemeClr val="accent1">
+                  <a:lumMod val="75000"/>
+                </a:schemeClr>
+              </a:buClr>
+              <a:buSzPct val="85000"/>
+              <a:buFont typeface="Wingdings" pitchFamily="2" charset="2"/>
+              <a:buChar char="§"/>
+              <a:defRPr sz="1600" kern="1200">
+                <a:solidFill>
+                  <a:schemeClr val="tx1"/>
+                </a:solidFill>
+                <a:latin typeface="+mn-lt"/>
+                <a:ea typeface="+mn-ea"/>
+                <a:cs typeface="+mn-cs"/>
+              </a:defRPr>
+            </a:lvl8pPr>
+            <a:lvl9pPr marL="2500000" indent="-228600" algn="l" defTabSz="914400" rtl="0" eaLnBrk="1" latinLnBrk="0" hangingPunct="1">
+              <a:lnSpc>
+                <a:spcPct val="90000"/>
+              </a:lnSpc>
+              <a:spcBef>
+                <a:spcPts val="400"/>
+              </a:spcBef>
+              <a:spcAft>
+                <a:spcPts val="200"/>
+              </a:spcAft>
+              <a:buClr>
+                <a:schemeClr val="accent1">
+                  <a:lumMod val="75000"/>
+                </a:schemeClr>
+              </a:buClr>
+              <a:buSzPct val="85000"/>
+              <a:buFont typeface="Wingdings" pitchFamily="2" charset="2"/>
+              <a:buChar char="§"/>
+              <a:defRPr sz="1600" kern="1200">
+                <a:solidFill>
+                  <a:schemeClr val="tx1"/>
+                </a:solidFill>
+                <a:latin typeface="+mn-lt"/>
+                <a:ea typeface="+mn-ea"/>
+                <a:cs typeface="+mn-cs"/>
+              </a:defRPr>
+            </a:lvl9pPr>
+          </a:lstStyle>
+          <a:p>
+            <a:pPr marL="0" indent="0">
+              <a:buNone/>
+            </a:pPr>
+            <a:r>
+              <a:rPr lang="en-US" sz="1400" dirty="0">
+                <a:latin typeface="Cascadia Mono" pitchFamily="50" charset="0"/>
+                <a:cs typeface="Cascadia Mono" pitchFamily="50" charset="0"/>
+              </a:rPr>
+              <a:t>PS&gt; cd </a:t>
+            </a:r>
+            <a:r>
+              <a:rPr lang="en-US" sz="1400" dirty="0" err="1">
+                <a:latin typeface="Cascadia Mono" pitchFamily="50" charset="0"/>
+                <a:cs typeface="Cascadia Mono" pitchFamily="50" charset="0"/>
+              </a:rPr>
+              <a:t>QuestionPrj</a:t>
+            </a:r>
+            <a:endParaRPr lang="en-US" sz="1400" dirty="0">
+              <a:latin typeface="Cascadia Mono" pitchFamily="50" charset="0"/>
+              <a:cs typeface="Cascadia Mono" pitchFamily="50" charset="0"/>
+            </a:endParaRPr>
+          </a:p>
+          <a:p>
+            <a:pPr marL="0" indent="0">
+              <a:buNone/>
+            </a:pPr>
+            <a:r>
+              <a:rPr lang="en-US" sz="1400" dirty="0">
+                <a:latin typeface="Cascadia Mono" pitchFamily="50" charset="0"/>
+                <a:cs typeface="Cascadia Mono" pitchFamily="50" charset="0"/>
+              </a:rPr>
+              <a:t>PS&gt; git status</a:t>
+            </a:r>
+          </a:p>
+          <a:p>
+            <a:pPr marL="0" indent="0">
+              <a:buNone/>
+            </a:pPr>
+            <a:r>
+              <a:rPr lang="en-US" sz="1400" dirty="0">
+                <a:latin typeface="Cascadia Mono" pitchFamily="50" charset="0"/>
+                <a:cs typeface="Cascadia Mono" pitchFamily="50" charset="0"/>
+              </a:rPr>
+              <a:t>PS&gt; git add –A</a:t>
+            </a:r>
+          </a:p>
+          <a:p>
+            <a:pPr marL="0" indent="0">
+              <a:buNone/>
+            </a:pPr>
+            <a:r>
+              <a:rPr lang="en-US" sz="1400" dirty="0">
+                <a:latin typeface="Cascadia Mono" pitchFamily="50" charset="0"/>
+                <a:cs typeface="Cascadia Mono" pitchFamily="50" charset="0"/>
+              </a:rPr>
+              <a:t>PS&gt; git commit –m “add comment function”</a:t>
+            </a:r>
+          </a:p>
+          <a:p>
+            <a:pPr marL="0" indent="0">
+              <a:buNone/>
+            </a:pPr>
+            <a:r>
+              <a:rPr lang="en-US" sz="1400" dirty="0">
+                <a:latin typeface="Cascadia Mono" pitchFamily="50" charset="0"/>
+                <a:cs typeface="Cascadia Mono" pitchFamily="50" charset="0"/>
+              </a:rPr>
+              <a:t>PS&gt; git push origin main</a:t>
+            </a:r>
+          </a:p>
+        </p:txBody>
+      </p:sp>
+      <p:sp>
+        <p:nvSpPr>
+          <p:cNvPr id="8" name="Content Placeholder 2">
+            <a:extLst>
+              <a:ext uri="{FF2B5EF4-FFF2-40B4-BE49-F238E27FC236}">
+                <a16:creationId xmlns:a16="http://schemas.microsoft.com/office/drawing/2014/main" id="{279FD875-5AAA-413A-84EE-19B016BEB514}"/>
+              </a:ext>
+            </a:extLst>
+          </p:cNvPr>
+          <p:cNvSpPr txBox="1">
+            <a:spLocks/>
+          </p:cNvSpPr>
+          <p:nvPr/>
+        </p:nvSpPr>
+        <p:spPr>
+          <a:xfrm>
+            <a:off x="3815830" y="4359296"/>
+            <a:ext cx="6386120" cy="940674"/>
+          </a:xfrm>
+          <a:prstGeom prst="rect">
+            <a:avLst/>
+          </a:prstGeom>
+        </p:spPr>
+        <p:txBody>
+          <a:bodyPr vert="horz" lIns="91440" tIns="45720" rIns="91440" bIns="45720" rtlCol="0">
+            <a:normAutofit/>
+          </a:bodyPr>
+          <a:lstStyle>
+            <a:lvl1pPr marL="182880" indent="-182880" algn="l" defTabSz="914400" rtl="0" eaLnBrk="1" latinLnBrk="0" hangingPunct="1">
+              <a:lnSpc>
+                <a:spcPct val="90000"/>
+              </a:lnSpc>
+              <a:spcBef>
+                <a:spcPts val="1200"/>
+              </a:spcBef>
+              <a:buClr>
+                <a:schemeClr val="accent1">
+                  <a:lumMod val="75000"/>
+                </a:schemeClr>
+              </a:buClr>
+              <a:buSzPct val="85000"/>
+              <a:buFont typeface="Wingdings" pitchFamily="2" charset="2"/>
+              <a:buChar char="§"/>
+              <a:defRPr sz="2000" kern="1200">
+                <a:solidFill>
+                  <a:schemeClr val="tx1"/>
+                </a:solidFill>
+                <a:latin typeface="+mn-lt"/>
+                <a:ea typeface="+mn-ea"/>
+                <a:cs typeface="+mn-cs"/>
+              </a:defRPr>
+            </a:lvl1pPr>
+            <a:lvl2pPr marL="457200" indent="-182880" algn="l" defTabSz="914400" rtl="0" eaLnBrk="1" latinLnBrk="0" hangingPunct="1">
+              <a:lnSpc>
+                <a:spcPct val="90000"/>
+              </a:lnSpc>
+              <a:spcBef>
+                <a:spcPts val="400"/>
+              </a:spcBef>
+              <a:spcAft>
+                <a:spcPts val="200"/>
+              </a:spcAft>
+              <a:buClr>
+                <a:schemeClr val="accent1">
+                  <a:lumMod val="75000"/>
+                </a:schemeClr>
+              </a:buClr>
+              <a:buSzPct val="85000"/>
+              <a:buFont typeface="Wingdings" pitchFamily="2" charset="2"/>
+              <a:buChar char="§"/>
+              <a:defRPr sz="1800" kern="1200">
+                <a:solidFill>
+                  <a:schemeClr val="tx1"/>
+                </a:solidFill>
+                <a:latin typeface="+mn-lt"/>
+                <a:ea typeface="+mn-ea"/>
+                <a:cs typeface="+mn-cs"/>
+              </a:defRPr>
+            </a:lvl2pPr>
+            <a:lvl3pPr marL="731520" indent="-182880" algn="l" defTabSz="914400" rtl="0" eaLnBrk="1" latinLnBrk="0" hangingPunct="1">
+              <a:lnSpc>
+                <a:spcPct val="90000"/>
+              </a:lnSpc>
+              <a:spcBef>
+                <a:spcPts val="400"/>
+              </a:spcBef>
+              <a:spcAft>
+                <a:spcPts val="200"/>
+              </a:spcAft>
+              <a:buClr>
+                <a:schemeClr val="accent1">
+                  <a:lumMod val="75000"/>
+                </a:schemeClr>
+              </a:buClr>
+              <a:buSzPct val="85000"/>
+              <a:buFont typeface="Wingdings" pitchFamily="2" charset="2"/>
+              <a:buChar char="§"/>
+              <a:defRPr sz="1600" kern="1200">
+                <a:solidFill>
+                  <a:schemeClr val="tx1"/>
+                </a:solidFill>
+                <a:latin typeface="+mn-lt"/>
+                <a:ea typeface="+mn-ea"/>
+                <a:cs typeface="+mn-cs"/>
+              </a:defRPr>
+            </a:lvl3pPr>
+            <a:lvl4pPr marL="1005840" indent="-182880" algn="l" defTabSz="914400" rtl="0" eaLnBrk="1" latinLnBrk="0" hangingPunct="1">
+              <a:lnSpc>
+                <a:spcPct val="90000"/>
+              </a:lnSpc>
+              <a:spcBef>
+                <a:spcPts val="400"/>
+              </a:spcBef>
+              <a:spcAft>
+                <a:spcPts val="200"/>
+              </a:spcAft>
+              <a:buClr>
+                <a:schemeClr val="accent1">
+                  <a:lumMod val="75000"/>
+                </a:schemeClr>
+              </a:buClr>
+              <a:buSzPct val="85000"/>
+              <a:buFont typeface="Wingdings" pitchFamily="2" charset="2"/>
+              <a:buChar char="§"/>
+              <a:defRPr sz="1600" kern="1200">
+                <a:solidFill>
+                  <a:schemeClr val="tx1"/>
+                </a:solidFill>
+                <a:latin typeface="+mn-lt"/>
+                <a:ea typeface="+mn-ea"/>
+                <a:cs typeface="+mn-cs"/>
+              </a:defRPr>
+            </a:lvl4pPr>
+            <a:lvl5pPr marL="1280160" indent="-182880" algn="l" defTabSz="914400" rtl="0" eaLnBrk="1" latinLnBrk="0" hangingPunct="1">
+              <a:lnSpc>
+                <a:spcPct val="90000"/>
+              </a:lnSpc>
+              <a:spcBef>
+                <a:spcPts val="400"/>
+              </a:spcBef>
+              <a:spcAft>
+                <a:spcPts val="200"/>
+              </a:spcAft>
+              <a:buClr>
+                <a:schemeClr val="accent1">
+                  <a:lumMod val="75000"/>
+                </a:schemeClr>
+              </a:buClr>
+              <a:buSzPct val="85000"/>
+              <a:buFont typeface="Wingdings" pitchFamily="2" charset="2"/>
+              <a:buChar char="§"/>
+              <a:defRPr sz="1600" kern="1200">
+                <a:solidFill>
+                  <a:schemeClr val="tx1"/>
+                </a:solidFill>
+                <a:latin typeface="+mn-lt"/>
+                <a:ea typeface="+mn-ea"/>
+                <a:cs typeface="+mn-cs"/>
+              </a:defRPr>
+            </a:lvl5pPr>
+            <a:lvl6pPr marL="1600000" indent="-228600" algn="l" defTabSz="914400" rtl="0" eaLnBrk="1" latinLnBrk="0" hangingPunct="1">
+              <a:lnSpc>
+                <a:spcPct val="90000"/>
+              </a:lnSpc>
+              <a:spcBef>
+                <a:spcPts val="400"/>
+              </a:spcBef>
+              <a:spcAft>
+                <a:spcPts val="200"/>
+              </a:spcAft>
+              <a:buClr>
+                <a:schemeClr val="accent1">
+                  <a:lumMod val="75000"/>
+                </a:schemeClr>
+              </a:buClr>
+              <a:buSzPct val="85000"/>
+              <a:buFont typeface="Wingdings" pitchFamily="2" charset="2"/>
+              <a:buChar char="§"/>
+              <a:defRPr sz="1600" kern="1200">
+                <a:solidFill>
+                  <a:schemeClr val="tx1"/>
+                </a:solidFill>
+                <a:latin typeface="+mn-lt"/>
+                <a:ea typeface="+mn-ea"/>
+                <a:cs typeface="+mn-cs"/>
+              </a:defRPr>
+            </a:lvl6pPr>
+            <a:lvl7pPr marL="1900000" indent="-228600" algn="l" defTabSz="914400" rtl="0" eaLnBrk="1" latinLnBrk="0" hangingPunct="1">
+              <a:lnSpc>
+                <a:spcPct val="90000"/>
+              </a:lnSpc>
+              <a:spcBef>
+                <a:spcPts val="400"/>
+              </a:spcBef>
+              <a:spcAft>
+                <a:spcPts val="200"/>
+              </a:spcAft>
+              <a:buClr>
+                <a:schemeClr val="accent1">
+                  <a:lumMod val="75000"/>
+                </a:schemeClr>
+              </a:buClr>
+              <a:buSzPct val="85000"/>
+              <a:buFont typeface="Wingdings" pitchFamily="2" charset="2"/>
+              <a:buChar char="§"/>
+              <a:defRPr sz="1600" kern="1200">
+                <a:solidFill>
+                  <a:schemeClr val="tx1"/>
+                </a:solidFill>
+                <a:latin typeface="+mn-lt"/>
+                <a:ea typeface="+mn-ea"/>
+                <a:cs typeface="+mn-cs"/>
+              </a:defRPr>
+            </a:lvl7pPr>
+            <a:lvl8pPr marL="2200000" indent="-228600" algn="l" defTabSz="914400" rtl="0" eaLnBrk="1" latinLnBrk="0" hangingPunct="1">
+              <a:lnSpc>
+                <a:spcPct val="90000"/>
+              </a:lnSpc>
+              <a:spcBef>
+                <a:spcPts val="400"/>
+              </a:spcBef>
+              <a:spcAft>
+                <a:spcPts val="200"/>
+              </a:spcAft>
+              <a:buClr>
+                <a:schemeClr val="accent1">
+                  <a:lumMod val="75000"/>
+                </a:schemeClr>
+              </a:buClr>
+              <a:buSzPct val="85000"/>
+              <a:buFont typeface="Wingdings" pitchFamily="2" charset="2"/>
+              <a:buChar char="§"/>
+              <a:defRPr sz="1600" kern="1200">
+                <a:solidFill>
+                  <a:schemeClr val="tx1"/>
+                </a:solidFill>
+                <a:latin typeface="+mn-lt"/>
+                <a:ea typeface="+mn-ea"/>
+                <a:cs typeface="+mn-cs"/>
+              </a:defRPr>
+            </a:lvl8pPr>
+            <a:lvl9pPr marL="2500000" indent="-228600" algn="l" defTabSz="914400" rtl="0" eaLnBrk="1" latinLnBrk="0" hangingPunct="1">
+              <a:lnSpc>
+                <a:spcPct val="90000"/>
+              </a:lnSpc>
+              <a:spcBef>
+                <a:spcPts val="400"/>
+              </a:spcBef>
+              <a:spcAft>
+                <a:spcPts val="200"/>
+              </a:spcAft>
+              <a:buClr>
+                <a:schemeClr val="accent1">
+                  <a:lumMod val="75000"/>
+                </a:schemeClr>
+              </a:buClr>
+              <a:buSzPct val="85000"/>
+              <a:buFont typeface="Wingdings" pitchFamily="2" charset="2"/>
+              <a:buChar char="§"/>
+              <a:defRPr sz="1600" kern="1200">
+                <a:solidFill>
+                  <a:schemeClr val="tx1"/>
+                </a:solidFill>
+                <a:latin typeface="+mn-lt"/>
+                <a:ea typeface="+mn-ea"/>
+                <a:cs typeface="+mn-cs"/>
+              </a:defRPr>
+            </a:lvl9pPr>
+          </a:lstStyle>
+          <a:p>
+            <a:pPr marL="0" indent="0">
+              <a:buNone/>
+            </a:pPr>
+            <a:r>
+              <a:rPr lang="en-MY" sz="1400" dirty="0">
+                <a:latin typeface="Cascadia Mono" pitchFamily="50" charset="0"/>
+                <a:cs typeface="Cascadia Mono" pitchFamily="50" charset="0"/>
+              </a:rPr>
+              <a:t>PS&gt; git push </a:t>
+            </a:r>
+            <a:r>
+              <a:rPr lang="en-MY" sz="1400" dirty="0" err="1">
+                <a:latin typeface="Cascadia Mono" pitchFamily="50" charset="0"/>
+                <a:cs typeface="Cascadia Mono" pitchFamily="50" charset="0"/>
+              </a:rPr>
+              <a:t>heroku</a:t>
+            </a:r>
+            <a:r>
+              <a:rPr lang="en-MY" sz="1400" dirty="0">
+                <a:latin typeface="Cascadia Mono" pitchFamily="50" charset="0"/>
+                <a:cs typeface="Cascadia Mono" pitchFamily="50" charset="0"/>
+              </a:rPr>
+              <a:t> main</a:t>
+            </a:r>
+          </a:p>
+          <a:p>
+            <a:pPr marL="0" indent="0">
+              <a:buNone/>
+            </a:pPr>
+            <a:r>
+              <a:rPr lang="en-US" sz="1400" dirty="0">
+                <a:latin typeface="Cascadia Mono" pitchFamily="50" charset="0"/>
+                <a:cs typeface="Cascadia Mono" pitchFamily="50" charset="0"/>
+              </a:rPr>
+              <a:t>PS&gt; </a:t>
+            </a:r>
+            <a:r>
+              <a:rPr lang="en-US" sz="1400" dirty="0" err="1">
+                <a:latin typeface="Cascadia Mono" pitchFamily="50" charset="0"/>
+                <a:cs typeface="Cascadia Mono" pitchFamily="50" charset="0"/>
+              </a:rPr>
+              <a:t>heroku</a:t>
+            </a:r>
+            <a:r>
+              <a:rPr lang="en-US" sz="1400" dirty="0">
+                <a:latin typeface="Cascadia Mono" pitchFamily="50" charset="0"/>
+                <a:cs typeface="Cascadia Mono" pitchFamily="50" charset="0"/>
+              </a:rPr>
+              <a:t> </a:t>
+            </a:r>
+            <a:r>
+              <a:rPr lang="en-US" sz="1400" dirty="0" err="1">
+                <a:latin typeface="Cascadia Mono" pitchFamily="50" charset="0"/>
+                <a:cs typeface="Cascadia Mono" pitchFamily="50" charset="0"/>
+              </a:rPr>
+              <a:t>ps:scale</a:t>
+            </a:r>
+            <a:r>
+              <a:rPr lang="en-US" sz="1400" dirty="0">
+                <a:latin typeface="Cascadia Mono" pitchFamily="50" charset="0"/>
+                <a:cs typeface="Cascadia Mono" pitchFamily="50" charset="0"/>
+              </a:rPr>
+              <a:t> web=1</a:t>
+            </a:r>
+          </a:p>
+        </p:txBody>
+      </p:sp>
+    </p:spTree>
+    <p:extLst>
+      <p:ext uri="{BB962C8B-B14F-4D97-AF65-F5344CB8AC3E}">
+        <p14:creationId xmlns:p14="http://schemas.microsoft.com/office/powerpoint/2010/main" val="2804067587"/>
+      </p:ext>
+    </p:extLst>
+  </p:cSld>
+  <p:clrMapOvr>
+    <a:masterClrMapping/>
+  </p:clrMapOvr>
+</p:sld>
+</file>
+
+<file path=ppt/slides/slide3.xml><?xml version="1.0" encoding="utf-8"?>
+<p:sld xmlns:a="http://schemas.openxmlformats.org/drawingml/2006/main" xmlns:r="http://schemas.openxmlformats.org/officeDocument/2006/relationships" xmlns:p="http://schemas.openxmlformats.org/presentationml/2006/main">
+  <p:cSld>
+    <p:spTree>
+      <p:nvGrpSpPr>
+        <p:cNvPr id="1" name=""/>
+        <p:cNvGrpSpPr/>
+        <p:nvPr/>
+      </p:nvGrpSpPr>
+      <p:grpSpPr>
+        <a:xfrm>
+          <a:off x="0" y="0"/>
+          <a:ext cx="0" cy="0"/>
+          <a:chOff x="0" y="0"/>
+          <a:chExt cx="0" cy="0"/>
+        </a:xfrm>
+      </p:grpSpPr>
+      <p:sp>
+        <p:nvSpPr>
+          <p:cNvPr id="2" name="Title 1">
+            <a:extLst>
+              <a:ext uri="{FF2B5EF4-FFF2-40B4-BE49-F238E27FC236}">
+                <a16:creationId xmlns:a16="http://schemas.microsoft.com/office/drawing/2014/main" id="{265FFBC7-A7EB-4773-B540-BA9313C9D35E}"/>
+              </a:ext>
+            </a:extLst>
+          </p:cNvPr>
+          <p:cNvSpPr>
+            <a:spLocks noGrp="1"/>
+          </p:cNvSpPr>
+          <p:nvPr>
+            <p:ph type="title"/>
+          </p:nvPr>
+        </p:nvSpPr>
+        <p:spPr/>
+        <p:txBody>
+          <a:bodyPr/>
+          <a:lstStyle/>
+          <a:p>
+            <a:r>
+              <a:rPr lang="en-US" dirty="0"/>
+              <a:t>Add model to store the comment in DB</a:t>
+            </a:r>
+            <a:endParaRPr lang="en-MY" dirty="0"/>
+          </a:p>
+        </p:txBody>
+      </p:sp>
+      <p:pic>
+        <p:nvPicPr>
+          <p:cNvPr id="4" name="Picture 3">
+            <a:extLst>
+              <a:ext uri="{FF2B5EF4-FFF2-40B4-BE49-F238E27FC236}">
+                <a16:creationId xmlns:a16="http://schemas.microsoft.com/office/drawing/2014/main" id="{0F7D3DBB-083A-4195-81BE-33DBA0666704}"/>
+              </a:ext>
+            </a:extLst>
+          </p:cNvPr>
+          <p:cNvPicPr>
+            <a:picLocks noChangeAspect="1"/>
+          </p:cNvPicPr>
+          <p:nvPr/>
+        </p:nvPicPr>
+        <p:blipFill rotWithShape="1">
+          <a:blip r:embed="rId2"/>
+          <a:srcRect b="25493"/>
+          <a:stretch/>
+        </p:blipFill>
+        <p:spPr>
+          <a:xfrm>
+            <a:off x="2704125" y="2614518"/>
+            <a:ext cx="5363323" cy="1504721"/>
+          </a:xfrm>
+          <a:prstGeom prst="rect">
+            <a:avLst/>
+          </a:prstGeom>
+        </p:spPr>
+      </p:pic>
+    </p:spTree>
+    <p:extLst>
+      <p:ext uri="{BB962C8B-B14F-4D97-AF65-F5344CB8AC3E}">
+        <p14:creationId xmlns:p14="http://schemas.microsoft.com/office/powerpoint/2010/main" val="4217966447"/>
+      </p:ext>
+    </p:extLst>
+  </p:cSld>
+  <p:clrMapOvr>
+    <a:masterClrMapping/>
+  </p:clrMapOvr>
+</p:sld>
+</file>
+
+<file path=ppt/slides/slide4.xml><?xml version="1.0" encoding="utf-8"?>
+<p:sld xmlns:a="http://schemas.openxmlformats.org/drawingml/2006/main" xmlns:r="http://schemas.openxmlformats.org/officeDocument/2006/relationships" xmlns:p="http://schemas.openxmlformats.org/presentationml/2006/main">
+  <p:cSld>
+    <p:spTree>
+      <p:nvGrpSpPr>
+        <p:cNvPr id="1" name=""/>
+        <p:cNvGrpSpPr/>
+        <p:nvPr/>
+      </p:nvGrpSpPr>
+      <p:grpSpPr>
+        <a:xfrm>
+          <a:off x="0" y="0"/>
+          <a:ext cx="0" cy="0"/>
+          <a:chOff x="0" y="0"/>
+          <a:chExt cx="0" cy="0"/>
+        </a:xfrm>
+      </p:grpSpPr>
+      <p:sp>
+        <p:nvSpPr>
+          <p:cNvPr id="2" name="Title 1">
+            <a:extLst>
+              <a:ext uri="{FF2B5EF4-FFF2-40B4-BE49-F238E27FC236}">
                 <a16:creationId xmlns:a16="http://schemas.microsoft.com/office/drawing/2014/main" id="{E81D4E09-778A-4FC9-B7AA-9C270407624B}"/>
               </a:ext>
             </a:extLst>
@@ -9196,7 +13524,7 @@
 </p:sld>
 </file>
 
-<file path=ppt/slides/slide11.xml><?xml version="1.0" encoding="utf-8"?>
+<file path=ppt/slides/slide5.xml><?xml version="1.0" encoding="utf-8"?>
 <p:sld xmlns:a="http://schemas.openxmlformats.org/drawingml/2006/main" xmlns:r="http://schemas.openxmlformats.org/officeDocument/2006/relationships" xmlns:p="http://schemas.openxmlformats.org/presentationml/2006/main">
   <p:cSld>
     <p:spTree>
@@ -9558,8 +13886,19 @@
                 <a:latin typeface="Cascadia Mono" pitchFamily="50" charset="0"/>
                 <a:cs typeface="Cascadia Mono" pitchFamily="50" charset="0"/>
               </a:rPr>
-              <a:t>PS&gt; 2myprj</a:t>
-            </a:r>
+              <a:t>PS&gt; </a:t>
+            </a:r>
+            <a:r>
+              <a:rPr lang="en-US" sz="1400" dirty="0" err="1">
+                <a:latin typeface="Cascadia Mono" pitchFamily="50" charset="0"/>
+                <a:cs typeface="Cascadia Mono" pitchFamily="50" charset="0"/>
+              </a:rPr>
+              <a:t>QuestionPrj</a:t>
+            </a:r>
+            <a:endParaRPr lang="en-US" sz="1400" dirty="0">
+              <a:latin typeface="Cascadia Mono" pitchFamily="50" charset="0"/>
+              <a:cs typeface="Cascadia Mono" pitchFamily="50" charset="0"/>
+            </a:endParaRPr>
           </a:p>
           <a:p>
             <a:pPr marL="0" indent="0">
@@ -9585,29 +13924,6 @@
                 <a:cs typeface="Cascadia Mono" pitchFamily="50" charset="0"/>
               </a:rPr>
               <a:t> shell</a:t>
-            </a:r>
-            <a:endParaRPr lang="en-MY" sz="1400" dirty="0">
-              <a:latin typeface="Cascadia Mono" pitchFamily="50" charset="0"/>
-              <a:cs typeface="Cascadia Mono" pitchFamily="50" charset="0"/>
-            </a:endParaRPr>
-          </a:p>
-          <a:p>
-            <a:pPr marL="0" indent="0">
-              <a:buNone/>
-            </a:pPr>
-            <a:r>
-              <a:rPr lang="en-MY" sz="1400" dirty="0">
-                <a:latin typeface="Cascadia Mono" pitchFamily="50" charset="0"/>
-                <a:cs typeface="Cascadia Mono" pitchFamily="50" charset="0"/>
-              </a:rPr>
-              <a:t>PS&gt; cp </a:t>
-            </a:r>
-            <a:r>
-              <a:rPr lang="en-MY" sz="1400" dirty="0" err="1">
-                <a:latin typeface="Cascadia Mono" pitchFamily="50" charset="0"/>
-                <a:cs typeface="Cascadia Mono" pitchFamily="50" charset="0"/>
-              </a:rPr>
-              <a:t>QuestionPrj</a:t>
             </a:r>
             <a:endParaRPr lang="en-MY" sz="1400" dirty="0">
               <a:latin typeface="Cascadia Mono" pitchFamily="50" charset="0"/>
@@ -9792,7 +14108,7 @@
 </p:sld>
 </file>
 
-<file path=ppt/slides/slide12.xml><?xml version="1.0" encoding="utf-8"?>
+<file path=ppt/slides/slide6.xml><?xml version="1.0" encoding="utf-8"?>
 <p:sld xmlns:a="http://schemas.openxmlformats.org/drawingml/2006/main" xmlns:r="http://schemas.openxmlformats.org/officeDocument/2006/relationships" xmlns:p="http://schemas.openxmlformats.org/presentationml/2006/main">
   <p:cSld>
     <p:spTree>
@@ -9923,7 +14239,7 @@
 </p:sld>
 </file>
 
-<file path=ppt/slides/slide13.xml><?xml version="1.0" encoding="utf-8"?>
+<file path=ppt/slides/slide7.xml><?xml version="1.0" encoding="utf-8"?>
 <p:sld xmlns:a="http://schemas.openxmlformats.org/drawingml/2006/main" xmlns:r="http://schemas.openxmlformats.org/officeDocument/2006/relationships" xmlns:p="http://schemas.openxmlformats.org/presentationml/2006/main">
   <p:cSld>
     <p:spTree>
@@ -10076,7 +14392,7 @@
 </p:sld>
 </file>
 
-<file path=ppt/slides/slide14.xml><?xml version="1.0" encoding="utf-8"?>
+<file path=ppt/slides/slide8.xml><?xml version="1.0" encoding="utf-8"?>
 <p:sld xmlns:a="http://schemas.openxmlformats.org/drawingml/2006/main" xmlns:r="http://schemas.openxmlformats.org/officeDocument/2006/relationships" xmlns:p="http://schemas.openxmlformats.org/presentationml/2006/main">
   <p:cSld>
     <p:spTree>
@@ -10220,7 +14536,7 @@
 </p:sld>
 </file>
 
-<file path=ppt/slides/slide15.xml><?xml version="1.0" encoding="utf-8"?>
+<file path=ppt/slides/slide9.xml><?xml version="1.0" encoding="utf-8"?>
 <p:sld xmlns:a="http://schemas.openxmlformats.org/drawingml/2006/main" xmlns:r="http://schemas.openxmlformats.org/officeDocument/2006/relationships" xmlns:p="http://schemas.openxmlformats.org/presentationml/2006/main">
   <p:cSld>
     <p:spTree>
@@ -10366,5070 +14682,6 @@
     <p:extLst>
       <p:ext uri="{BB962C8B-B14F-4D97-AF65-F5344CB8AC3E}">
         <p14:creationId xmlns:p14="http://schemas.microsoft.com/office/powerpoint/2010/main" val="1596857763"/>
-      </p:ext>
-    </p:extLst>
-  </p:cSld>
-  <p:clrMapOvr>
-    <a:masterClrMapping/>
-  </p:clrMapOvr>
-</p:sld>
-</file>
-
-<file path=ppt/slides/slide16.xml><?xml version="1.0" encoding="utf-8"?>
-<p:sld xmlns:a="http://schemas.openxmlformats.org/drawingml/2006/main" xmlns:r="http://schemas.openxmlformats.org/officeDocument/2006/relationships" xmlns:p="http://schemas.openxmlformats.org/presentationml/2006/main">
-  <p:cSld>
-    <p:spTree>
-      <p:nvGrpSpPr>
-        <p:cNvPr id="1" name=""/>
-        <p:cNvGrpSpPr/>
-        <p:nvPr/>
-      </p:nvGrpSpPr>
-      <p:grpSpPr>
-        <a:xfrm>
-          <a:off x="0" y="0"/>
-          <a:ext cx="0" cy="0"/>
-          <a:chOff x="0" y="0"/>
-          <a:chExt cx="0" cy="0"/>
-        </a:xfrm>
-      </p:grpSpPr>
-      <p:sp>
-        <p:nvSpPr>
-          <p:cNvPr id="2" name="Title 1">
-            <a:extLst>
-              <a:ext uri="{FF2B5EF4-FFF2-40B4-BE49-F238E27FC236}">
-                <a16:creationId xmlns:a16="http://schemas.microsoft.com/office/drawing/2014/main" id="{D9B1C52C-254D-41F1-B4D9-68BC364ACA0D}"/>
-              </a:ext>
-            </a:extLst>
-          </p:cNvPr>
-          <p:cNvSpPr>
-            <a:spLocks noGrp="1"/>
-          </p:cNvSpPr>
-          <p:nvPr>
-            <p:ph type="title"/>
-          </p:nvPr>
-        </p:nvSpPr>
-        <p:spPr/>
-        <p:txBody>
-          <a:bodyPr/>
-          <a:lstStyle/>
-          <a:p>
-            <a:r>
-              <a:rPr lang="en-US" dirty="0"/>
-              <a:t>Add template for add comment</a:t>
-            </a:r>
-            <a:endParaRPr lang="en-MY" dirty="0"/>
-          </a:p>
-        </p:txBody>
-      </p:sp>
-      <p:sp>
-        <p:nvSpPr>
-          <p:cNvPr id="3" name="Content Placeholder 2">
-            <a:extLst>
-              <a:ext uri="{FF2B5EF4-FFF2-40B4-BE49-F238E27FC236}">
-                <a16:creationId xmlns:a16="http://schemas.microsoft.com/office/drawing/2014/main" id="{60EEE875-AF1A-45BF-BAF9-6FADED0BC726}"/>
-              </a:ext>
-            </a:extLst>
-          </p:cNvPr>
-          <p:cNvSpPr>
-            <a:spLocks noGrp="1"/>
-          </p:cNvSpPr>
-          <p:nvPr>
-            <p:ph idx="1"/>
-          </p:nvPr>
-        </p:nvSpPr>
-        <p:spPr>
-          <a:xfrm>
-            <a:off x="1069848" y="2121408"/>
-            <a:ext cx="10058400" cy="974217"/>
-          </a:xfrm>
-        </p:spPr>
-        <p:txBody>
-          <a:bodyPr/>
-          <a:lstStyle/>
-          <a:p>
-            <a:r>
-              <a:rPr lang="en-US" dirty="0"/>
-              <a:t>The template will use form for user to input and post</a:t>
-            </a:r>
-            <a:endParaRPr lang="en-MY" dirty="0"/>
-          </a:p>
-        </p:txBody>
-      </p:sp>
-      <p:pic>
-        <p:nvPicPr>
-          <p:cNvPr id="5" name="Picture 4">
-            <a:extLst>
-              <a:ext uri="{FF2B5EF4-FFF2-40B4-BE49-F238E27FC236}">
-                <a16:creationId xmlns:a16="http://schemas.microsoft.com/office/drawing/2014/main" id="{3E43F1F9-F04F-4E55-AABE-1FC08CB3B367}"/>
-              </a:ext>
-            </a:extLst>
-          </p:cNvPr>
-          <p:cNvPicPr>
-            <a:picLocks noChangeAspect="1"/>
-          </p:cNvPicPr>
-          <p:nvPr/>
-        </p:nvPicPr>
-        <p:blipFill>
-          <a:blip r:embed="rId2"/>
-          <a:stretch>
-            <a:fillRect/>
-          </a:stretch>
-        </p:blipFill>
-        <p:spPr>
-          <a:xfrm>
-            <a:off x="2199731" y="2608516"/>
-            <a:ext cx="7792537" cy="3867690"/>
-          </a:xfrm>
-          <a:prstGeom prst="rect">
-            <a:avLst/>
-          </a:prstGeom>
-        </p:spPr>
-      </p:pic>
-    </p:spTree>
-    <p:extLst>
-      <p:ext uri="{BB962C8B-B14F-4D97-AF65-F5344CB8AC3E}">
-        <p14:creationId xmlns:p14="http://schemas.microsoft.com/office/powerpoint/2010/main" val="1150983787"/>
-      </p:ext>
-    </p:extLst>
-  </p:cSld>
-  <p:clrMapOvr>
-    <a:masterClrMapping/>
-  </p:clrMapOvr>
-</p:sld>
-</file>
-
-<file path=ppt/slides/slide17.xml><?xml version="1.0" encoding="utf-8"?>
-<p:sld xmlns:a="http://schemas.openxmlformats.org/drawingml/2006/main" xmlns:r="http://schemas.openxmlformats.org/officeDocument/2006/relationships" xmlns:p="http://schemas.openxmlformats.org/presentationml/2006/main">
-  <p:cSld>
-    <p:spTree>
-      <p:nvGrpSpPr>
-        <p:cNvPr id="1" name=""/>
-        <p:cNvGrpSpPr/>
-        <p:nvPr/>
-      </p:nvGrpSpPr>
-      <p:grpSpPr>
-        <a:xfrm>
-          <a:off x="0" y="0"/>
-          <a:ext cx="0" cy="0"/>
-          <a:chOff x="0" y="0"/>
-          <a:chExt cx="0" cy="0"/>
-        </a:xfrm>
-      </p:grpSpPr>
-      <p:sp>
-        <p:nvSpPr>
-          <p:cNvPr id="2" name="Title 1">
-            <a:extLst>
-              <a:ext uri="{FF2B5EF4-FFF2-40B4-BE49-F238E27FC236}">
-                <a16:creationId xmlns:a16="http://schemas.microsoft.com/office/drawing/2014/main" id="{8F4E621C-42E5-4F2D-9894-3DF3A3BB9933}"/>
-              </a:ext>
-            </a:extLst>
-          </p:cNvPr>
-          <p:cNvSpPr>
-            <a:spLocks noGrp="1"/>
-          </p:cNvSpPr>
-          <p:nvPr>
-            <p:ph type="title"/>
-          </p:nvPr>
-        </p:nvSpPr>
-        <p:spPr/>
-        <p:txBody>
-          <a:bodyPr/>
-          <a:lstStyle/>
-          <a:p>
-            <a:r>
-              <a:rPr lang="en-US" dirty="0"/>
-              <a:t>Check the result</a:t>
-            </a:r>
-            <a:endParaRPr lang="en-MY" dirty="0"/>
-          </a:p>
-        </p:txBody>
-      </p:sp>
-      <p:sp>
-        <p:nvSpPr>
-          <p:cNvPr id="3" name="Content Placeholder 2">
-            <a:extLst>
-              <a:ext uri="{FF2B5EF4-FFF2-40B4-BE49-F238E27FC236}">
-                <a16:creationId xmlns:a16="http://schemas.microsoft.com/office/drawing/2014/main" id="{8D3937B8-CEAD-4F56-A9AD-1B8EE98D5B2B}"/>
-              </a:ext>
-            </a:extLst>
-          </p:cNvPr>
-          <p:cNvSpPr>
-            <a:spLocks noGrp="1"/>
-          </p:cNvSpPr>
-          <p:nvPr>
-            <p:ph idx="1"/>
-          </p:nvPr>
-        </p:nvSpPr>
-        <p:spPr>
-          <a:xfrm>
-            <a:off x="1069848" y="2121408"/>
-            <a:ext cx="4902327" cy="4050792"/>
-          </a:xfrm>
-        </p:spPr>
-        <p:txBody>
-          <a:bodyPr/>
-          <a:lstStyle/>
-          <a:p>
-            <a:r>
-              <a:rPr lang="en-US" dirty="0"/>
-              <a:t>We got the form, but for the datetime field, it is like a text we must key in information manually.</a:t>
-            </a:r>
-          </a:p>
-          <a:p>
-            <a:r>
-              <a:rPr lang="en-US" dirty="0"/>
-              <a:t>The format must be exactly like what shown in picture, </a:t>
-            </a:r>
-          </a:p>
-          <a:p>
-            <a:r>
-              <a:rPr lang="en-US" dirty="0"/>
-              <a:t>YYYY-MM-DD HH:MM:SS</a:t>
-            </a:r>
-            <a:endParaRPr lang="en-MY" dirty="0"/>
-          </a:p>
-        </p:txBody>
-      </p:sp>
-      <p:pic>
-        <p:nvPicPr>
-          <p:cNvPr id="9" name="Picture 8">
-            <a:extLst>
-              <a:ext uri="{FF2B5EF4-FFF2-40B4-BE49-F238E27FC236}">
-                <a16:creationId xmlns:a16="http://schemas.microsoft.com/office/drawing/2014/main" id="{5948C15E-7F5F-438F-8470-9A5C00D250ED}"/>
-              </a:ext>
-            </a:extLst>
-          </p:cNvPr>
-          <p:cNvPicPr>
-            <a:picLocks noChangeAspect="1"/>
-          </p:cNvPicPr>
-          <p:nvPr/>
-        </p:nvPicPr>
-        <p:blipFill>
-          <a:blip r:embed="rId2"/>
-          <a:stretch>
-            <a:fillRect/>
-          </a:stretch>
-        </p:blipFill>
-        <p:spPr>
-          <a:xfrm>
-            <a:off x="6076950" y="1080760"/>
-            <a:ext cx="5220429" cy="4696480"/>
-          </a:xfrm>
-          <a:prstGeom prst="rect">
-            <a:avLst/>
-          </a:prstGeom>
-        </p:spPr>
-      </p:pic>
-      <p:sp>
-        <p:nvSpPr>
-          <p:cNvPr id="10" name="TextBox 9">
-            <a:extLst>
-              <a:ext uri="{FF2B5EF4-FFF2-40B4-BE49-F238E27FC236}">
-                <a16:creationId xmlns:a16="http://schemas.microsoft.com/office/drawing/2014/main" id="{2D1860B0-6032-4F27-B127-4672FF174536}"/>
-              </a:ext>
-            </a:extLst>
-          </p:cNvPr>
-          <p:cNvSpPr txBox="1"/>
-          <p:nvPr/>
-        </p:nvSpPr>
-        <p:spPr>
-          <a:xfrm>
-            <a:off x="7098267" y="5015240"/>
-            <a:ext cx="1588897" cy="276999"/>
-          </a:xfrm>
-          <a:prstGeom prst="rect">
-            <a:avLst/>
-          </a:prstGeom>
-          <a:noFill/>
-        </p:spPr>
-        <p:txBody>
-          <a:bodyPr wrap="none" rtlCol="0">
-            <a:spAutoFit/>
-          </a:bodyPr>
-          <a:lstStyle/>
-          <a:p>
-            <a:r>
-              <a:rPr lang="en-US" sz="1200" dirty="0"/>
-              <a:t>2020-09-01 20:20:20</a:t>
-            </a:r>
-            <a:endParaRPr lang="en-MY" sz="1200" dirty="0"/>
-          </a:p>
-        </p:txBody>
-      </p:sp>
-    </p:spTree>
-    <p:extLst>
-      <p:ext uri="{BB962C8B-B14F-4D97-AF65-F5344CB8AC3E}">
-        <p14:creationId xmlns:p14="http://schemas.microsoft.com/office/powerpoint/2010/main" val="4056878008"/>
-      </p:ext>
-    </p:extLst>
-  </p:cSld>
-  <p:clrMapOvr>
-    <a:masterClrMapping/>
-  </p:clrMapOvr>
-</p:sld>
-</file>
-
-<file path=ppt/slides/slide18.xml><?xml version="1.0" encoding="utf-8"?>
-<p:sld xmlns:a="http://schemas.openxmlformats.org/drawingml/2006/main" xmlns:r="http://schemas.openxmlformats.org/officeDocument/2006/relationships" xmlns:p="http://schemas.openxmlformats.org/presentationml/2006/main">
-  <p:cSld>
-    <p:spTree>
-      <p:nvGrpSpPr>
-        <p:cNvPr id="1" name=""/>
-        <p:cNvGrpSpPr/>
-        <p:nvPr/>
-      </p:nvGrpSpPr>
-      <p:grpSpPr>
-        <a:xfrm>
-          <a:off x="0" y="0"/>
-          <a:ext cx="0" cy="0"/>
-          <a:chOff x="0" y="0"/>
-          <a:chExt cx="0" cy="0"/>
-        </a:xfrm>
-      </p:grpSpPr>
-      <p:sp>
-        <p:nvSpPr>
-          <p:cNvPr id="2" name="Title 1">
-            <a:extLst>
-              <a:ext uri="{FF2B5EF4-FFF2-40B4-BE49-F238E27FC236}">
-                <a16:creationId xmlns:a16="http://schemas.microsoft.com/office/drawing/2014/main" id="{8F4E621C-42E5-4F2D-9894-3DF3A3BB9933}"/>
-              </a:ext>
-            </a:extLst>
-          </p:cNvPr>
-          <p:cNvSpPr>
-            <a:spLocks noGrp="1"/>
-          </p:cNvSpPr>
-          <p:nvPr>
-            <p:ph type="title"/>
-          </p:nvPr>
-        </p:nvSpPr>
-        <p:spPr/>
-        <p:txBody>
-          <a:bodyPr/>
-          <a:lstStyle/>
-          <a:p>
-            <a:r>
-              <a:rPr lang="en-US" dirty="0"/>
-              <a:t>But still another issue</a:t>
-            </a:r>
-            <a:endParaRPr lang="en-MY" dirty="0"/>
-          </a:p>
-        </p:txBody>
-      </p:sp>
-      <p:sp>
-        <p:nvSpPr>
-          <p:cNvPr id="3" name="Content Placeholder 2">
-            <a:extLst>
-              <a:ext uri="{FF2B5EF4-FFF2-40B4-BE49-F238E27FC236}">
-                <a16:creationId xmlns:a16="http://schemas.microsoft.com/office/drawing/2014/main" id="{8D3937B8-CEAD-4F56-A9AD-1B8EE98D5B2B}"/>
-              </a:ext>
-            </a:extLst>
-          </p:cNvPr>
-          <p:cNvSpPr>
-            <a:spLocks noGrp="1"/>
-          </p:cNvSpPr>
-          <p:nvPr>
-            <p:ph idx="1"/>
-          </p:nvPr>
-        </p:nvSpPr>
-        <p:spPr>
-          <a:xfrm>
-            <a:off x="1069848" y="3000374"/>
-            <a:ext cx="9741027" cy="3171825"/>
-          </a:xfrm>
-        </p:spPr>
-        <p:txBody>
-          <a:bodyPr/>
-          <a:lstStyle/>
-          <a:p>
-            <a:r>
-              <a:rPr lang="en-US" dirty="0"/>
-              <a:t>When finish a POST action, the webserver should return back a new URL for the browser to view.</a:t>
-            </a:r>
-          </a:p>
-          <a:p>
-            <a:r>
-              <a:rPr lang="en-US" dirty="0"/>
-              <a:t>As shown by the error information from Django, we can do this by define </a:t>
-            </a:r>
-            <a:r>
-              <a:rPr lang="en-US" dirty="0" err="1"/>
-              <a:t>get_absolute_url</a:t>
-            </a:r>
-            <a:r>
-              <a:rPr lang="en-US" dirty="0"/>
-              <a:t> for the model which we are modifying. This URL will be the success </a:t>
-            </a:r>
-            <a:r>
-              <a:rPr lang="en-US" dirty="0" err="1"/>
-              <a:t>url</a:t>
-            </a:r>
-            <a:r>
-              <a:rPr lang="en-US" dirty="0"/>
-              <a:t> for the user after he add the new comment.</a:t>
-            </a:r>
-          </a:p>
-          <a:p>
-            <a:r>
-              <a:rPr lang="en-MY" dirty="0"/>
-              <a:t>Then we add the </a:t>
-            </a:r>
-            <a:r>
-              <a:rPr lang="en-MY" dirty="0" err="1"/>
-              <a:t>get_absolute_url</a:t>
-            </a:r>
-            <a:r>
-              <a:rPr lang="en-MY" dirty="0"/>
-              <a:t>, make it go back to the homepage after success submit.</a:t>
-            </a:r>
-            <a:endParaRPr lang="en-US" dirty="0"/>
-          </a:p>
-        </p:txBody>
-      </p:sp>
-      <p:pic>
-        <p:nvPicPr>
-          <p:cNvPr id="5" name="Picture 4">
-            <a:extLst>
-              <a:ext uri="{FF2B5EF4-FFF2-40B4-BE49-F238E27FC236}">
-                <a16:creationId xmlns:a16="http://schemas.microsoft.com/office/drawing/2014/main" id="{6071E29F-7FD2-4485-9339-AE7A116EE9B7}"/>
-              </a:ext>
-            </a:extLst>
-          </p:cNvPr>
-          <p:cNvPicPr>
-            <a:picLocks noChangeAspect="1"/>
-          </p:cNvPicPr>
-          <p:nvPr/>
-        </p:nvPicPr>
-        <p:blipFill>
-          <a:blip r:embed="rId2"/>
-          <a:stretch>
-            <a:fillRect/>
-          </a:stretch>
-        </p:blipFill>
-        <p:spPr>
-          <a:xfrm>
-            <a:off x="1995001" y="1757298"/>
-            <a:ext cx="6963747" cy="924054"/>
-          </a:xfrm>
-          <a:prstGeom prst="rect">
-            <a:avLst/>
-          </a:prstGeom>
-        </p:spPr>
-      </p:pic>
-      <p:pic>
-        <p:nvPicPr>
-          <p:cNvPr id="6" name="Picture 5">
-            <a:extLst>
-              <a:ext uri="{FF2B5EF4-FFF2-40B4-BE49-F238E27FC236}">
-                <a16:creationId xmlns:a16="http://schemas.microsoft.com/office/drawing/2014/main" id="{645541B8-FAB8-46AB-A2CB-1FA699E9AA8A}"/>
-              </a:ext>
-            </a:extLst>
-          </p:cNvPr>
-          <p:cNvPicPr>
-            <a:picLocks noChangeAspect="1"/>
-          </p:cNvPicPr>
-          <p:nvPr/>
-        </p:nvPicPr>
-        <p:blipFill>
-          <a:blip r:embed="rId3"/>
-          <a:stretch>
-            <a:fillRect/>
-          </a:stretch>
-        </p:blipFill>
-        <p:spPr>
-          <a:xfrm>
-            <a:off x="2680086" y="5561180"/>
-            <a:ext cx="5287113" cy="476316"/>
-          </a:xfrm>
-          <a:prstGeom prst="rect">
-            <a:avLst/>
-          </a:prstGeom>
-        </p:spPr>
-      </p:pic>
-    </p:spTree>
-    <p:extLst>
-      <p:ext uri="{BB962C8B-B14F-4D97-AF65-F5344CB8AC3E}">
-        <p14:creationId xmlns:p14="http://schemas.microsoft.com/office/powerpoint/2010/main" val="1178567567"/>
-      </p:ext>
-    </p:extLst>
-  </p:cSld>
-  <p:clrMapOvr>
-    <a:masterClrMapping/>
-  </p:clrMapOvr>
-</p:sld>
-</file>
-
-<file path=ppt/slides/slide19.xml><?xml version="1.0" encoding="utf-8"?>
-<p:sld xmlns:a="http://schemas.openxmlformats.org/drawingml/2006/main" xmlns:r="http://schemas.openxmlformats.org/officeDocument/2006/relationships" xmlns:p="http://schemas.openxmlformats.org/presentationml/2006/main">
-  <p:cSld>
-    <p:spTree>
-      <p:nvGrpSpPr>
-        <p:cNvPr id="1" name=""/>
-        <p:cNvGrpSpPr/>
-        <p:nvPr/>
-      </p:nvGrpSpPr>
-      <p:grpSpPr>
-        <a:xfrm>
-          <a:off x="0" y="0"/>
-          <a:ext cx="0" cy="0"/>
-          <a:chOff x="0" y="0"/>
-          <a:chExt cx="0" cy="0"/>
-        </a:xfrm>
-      </p:grpSpPr>
-      <p:sp>
-        <p:nvSpPr>
-          <p:cNvPr id="2" name="Title 1">
-            <a:extLst>
-              <a:ext uri="{FF2B5EF4-FFF2-40B4-BE49-F238E27FC236}">
-                <a16:creationId xmlns:a16="http://schemas.microsoft.com/office/drawing/2014/main" id="{BAFDF99F-0837-403D-8F6F-E82D56850A4F}"/>
-              </a:ext>
-            </a:extLst>
-          </p:cNvPr>
-          <p:cNvSpPr>
-            <a:spLocks noGrp="1"/>
-          </p:cNvSpPr>
-          <p:nvPr>
-            <p:ph type="title"/>
-          </p:nvPr>
-        </p:nvSpPr>
-        <p:spPr/>
-        <p:txBody>
-          <a:bodyPr/>
-          <a:lstStyle/>
-          <a:p>
-            <a:r>
-              <a:rPr lang="en-US" dirty="0"/>
-              <a:t>Check the result</a:t>
-            </a:r>
-            <a:endParaRPr lang="en-MY" dirty="0"/>
-          </a:p>
-        </p:txBody>
-      </p:sp>
-      <p:sp>
-        <p:nvSpPr>
-          <p:cNvPr id="5" name="Content Placeholder 2">
-            <a:extLst>
-              <a:ext uri="{FF2B5EF4-FFF2-40B4-BE49-F238E27FC236}">
-                <a16:creationId xmlns:a16="http://schemas.microsoft.com/office/drawing/2014/main" id="{29EECDDD-AC6C-4855-8354-2B6EA7AA92BC}"/>
-              </a:ext>
-            </a:extLst>
-          </p:cNvPr>
-          <p:cNvSpPr>
-            <a:spLocks noGrp="1"/>
-          </p:cNvSpPr>
-          <p:nvPr>
-            <p:ph idx="1"/>
-          </p:nvPr>
-        </p:nvSpPr>
-        <p:spPr>
-          <a:xfrm>
-            <a:off x="1069848" y="2121408"/>
-            <a:ext cx="4105849" cy="2642617"/>
-          </a:xfrm>
-        </p:spPr>
-        <p:txBody>
-          <a:bodyPr/>
-          <a:lstStyle/>
-          <a:p>
-            <a:r>
-              <a:rPr lang="en-US" dirty="0"/>
-              <a:t>After submit a form then it will go back to show the homepage, with the comment updated.</a:t>
-            </a:r>
-          </a:p>
-        </p:txBody>
-      </p:sp>
-      <p:pic>
-        <p:nvPicPr>
-          <p:cNvPr id="6" name="Picture 5">
-            <a:extLst>
-              <a:ext uri="{FF2B5EF4-FFF2-40B4-BE49-F238E27FC236}">
-                <a16:creationId xmlns:a16="http://schemas.microsoft.com/office/drawing/2014/main" id="{719CFD8A-B8B0-4C36-B6B2-F5DD3FAC5E1C}"/>
-              </a:ext>
-            </a:extLst>
-          </p:cNvPr>
-          <p:cNvPicPr>
-            <a:picLocks noChangeAspect="1"/>
-          </p:cNvPicPr>
-          <p:nvPr/>
-        </p:nvPicPr>
-        <p:blipFill>
-          <a:blip r:embed="rId2"/>
-          <a:stretch>
-            <a:fillRect/>
-          </a:stretch>
-        </p:blipFill>
-        <p:spPr>
-          <a:xfrm>
-            <a:off x="5513427" y="2405847"/>
-            <a:ext cx="6211119" cy="4248335"/>
-          </a:xfrm>
-          <a:prstGeom prst="rect">
-            <a:avLst/>
-          </a:prstGeom>
-        </p:spPr>
-      </p:pic>
-    </p:spTree>
-    <p:extLst>
-      <p:ext uri="{BB962C8B-B14F-4D97-AF65-F5344CB8AC3E}">
-        <p14:creationId xmlns:p14="http://schemas.microsoft.com/office/powerpoint/2010/main" val="172523229"/>
-      </p:ext>
-    </p:extLst>
-  </p:cSld>
-  <p:clrMapOvr>
-    <a:masterClrMapping/>
-  </p:clrMapOvr>
-</p:sld>
-</file>
-
-<file path=ppt/slides/slide2.xml><?xml version="1.0" encoding="utf-8"?>
-<p:sld xmlns:a="http://schemas.openxmlformats.org/drawingml/2006/main" xmlns:r="http://schemas.openxmlformats.org/officeDocument/2006/relationships" xmlns:p="http://schemas.openxmlformats.org/presentationml/2006/main">
-  <p:cSld>
-    <p:spTree>
-      <p:nvGrpSpPr>
-        <p:cNvPr id="1" name=""/>
-        <p:cNvGrpSpPr/>
-        <p:nvPr/>
-      </p:nvGrpSpPr>
-      <p:grpSpPr>
-        <a:xfrm>
-          <a:off x="0" y="0"/>
-          <a:ext cx="0" cy="0"/>
-          <a:chOff x="0" y="0"/>
-          <a:chExt cx="0" cy="0"/>
-        </a:xfrm>
-      </p:grpSpPr>
-      <p:sp>
-        <p:nvSpPr>
-          <p:cNvPr id="2" name="Title 1">
-            <a:extLst>
-              <a:ext uri="{FF2B5EF4-FFF2-40B4-BE49-F238E27FC236}">
-                <a16:creationId xmlns:a16="http://schemas.microsoft.com/office/drawing/2014/main" id="{65155C87-ADB7-4CAB-8209-F896B1DC1336}"/>
-              </a:ext>
-            </a:extLst>
-          </p:cNvPr>
-          <p:cNvSpPr>
-            <a:spLocks noGrp="1"/>
-          </p:cNvSpPr>
-          <p:nvPr>
-            <p:ph type="title"/>
-          </p:nvPr>
-        </p:nvSpPr>
-        <p:spPr/>
-        <p:txBody>
-          <a:bodyPr/>
-          <a:lstStyle/>
-          <a:p>
-            <a:r>
-              <a:rPr lang="en-US" dirty="0"/>
-              <a:t>New function: view the results</a:t>
-            </a:r>
-            <a:endParaRPr lang="en-MY" dirty="0"/>
-          </a:p>
-        </p:txBody>
-      </p:sp>
-      <p:sp>
-        <p:nvSpPr>
-          <p:cNvPr id="3" name="Content Placeholder 2">
-            <a:extLst>
-              <a:ext uri="{FF2B5EF4-FFF2-40B4-BE49-F238E27FC236}">
-                <a16:creationId xmlns:a16="http://schemas.microsoft.com/office/drawing/2014/main" id="{8E9F9581-CDEA-4166-BA28-7D46904B5C32}"/>
-              </a:ext>
-            </a:extLst>
-          </p:cNvPr>
-          <p:cNvSpPr>
-            <a:spLocks noGrp="1"/>
-          </p:cNvSpPr>
-          <p:nvPr>
-            <p:ph idx="1"/>
-          </p:nvPr>
-        </p:nvSpPr>
-        <p:spPr>
-          <a:xfrm>
-            <a:off x="1069848" y="2121408"/>
-            <a:ext cx="10058400" cy="2512736"/>
-          </a:xfrm>
-        </p:spPr>
-        <p:txBody>
-          <a:bodyPr/>
-          <a:lstStyle/>
-          <a:p>
-            <a:r>
-              <a:rPr lang="en-US" dirty="0"/>
-              <a:t>Currently we still not develop the function for user to participate the questionnaire yet, but we can add the view function first as this function is relatively simple.</a:t>
-            </a:r>
-            <a:endParaRPr lang="en-MY" dirty="0"/>
-          </a:p>
-        </p:txBody>
-      </p:sp>
-    </p:spTree>
-    <p:extLst>
-      <p:ext uri="{BB962C8B-B14F-4D97-AF65-F5344CB8AC3E}">
-        <p14:creationId xmlns:p14="http://schemas.microsoft.com/office/powerpoint/2010/main" val="729408814"/>
-      </p:ext>
-    </p:extLst>
-  </p:cSld>
-  <p:clrMapOvr>
-    <a:masterClrMapping/>
-  </p:clrMapOvr>
-</p:sld>
-</file>
-
-<file path=ppt/slides/slide20.xml><?xml version="1.0" encoding="utf-8"?>
-<p:sld xmlns:a="http://schemas.openxmlformats.org/drawingml/2006/main" xmlns:r="http://schemas.openxmlformats.org/officeDocument/2006/relationships" xmlns:p="http://schemas.openxmlformats.org/presentationml/2006/main">
-  <p:cSld>
-    <p:spTree>
-      <p:nvGrpSpPr>
-        <p:cNvPr id="1" name=""/>
-        <p:cNvGrpSpPr/>
-        <p:nvPr/>
-      </p:nvGrpSpPr>
-      <p:grpSpPr>
-        <a:xfrm>
-          <a:off x="0" y="0"/>
-          <a:ext cx="0" cy="0"/>
-          <a:chOff x="0" y="0"/>
-          <a:chExt cx="0" cy="0"/>
-        </a:xfrm>
-      </p:grpSpPr>
-      <p:sp>
-        <p:nvSpPr>
-          <p:cNvPr id="2" name="Title 1">
-            <a:extLst>
-              <a:ext uri="{FF2B5EF4-FFF2-40B4-BE49-F238E27FC236}">
-                <a16:creationId xmlns:a16="http://schemas.microsoft.com/office/drawing/2014/main" id="{AEEEA25B-5888-44E2-98F8-4B128765EF82}"/>
-              </a:ext>
-            </a:extLst>
-          </p:cNvPr>
-          <p:cNvSpPr>
-            <a:spLocks noGrp="1"/>
-          </p:cNvSpPr>
-          <p:nvPr>
-            <p:ph type="title"/>
-          </p:nvPr>
-        </p:nvSpPr>
-        <p:spPr/>
-        <p:txBody>
-          <a:bodyPr/>
-          <a:lstStyle/>
-          <a:p>
-            <a:r>
-              <a:rPr lang="en-US" dirty="0"/>
-              <a:t>Add edit comment function</a:t>
-            </a:r>
-            <a:endParaRPr lang="en-MY" dirty="0"/>
-          </a:p>
-        </p:txBody>
-      </p:sp>
-      <p:sp>
-        <p:nvSpPr>
-          <p:cNvPr id="3" name="Content Placeholder 2">
-            <a:extLst>
-              <a:ext uri="{FF2B5EF4-FFF2-40B4-BE49-F238E27FC236}">
-                <a16:creationId xmlns:a16="http://schemas.microsoft.com/office/drawing/2014/main" id="{A08C5308-A461-42D2-BCFC-A54FCF49B333}"/>
-              </a:ext>
-            </a:extLst>
-          </p:cNvPr>
-          <p:cNvSpPr>
-            <a:spLocks noGrp="1"/>
-          </p:cNvSpPr>
-          <p:nvPr>
-            <p:ph idx="1"/>
-          </p:nvPr>
-        </p:nvSpPr>
-        <p:spPr>
-          <a:xfrm>
-            <a:off x="1069848" y="2121408"/>
-            <a:ext cx="10058400" cy="1110064"/>
-          </a:xfrm>
-        </p:spPr>
-        <p:txBody>
-          <a:bodyPr/>
-          <a:lstStyle/>
-          <a:p>
-            <a:r>
-              <a:rPr lang="en-US" dirty="0"/>
-              <a:t>At home page for each comment add link to click and see detail of comments.</a:t>
-            </a:r>
-          </a:p>
-          <a:p>
-            <a:r>
-              <a:rPr lang="en-US" dirty="0"/>
-              <a:t>at detail comments add edit the comment and delete the comment, two button at the bottom</a:t>
-            </a:r>
-            <a:endParaRPr lang="en-MY" dirty="0"/>
-          </a:p>
-        </p:txBody>
-      </p:sp>
-      <p:pic>
-        <p:nvPicPr>
-          <p:cNvPr id="5" name="Picture 4">
-            <a:extLst>
-              <a:ext uri="{FF2B5EF4-FFF2-40B4-BE49-F238E27FC236}">
-                <a16:creationId xmlns:a16="http://schemas.microsoft.com/office/drawing/2014/main" id="{B039D882-D344-404A-B665-1AC48EFFAFC1}"/>
-              </a:ext>
-            </a:extLst>
-          </p:cNvPr>
-          <p:cNvPicPr>
-            <a:picLocks noChangeAspect="1"/>
-          </p:cNvPicPr>
-          <p:nvPr/>
-        </p:nvPicPr>
-        <p:blipFill>
-          <a:blip r:embed="rId2"/>
-          <a:stretch>
-            <a:fillRect/>
-          </a:stretch>
-        </p:blipFill>
-        <p:spPr>
-          <a:xfrm>
-            <a:off x="1599052" y="3429000"/>
-            <a:ext cx="7182852" cy="1943371"/>
-          </a:xfrm>
-          <a:prstGeom prst="rect">
-            <a:avLst/>
-          </a:prstGeom>
-        </p:spPr>
-      </p:pic>
-      <p:sp>
-        <p:nvSpPr>
-          <p:cNvPr id="6" name="Rectangle 5">
-            <a:extLst>
-              <a:ext uri="{FF2B5EF4-FFF2-40B4-BE49-F238E27FC236}">
-                <a16:creationId xmlns:a16="http://schemas.microsoft.com/office/drawing/2014/main" id="{EEEEF8BD-F3C0-4D52-80B9-9DA0076F69A3}"/>
-              </a:ext>
-            </a:extLst>
-          </p:cNvPr>
-          <p:cNvSpPr/>
-          <p:nvPr/>
-        </p:nvSpPr>
-        <p:spPr>
-          <a:xfrm>
-            <a:off x="2677549" y="4052693"/>
-            <a:ext cx="5889402" cy="687983"/>
-          </a:xfrm>
-          <a:prstGeom prst="rect">
-            <a:avLst/>
-          </a:prstGeom>
-          <a:noFill/>
-        </p:spPr>
-        <p:style>
-          <a:lnRef idx="2">
-            <a:schemeClr val="accent1">
-              <a:shade val="50000"/>
-            </a:schemeClr>
-          </a:lnRef>
-          <a:fillRef idx="1">
-            <a:schemeClr val="accent1"/>
-          </a:fillRef>
-          <a:effectRef idx="0">
-            <a:schemeClr val="accent1"/>
-          </a:effectRef>
-          <a:fontRef idx="minor">
-            <a:schemeClr val="lt1"/>
-          </a:fontRef>
-        </p:style>
-        <p:txBody>
-          <a:bodyPr rtlCol="0" anchor="ctr"/>
-          <a:lstStyle/>
-          <a:p>
-            <a:pPr algn="ctr"/>
-            <a:endParaRPr lang="en-MY"/>
-          </a:p>
-        </p:txBody>
-      </p:sp>
-    </p:spTree>
-    <p:extLst>
-      <p:ext uri="{BB962C8B-B14F-4D97-AF65-F5344CB8AC3E}">
-        <p14:creationId xmlns:p14="http://schemas.microsoft.com/office/powerpoint/2010/main" val="765903914"/>
-      </p:ext>
-    </p:extLst>
-  </p:cSld>
-  <p:clrMapOvr>
-    <a:masterClrMapping/>
-  </p:clrMapOvr>
-</p:sld>
-</file>
-
-<file path=ppt/slides/slide21.xml><?xml version="1.0" encoding="utf-8"?>
-<p:sld xmlns:a="http://schemas.openxmlformats.org/drawingml/2006/main" xmlns:r="http://schemas.openxmlformats.org/officeDocument/2006/relationships" xmlns:p="http://schemas.openxmlformats.org/presentationml/2006/main">
-  <p:cSld>
-    <p:spTree>
-      <p:nvGrpSpPr>
-        <p:cNvPr id="1" name=""/>
-        <p:cNvGrpSpPr/>
-        <p:nvPr/>
-      </p:nvGrpSpPr>
-      <p:grpSpPr>
-        <a:xfrm>
-          <a:off x="0" y="0"/>
-          <a:ext cx="0" cy="0"/>
-          <a:chOff x="0" y="0"/>
-          <a:chExt cx="0" cy="0"/>
-        </a:xfrm>
-      </p:grpSpPr>
-      <p:sp>
-        <p:nvSpPr>
-          <p:cNvPr id="2" name="Title 1">
-            <a:extLst>
-              <a:ext uri="{FF2B5EF4-FFF2-40B4-BE49-F238E27FC236}">
-                <a16:creationId xmlns:a16="http://schemas.microsoft.com/office/drawing/2014/main" id="{09C1C2A0-514F-4EBD-B371-370992651974}"/>
-              </a:ext>
-            </a:extLst>
-          </p:cNvPr>
-          <p:cNvSpPr>
-            <a:spLocks noGrp="1"/>
-          </p:cNvSpPr>
-          <p:nvPr>
-            <p:ph type="title"/>
-          </p:nvPr>
-        </p:nvSpPr>
-        <p:spPr>
-          <a:xfrm>
-            <a:off x="1069848" y="484632"/>
-            <a:ext cx="3928280" cy="1609344"/>
-          </a:xfrm>
-        </p:spPr>
-        <p:txBody>
-          <a:bodyPr/>
-          <a:lstStyle/>
-          <a:p>
-            <a:r>
-              <a:rPr lang="en-US" dirty="0"/>
-              <a:t>Detail comment</a:t>
-            </a:r>
-            <a:endParaRPr lang="en-MY" dirty="0"/>
-          </a:p>
-        </p:txBody>
-      </p:sp>
-      <p:pic>
-        <p:nvPicPr>
-          <p:cNvPr id="5" name="Picture 4">
-            <a:extLst>
-              <a:ext uri="{FF2B5EF4-FFF2-40B4-BE49-F238E27FC236}">
-                <a16:creationId xmlns:a16="http://schemas.microsoft.com/office/drawing/2014/main" id="{EF51A502-A86A-4825-B7E5-BD9FFA9BDF30}"/>
-              </a:ext>
-            </a:extLst>
-          </p:cNvPr>
-          <p:cNvPicPr>
-            <a:picLocks noChangeAspect="1"/>
-          </p:cNvPicPr>
-          <p:nvPr/>
-        </p:nvPicPr>
-        <p:blipFill>
-          <a:blip r:embed="rId2"/>
-          <a:stretch>
-            <a:fillRect/>
-          </a:stretch>
-        </p:blipFill>
-        <p:spPr>
-          <a:xfrm>
-            <a:off x="4715495" y="113190"/>
-            <a:ext cx="7305565" cy="6631619"/>
-          </a:xfrm>
-          <a:prstGeom prst="rect">
-            <a:avLst/>
-          </a:prstGeom>
-        </p:spPr>
-      </p:pic>
-    </p:spTree>
-    <p:extLst>
-      <p:ext uri="{BB962C8B-B14F-4D97-AF65-F5344CB8AC3E}">
-        <p14:creationId xmlns:p14="http://schemas.microsoft.com/office/powerpoint/2010/main" val="3166210721"/>
-      </p:ext>
-    </p:extLst>
-  </p:cSld>
-  <p:clrMapOvr>
-    <a:masterClrMapping/>
-  </p:clrMapOvr>
-</p:sld>
-</file>
-
-<file path=ppt/slides/slide22.xml><?xml version="1.0" encoding="utf-8"?>
-<p:sld xmlns:a="http://schemas.openxmlformats.org/drawingml/2006/main" xmlns:r="http://schemas.openxmlformats.org/officeDocument/2006/relationships" xmlns:p="http://schemas.openxmlformats.org/presentationml/2006/main">
-  <p:cSld>
-    <p:spTree>
-      <p:nvGrpSpPr>
-        <p:cNvPr id="1" name=""/>
-        <p:cNvGrpSpPr/>
-        <p:nvPr/>
-      </p:nvGrpSpPr>
-      <p:grpSpPr>
-        <a:xfrm>
-          <a:off x="0" y="0"/>
-          <a:ext cx="0" cy="0"/>
-          <a:chOff x="0" y="0"/>
-          <a:chExt cx="0" cy="0"/>
-        </a:xfrm>
-      </p:grpSpPr>
-      <p:sp>
-        <p:nvSpPr>
-          <p:cNvPr id="2" name="Title 1">
-            <a:extLst>
-              <a:ext uri="{FF2B5EF4-FFF2-40B4-BE49-F238E27FC236}">
-                <a16:creationId xmlns:a16="http://schemas.microsoft.com/office/drawing/2014/main" id="{EAD4186D-F36B-4AA6-87CE-4C6041871F6B}"/>
-              </a:ext>
-            </a:extLst>
-          </p:cNvPr>
-          <p:cNvSpPr>
-            <a:spLocks noGrp="1"/>
-          </p:cNvSpPr>
-          <p:nvPr>
-            <p:ph type="title"/>
-          </p:nvPr>
-        </p:nvSpPr>
-        <p:spPr/>
-        <p:txBody>
-          <a:bodyPr/>
-          <a:lstStyle/>
-          <a:p>
-            <a:r>
-              <a:rPr lang="en-US" dirty="0"/>
-              <a:t>Add </a:t>
-            </a:r>
-            <a:r>
-              <a:rPr lang="en-US" dirty="0" err="1"/>
-              <a:t>url</a:t>
-            </a:r>
-            <a:r>
-              <a:rPr lang="en-US" dirty="0"/>
-              <a:t> conf</a:t>
-            </a:r>
-            <a:endParaRPr lang="en-MY" dirty="0"/>
-          </a:p>
-        </p:txBody>
-      </p:sp>
-      <p:sp>
-        <p:nvSpPr>
-          <p:cNvPr id="3" name="Content Placeholder 2">
-            <a:extLst>
-              <a:ext uri="{FF2B5EF4-FFF2-40B4-BE49-F238E27FC236}">
-                <a16:creationId xmlns:a16="http://schemas.microsoft.com/office/drawing/2014/main" id="{E2653FD0-C365-4654-AF7E-17A773EBEAF1}"/>
-              </a:ext>
-            </a:extLst>
-          </p:cNvPr>
-          <p:cNvSpPr>
-            <a:spLocks noGrp="1"/>
-          </p:cNvSpPr>
-          <p:nvPr>
-            <p:ph idx="1"/>
-          </p:nvPr>
-        </p:nvSpPr>
-        <p:spPr/>
-        <p:txBody>
-          <a:bodyPr/>
-          <a:lstStyle/>
-          <a:p>
-            <a:r>
-              <a:rPr lang="en-US" dirty="0"/>
-              <a:t>Comment details</a:t>
-            </a:r>
-          </a:p>
-          <a:p>
-            <a:r>
-              <a:rPr lang="en-US" dirty="0"/>
-              <a:t>Comment edit</a:t>
-            </a:r>
-          </a:p>
-          <a:p>
-            <a:r>
-              <a:rPr lang="en-US" dirty="0"/>
-              <a:t>Comment delete</a:t>
-            </a:r>
-            <a:endParaRPr lang="en-MY" dirty="0"/>
-          </a:p>
-        </p:txBody>
-      </p:sp>
-      <p:pic>
-        <p:nvPicPr>
-          <p:cNvPr id="5" name="Picture 4">
-            <a:extLst>
-              <a:ext uri="{FF2B5EF4-FFF2-40B4-BE49-F238E27FC236}">
-                <a16:creationId xmlns:a16="http://schemas.microsoft.com/office/drawing/2014/main" id="{0CD4267F-F37E-4575-A264-6432753DBC27}"/>
-              </a:ext>
-            </a:extLst>
-          </p:cNvPr>
-          <p:cNvPicPr>
-            <a:picLocks noChangeAspect="1"/>
-          </p:cNvPicPr>
-          <p:nvPr/>
-        </p:nvPicPr>
-        <p:blipFill>
-          <a:blip r:embed="rId2"/>
-          <a:stretch>
-            <a:fillRect/>
-          </a:stretch>
-        </p:blipFill>
-        <p:spPr>
-          <a:xfrm>
-            <a:off x="2304521" y="3813382"/>
-            <a:ext cx="7582958" cy="666843"/>
-          </a:xfrm>
-          <a:prstGeom prst="rect">
-            <a:avLst/>
-          </a:prstGeom>
-        </p:spPr>
-      </p:pic>
-    </p:spTree>
-    <p:extLst>
-      <p:ext uri="{BB962C8B-B14F-4D97-AF65-F5344CB8AC3E}">
-        <p14:creationId xmlns:p14="http://schemas.microsoft.com/office/powerpoint/2010/main" val="2746116165"/>
-      </p:ext>
-    </p:extLst>
-  </p:cSld>
-  <p:clrMapOvr>
-    <a:masterClrMapping/>
-  </p:clrMapOvr>
-</p:sld>
-</file>
-
-<file path=ppt/slides/slide23.xml><?xml version="1.0" encoding="utf-8"?>
-<p:sld xmlns:a="http://schemas.openxmlformats.org/drawingml/2006/main" xmlns:r="http://schemas.openxmlformats.org/officeDocument/2006/relationships" xmlns:p="http://schemas.openxmlformats.org/presentationml/2006/main">
-  <p:cSld>
-    <p:spTree>
-      <p:nvGrpSpPr>
-        <p:cNvPr id="1" name=""/>
-        <p:cNvGrpSpPr/>
-        <p:nvPr/>
-      </p:nvGrpSpPr>
-      <p:grpSpPr>
-        <a:xfrm>
-          <a:off x="0" y="0"/>
-          <a:ext cx="0" cy="0"/>
-          <a:chOff x="0" y="0"/>
-          <a:chExt cx="0" cy="0"/>
-        </a:xfrm>
-      </p:grpSpPr>
-      <p:sp>
-        <p:nvSpPr>
-          <p:cNvPr id="2" name="Title 1">
-            <a:extLst>
-              <a:ext uri="{FF2B5EF4-FFF2-40B4-BE49-F238E27FC236}">
-                <a16:creationId xmlns:a16="http://schemas.microsoft.com/office/drawing/2014/main" id="{EAD4186D-F36B-4AA6-87CE-4C6041871F6B}"/>
-              </a:ext>
-            </a:extLst>
-          </p:cNvPr>
-          <p:cNvSpPr>
-            <a:spLocks noGrp="1"/>
-          </p:cNvSpPr>
-          <p:nvPr>
-            <p:ph type="title"/>
-          </p:nvPr>
-        </p:nvSpPr>
-        <p:spPr/>
-        <p:txBody>
-          <a:bodyPr/>
-          <a:lstStyle/>
-          <a:p>
-            <a:r>
-              <a:rPr lang="en-US" dirty="0"/>
-              <a:t>Add view</a:t>
-            </a:r>
-            <a:endParaRPr lang="en-MY" dirty="0"/>
-          </a:p>
-        </p:txBody>
-      </p:sp>
-      <p:sp>
-        <p:nvSpPr>
-          <p:cNvPr id="3" name="Content Placeholder 2">
-            <a:extLst>
-              <a:ext uri="{FF2B5EF4-FFF2-40B4-BE49-F238E27FC236}">
-                <a16:creationId xmlns:a16="http://schemas.microsoft.com/office/drawing/2014/main" id="{E2653FD0-C365-4654-AF7E-17A773EBEAF1}"/>
-              </a:ext>
-            </a:extLst>
-          </p:cNvPr>
-          <p:cNvSpPr>
-            <a:spLocks noGrp="1"/>
-          </p:cNvSpPr>
-          <p:nvPr>
-            <p:ph idx="1"/>
-          </p:nvPr>
-        </p:nvSpPr>
-        <p:spPr/>
-        <p:txBody>
-          <a:bodyPr/>
-          <a:lstStyle/>
-          <a:p>
-            <a:r>
-              <a:rPr lang="en-US" dirty="0"/>
-              <a:t>Comment details</a:t>
-            </a:r>
-          </a:p>
-          <a:p>
-            <a:r>
-              <a:rPr lang="en-US" dirty="0"/>
-              <a:t>Comment edit</a:t>
-            </a:r>
-          </a:p>
-          <a:p>
-            <a:r>
-              <a:rPr lang="en-US" dirty="0"/>
-              <a:t>Comment delete</a:t>
-            </a:r>
-            <a:endParaRPr lang="en-MY" dirty="0"/>
-          </a:p>
-        </p:txBody>
-      </p:sp>
-      <p:pic>
-        <p:nvPicPr>
-          <p:cNvPr id="5" name="Picture 4">
-            <a:extLst>
-              <a:ext uri="{FF2B5EF4-FFF2-40B4-BE49-F238E27FC236}">
-                <a16:creationId xmlns:a16="http://schemas.microsoft.com/office/drawing/2014/main" id="{C9F678D4-C522-41B0-B306-7371650DD20B}"/>
-              </a:ext>
-            </a:extLst>
-          </p:cNvPr>
-          <p:cNvPicPr>
-            <a:picLocks noChangeAspect="1"/>
-          </p:cNvPicPr>
-          <p:nvPr/>
-        </p:nvPicPr>
-        <p:blipFill>
-          <a:blip r:embed="rId2"/>
-          <a:stretch>
-            <a:fillRect/>
-          </a:stretch>
-        </p:blipFill>
-        <p:spPr>
-          <a:xfrm>
-            <a:off x="5339670" y="685800"/>
-            <a:ext cx="5782482" cy="1829055"/>
-          </a:xfrm>
-          <a:prstGeom prst="rect">
-            <a:avLst/>
-          </a:prstGeom>
-        </p:spPr>
-      </p:pic>
-      <p:pic>
-        <p:nvPicPr>
-          <p:cNvPr id="7" name="Picture 6">
-            <a:extLst>
-              <a:ext uri="{FF2B5EF4-FFF2-40B4-BE49-F238E27FC236}">
-                <a16:creationId xmlns:a16="http://schemas.microsoft.com/office/drawing/2014/main" id="{7CCE10B0-D2F0-49AD-9575-1280728A4C32}"/>
-              </a:ext>
-            </a:extLst>
-          </p:cNvPr>
-          <p:cNvPicPr>
-            <a:picLocks noChangeAspect="1"/>
-          </p:cNvPicPr>
-          <p:nvPr/>
-        </p:nvPicPr>
-        <p:blipFill>
-          <a:blip r:embed="rId3"/>
-          <a:stretch>
-            <a:fillRect/>
-          </a:stretch>
-        </p:blipFill>
-        <p:spPr>
-          <a:xfrm>
-            <a:off x="5339670" y="2514855"/>
-            <a:ext cx="5687219" cy="2086266"/>
-          </a:xfrm>
-          <a:prstGeom prst="rect">
-            <a:avLst/>
-          </a:prstGeom>
-        </p:spPr>
-      </p:pic>
-      <p:pic>
-        <p:nvPicPr>
-          <p:cNvPr id="9" name="Picture 8">
-            <a:extLst>
-              <a:ext uri="{FF2B5EF4-FFF2-40B4-BE49-F238E27FC236}">
-                <a16:creationId xmlns:a16="http://schemas.microsoft.com/office/drawing/2014/main" id="{09C9EEA9-E73E-406F-9310-B9CDA4A43524}"/>
-              </a:ext>
-            </a:extLst>
-          </p:cNvPr>
-          <p:cNvPicPr>
-            <a:picLocks noChangeAspect="1"/>
-          </p:cNvPicPr>
-          <p:nvPr/>
-        </p:nvPicPr>
-        <p:blipFill rotWithShape="1">
-          <a:blip r:embed="rId4"/>
-          <a:srcRect b="24837"/>
-          <a:stretch/>
-        </p:blipFill>
-        <p:spPr>
-          <a:xfrm>
-            <a:off x="810179" y="4764025"/>
-            <a:ext cx="5973009" cy="1854501"/>
-          </a:xfrm>
-          <a:prstGeom prst="rect">
-            <a:avLst/>
-          </a:prstGeom>
-        </p:spPr>
-      </p:pic>
-    </p:spTree>
-    <p:extLst>
-      <p:ext uri="{BB962C8B-B14F-4D97-AF65-F5344CB8AC3E}">
-        <p14:creationId xmlns:p14="http://schemas.microsoft.com/office/powerpoint/2010/main" val="3886424871"/>
-      </p:ext>
-    </p:extLst>
-  </p:cSld>
-  <p:clrMapOvr>
-    <a:masterClrMapping/>
-  </p:clrMapOvr>
-</p:sld>
-</file>
-
-<file path=ppt/slides/slide24.xml><?xml version="1.0" encoding="utf-8"?>
-<p:sld xmlns:a="http://schemas.openxmlformats.org/drawingml/2006/main" xmlns:r="http://schemas.openxmlformats.org/officeDocument/2006/relationships" xmlns:p="http://schemas.openxmlformats.org/presentationml/2006/main">
-  <p:cSld>
-    <p:spTree>
-      <p:nvGrpSpPr>
-        <p:cNvPr id="1" name=""/>
-        <p:cNvGrpSpPr/>
-        <p:nvPr/>
-      </p:nvGrpSpPr>
-      <p:grpSpPr>
-        <a:xfrm>
-          <a:off x="0" y="0"/>
-          <a:ext cx="0" cy="0"/>
-          <a:chOff x="0" y="0"/>
-          <a:chExt cx="0" cy="0"/>
-        </a:xfrm>
-      </p:grpSpPr>
-      <p:sp>
-        <p:nvSpPr>
-          <p:cNvPr id="2" name="Title 1">
-            <a:extLst>
-              <a:ext uri="{FF2B5EF4-FFF2-40B4-BE49-F238E27FC236}">
-                <a16:creationId xmlns:a16="http://schemas.microsoft.com/office/drawing/2014/main" id="{EAD4186D-F36B-4AA6-87CE-4C6041871F6B}"/>
-              </a:ext>
-            </a:extLst>
-          </p:cNvPr>
-          <p:cNvSpPr>
-            <a:spLocks noGrp="1"/>
-          </p:cNvSpPr>
-          <p:nvPr>
-            <p:ph type="title"/>
-          </p:nvPr>
-        </p:nvSpPr>
-        <p:spPr/>
-        <p:txBody>
-          <a:bodyPr/>
-          <a:lstStyle/>
-          <a:p>
-            <a:r>
-              <a:rPr lang="en-US"/>
-              <a:t>Add template</a:t>
-            </a:r>
-            <a:endParaRPr lang="en-MY" dirty="0"/>
-          </a:p>
-        </p:txBody>
-      </p:sp>
-      <p:sp>
-        <p:nvSpPr>
-          <p:cNvPr id="3" name="Content Placeholder 2">
-            <a:extLst>
-              <a:ext uri="{FF2B5EF4-FFF2-40B4-BE49-F238E27FC236}">
-                <a16:creationId xmlns:a16="http://schemas.microsoft.com/office/drawing/2014/main" id="{E2653FD0-C365-4654-AF7E-17A773EBEAF1}"/>
-              </a:ext>
-            </a:extLst>
-          </p:cNvPr>
-          <p:cNvSpPr>
-            <a:spLocks noGrp="1"/>
-          </p:cNvSpPr>
-          <p:nvPr>
-            <p:ph idx="1"/>
-          </p:nvPr>
-        </p:nvSpPr>
-        <p:spPr>
-          <a:xfrm>
-            <a:off x="1069848" y="2121408"/>
-            <a:ext cx="3670828" cy="1420782"/>
-          </a:xfrm>
-        </p:spPr>
-        <p:txBody>
-          <a:bodyPr/>
-          <a:lstStyle/>
-          <a:p>
-            <a:r>
-              <a:rPr lang="en-US" dirty="0"/>
-              <a:t>Comment details</a:t>
-            </a:r>
-          </a:p>
-        </p:txBody>
-      </p:sp>
-      <p:pic>
-        <p:nvPicPr>
-          <p:cNvPr id="6" name="Picture 5">
-            <a:extLst>
-              <a:ext uri="{FF2B5EF4-FFF2-40B4-BE49-F238E27FC236}">
-                <a16:creationId xmlns:a16="http://schemas.microsoft.com/office/drawing/2014/main" id="{4B9E47FD-CACB-4F39-A7C4-5B4F277C25D9}"/>
-              </a:ext>
-            </a:extLst>
-          </p:cNvPr>
-          <p:cNvPicPr>
-            <a:picLocks noChangeAspect="1"/>
-          </p:cNvPicPr>
-          <p:nvPr/>
-        </p:nvPicPr>
-        <p:blipFill>
-          <a:blip r:embed="rId2"/>
-          <a:stretch>
-            <a:fillRect/>
-          </a:stretch>
-        </p:blipFill>
-        <p:spPr>
-          <a:xfrm>
-            <a:off x="4962618" y="292963"/>
-            <a:ext cx="7105095" cy="6458382"/>
-          </a:xfrm>
-          <a:prstGeom prst="rect">
-            <a:avLst/>
-          </a:prstGeom>
-        </p:spPr>
-      </p:pic>
-    </p:spTree>
-    <p:extLst>
-      <p:ext uri="{BB962C8B-B14F-4D97-AF65-F5344CB8AC3E}">
-        <p14:creationId xmlns:p14="http://schemas.microsoft.com/office/powerpoint/2010/main" val="133345068"/>
-      </p:ext>
-    </p:extLst>
-  </p:cSld>
-  <p:clrMapOvr>
-    <a:masterClrMapping/>
-  </p:clrMapOvr>
-</p:sld>
-</file>
-
-<file path=ppt/slides/slide25.xml><?xml version="1.0" encoding="utf-8"?>
-<p:sld xmlns:a="http://schemas.openxmlformats.org/drawingml/2006/main" xmlns:r="http://schemas.openxmlformats.org/officeDocument/2006/relationships" xmlns:p="http://schemas.openxmlformats.org/presentationml/2006/main">
-  <p:cSld>
-    <p:spTree>
-      <p:nvGrpSpPr>
-        <p:cNvPr id="1" name=""/>
-        <p:cNvGrpSpPr/>
-        <p:nvPr/>
-      </p:nvGrpSpPr>
-      <p:grpSpPr>
-        <a:xfrm>
-          <a:off x="0" y="0"/>
-          <a:ext cx="0" cy="0"/>
-          <a:chOff x="0" y="0"/>
-          <a:chExt cx="0" cy="0"/>
-        </a:xfrm>
-      </p:grpSpPr>
-      <p:sp>
-        <p:nvSpPr>
-          <p:cNvPr id="2" name="Title 1">
-            <a:extLst>
-              <a:ext uri="{FF2B5EF4-FFF2-40B4-BE49-F238E27FC236}">
-                <a16:creationId xmlns:a16="http://schemas.microsoft.com/office/drawing/2014/main" id="{EAD4186D-F36B-4AA6-87CE-4C6041871F6B}"/>
-              </a:ext>
-            </a:extLst>
-          </p:cNvPr>
-          <p:cNvSpPr>
-            <a:spLocks noGrp="1"/>
-          </p:cNvSpPr>
-          <p:nvPr>
-            <p:ph type="title"/>
-          </p:nvPr>
-        </p:nvSpPr>
-        <p:spPr/>
-        <p:txBody>
-          <a:bodyPr/>
-          <a:lstStyle/>
-          <a:p>
-            <a:r>
-              <a:rPr lang="en-US"/>
-              <a:t>Add template</a:t>
-            </a:r>
-            <a:endParaRPr lang="en-MY" dirty="0"/>
-          </a:p>
-        </p:txBody>
-      </p:sp>
-      <p:sp>
-        <p:nvSpPr>
-          <p:cNvPr id="3" name="Content Placeholder 2">
-            <a:extLst>
-              <a:ext uri="{FF2B5EF4-FFF2-40B4-BE49-F238E27FC236}">
-                <a16:creationId xmlns:a16="http://schemas.microsoft.com/office/drawing/2014/main" id="{E2653FD0-C365-4654-AF7E-17A773EBEAF1}"/>
-              </a:ext>
-            </a:extLst>
-          </p:cNvPr>
-          <p:cNvSpPr>
-            <a:spLocks noGrp="1"/>
-          </p:cNvSpPr>
-          <p:nvPr>
-            <p:ph idx="1"/>
-          </p:nvPr>
-        </p:nvSpPr>
-        <p:spPr>
-          <a:xfrm>
-            <a:off x="1069848" y="2121408"/>
-            <a:ext cx="2490098" cy="1882421"/>
-          </a:xfrm>
-        </p:spPr>
-        <p:txBody>
-          <a:bodyPr/>
-          <a:lstStyle/>
-          <a:p>
-            <a:r>
-              <a:rPr lang="en-US" dirty="0"/>
-              <a:t>Comment edit. Same template as add new comment</a:t>
-            </a:r>
-          </a:p>
-        </p:txBody>
-      </p:sp>
-      <p:pic>
-        <p:nvPicPr>
-          <p:cNvPr id="5" name="Picture 4">
-            <a:extLst>
-              <a:ext uri="{FF2B5EF4-FFF2-40B4-BE49-F238E27FC236}">
-                <a16:creationId xmlns:a16="http://schemas.microsoft.com/office/drawing/2014/main" id="{7434D0AB-CB95-4D3E-9EB6-B58A7C8FA3F9}"/>
-              </a:ext>
-            </a:extLst>
-          </p:cNvPr>
-          <p:cNvPicPr>
-            <a:picLocks noChangeAspect="1"/>
-          </p:cNvPicPr>
-          <p:nvPr/>
-        </p:nvPicPr>
-        <p:blipFill>
-          <a:blip r:embed="rId2"/>
-          <a:stretch>
-            <a:fillRect/>
-          </a:stretch>
-        </p:blipFill>
-        <p:spPr>
-          <a:xfrm>
-            <a:off x="3805941" y="2008337"/>
-            <a:ext cx="7811590" cy="4048690"/>
-          </a:xfrm>
-          <a:prstGeom prst="rect">
-            <a:avLst/>
-          </a:prstGeom>
-        </p:spPr>
-      </p:pic>
-    </p:spTree>
-    <p:extLst>
-      <p:ext uri="{BB962C8B-B14F-4D97-AF65-F5344CB8AC3E}">
-        <p14:creationId xmlns:p14="http://schemas.microsoft.com/office/powerpoint/2010/main" val="2090435506"/>
-      </p:ext>
-    </p:extLst>
-  </p:cSld>
-  <p:clrMapOvr>
-    <a:masterClrMapping/>
-  </p:clrMapOvr>
-</p:sld>
-</file>
-
-<file path=ppt/slides/slide26.xml><?xml version="1.0" encoding="utf-8"?>
-<p:sld xmlns:a="http://schemas.openxmlformats.org/drawingml/2006/main" xmlns:r="http://schemas.openxmlformats.org/officeDocument/2006/relationships" xmlns:p="http://schemas.openxmlformats.org/presentationml/2006/main">
-  <p:cSld>
-    <p:spTree>
-      <p:nvGrpSpPr>
-        <p:cNvPr id="1" name=""/>
-        <p:cNvGrpSpPr/>
-        <p:nvPr/>
-      </p:nvGrpSpPr>
-      <p:grpSpPr>
-        <a:xfrm>
-          <a:off x="0" y="0"/>
-          <a:ext cx="0" cy="0"/>
-          <a:chOff x="0" y="0"/>
-          <a:chExt cx="0" cy="0"/>
-        </a:xfrm>
-      </p:grpSpPr>
-      <p:sp>
-        <p:nvSpPr>
-          <p:cNvPr id="2" name="Title 1">
-            <a:extLst>
-              <a:ext uri="{FF2B5EF4-FFF2-40B4-BE49-F238E27FC236}">
-                <a16:creationId xmlns:a16="http://schemas.microsoft.com/office/drawing/2014/main" id="{EAD4186D-F36B-4AA6-87CE-4C6041871F6B}"/>
-              </a:ext>
-            </a:extLst>
-          </p:cNvPr>
-          <p:cNvSpPr>
-            <a:spLocks noGrp="1"/>
-          </p:cNvSpPr>
-          <p:nvPr>
-            <p:ph type="title"/>
-          </p:nvPr>
-        </p:nvSpPr>
-        <p:spPr/>
-        <p:txBody>
-          <a:bodyPr/>
-          <a:lstStyle/>
-          <a:p>
-            <a:r>
-              <a:rPr lang="en-US"/>
-              <a:t>Add template</a:t>
-            </a:r>
-            <a:endParaRPr lang="en-MY" dirty="0"/>
-          </a:p>
-        </p:txBody>
-      </p:sp>
-      <p:sp>
-        <p:nvSpPr>
-          <p:cNvPr id="3" name="Content Placeholder 2">
-            <a:extLst>
-              <a:ext uri="{FF2B5EF4-FFF2-40B4-BE49-F238E27FC236}">
-                <a16:creationId xmlns:a16="http://schemas.microsoft.com/office/drawing/2014/main" id="{E2653FD0-C365-4654-AF7E-17A773EBEAF1}"/>
-              </a:ext>
-            </a:extLst>
-          </p:cNvPr>
-          <p:cNvSpPr>
-            <a:spLocks noGrp="1"/>
-          </p:cNvSpPr>
-          <p:nvPr>
-            <p:ph idx="1"/>
-          </p:nvPr>
-        </p:nvSpPr>
-        <p:spPr>
-          <a:xfrm>
-            <a:off x="1069848" y="2121408"/>
-            <a:ext cx="2490098" cy="1882421"/>
-          </a:xfrm>
-        </p:spPr>
-        <p:txBody>
-          <a:bodyPr/>
-          <a:lstStyle/>
-          <a:p>
-            <a:r>
-              <a:rPr lang="en-US" dirty="0"/>
-              <a:t>Comment delete</a:t>
-            </a:r>
-          </a:p>
-          <a:p>
-            <a:r>
-              <a:rPr lang="en-US" dirty="0"/>
-              <a:t>Add one additional cancel link</a:t>
-            </a:r>
-          </a:p>
-        </p:txBody>
-      </p:sp>
-      <p:pic>
-        <p:nvPicPr>
-          <p:cNvPr id="6" name="Picture 5">
-            <a:extLst>
-              <a:ext uri="{FF2B5EF4-FFF2-40B4-BE49-F238E27FC236}">
-                <a16:creationId xmlns:a16="http://schemas.microsoft.com/office/drawing/2014/main" id="{05D3A18C-D3A2-4635-9AE3-5A230CECB445}"/>
-              </a:ext>
-            </a:extLst>
-          </p:cNvPr>
-          <p:cNvPicPr>
-            <a:picLocks noChangeAspect="1"/>
-          </p:cNvPicPr>
-          <p:nvPr/>
-        </p:nvPicPr>
-        <p:blipFill>
-          <a:blip r:embed="rId2"/>
-          <a:stretch>
-            <a:fillRect/>
-          </a:stretch>
-        </p:blipFill>
-        <p:spPr>
-          <a:xfrm>
-            <a:off x="4058630" y="1896431"/>
-            <a:ext cx="7821116" cy="4858428"/>
-          </a:xfrm>
-          <a:prstGeom prst="rect">
-            <a:avLst/>
-          </a:prstGeom>
-        </p:spPr>
-      </p:pic>
-    </p:spTree>
-    <p:extLst>
-      <p:ext uri="{BB962C8B-B14F-4D97-AF65-F5344CB8AC3E}">
-        <p14:creationId xmlns:p14="http://schemas.microsoft.com/office/powerpoint/2010/main" val="270901561"/>
-      </p:ext>
-    </p:extLst>
-  </p:cSld>
-  <p:clrMapOvr>
-    <a:masterClrMapping/>
-  </p:clrMapOvr>
-</p:sld>
-</file>
-
-<file path=ppt/slides/slide27.xml><?xml version="1.0" encoding="utf-8"?>
-<p:sld xmlns:a="http://schemas.openxmlformats.org/drawingml/2006/main" xmlns:r="http://schemas.openxmlformats.org/officeDocument/2006/relationships" xmlns:p="http://schemas.openxmlformats.org/presentationml/2006/main">
-  <p:cSld>
-    <p:spTree>
-      <p:nvGrpSpPr>
-        <p:cNvPr id="1" name=""/>
-        <p:cNvGrpSpPr/>
-        <p:nvPr/>
-      </p:nvGrpSpPr>
-      <p:grpSpPr>
-        <a:xfrm>
-          <a:off x="0" y="0"/>
-          <a:ext cx="0" cy="0"/>
-          <a:chOff x="0" y="0"/>
-          <a:chExt cx="0" cy="0"/>
-        </a:xfrm>
-      </p:grpSpPr>
-      <p:sp>
-        <p:nvSpPr>
-          <p:cNvPr id="2" name="Title 1">
-            <a:extLst>
-              <a:ext uri="{FF2B5EF4-FFF2-40B4-BE49-F238E27FC236}">
-                <a16:creationId xmlns:a16="http://schemas.microsoft.com/office/drawing/2014/main" id="{5807FBB3-82AF-4536-A639-D507A6673076}"/>
-              </a:ext>
-            </a:extLst>
-          </p:cNvPr>
-          <p:cNvSpPr>
-            <a:spLocks noGrp="1"/>
-          </p:cNvSpPr>
-          <p:nvPr>
-            <p:ph type="title"/>
-          </p:nvPr>
-        </p:nvSpPr>
-        <p:spPr/>
-        <p:txBody>
-          <a:bodyPr/>
-          <a:lstStyle/>
-          <a:p>
-            <a:r>
-              <a:rPr lang="en-US" dirty="0"/>
-              <a:t>Still got one issue when delete</a:t>
-            </a:r>
-            <a:endParaRPr lang="en-MY" dirty="0"/>
-          </a:p>
-        </p:txBody>
-      </p:sp>
-      <p:sp>
-        <p:nvSpPr>
-          <p:cNvPr id="3" name="Content Placeholder 2">
-            <a:extLst>
-              <a:ext uri="{FF2B5EF4-FFF2-40B4-BE49-F238E27FC236}">
-                <a16:creationId xmlns:a16="http://schemas.microsoft.com/office/drawing/2014/main" id="{8F310D17-819D-425B-A452-5CA6B33892B0}"/>
-              </a:ext>
-            </a:extLst>
-          </p:cNvPr>
-          <p:cNvSpPr>
-            <a:spLocks noGrp="1"/>
-          </p:cNvSpPr>
-          <p:nvPr>
-            <p:ph idx="1"/>
-          </p:nvPr>
-        </p:nvSpPr>
-        <p:spPr>
-          <a:xfrm>
-            <a:off x="1069848" y="2965142"/>
-            <a:ext cx="10058400" cy="949910"/>
-          </a:xfrm>
-        </p:spPr>
-        <p:txBody>
-          <a:bodyPr/>
-          <a:lstStyle/>
-          <a:p>
-            <a:r>
-              <a:rPr lang="en-US" dirty="0"/>
-              <a:t>The model function </a:t>
-            </a:r>
-            <a:r>
-              <a:rPr lang="en-US" dirty="0" err="1"/>
-              <a:t>get_absolute_url</a:t>
-            </a:r>
-            <a:r>
-              <a:rPr lang="en-US" dirty="0"/>
-              <a:t> not working for this </a:t>
-            </a:r>
-            <a:r>
-              <a:rPr lang="en-US" dirty="0" err="1"/>
-              <a:t>deleteview</a:t>
-            </a:r>
-            <a:r>
-              <a:rPr lang="en-US" dirty="0"/>
-              <a:t>. So need add </a:t>
-            </a:r>
-            <a:r>
-              <a:rPr lang="en-US" dirty="0" err="1"/>
-              <a:t>get_success_url</a:t>
-            </a:r>
-            <a:r>
-              <a:rPr lang="en-US" dirty="0"/>
-              <a:t> function for the view.</a:t>
-            </a:r>
-            <a:endParaRPr lang="en-MY" dirty="0"/>
-          </a:p>
-        </p:txBody>
-      </p:sp>
-      <p:pic>
-        <p:nvPicPr>
-          <p:cNvPr id="5" name="Picture 4">
-            <a:extLst>
-              <a:ext uri="{FF2B5EF4-FFF2-40B4-BE49-F238E27FC236}">
-                <a16:creationId xmlns:a16="http://schemas.microsoft.com/office/drawing/2014/main" id="{2FA4BD86-C1BE-4B22-ABF5-139F58C549BA}"/>
-              </a:ext>
-            </a:extLst>
-          </p:cNvPr>
-          <p:cNvPicPr>
-            <a:picLocks noChangeAspect="1"/>
-          </p:cNvPicPr>
-          <p:nvPr/>
-        </p:nvPicPr>
-        <p:blipFill>
-          <a:blip r:embed="rId2"/>
-          <a:stretch>
-            <a:fillRect/>
-          </a:stretch>
-        </p:blipFill>
-        <p:spPr>
-          <a:xfrm>
-            <a:off x="1338762" y="1992801"/>
-            <a:ext cx="6744641" cy="724001"/>
-          </a:xfrm>
-          <a:prstGeom prst="rect">
-            <a:avLst/>
-          </a:prstGeom>
-        </p:spPr>
-      </p:pic>
-      <p:pic>
-        <p:nvPicPr>
-          <p:cNvPr id="7" name="Picture 6">
-            <a:extLst>
-              <a:ext uri="{FF2B5EF4-FFF2-40B4-BE49-F238E27FC236}">
-                <a16:creationId xmlns:a16="http://schemas.microsoft.com/office/drawing/2014/main" id="{774A86DB-15A2-4EBB-8B53-E41649D93394}"/>
-              </a:ext>
-            </a:extLst>
-          </p:cNvPr>
-          <p:cNvPicPr>
-            <a:picLocks noChangeAspect="1"/>
-          </p:cNvPicPr>
-          <p:nvPr/>
-        </p:nvPicPr>
-        <p:blipFill>
-          <a:blip r:embed="rId3"/>
-          <a:stretch>
-            <a:fillRect/>
-          </a:stretch>
-        </p:blipFill>
-        <p:spPr>
-          <a:xfrm>
-            <a:off x="3511324" y="4384563"/>
-            <a:ext cx="4991797" cy="485843"/>
-          </a:xfrm>
-          <a:prstGeom prst="rect">
-            <a:avLst/>
-          </a:prstGeom>
-        </p:spPr>
-      </p:pic>
-    </p:spTree>
-    <p:extLst>
-      <p:ext uri="{BB962C8B-B14F-4D97-AF65-F5344CB8AC3E}">
-        <p14:creationId xmlns:p14="http://schemas.microsoft.com/office/powerpoint/2010/main" val="2025691371"/>
-      </p:ext>
-    </p:extLst>
-  </p:cSld>
-  <p:clrMapOvr>
-    <a:masterClrMapping/>
-  </p:clrMapOvr>
-</p:sld>
-</file>
-
-<file path=ppt/slides/slide28.xml><?xml version="1.0" encoding="utf-8"?>
-<p:sld xmlns:a="http://schemas.openxmlformats.org/drawingml/2006/main" xmlns:r="http://schemas.openxmlformats.org/officeDocument/2006/relationships" xmlns:p="http://schemas.openxmlformats.org/presentationml/2006/main">
-  <p:cSld>
-    <p:spTree>
-      <p:nvGrpSpPr>
-        <p:cNvPr id="1" name=""/>
-        <p:cNvGrpSpPr/>
-        <p:nvPr/>
-      </p:nvGrpSpPr>
-      <p:grpSpPr>
-        <a:xfrm>
-          <a:off x="0" y="0"/>
-          <a:ext cx="0" cy="0"/>
-          <a:chOff x="0" y="0"/>
-          <a:chExt cx="0" cy="0"/>
-        </a:xfrm>
-      </p:grpSpPr>
-      <p:sp>
-        <p:nvSpPr>
-          <p:cNvPr id="2" name="Title 1">
-            <a:extLst>
-              <a:ext uri="{FF2B5EF4-FFF2-40B4-BE49-F238E27FC236}">
-                <a16:creationId xmlns:a16="http://schemas.microsoft.com/office/drawing/2014/main" id="{75FDDE90-172F-49A5-A6A1-02D5F4E92EAA}"/>
-              </a:ext>
-            </a:extLst>
-          </p:cNvPr>
-          <p:cNvSpPr>
-            <a:spLocks noGrp="1"/>
-          </p:cNvSpPr>
-          <p:nvPr>
-            <p:ph type="title"/>
-          </p:nvPr>
-        </p:nvSpPr>
-        <p:spPr/>
-        <p:txBody>
-          <a:bodyPr/>
-          <a:lstStyle/>
-          <a:p>
-            <a:r>
-              <a:rPr lang="en-US" dirty="0"/>
-              <a:t>Check the details from server log</a:t>
-            </a:r>
-            <a:endParaRPr lang="en-MY" dirty="0"/>
-          </a:p>
-        </p:txBody>
-      </p:sp>
-      <p:pic>
-        <p:nvPicPr>
-          <p:cNvPr id="5" name="Picture 4">
-            <a:extLst>
-              <a:ext uri="{FF2B5EF4-FFF2-40B4-BE49-F238E27FC236}">
-                <a16:creationId xmlns:a16="http://schemas.microsoft.com/office/drawing/2014/main" id="{C0BB631D-5E90-4C63-B5D7-D3AD2BCB0175}"/>
-              </a:ext>
-            </a:extLst>
-          </p:cNvPr>
-          <p:cNvPicPr>
-            <a:picLocks noChangeAspect="1"/>
-          </p:cNvPicPr>
-          <p:nvPr/>
-        </p:nvPicPr>
-        <p:blipFill>
-          <a:blip r:embed="rId2"/>
-          <a:stretch>
-            <a:fillRect/>
-          </a:stretch>
-        </p:blipFill>
-        <p:spPr>
-          <a:xfrm>
-            <a:off x="3048227" y="2710487"/>
-            <a:ext cx="5582429" cy="2886478"/>
-          </a:xfrm>
-          <a:prstGeom prst="rect">
-            <a:avLst/>
-          </a:prstGeom>
-        </p:spPr>
-      </p:pic>
-      <p:cxnSp>
-        <p:nvCxnSpPr>
-          <p:cNvPr id="7" name="Straight Arrow Connector 6">
-            <a:extLst>
-              <a:ext uri="{FF2B5EF4-FFF2-40B4-BE49-F238E27FC236}">
-                <a16:creationId xmlns:a16="http://schemas.microsoft.com/office/drawing/2014/main" id="{3234EC18-B7EC-4D8A-ACBD-A37E8FD07AB0}"/>
-              </a:ext>
-            </a:extLst>
-          </p:cNvPr>
-          <p:cNvCxnSpPr>
-            <a:cxnSpLocks/>
-          </p:cNvCxnSpPr>
-          <p:nvPr/>
-        </p:nvCxnSpPr>
-        <p:spPr>
-          <a:xfrm flipH="1">
-            <a:off x="7915700" y="2442025"/>
-            <a:ext cx="1367827" cy="713099"/>
-          </a:xfrm>
-          <a:prstGeom prst="straightConnector1">
-            <a:avLst/>
-          </a:prstGeom>
-          <a:ln>
-            <a:tailEnd type="triangle"/>
-          </a:ln>
-        </p:spPr>
-        <p:style>
-          <a:lnRef idx="1">
-            <a:schemeClr val="accent1"/>
-          </a:lnRef>
-          <a:fillRef idx="0">
-            <a:schemeClr val="accent1"/>
-          </a:fillRef>
-          <a:effectRef idx="0">
-            <a:schemeClr val="accent1"/>
-          </a:effectRef>
-          <a:fontRef idx="minor">
-            <a:schemeClr val="tx1"/>
-          </a:fontRef>
-        </p:style>
-      </p:cxnSp>
-      <p:sp>
-        <p:nvSpPr>
-          <p:cNvPr id="12" name="TextBox 11">
-            <a:extLst>
-              <a:ext uri="{FF2B5EF4-FFF2-40B4-BE49-F238E27FC236}">
-                <a16:creationId xmlns:a16="http://schemas.microsoft.com/office/drawing/2014/main" id="{03DF5686-EA19-46BF-AE88-0EEAA280A97A}"/>
-              </a:ext>
-            </a:extLst>
-          </p:cNvPr>
-          <p:cNvSpPr txBox="1"/>
-          <p:nvPr/>
-        </p:nvSpPr>
-        <p:spPr>
-          <a:xfrm>
-            <a:off x="9283527" y="2149637"/>
-            <a:ext cx="2337464" cy="523220"/>
-          </a:xfrm>
-          <a:prstGeom prst="rect">
-            <a:avLst/>
-          </a:prstGeom>
-          <a:noFill/>
-        </p:spPr>
-        <p:txBody>
-          <a:bodyPr wrap="square" rtlCol="0">
-            <a:spAutoFit/>
-          </a:bodyPr>
-          <a:lstStyle/>
-          <a:p>
-            <a:r>
-              <a:rPr lang="en-US" sz="1400" dirty="0"/>
-              <a:t>Click add comment, browser send this GET</a:t>
-            </a:r>
-            <a:endParaRPr lang="en-MY" sz="1400" dirty="0"/>
-          </a:p>
-        </p:txBody>
-      </p:sp>
-      <p:cxnSp>
-        <p:nvCxnSpPr>
-          <p:cNvPr id="13" name="Straight Arrow Connector 12">
-            <a:extLst>
-              <a:ext uri="{FF2B5EF4-FFF2-40B4-BE49-F238E27FC236}">
-                <a16:creationId xmlns:a16="http://schemas.microsoft.com/office/drawing/2014/main" id="{8C0FFC06-F178-48AA-A454-C7C5EF7ED375}"/>
-              </a:ext>
-            </a:extLst>
-          </p:cNvPr>
-          <p:cNvCxnSpPr>
-            <a:cxnSpLocks/>
-          </p:cNvCxnSpPr>
-          <p:nvPr/>
-        </p:nvCxnSpPr>
-        <p:spPr>
-          <a:xfrm flipH="1">
-            <a:off x="7829550" y="3155124"/>
-            <a:ext cx="1214862" cy="178626"/>
-          </a:xfrm>
-          <a:prstGeom prst="straightConnector1">
-            <a:avLst/>
-          </a:prstGeom>
-          <a:ln>
-            <a:tailEnd type="triangle"/>
-          </a:ln>
-        </p:spPr>
-        <p:style>
-          <a:lnRef idx="1">
-            <a:schemeClr val="accent1"/>
-          </a:lnRef>
-          <a:fillRef idx="0">
-            <a:schemeClr val="accent1"/>
-          </a:fillRef>
-          <a:effectRef idx="0">
-            <a:schemeClr val="accent1"/>
-          </a:effectRef>
-          <a:fontRef idx="minor">
-            <a:schemeClr val="tx1"/>
-          </a:fontRef>
-        </p:style>
-      </p:cxnSp>
-      <p:sp>
-        <p:nvSpPr>
-          <p:cNvPr id="16" name="TextBox 15">
-            <a:extLst>
-              <a:ext uri="{FF2B5EF4-FFF2-40B4-BE49-F238E27FC236}">
-                <a16:creationId xmlns:a16="http://schemas.microsoft.com/office/drawing/2014/main" id="{4D84A162-ED2E-4568-8765-922961425DAA}"/>
-              </a:ext>
-            </a:extLst>
-          </p:cNvPr>
-          <p:cNvSpPr txBox="1"/>
-          <p:nvPr/>
-        </p:nvSpPr>
-        <p:spPr>
-          <a:xfrm>
-            <a:off x="9175576" y="2844225"/>
-            <a:ext cx="2806799" cy="954107"/>
-          </a:xfrm>
-          <a:prstGeom prst="rect">
-            <a:avLst/>
-          </a:prstGeom>
-          <a:noFill/>
-        </p:spPr>
-        <p:txBody>
-          <a:bodyPr wrap="square" rtlCol="0">
-            <a:spAutoFit/>
-          </a:bodyPr>
-          <a:lstStyle/>
-          <a:p>
-            <a:r>
-              <a:rPr lang="en-US" sz="1400" dirty="0"/>
-              <a:t>Finish edit the form and click submit, browser send this POST. The add comment successful. Server respond 302</a:t>
-            </a:r>
-            <a:endParaRPr lang="en-MY" sz="1400" dirty="0"/>
-          </a:p>
-        </p:txBody>
-      </p:sp>
-      <p:sp>
-        <p:nvSpPr>
-          <p:cNvPr id="17" name="TextBox 16">
-            <a:extLst>
-              <a:ext uri="{FF2B5EF4-FFF2-40B4-BE49-F238E27FC236}">
-                <a16:creationId xmlns:a16="http://schemas.microsoft.com/office/drawing/2014/main" id="{832B6836-DC71-4E8E-9474-51E8506EC515}"/>
-              </a:ext>
-            </a:extLst>
-          </p:cNvPr>
-          <p:cNvSpPr txBox="1"/>
-          <p:nvPr/>
-        </p:nvSpPr>
-        <p:spPr>
-          <a:xfrm>
-            <a:off x="9175575" y="3768759"/>
-            <a:ext cx="3095799" cy="307777"/>
-          </a:xfrm>
-          <a:prstGeom prst="rect">
-            <a:avLst/>
-          </a:prstGeom>
-          <a:noFill/>
-        </p:spPr>
-        <p:txBody>
-          <a:bodyPr wrap="square" rtlCol="0">
-            <a:spAutoFit/>
-          </a:bodyPr>
-          <a:lstStyle/>
-          <a:p>
-            <a:r>
-              <a:rPr lang="en-US" sz="1400" dirty="0"/>
-              <a:t>Go to the URL of </a:t>
-            </a:r>
-            <a:r>
-              <a:rPr lang="en-US" sz="1400" dirty="0" err="1"/>
-              <a:t>get_absolute_url</a:t>
-            </a:r>
-            <a:endParaRPr lang="en-MY" sz="1400" dirty="0"/>
-          </a:p>
-        </p:txBody>
-      </p:sp>
-      <p:cxnSp>
-        <p:nvCxnSpPr>
-          <p:cNvPr id="18" name="Straight Arrow Connector 17">
-            <a:extLst>
-              <a:ext uri="{FF2B5EF4-FFF2-40B4-BE49-F238E27FC236}">
-                <a16:creationId xmlns:a16="http://schemas.microsoft.com/office/drawing/2014/main" id="{2F128B75-ACFD-41DC-A8E9-A8979DFCF3D3}"/>
-              </a:ext>
-            </a:extLst>
-          </p:cNvPr>
-          <p:cNvCxnSpPr>
-            <a:cxnSpLocks/>
-          </p:cNvCxnSpPr>
-          <p:nvPr/>
-        </p:nvCxnSpPr>
-        <p:spPr>
-          <a:xfrm flipH="1" flipV="1">
-            <a:off x="7315200" y="3551193"/>
-            <a:ext cx="1860377" cy="317030"/>
-          </a:xfrm>
-          <a:prstGeom prst="straightConnector1">
-            <a:avLst/>
-          </a:prstGeom>
-          <a:ln>
-            <a:tailEnd type="triangle"/>
-          </a:ln>
-        </p:spPr>
-        <p:style>
-          <a:lnRef idx="1">
-            <a:schemeClr val="accent1"/>
-          </a:lnRef>
-          <a:fillRef idx="0">
-            <a:schemeClr val="accent1"/>
-          </a:fillRef>
-          <a:effectRef idx="0">
-            <a:schemeClr val="accent1"/>
-          </a:effectRef>
-          <a:fontRef idx="minor">
-            <a:schemeClr val="tx1"/>
-          </a:fontRef>
-        </p:style>
-      </p:cxnSp>
-      <p:sp>
-        <p:nvSpPr>
-          <p:cNvPr id="21" name="TextBox 20">
-            <a:extLst>
-              <a:ext uri="{FF2B5EF4-FFF2-40B4-BE49-F238E27FC236}">
-                <a16:creationId xmlns:a16="http://schemas.microsoft.com/office/drawing/2014/main" id="{8A2F6532-E6C5-4657-85D5-A39223BB9B93}"/>
-              </a:ext>
-            </a:extLst>
-          </p:cNvPr>
-          <p:cNvSpPr txBox="1"/>
-          <p:nvPr/>
-        </p:nvSpPr>
-        <p:spPr>
-          <a:xfrm>
-            <a:off x="189057" y="2595086"/>
-            <a:ext cx="2445414" cy="523220"/>
-          </a:xfrm>
-          <a:prstGeom prst="rect">
-            <a:avLst/>
-          </a:prstGeom>
-          <a:noFill/>
-        </p:spPr>
-        <p:txBody>
-          <a:bodyPr wrap="square" rtlCol="0">
-            <a:spAutoFit/>
-          </a:bodyPr>
-          <a:lstStyle/>
-          <a:p>
-            <a:r>
-              <a:rPr lang="en-US" sz="1400" dirty="0"/>
-              <a:t>Click on one comment and view the details. </a:t>
-            </a:r>
-            <a:endParaRPr lang="en-MY" sz="1400" dirty="0"/>
-          </a:p>
-        </p:txBody>
-      </p:sp>
-      <p:cxnSp>
-        <p:nvCxnSpPr>
-          <p:cNvPr id="22" name="Straight Arrow Connector 21">
-            <a:extLst>
-              <a:ext uri="{FF2B5EF4-FFF2-40B4-BE49-F238E27FC236}">
-                <a16:creationId xmlns:a16="http://schemas.microsoft.com/office/drawing/2014/main" id="{5E818722-8C4D-4974-93A2-1179F6BB93E4}"/>
-              </a:ext>
-            </a:extLst>
-          </p:cNvPr>
-          <p:cNvCxnSpPr>
-            <a:cxnSpLocks/>
-          </p:cNvCxnSpPr>
-          <p:nvPr/>
-        </p:nvCxnSpPr>
-        <p:spPr>
-          <a:xfrm>
-            <a:off x="2503307" y="3093720"/>
-            <a:ext cx="2474429" cy="615988"/>
-          </a:xfrm>
-          <a:prstGeom prst="straightConnector1">
-            <a:avLst/>
-          </a:prstGeom>
-          <a:ln>
-            <a:solidFill>
-              <a:srgbClr val="FFC000"/>
-            </a:solidFill>
-            <a:tailEnd type="triangle"/>
-          </a:ln>
-        </p:spPr>
-        <p:style>
-          <a:lnRef idx="1">
-            <a:schemeClr val="accent1"/>
-          </a:lnRef>
-          <a:fillRef idx="0">
-            <a:schemeClr val="accent1"/>
-          </a:fillRef>
-          <a:effectRef idx="0">
-            <a:schemeClr val="accent1"/>
-          </a:effectRef>
-          <a:fontRef idx="minor">
-            <a:schemeClr val="tx1"/>
-          </a:fontRef>
-        </p:style>
-      </p:cxnSp>
-      <p:sp>
-        <p:nvSpPr>
-          <p:cNvPr id="25" name="TextBox 24">
-            <a:extLst>
-              <a:ext uri="{FF2B5EF4-FFF2-40B4-BE49-F238E27FC236}">
-                <a16:creationId xmlns:a16="http://schemas.microsoft.com/office/drawing/2014/main" id="{E2BCAE73-E72C-486B-BC1A-62BA2827ED3C}"/>
-              </a:ext>
-            </a:extLst>
-          </p:cNvPr>
-          <p:cNvSpPr txBox="1"/>
-          <p:nvPr/>
-        </p:nvSpPr>
-        <p:spPr>
-          <a:xfrm>
-            <a:off x="165843" y="3372762"/>
-            <a:ext cx="2445414" cy="307777"/>
-          </a:xfrm>
-          <a:prstGeom prst="rect">
-            <a:avLst/>
-          </a:prstGeom>
-          <a:noFill/>
-        </p:spPr>
-        <p:txBody>
-          <a:bodyPr wrap="square" rtlCol="0">
-            <a:spAutoFit/>
-          </a:bodyPr>
-          <a:lstStyle/>
-          <a:p>
-            <a:r>
-              <a:rPr lang="en-US" sz="1400" dirty="0"/>
-              <a:t>Click edit the comment. </a:t>
-            </a:r>
-            <a:endParaRPr lang="en-MY" sz="1400" dirty="0"/>
-          </a:p>
-        </p:txBody>
-      </p:sp>
-      <p:cxnSp>
-        <p:nvCxnSpPr>
-          <p:cNvPr id="26" name="Straight Arrow Connector 25">
-            <a:extLst>
-              <a:ext uri="{FF2B5EF4-FFF2-40B4-BE49-F238E27FC236}">
-                <a16:creationId xmlns:a16="http://schemas.microsoft.com/office/drawing/2014/main" id="{F491F7CE-18C3-4CC6-9966-CB7A8EBF2AAA}"/>
-              </a:ext>
-            </a:extLst>
-          </p:cNvPr>
-          <p:cNvCxnSpPr>
-            <a:cxnSpLocks/>
-          </p:cNvCxnSpPr>
-          <p:nvPr/>
-        </p:nvCxnSpPr>
-        <p:spPr>
-          <a:xfrm>
-            <a:off x="2194560" y="3709708"/>
-            <a:ext cx="2849880" cy="186274"/>
-          </a:xfrm>
-          <a:prstGeom prst="straightConnector1">
-            <a:avLst/>
-          </a:prstGeom>
-          <a:ln>
-            <a:solidFill>
-              <a:srgbClr val="FFC000"/>
-            </a:solidFill>
-            <a:tailEnd type="triangle"/>
-          </a:ln>
-        </p:spPr>
-        <p:style>
-          <a:lnRef idx="1">
-            <a:schemeClr val="accent1"/>
-          </a:lnRef>
-          <a:fillRef idx="0">
-            <a:schemeClr val="accent1"/>
-          </a:fillRef>
-          <a:effectRef idx="0">
-            <a:schemeClr val="accent1"/>
-          </a:effectRef>
-          <a:fontRef idx="minor">
-            <a:schemeClr val="tx1"/>
-          </a:fontRef>
-        </p:style>
-      </p:cxnSp>
-      <p:sp>
-        <p:nvSpPr>
-          <p:cNvPr id="29" name="TextBox 28">
-            <a:extLst>
-              <a:ext uri="{FF2B5EF4-FFF2-40B4-BE49-F238E27FC236}">
-                <a16:creationId xmlns:a16="http://schemas.microsoft.com/office/drawing/2014/main" id="{3AE8E857-2547-43AC-A878-7D06FABDBECD}"/>
-              </a:ext>
-            </a:extLst>
-          </p:cNvPr>
-          <p:cNvSpPr txBox="1"/>
-          <p:nvPr/>
-        </p:nvSpPr>
-        <p:spPr>
-          <a:xfrm>
-            <a:off x="189056" y="3739269"/>
-            <a:ext cx="2859169" cy="738664"/>
-          </a:xfrm>
-          <a:prstGeom prst="rect">
-            <a:avLst/>
-          </a:prstGeom>
-          <a:noFill/>
-        </p:spPr>
-        <p:txBody>
-          <a:bodyPr wrap="square" rtlCol="0">
-            <a:spAutoFit/>
-          </a:bodyPr>
-          <a:lstStyle/>
-          <a:p>
-            <a:r>
-              <a:rPr lang="en-US" sz="1400" dirty="0"/>
-              <a:t>Finish the edit of form, submit the result. Update comment success. Server </a:t>
-            </a:r>
-            <a:r>
-              <a:rPr lang="en-US" sz="1400" dirty="0" err="1"/>
-              <a:t>responde</a:t>
-            </a:r>
-            <a:r>
-              <a:rPr lang="en-US" sz="1400" dirty="0"/>
-              <a:t> 302</a:t>
-            </a:r>
-            <a:endParaRPr lang="en-MY" sz="1400" dirty="0"/>
-          </a:p>
-        </p:txBody>
-      </p:sp>
-      <p:cxnSp>
-        <p:nvCxnSpPr>
-          <p:cNvPr id="30" name="Straight Arrow Connector 29">
-            <a:extLst>
-              <a:ext uri="{FF2B5EF4-FFF2-40B4-BE49-F238E27FC236}">
-                <a16:creationId xmlns:a16="http://schemas.microsoft.com/office/drawing/2014/main" id="{90A9A49D-E7A0-4075-82FC-6DEADCF4C174}"/>
-              </a:ext>
-            </a:extLst>
-          </p:cNvPr>
-          <p:cNvCxnSpPr>
-            <a:cxnSpLocks/>
-          </p:cNvCxnSpPr>
-          <p:nvPr/>
-        </p:nvCxnSpPr>
-        <p:spPr>
-          <a:xfrm>
-            <a:off x="2315581" y="3987952"/>
-            <a:ext cx="2728859" cy="73440"/>
-          </a:xfrm>
-          <a:prstGeom prst="straightConnector1">
-            <a:avLst/>
-          </a:prstGeom>
-          <a:ln>
-            <a:solidFill>
-              <a:srgbClr val="FFC000"/>
-            </a:solidFill>
-            <a:tailEnd type="triangle"/>
-          </a:ln>
-        </p:spPr>
-        <p:style>
-          <a:lnRef idx="1">
-            <a:schemeClr val="accent1"/>
-          </a:lnRef>
-          <a:fillRef idx="0">
-            <a:schemeClr val="accent1"/>
-          </a:fillRef>
-          <a:effectRef idx="0">
-            <a:schemeClr val="accent1"/>
-          </a:effectRef>
-          <a:fontRef idx="minor">
-            <a:schemeClr val="tx1"/>
-          </a:fontRef>
-        </p:style>
-      </p:cxnSp>
-      <p:sp>
-        <p:nvSpPr>
-          <p:cNvPr id="32" name="TextBox 31">
-            <a:extLst>
-              <a:ext uri="{FF2B5EF4-FFF2-40B4-BE49-F238E27FC236}">
-                <a16:creationId xmlns:a16="http://schemas.microsoft.com/office/drawing/2014/main" id="{BB2AC105-9303-4E46-81B1-A1109459F0E2}"/>
-              </a:ext>
-            </a:extLst>
-          </p:cNvPr>
-          <p:cNvSpPr txBox="1"/>
-          <p:nvPr/>
-        </p:nvSpPr>
-        <p:spPr>
-          <a:xfrm>
-            <a:off x="143336" y="4481665"/>
-            <a:ext cx="3034203" cy="307777"/>
-          </a:xfrm>
-          <a:prstGeom prst="rect">
-            <a:avLst/>
-          </a:prstGeom>
-          <a:noFill/>
-        </p:spPr>
-        <p:txBody>
-          <a:bodyPr wrap="square" rtlCol="0">
-            <a:spAutoFit/>
-          </a:bodyPr>
-          <a:lstStyle/>
-          <a:p>
-            <a:r>
-              <a:rPr lang="en-US" sz="1400" dirty="0"/>
-              <a:t>Go to the URL of </a:t>
-            </a:r>
-            <a:r>
-              <a:rPr lang="en-US" sz="1400" dirty="0" err="1"/>
-              <a:t>get_absolute_url</a:t>
-            </a:r>
-            <a:endParaRPr lang="en-MY" sz="1400" dirty="0"/>
-          </a:p>
-        </p:txBody>
-      </p:sp>
-      <p:cxnSp>
-        <p:nvCxnSpPr>
-          <p:cNvPr id="33" name="Straight Arrow Connector 32">
-            <a:extLst>
-              <a:ext uri="{FF2B5EF4-FFF2-40B4-BE49-F238E27FC236}">
-                <a16:creationId xmlns:a16="http://schemas.microsoft.com/office/drawing/2014/main" id="{22A71C40-B564-4EE8-8851-32B996B841C3}"/>
-              </a:ext>
-            </a:extLst>
-          </p:cNvPr>
-          <p:cNvCxnSpPr>
-            <a:cxnSpLocks/>
-          </p:cNvCxnSpPr>
-          <p:nvPr/>
-        </p:nvCxnSpPr>
-        <p:spPr>
-          <a:xfrm flipV="1">
-            <a:off x="2315581" y="4215884"/>
-            <a:ext cx="2728859" cy="474172"/>
-          </a:xfrm>
-          <a:prstGeom prst="straightConnector1">
-            <a:avLst/>
-          </a:prstGeom>
-          <a:ln>
-            <a:solidFill>
-              <a:srgbClr val="FFC000"/>
-            </a:solidFill>
-            <a:tailEnd type="triangle"/>
-          </a:ln>
-        </p:spPr>
-        <p:style>
-          <a:lnRef idx="1">
-            <a:schemeClr val="accent1"/>
-          </a:lnRef>
-          <a:fillRef idx="0">
-            <a:schemeClr val="accent1"/>
-          </a:fillRef>
-          <a:effectRef idx="0">
-            <a:schemeClr val="accent1"/>
-          </a:effectRef>
-          <a:fontRef idx="minor">
-            <a:schemeClr val="tx1"/>
-          </a:fontRef>
-        </p:style>
-      </p:cxnSp>
-      <p:sp>
-        <p:nvSpPr>
-          <p:cNvPr id="36" name="TextBox 35">
-            <a:extLst>
-              <a:ext uri="{FF2B5EF4-FFF2-40B4-BE49-F238E27FC236}">
-                <a16:creationId xmlns:a16="http://schemas.microsoft.com/office/drawing/2014/main" id="{CA85789E-71B9-4BB4-9E95-8A60F4936CF7}"/>
-              </a:ext>
-            </a:extLst>
-          </p:cNvPr>
-          <p:cNvSpPr txBox="1"/>
-          <p:nvPr/>
-        </p:nvSpPr>
-        <p:spPr>
-          <a:xfrm>
-            <a:off x="9430983" y="4333250"/>
-            <a:ext cx="2445414" cy="523220"/>
-          </a:xfrm>
-          <a:prstGeom prst="rect">
-            <a:avLst/>
-          </a:prstGeom>
-          <a:noFill/>
-        </p:spPr>
-        <p:txBody>
-          <a:bodyPr wrap="square" rtlCol="0">
-            <a:spAutoFit/>
-          </a:bodyPr>
-          <a:lstStyle/>
-          <a:p>
-            <a:r>
-              <a:rPr lang="en-US" sz="1400" dirty="0"/>
-              <a:t>Click one comment view details</a:t>
-            </a:r>
-            <a:endParaRPr lang="en-MY" sz="1400" dirty="0"/>
-          </a:p>
-        </p:txBody>
-      </p:sp>
-      <p:cxnSp>
-        <p:nvCxnSpPr>
-          <p:cNvPr id="37" name="Straight Arrow Connector 36">
-            <a:extLst>
-              <a:ext uri="{FF2B5EF4-FFF2-40B4-BE49-F238E27FC236}">
-                <a16:creationId xmlns:a16="http://schemas.microsoft.com/office/drawing/2014/main" id="{4D9FCBC9-10A8-4DC6-8850-751C6E5405BC}"/>
-              </a:ext>
-            </a:extLst>
-          </p:cNvPr>
-          <p:cNvCxnSpPr>
-            <a:cxnSpLocks/>
-          </p:cNvCxnSpPr>
-          <p:nvPr/>
-        </p:nvCxnSpPr>
-        <p:spPr>
-          <a:xfrm flipH="1" flipV="1">
-            <a:off x="7915700" y="4452971"/>
-            <a:ext cx="1568623" cy="141889"/>
-          </a:xfrm>
-          <a:prstGeom prst="straightConnector1">
-            <a:avLst/>
-          </a:prstGeom>
-          <a:ln>
-            <a:tailEnd type="triangle"/>
-          </a:ln>
-        </p:spPr>
-        <p:style>
-          <a:lnRef idx="1">
-            <a:schemeClr val="accent1"/>
-          </a:lnRef>
-          <a:fillRef idx="0">
-            <a:schemeClr val="accent1"/>
-          </a:fillRef>
-          <a:effectRef idx="0">
-            <a:schemeClr val="accent1"/>
-          </a:effectRef>
-          <a:fontRef idx="minor">
-            <a:schemeClr val="tx1"/>
-          </a:fontRef>
-        </p:style>
-      </p:cxnSp>
-      <p:sp>
-        <p:nvSpPr>
-          <p:cNvPr id="40" name="TextBox 39">
-            <a:extLst>
-              <a:ext uri="{FF2B5EF4-FFF2-40B4-BE49-F238E27FC236}">
-                <a16:creationId xmlns:a16="http://schemas.microsoft.com/office/drawing/2014/main" id="{208B68B4-CCC2-4FCA-9136-911692C8FCD8}"/>
-              </a:ext>
-            </a:extLst>
-          </p:cNvPr>
-          <p:cNvSpPr txBox="1"/>
-          <p:nvPr/>
-        </p:nvSpPr>
-        <p:spPr>
-          <a:xfrm>
-            <a:off x="9430983" y="4805697"/>
-            <a:ext cx="2445414" cy="307777"/>
-          </a:xfrm>
-          <a:prstGeom prst="rect">
-            <a:avLst/>
-          </a:prstGeom>
-          <a:noFill/>
-        </p:spPr>
-        <p:txBody>
-          <a:bodyPr wrap="square" rtlCol="0">
-            <a:spAutoFit/>
-          </a:bodyPr>
-          <a:lstStyle/>
-          <a:p>
-            <a:r>
-              <a:rPr lang="en-US" sz="1400" dirty="0"/>
-              <a:t>Click delete</a:t>
-            </a:r>
-            <a:endParaRPr lang="en-MY" sz="1400" dirty="0"/>
-          </a:p>
-        </p:txBody>
-      </p:sp>
-      <p:cxnSp>
-        <p:nvCxnSpPr>
-          <p:cNvPr id="41" name="Straight Arrow Connector 40">
-            <a:extLst>
-              <a:ext uri="{FF2B5EF4-FFF2-40B4-BE49-F238E27FC236}">
-                <a16:creationId xmlns:a16="http://schemas.microsoft.com/office/drawing/2014/main" id="{E7FE8EE8-960D-44D1-BE29-E1AC5E7AD3DB}"/>
-              </a:ext>
-            </a:extLst>
-          </p:cNvPr>
-          <p:cNvCxnSpPr>
-            <a:cxnSpLocks/>
-            <a:stCxn id="40" idx="1"/>
-          </p:cNvCxnSpPr>
-          <p:nvPr/>
-        </p:nvCxnSpPr>
-        <p:spPr>
-          <a:xfrm flipH="1" flipV="1">
-            <a:off x="8267700" y="4594860"/>
-            <a:ext cx="1163283" cy="364726"/>
-          </a:xfrm>
-          <a:prstGeom prst="straightConnector1">
-            <a:avLst/>
-          </a:prstGeom>
-          <a:ln>
-            <a:tailEnd type="triangle"/>
-          </a:ln>
-        </p:spPr>
-        <p:style>
-          <a:lnRef idx="1">
-            <a:schemeClr val="accent1"/>
-          </a:lnRef>
-          <a:fillRef idx="0">
-            <a:schemeClr val="accent1"/>
-          </a:fillRef>
-          <a:effectRef idx="0">
-            <a:schemeClr val="accent1"/>
-          </a:effectRef>
-          <a:fontRef idx="minor">
-            <a:schemeClr val="tx1"/>
-          </a:fontRef>
-        </p:style>
-      </p:cxnSp>
-      <p:sp>
-        <p:nvSpPr>
-          <p:cNvPr id="44" name="TextBox 43">
-            <a:extLst>
-              <a:ext uri="{FF2B5EF4-FFF2-40B4-BE49-F238E27FC236}">
-                <a16:creationId xmlns:a16="http://schemas.microsoft.com/office/drawing/2014/main" id="{E11EC98B-1D19-4520-AD5F-A8A5D556E8B6}"/>
-              </a:ext>
-            </a:extLst>
-          </p:cNvPr>
-          <p:cNvSpPr txBox="1"/>
-          <p:nvPr/>
-        </p:nvSpPr>
-        <p:spPr>
-          <a:xfrm>
-            <a:off x="9175576" y="5102456"/>
-            <a:ext cx="3016424" cy="307777"/>
-          </a:xfrm>
-          <a:prstGeom prst="rect">
-            <a:avLst/>
-          </a:prstGeom>
-          <a:noFill/>
-        </p:spPr>
-        <p:txBody>
-          <a:bodyPr wrap="square" rtlCol="0">
-            <a:spAutoFit/>
-          </a:bodyPr>
-          <a:lstStyle/>
-          <a:p>
-            <a:r>
-              <a:rPr lang="en-US" sz="1400" dirty="0"/>
-              <a:t>Click cancel, it links to homepage</a:t>
-            </a:r>
-            <a:endParaRPr lang="en-MY" sz="1400" dirty="0"/>
-          </a:p>
-        </p:txBody>
-      </p:sp>
-      <p:cxnSp>
-        <p:nvCxnSpPr>
-          <p:cNvPr id="45" name="Straight Arrow Connector 44">
-            <a:extLst>
-              <a:ext uri="{FF2B5EF4-FFF2-40B4-BE49-F238E27FC236}">
-                <a16:creationId xmlns:a16="http://schemas.microsoft.com/office/drawing/2014/main" id="{3CC752FC-0BCF-4FDC-9528-874743AF5FBB}"/>
-              </a:ext>
-            </a:extLst>
-          </p:cNvPr>
-          <p:cNvCxnSpPr>
-            <a:cxnSpLocks/>
-            <a:stCxn id="44" idx="1"/>
-          </p:cNvCxnSpPr>
-          <p:nvPr/>
-        </p:nvCxnSpPr>
-        <p:spPr>
-          <a:xfrm flipH="1" flipV="1">
-            <a:off x="7211758" y="4733125"/>
-            <a:ext cx="1963818" cy="523220"/>
-          </a:xfrm>
-          <a:prstGeom prst="straightConnector1">
-            <a:avLst/>
-          </a:prstGeom>
-          <a:ln>
-            <a:tailEnd type="triangle"/>
-          </a:ln>
-        </p:spPr>
-        <p:style>
-          <a:lnRef idx="1">
-            <a:schemeClr val="accent1"/>
-          </a:lnRef>
-          <a:fillRef idx="0">
-            <a:schemeClr val="accent1"/>
-          </a:fillRef>
-          <a:effectRef idx="0">
-            <a:schemeClr val="accent1"/>
-          </a:effectRef>
-          <a:fontRef idx="minor">
-            <a:schemeClr val="tx1"/>
-          </a:fontRef>
-        </p:style>
-      </p:cxnSp>
-      <p:cxnSp>
-        <p:nvCxnSpPr>
-          <p:cNvPr id="50" name="Straight Arrow Connector 49">
-            <a:extLst>
-              <a:ext uri="{FF2B5EF4-FFF2-40B4-BE49-F238E27FC236}">
-                <a16:creationId xmlns:a16="http://schemas.microsoft.com/office/drawing/2014/main" id="{9E6789E4-CBFE-4407-889D-AA6571CBCCAE}"/>
-              </a:ext>
-            </a:extLst>
-          </p:cNvPr>
-          <p:cNvCxnSpPr>
-            <a:cxnSpLocks/>
-          </p:cNvCxnSpPr>
-          <p:nvPr/>
-        </p:nvCxnSpPr>
-        <p:spPr>
-          <a:xfrm flipV="1">
-            <a:off x="2247900" y="4958518"/>
-            <a:ext cx="2796540" cy="259726"/>
-          </a:xfrm>
-          <a:prstGeom prst="straightConnector1">
-            <a:avLst/>
-          </a:prstGeom>
-          <a:ln>
-            <a:solidFill>
-              <a:srgbClr val="FFC000"/>
-            </a:solidFill>
-            <a:tailEnd type="triangle"/>
-          </a:ln>
-        </p:spPr>
-        <p:style>
-          <a:lnRef idx="1">
-            <a:schemeClr val="accent1"/>
-          </a:lnRef>
-          <a:fillRef idx="0">
-            <a:schemeClr val="accent1"/>
-          </a:fillRef>
-          <a:effectRef idx="0">
-            <a:schemeClr val="accent1"/>
-          </a:effectRef>
-          <a:fontRef idx="minor">
-            <a:schemeClr val="tx1"/>
-          </a:fontRef>
-        </p:style>
-      </p:cxnSp>
-      <p:sp>
-        <p:nvSpPr>
-          <p:cNvPr id="52" name="TextBox 51">
-            <a:extLst>
-              <a:ext uri="{FF2B5EF4-FFF2-40B4-BE49-F238E27FC236}">
-                <a16:creationId xmlns:a16="http://schemas.microsoft.com/office/drawing/2014/main" id="{1C20DFA0-12A2-4B06-B722-799ED56CA88F}"/>
-              </a:ext>
-            </a:extLst>
-          </p:cNvPr>
-          <p:cNvSpPr txBox="1"/>
-          <p:nvPr/>
-        </p:nvSpPr>
-        <p:spPr>
-          <a:xfrm>
-            <a:off x="165843" y="4999594"/>
-            <a:ext cx="2445414" cy="523220"/>
-          </a:xfrm>
-          <a:prstGeom prst="rect">
-            <a:avLst/>
-          </a:prstGeom>
-          <a:noFill/>
-        </p:spPr>
-        <p:txBody>
-          <a:bodyPr wrap="square" rtlCol="0">
-            <a:spAutoFit/>
-          </a:bodyPr>
-          <a:lstStyle/>
-          <a:p>
-            <a:r>
-              <a:rPr lang="en-US" sz="1400" dirty="0"/>
-              <a:t>Click on one comment and view the details. </a:t>
-            </a:r>
-            <a:endParaRPr lang="en-MY" sz="1400" dirty="0"/>
-          </a:p>
-        </p:txBody>
-      </p:sp>
-      <p:cxnSp>
-        <p:nvCxnSpPr>
-          <p:cNvPr id="53" name="Straight Arrow Connector 52">
-            <a:extLst>
-              <a:ext uri="{FF2B5EF4-FFF2-40B4-BE49-F238E27FC236}">
-                <a16:creationId xmlns:a16="http://schemas.microsoft.com/office/drawing/2014/main" id="{1444A24C-93C7-42CC-BF4B-6CFCB985D530}"/>
-              </a:ext>
-            </a:extLst>
-          </p:cNvPr>
-          <p:cNvCxnSpPr>
-            <a:cxnSpLocks/>
-          </p:cNvCxnSpPr>
-          <p:nvPr/>
-        </p:nvCxnSpPr>
-        <p:spPr>
-          <a:xfrm flipV="1">
-            <a:off x="2315581" y="5116863"/>
-            <a:ext cx="2664663" cy="523220"/>
-          </a:xfrm>
-          <a:prstGeom prst="straightConnector1">
-            <a:avLst/>
-          </a:prstGeom>
-          <a:ln>
-            <a:solidFill>
-              <a:srgbClr val="FFC000"/>
-            </a:solidFill>
-            <a:tailEnd type="triangle"/>
-          </a:ln>
-        </p:spPr>
-        <p:style>
-          <a:lnRef idx="1">
-            <a:schemeClr val="accent1"/>
-          </a:lnRef>
-          <a:fillRef idx="0">
-            <a:schemeClr val="accent1"/>
-          </a:fillRef>
-          <a:effectRef idx="0">
-            <a:schemeClr val="accent1"/>
-          </a:effectRef>
-          <a:fontRef idx="minor">
-            <a:schemeClr val="tx1"/>
-          </a:fontRef>
-        </p:style>
-      </p:cxnSp>
-      <p:sp>
-        <p:nvSpPr>
-          <p:cNvPr id="55" name="TextBox 54">
-            <a:extLst>
-              <a:ext uri="{FF2B5EF4-FFF2-40B4-BE49-F238E27FC236}">
-                <a16:creationId xmlns:a16="http://schemas.microsoft.com/office/drawing/2014/main" id="{2AE8C603-3440-4FCE-9672-B121B7D4E66C}"/>
-              </a:ext>
-            </a:extLst>
-          </p:cNvPr>
-          <p:cNvSpPr txBox="1"/>
-          <p:nvPr/>
-        </p:nvSpPr>
-        <p:spPr>
-          <a:xfrm>
-            <a:off x="1200756" y="5463675"/>
-            <a:ext cx="1433715" cy="307777"/>
-          </a:xfrm>
-          <a:prstGeom prst="rect">
-            <a:avLst/>
-          </a:prstGeom>
-          <a:noFill/>
-        </p:spPr>
-        <p:txBody>
-          <a:bodyPr wrap="square" rtlCol="0">
-            <a:spAutoFit/>
-          </a:bodyPr>
-          <a:lstStyle/>
-          <a:p>
-            <a:r>
-              <a:rPr lang="en-US" sz="1400" dirty="0"/>
-              <a:t>Click delete</a:t>
-            </a:r>
-            <a:endParaRPr lang="en-MY" sz="1400" dirty="0"/>
-          </a:p>
-        </p:txBody>
-      </p:sp>
-      <p:cxnSp>
-        <p:nvCxnSpPr>
-          <p:cNvPr id="57" name="Straight Arrow Connector 56">
-            <a:extLst>
-              <a:ext uri="{FF2B5EF4-FFF2-40B4-BE49-F238E27FC236}">
-                <a16:creationId xmlns:a16="http://schemas.microsoft.com/office/drawing/2014/main" id="{B2A798BB-247A-407B-AD0A-4F9D6793B2FD}"/>
-              </a:ext>
-            </a:extLst>
-          </p:cNvPr>
-          <p:cNvCxnSpPr>
-            <a:cxnSpLocks/>
-          </p:cNvCxnSpPr>
-          <p:nvPr/>
-        </p:nvCxnSpPr>
-        <p:spPr>
-          <a:xfrm flipV="1">
-            <a:off x="2101405" y="5290285"/>
-            <a:ext cx="2943035" cy="669393"/>
-          </a:xfrm>
-          <a:prstGeom prst="straightConnector1">
-            <a:avLst/>
-          </a:prstGeom>
-          <a:ln>
-            <a:solidFill>
-              <a:srgbClr val="FFC000"/>
-            </a:solidFill>
-            <a:tailEnd type="triangle"/>
-          </a:ln>
-        </p:spPr>
-        <p:style>
-          <a:lnRef idx="1">
-            <a:schemeClr val="accent1"/>
-          </a:lnRef>
-          <a:fillRef idx="0">
-            <a:schemeClr val="accent1"/>
-          </a:fillRef>
-          <a:effectRef idx="0">
-            <a:schemeClr val="accent1"/>
-          </a:effectRef>
-          <a:fontRef idx="minor">
-            <a:schemeClr val="tx1"/>
-          </a:fontRef>
-        </p:style>
-      </p:cxnSp>
-      <p:sp>
-        <p:nvSpPr>
-          <p:cNvPr id="58" name="TextBox 57">
-            <a:extLst>
-              <a:ext uri="{FF2B5EF4-FFF2-40B4-BE49-F238E27FC236}">
-                <a16:creationId xmlns:a16="http://schemas.microsoft.com/office/drawing/2014/main" id="{55D2CFED-AA19-46BA-B341-21F5063AACAB}"/>
-              </a:ext>
-            </a:extLst>
-          </p:cNvPr>
-          <p:cNvSpPr txBox="1"/>
-          <p:nvPr/>
-        </p:nvSpPr>
-        <p:spPr>
-          <a:xfrm>
-            <a:off x="411480" y="5726120"/>
-            <a:ext cx="2943035" cy="523220"/>
-          </a:xfrm>
-          <a:prstGeom prst="rect">
-            <a:avLst/>
-          </a:prstGeom>
-          <a:noFill/>
-        </p:spPr>
-        <p:txBody>
-          <a:bodyPr wrap="square" rtlCol="0">
-            <a:spAutoFit/>
-          </a:bodyPr>
-          <a:lstStyle/>
-          <a:p>
-            <a:r>
-              <a:rPr lang="en-US" sz="1400" dirty="0"/>
-              <a:t>Click confirm delete. Server process success, respond 302</a:t>
-            </a:r>
-            <a:endParaRPr lang="en-MY" sz="1400" dirty="0"/>
-          </a:p>
-        </p:txBody>
-      </p:sp>
-      <p:cxnSp>
-        <p:nvCxnSpPr>
-          <p:cNvPr id="60" name="Straight Arrow Connector 59">
-            <a:extLst>
-              <a:ext uri="{FF2B5EF4-FFF2-40B4-BE49-F238E27FC236}">
-                <a16:creationId xmlns:a16="http://schemas.microsoft.com/office/drawing/2014/main" id="{77D24DE9-C7E6-4BE6-B059-6BE9AEC380C8}"/>
-              </a:ext>
-            </a:extLst>
-          </p:cNvPr>
-          <p:cNvCxnSpPr>
-            <a:cxnSpLocks/>
-          </p:cNvCxnSpPr>
-          <p:nvPr/>
-        </p:nvCxnSpPr>
-        <p:spPr>
-          <a:xfrm flipV="1">
-            <a:off x="2420295" y="5486706"/>
-            <a:ext cx="2624145" cy="901099"/>
-          </a:xfrm>
-          <a:prstGeom prst="straightConnector1">
-            <a:avLst/>
-          </a:prstGeom>
-          <a:ln>
-            <a:solidFill>
-              <a:srgbClr val="FFC000"/>
-            </a:solidFill>
-            <a:tailEnd type="triangle"/>
-          </a:ln>
-        </p:spPr>
-        <p:style>
-          <a:lnRef idx="1">
-            <a:schemeClr val="accent1"/>
-          </a:lnRef>
-          <a:fillRef idx="0">
-            <a:schemeClr val="accent1"/>
-          </a:fillRef>
-          <a:effectRef idx="0">
-            <a:schemeClr val="accent1"/>
-          </a:effectRef>
-          <a:fontRef idx="minor">
-            <a:schemeClr val="tx1"/>
-          </a:fontRef>
-        </p:style>
-      </p:cxnSp>
-      <p:sp>
-        <p:nvSpPr>
-          <p:cNvPr id="61" name="TextBox 60">
-            <a:extLst>
-              <a:ext uri="{FF2B5EF4-FFF2-40B4-BE49-F238E27FC236}">
-                <a16:creationId xmlns:a16="http://schemas.microsoft.com/office/drawing/2014/main" id="{8AAC1E51-4F03-49AF-9AAF-8BAA6103F316}"/>
-              </a:ext>
-            </a:extLst>
-          </p:cNvPr>
-          <p:cNvSpPr txBox="1"/>
-          <p:nvPr/>
-        </p:nvSpPr>
-        <p:spPr>
-          <a:xfrm>
-            <a:off x="379284" y="6288932"/>
-            <a:ext cx="3826955" cy="523220"/>
-          </a:xfrm>
-          <a:prstGeom prst="rect">
-            <a:avLst/>
-          </a:prstGeom>
-          <a:noFill/>
-        </p:spPr>
-        <p:txBody>
-          <a:bodyPr wrap="square" rtlCol="0">
-            <a:spAutoFit/>
-          </a:bodyPr>
-          <a:lstStyle/>
-          <a:p>
-            <a:r>
-              <a:rPr lang="en-US" sz="1400" dirty="0" err="1"/>
-              <a:t>Goto</a:t>
-            </a:r>
-            <a:r>
-              <a:rPr lang="en-US" sz="1400" dirty="0"/>
-              <a:t> the URL of </a:t>
-            </a:r>
-            <a:r>
-              <a:rPr lang="en-US" sz="1400" dirty="0" err="1"/>
-              <a:t>get_success_url</a:t>
-            </a:r>
-            <a:r>
-              <a:rPr lang="en-US" sz="1400" dirty="0"/>
-              <a:t>. Because one comment deleted, so the size smaller.</a:t>
-            </a:r>
-            <a:endParaRPr lang="en-MY" sz="1400" dirty="0"/>
-          </a:p>
-        </p:txBody>
-      </p:sp>
-      <p:sp>
-        <p:nvSpPr>
-          <p:cNvPr id="63" name="Rectangle 62">
-            <a:extLst>
-              <a:ext uri="{FF2B5EF4-FFF2-40B4-BE49-F238E27FC236}">
-                <a16:creationId xmlns:a16="http://schemas.microsoft.com/office/drawing/2014/main" id="{BCD18510-E677-4B2E-9911-D6066B80B63F}"/>
-              </a:ext>
-            </a:extLst>
-          </p:cNvPr>
-          <p:cNvSpPr/>
-          <p:nvPr/>
-        </p:nvSpPr>
-        <p:spPr>
-          <a:xfrm>
-            <a:off x="4965040" y="3110564"/>
-            <a:ext cx="2857500" cy="514675"/>
-          </a:xfrm>
-          <a:prstGeom prst="rect">
-            <a:avLst/>
-          </a:prstGeom>
-          <a:noFill/>
-        </p:spPr>
-        <p:style>
-          <a:lnRef idx="2">
-            <a:schemeClr val="accent1">
-              <a:shade val="50000"/>
-            </a:schemeClr>
-          </a:lnRef>
-          <a:fillRef idx="1">
-            <a:schemeClr val="accent1"/>
-          </a:fillRef>
-          <a:effectRef idx="0">
-            <a:schemeClr val="accent1"/>
-          </a:effectRef>
-          <a:fontRef idx="minor">
-            <a:schemeClr val="lt1"/>
-          </a:fontRef>
-        </p:style>
-        <p:txBody>
-          <a:bodyPr rtlCol="0" anchor="ctr"/>
-          <a:lstStyle/>
-          <a:p>
-            <a:pPr algn="ctr"/>
-            <a:endParaRPr lang="en-MY"/>
-          </a:p>
-        </p:txBody>
-      </p:sp>
-      <p:sp>
-        <p:nvSpPr>
-          <p:cNvPr id="64" name="Rectangle 63">
-            <a:extLst>
-              <a:ext uri="{FF2B5EF4-FFF2-40B4-BE49-F238E27FC236}">
-                <a16:creationId xmlns:a16="http://schemas.microsoft.com/office/drawing/2014/main" id="{0E3393F0-F1CC-47BC-85B5-234AC9E4B83D}"/>
-              </a:ext>
-            </a:extLst>
-          </p:cNvPr>
-          <p:cNvSpPr/>
-          <p:nvPr/>
-        </p:nvSpPr>
-        <p:spPr>
-          <a:xfrm>
-            <a:off x="4965040" y="3639458"/>
-            <a:ext cx="2857500" cy="669393"/>
-          </a:xfrm>
-          <a:prstGeom prst="rect">
-            <a:avLst/>
-          </a:prstGeom>
-          <a:noFill/>
-          <a:ln>
-            <a:solidFill>
-              <a:srgbClr val="FFC000"/>
-            </a:solidFill>
-          </a:ln>
-        </p:spPr>
-        <p:style>
-          <a:lnRef idx="2">
-            <a:schemeClr val="accent1">
-              <a:shade val="50000"/>
-            </a:schemeClr>
-          </a:lnRef>
-          <a:fillRef idx="1">
-            <a:schemeClr val="accent1"/>
-          </a:fillRef>
-          <a:effectRef idx="0">
-            <a:schemeClr val="accent1"/>
-          </a:effectRef>
-          <a:fontRef idx="minor">
-            <a:schemeClr val="lt1"/>
-          </a:fontRef>
-        </p:style>
-        <p:txBody>
-          <a:bodyPr rtlCol="0" anchor="ctr"/>
-          <a:lstStyle/>
-          <a:p>
-            <a:pPr algn="ctr"/>
-            <a:endParaRPr lang="en-MY"/>
-          </a:p>
-        </p:txBody>
-      </p:sp>
-      <p:sp>
-        <p:nvSpPr>
-          <p:cNvPr id="65" name="Rectangle 64">
-            <a:extLst>
-              <a:ext uri="{FF2B5EF4-FFF2-40B4-BE49-F238E27FC236}">
-                <a16:creationId xmlns:a16="http://schemas.microsoft.com/office/drawing/2014/main" id="{4D3FFC23-3917-41C3-B012-2894D4A63524}"/>
-              </a:ext>
-            </a:extLst>
-          </p:cNvPr>
-          <p:cNvSpPr/>
-          <p:nvPr/>
-        </p:nvSpPr>
-        <p:spPr>
-          <a:xfrm>
-            <a:off x="4972050" y="4323732"/>
-            <a:ext cx="2857500" cy="503418"/>
-          </a:xfrm>
-          <a:prstGeom prst="rect">
-            <a:avLst/>
-          </a:prstGeom>
-          <a:noFill/>
-        </p:spPr>
-        <p:style>
-          <a:lnRef idx="2">
-            <a:schemeClr val="accent1">
-              <a:shade val="50000"/>
-            </a:schemeClr>
-          </a:lnRef>
-          <a:fillRef idx="1">
-            <a:schemeClr val="accent1"/>
-          </a:fillRef>
-          <a:effectRef idx="0">
-            <a:schemeClr val="accent1"/>
-          </a:effectRef>
-          <a:fontRef idx="minor">
-            <a:schemeClr val="lt1"/>
-          </a:fontRef>
-        </p:style>
-        <p:txBody>
-          <a:bodyPr rtlCol="0" anchor="ctr"/>
-          <a:lstStyle/>
-          <a:p>
-            <a:pPr algn="ctr"/>
-            <a:endParaRPr lang="en-MY"/>
-          </a:p>
-        </p:txBody>
-      </p:sp>
-      <p:sp>
-        <p:nvSpPr>
-          <p:cNvPr id="66" name="Rectangle 65">
-            <a:extLst>
-              <a:ext uri="{FF2B5EF4-FFF2-40B4-BE49-F238E27FC236}">
-                <a16:creationId xmlns:a16="http://schemas.microsoft.com/office/drawing/2014/main" id="{33C9C5DD-6FD3-43B3-8DFC-24DC20C00340}"/>
-              </a:ext>
-            </a:extLst>
-          </p:cNvPr>
-          <p:cNvSpPr/>
-          <p:nvPr/>
-        </p:nvSpPr>
-        <p:spPr>
-          <a:xfrm>
-            <a:off x="4971390" y="4845958"/>
-            <a:ext cx="2857500" cy="669393"/>
-          </a:xfrm>
-          <a:prstGeom prst="rect">
-            <a:avLst/>
-          </a:prstGeom>
-          <a:noFill/>
-          <a:ln>
-            <a:solidFill>
-              <a:srgbClr val="FFC000"/>
-            </a:solidFill>
-          </a:ln>
-        </p:spPr>
-        <p:style>
-          <a:lnRef idx="2">
-            <a:schemeClr val="accent1">
-              <a:shade val="50000"/>
-            </a:schemeClr>
-          </a:lnRef>
-          <a:fillRef idx="1">
-            <a:schemeClr val="accent1"/>
-          </a:fillRef>
-          <a:effectRef idx="0">
-            <a:schemeClr val="accent1"/>
-          </a:effectRef>
-          <a:fontRef idx="minor">
-            <a:schemeClr val="lt1"/>
-          </a:fontRef>
-        </p:style>
-        <p:txBody>
-          <a:bodyPr rtlCol="0" anchor="ctr"/>
-          <a:lstStyle/>
-          <a:p>
-            <a:pPr algn="ctr"/>
-            <a:endParaRPr lang="en-MY"/>
-          </a:p>
-        </p:txBody>
-      </p:sp>
-    </p:spTree>
-    <p:extLst>
-      <p:ext uri="{BB962C8B-B14F-4D97-AF65-F5344CB8AC3E}">
-        <p14:creationId xmlns:p14="http://schemas.microsoft.com/office/powerpoint/2010/main" val="3110217208"/>
-      </p:ext>
-    </p:extLst>
-  </p:cSld>
-  <p:clrMapOvr>
-    <a:masterClrMapping/>
-  </p:clrMapOvr>
-</p:sld>
-</file>
-
-<file path=ppt/slides/slide29.xml><?xml version="1.0" encoding="utf-8"?>
-<p:sld xmlns:a="http://schemas.openxmlformats.org/drawingml/2006/main" xmlns:r="http://schemas.openxmlformats.org/officeDocument/2006/relationships" xmlns:p="http://schemas.openxmlformats.org/presentationml/2006/main">
-  <p:cSld>
-    <p:spTree>
-      <p:nvGrpSpPr>
-        <p:cNvPr id="1" name=""/>
-        <p:cNvGrpSpPr/>
-        <p:nvPr/>
-      </p:nvGrpSpPr>
-      <p:grpSpPr>
-        <a:xfrm>
-          <a:off x="0" y="0"/>
-          <a:ext cx="0" cy="0"/>
-          <a:chOff x="0" y="0"/>
-          <a:chExt cx="0" cy="0"/>
-        </a:xfrm>
-      </p:grpSpPr>
-      <p:sp>
-        <p:nvSpPr>
-          <p:cNvPr id="2" name="Title 1">
-            <a:extLst>
-              <a:ext uri="{FF2B5EF4-FFF2-40B4-BE49-F238E27FC236}">
-                <a16:creationId xmlns:a16="http://schemas.microsoft.com/office/drawing/2014/main" id="{DEB0EFB7-1AF4-4FB4-A8B8-5B9211FBC235}"/>
-              </a:ext>
-            </a:extLst>
-          </p:cNvPr>
-          <p:cNvSpPr>
-            <a:spLocks noGrp="1"/>
-          </p:cNvSpPr>
-          <p:nvPr>
-            <p:ph type="title"/>
-          </p:nvPr>
-        </p:nvSpPr>
-        <p:spPr/>
-        <p:txBody>
-          <a:bodyPr/>
-          <a:lstStyle/>
-          <a:p>
-            <a:r>
-              <a:rPr lang="en-US" dirty="0"/>
-              <a:t>Deploy to Heroku cloud</a:t>
-            </a:r>
-            <a:endParaRPr lang="en-MY" dirty="0"/>
-          </a:p>
-        </p:txBody>
-      </p:sp>
-      <p:sp>
-        <p:nvSpPr>
-          <p:cNvPr id="3" name="Content Placeholder 2">
-            <a:extLst>
-              <a:ext uri="{FF2B5EF4-FFF2-40B4-BE49-F238E27FC236}">
-                <a16:creationId xmlns:a16="http://schemas.microsoft.com/office/drawing/2014/main" id="{7DF49AA8-3177-455A-A317-C68673E9672E}"/>
-              </a:ext>
-            </a:extLst>
-          </p:cNvPr>
-          <p:cNvSpPr>
-            <a:spLocks noGrp="1"/>
-          </p:cNvSpPr>
-          <p:nvPr>
-            <p:ph idx="1"/>
-          </p:nvPr>
-        </p:nvSpPr>
-        <p:spPr>
-          <a:xfrm>
-            <a:off x="1069848" y="2121408"/>
-            <a:ext cx="10058400" cy="1012409"/>
-          </a:xfrm>
-        </p:spPr>
-        <p:txBody>
-          <a:bodyPr/>
-          <a:lstStyle/>
-          <a:p>
-            <a:r>
-              <a:rPr lang="en-US" dirty="0"/>
-              <a:t>Push to git repo</a:t>
-            </a:r>
-          </a:p>
-          <a:p>
-            <a:r>
-              <a:rPr lang="en-US" dirty="0"/>
-              <a:t>Deploy to </a:t>
-            </a:r>
-            <a:r>
-              <a:rPr lang="en-US" dirty="0" err="1"/>
-              <a:t>heroku</a:t>
-            </a:r>
-            <a:endParaRPr lang="en-MY" dirty="0"/>
-          </a:p>
-        </p:txBody>
-      </p:sp>
-      <p:sp>
-        <p:nvSpPr>
-          <p:cNvPr id="7" name="Content Placeholder 2">
-            <a:extLst>
-              <a:ext uri="{FF2B5EF4-FFF2-40B4-BE49-F238E27FC236}">
-                <a16:creationId xmlns:a16="http://schemas.microsoft.com/office/drawing/2014/main" id="{01AD6AAC-08F7-4D63-A3DE-A9B5BAD56FFF}"/>
-              </a:ext>
-            </a:extLst>
-          </p:cNvPr>
-          <p:cNvSpPr txBox="1">
-            <a:spLocks/>
-          </p:cNvSpPr>
-          <p:nvPr/>
-        </p:nvSpPr>
-        <p:spPr>
-          <a:xfrm>
-            <a:off x="3815830" y="2235046"/>
-            <a:ext cx="8953042" cy="1609344"/>
-          </a:xfrm>
-          <a:prstGeom prst="rect">
-            <a:avLst/>
-          </a:prstGeom>
-        </p:spPr>
-        <p:txBody>
-          <a:bodyPr vert="horz" lIns="91440" tIns="45720" rIns="91440" bIns="45720" rtlCol="0">
-            <a:normAutofit lnSpcReduction="10000"/>
-          </a:bodyPr>
-          <a:lstStyle>
-            <a:lvl1pPr marL="182880" indent="-182880" algn="l" defTabSz="914400" rtl="0" eaLnBrk="1" latinLnBrk="0" hangingPunct="1">
-              <a:lnSpc>
-                <a:spcPct val="90000"/>
-              </a:lnSpc>
-              <a:spcBef>
-                <a:spcPts val="1200"/>
-              </a:spcBef>
-              <a:buClr>
-                <a:schemeClr val="accent1">
-                  <a:lumMod val="75000"/>
-                </a:schemeClr>
-              </a:buClr>
-              <a:buSzPct val="85000"/>
-              <a:buFont typeface="Wingdings" pitchFamily="2" charset="2"/>
-              <a:buChar char="§"/>
-              <a:defRPr sz="2000" kern="1200">
-                <a:solidFill>
-                  <a:schemeClr val="tx1"/>
-                </a:solidFill>
-                <a:latin typeface="+mn-lt"/>
-                <a:ea typeface="+mn-ea"/>
-                <a:cs typeface="+mn-cs"/>
-              </a:defRPr>
-            </a:lvl1pPr>
-            <a:lvl2pPr marL="457200" indent="-182880" algn="l" defTabSz="914400" rtl="0" eaLnBrk="1" latinLnBrk="0" hangingPunct="1">
-              <a:lnSpc>
-                <a:spcPct val="90000"/>
-              </a:lnSpc>
-              <a:spcBef>
-                <a:spcPts val="400"/>
-              </a:spcBef>
-              <a:spcAft>
-                <a:spcPts val="200"/>
-              </a:spcAft>
-              <a:buClr>
-                <a:schemeClr val="accent1">
-                  <a:lumMod val="75000"/>
-                </a:schemeClr>
-              </a:buClr>
-              <a:buSzPct val="85000"/>
-              <a:buFont typeface="Wingdings" pitchFamily="2" charset="2"/>
-              <a:buChar char="§"/>
-              <a:defRPr sz="1800" kern="1200">
-                <a:solidFill>
-                  <a:schemeClr val="tx1"/>
-                </a:solidFill>
-                <a:latin typeface="+mn-lt"/>
-                <a:ea typeface="+mn-ea"/>
-                <a:cs typeface="+mn-cs"/>
-              </a:defRPr>
-            </a:lvl2pPr>
-            <a:lvl3pPr marL="731520" indent="-182880" algn="l" defTabSz="914400" rtl="0" eaLnBrk="1" latinLnBrk="0" hangingPunct="1">
-              <a:lnSpc>
-                <a:spcPct val="90000"/>
-              </a:lnSpc>
-              <a:spcBef>
-                <a:spcPts val="400"/>
-              </a:spcBef>
-              <a:spcAft>
-                <a:spcPts val="200"/>
-              </a:spcAft>
-              <a:buClr>
-                <a:schemeClr val="accent1">
-                  <a:lumMod val="75000"/>
-                </a:schemeClr>
-              </a:buClr>
-              <a:buSzPct val="85000"/>
-              <a:buFont typeface="Wingdings" pitchFamily="2" charset="2"/>
-              <a:buChar char="§"/>
-              <a:defRPr sz="1600" kern="1200">
-                <a:solidFill>
-                  <a:schemeClr val="tx1"/>
-                </a:solidFill>
-                <a:latin typeface="+mn-lt"/>
-                <a:ea typeface="+mn-ea"/>
-                <a:cs typeface="+mn-cs"/>
-              </a:defRPr>
-            </a:lvl3pPr>
-            <a:lvl4pPr marL="1005840" indent="-182880" algn="l" defTabSz="914400" rtl="0" eaLnBrk="1" latinLnBrk="0" hangingPunct="1">
-              <a:lnSpc>
-                <a:spcPct val="90000"/>
-              </a:lnSpc>
-              <a:spcBef>
-                <a:spcPts val="400"/>
-              </a:spcBef>
-              <a:spcAft>
-                <a:spcPts val="200"/>
-              </a:spcAft>
-              <a:buClr>
-                <a:schemeClr val="accent1">
-                  <a:lumMod val="75000"/>
-                </a:schemeClr>
-              </a:buClr>
-              <a:buSzPct val="85000"/>
-              <a:buFont typeface="Wingdings" pitchFamily="2" charset="2"/>
-              <a:buChar char="§"/>
-              <a:defRPr sz="1600" kern="1200">
-                <a:solidFill>
-                  <a:schemeClr val="tx1"/>
-                </a:solidFill>
-                <a:latin typeface="+mn-lt"/>
-                <a:ea typeface="+mn-ea"/>
-                <a:cs typeface="+mn-cs"/>
-              </a:defRPr>
-            </a:lvl4pPr>
-            <a:lvl5pPr marL="1280160" indent="-182880" algn="l" defTabSz="914400" rtl="0" eaLnBrk="1" latinLnBrk="0" hangingPunct="1">
-              <a:lnSpc>
-                <a:spcPct val="90000"/>
-              </a:lnSpc>
-              <a:spcBef>
-                <a:spcPts val="400"/>
-              </a:spcBef>
-              <a:spcAft>
-                <a:spcPts val="200"/>
-              </a:spcAft>
-              <a:buClr>
-                <a:schemeClr val="accent1">
-                  <a:lumMod val="75000"/>
-                </a:schemeClr>
-              </a:buClr>
-              <a:buSzPct val="85000"/>
-              <a:buFont typeface="Wingdings" pitchFamily="2" charset="2"/>
-              <a:buChar char="§"/>
-              <a:defRPr sz="1600" kern="1200">
-                <a:solidFill>
-                  <a:schemeClr val="tx1"/>
-                </a:solidFill>
-                <a:latin typeface="+mn-lt"/>
-                <a:ea typeface="+mn-ea"/>
-                <a:cs typeface="+mn-cs"/>
-              </a:defRPr>
-            </a:lvl5pPr>
-            <a:lvl6pPr marL="1600000" indent="-228600" algn="l" defTabSz="914400" rtl="0" eaLnBrk="1" latinLnBrk="0" hangingPunct="1">
-              <a:lnSpc>
-                <a:spcPct val="90000"/>
-              </a:lnSpc>
-              <a:spcBef>
-                <a:spcPts val="400"/>
-              </a:spcBef>
-              <a:spcAft>
-                <a:spcPts val="200"/>
-              </a:spcAft>
-              <a:buClr>
-                <a:schemeClr val="accent1">
-                  <a:lumMod val="75000"/>
-                </a:schemeClr>
-              </a:buClr>
-              <a:buSzPct val="85000"/>
-              <a:buFont typeface="Wingdings" pitchFamily="2" charset="2"/>
-              <a:buChar char="§"/>
-              <a:defRPr sz="1600" kern="1200">
-                <a:solidFill>
-                  <a:schemeClr val="tx1"/>
-                </a:solidFill>
-                <a:latin typeface="+mn-lt"/>
-                <a:ea typeface="+mn-ea"/>
-                <a:cs typeface="+mn-cs"/>
-              </a:defRPr>
-            </a:lvl6pPr>
-            <a:lvl7pPr marL="1900000" indent="-228600" algn="l" defTabSz="914400" rtl="0" eaLnBrk="1" latinLnBrk="0" hangingPunct="1">
-              <a:lnSpc>
-                <a:spcPct val="90000"/>
-              </a:lnSpc>
-              <a:spcBef>
-                <a:spcPts val="400"/>
-              </a:spcBef>
-              <a:spcAft>
-                <a:spcPts val="200"/>
-              </a:spcAft>
-              <a:buClr>
-                <a:schemeClr val="accent1">
-                  <a:lumMod val="75000"/>
-                </a:schemeClr>
-              </a:buClr>
-              <a:buSzPct val="85000"/>
-              <a:buFont typeface="Wingdings" pitchFamily="2" charset="2"/>
-              <a:buChar char="§"/>
-              <a:defRPr sz="1600" kern="1200">
-                <a:solidFill>
-                  <a:schemeClr val="tx1"/>
-                </a:solidFill>
-                <a:latin typeface="+mn-lt"/>
-                <a:ea typeface="+mn-ea"/>
-                <a:cs typeface="+mn-cs"/>
-              </a:defRPr>
-            </a:lvl7pPr>
-            <a:lvl8pPr marL="2200000" indent="-228600" algn="l" defTabSz="914400" rtl="0" eaLnBrk="1" latinLnBrk="0" hangingPunct="1">
-              <a:lnSpc>
-                <a:spcPct val="90000"/>
-              </a:lnSpc>
-              <a:spcBef>
-                <a:spcPts val="400"/>
-              </a:spcBef>
-              <a:spcAft>
-                <a:spcPts val="200"/>
-              </a:spcAft>
-              <a:buClr>
-                <a:schemeClr val="accent1">
-                  <a:lumMod val="75000"/>
-                </a:schemeClr>
-              </a:buClr>
-              <a:buSzPct val="85000"/>
-              <a:buFont typeface="Wingdings" pitchFamily="2" charset="2"/>
-              <a:buChar char="§"/>
-              <a:defRPr sz="1600" kern="1200">
-                <a:solidFill>
-                  <a:schemeClr val="tx1"/>
-                </a:solidFill>
-                <a:latin typeface="+mn-lt"/>
-                <a:ea typeface="+mn-ea"/>
-                <a:cs typeface="+mn-cs"/>
-              </a:defRPr>
-            </a:lvl8pPr>
-            <a:lvl9pPr marL="2500000" indent="-228600" algn="l" defTabSz="914400" rtl="0" eaLnBrk="1" latinLnBrk="0" hangingPunct="1">
-              <a:lnSpc>
-                <a:spcPct val="90000"/>
-              </a:lnSpc>
-              <a:spcBef>
-                <a:spcPts val="400"/>
-              </a:spcBef>
-              <a:spcAft>
-                <a:spcPts val="200"/>
-              </a:spcAft>
-              <a:buClr>
-                <a:schemeClr val="accent1">
-                  <a:lumMod val="75000"/>
-                </a:schemeClr>
-              </a:buClr>
-              <a:buSzPct val="85000"/>
-              <a:buFont typeface="Wingdings" pitchFamily="2" charset="2"/>
-              <a:buChar char="§"/>
-              <a:defRPr sz="1600" kern="1200">
-                <a:solidFill>
-                  <a:schemeClr val="tx1"/>
-                </a:solidFill>
-                <a:latin typeface="+mn-lt"/>
-                <a:ea typeface="+mn-ea"/>
-                <a:cs typeface="+mn-cs"/>
-              </a:defRPr>
-            </a:lvl9pPr>
-          </a:lstStyle>
-          <a:p>
-            <a:pPr marL="0" indent="0">
-              <a:buNone/>
-            </a:pPr>
-            <a:r>
-              <a:rPr lang="en-US" sz="1400" dirty="0">
-                <a:latin typeface="Cascadia Mono" pitchFamily="50" charset="0"/>
-                <a:cs typeface="Cascadia Mono" pitchFamily="50" charset="0"/>
-              </a:rPr>
-              <a:t>PS&gt; cd 2myprj</a:t>
-            </a:r>
-          </a:p>
-          <a:p>
-            <a:pPr marL="0" indent="0">
-              <a:buNone/>
-            </a:pPr>
-            <a:r>
-              <a:rPr lang="en-US" sz="1400" dirty="0">
-                <a:latin typeface="Cascadia Mono" pitchFamily="50" charset="0"/>
-                <a:cs typeface="Cascadia Mono" pitchFamily="50" charset="0"/>
-              </a:rPr>
-              <a:t>PS&gt; git status</a:t>
-            </a:r>
-          </a:p>
-          <a:p>
-            <a:pPr marL="0" indent="0">
-              <a:buNone/>
-            </a:pPr>
-            <a:r>
-              <a:rPr lang="en-US" sz="1400" dirty="0">
-                <a:latin typeface="Cascadia Mono" pitchFamily="50" charset="0"/>
-                <a:cs typeface="Cascadia Mono" pitchFamily="50" charset="0"/>
-              </a:rPr>
-              <a:t>PS&gt; git add –A</a:t>
-            </a:r>
-          </a:p>
-          <a:p>
-            <a:pPr marL="0" indent="0">
-              <a:buNone/>
-            </a:pPr>
-            <a:r>
-              <a:rPr lang="en-US" sz="1400" dirty="0">
-                <a:latin typeface="Cascadia Mono" pitchFamily="50" charset="0"/>
-                <a:cs typeface="Cascadia Mono" pitchFamily="50" charset="0"/>
-              </a:rPr>
-              <a:t>PS&gt; git commit –m “add static files deploy”</a:t>
-            </a:r>
-          </a:p>
-          <a:p>
-            <a:pPr marL="0" indent="0">
-              <a:buNone/>
-            </a:pPr>
-            <a:r>
-              <a:rPr lang="en-US" sz="1400" dirty="0">
-                <a:latin typeface="Cascadia Mono" pitchFamily="50" charset="0"/>
-                <a:cs typeface="Cascadia Mono" pitchFamily="50" charset="0"/>
-              </a:rPr>
-              <a:t>PS&gt; git push origin main</a:t>
-            </a:r>
-          </a:p>
-        </p:txBody>
-      </p:sp>
-      <p:sp>
-        <p:nvSpPr>
-          <p:cNvPr id="8" name="Content Placeholder 2">
-            <a:extLst>
-              <a:ext uri="{FF2B5EF4-FFF2-40B4-BE49-F238E27FC236}">
-                <a16:creationId xmlns:a16="http://schemas.microsoft.com/office/drawing/2014/main" id="{279FD875-5AAA-413A-84EE-19B016BEB514}"/>
-              </a:ext>
-            </a:extLst>
-          </p:cNvPr>
-          <p:cNvSpPr txBox="1">
-            <a:spLocks/>
-          </p:cNvSpPr>
-          <p:nvPr/>
-        </p:nvSpPr>
-        <p:spPr>
-          <a:xfrm>
-            <a:off x="3815830" y="4359296"/>
-            <a:ext cx="6386120" cy="940674"/>
-          </a:xfrm>
-          <a:prstGeom prst="rect">
-            <a:avLst/>
-          </a:prstGeom>
-        </p:spPr>
-        <p:txBody>
-          <a:bodyPr vert="horz" lIns="91440" tIns="45720" rIns="91440" bIns="45720" rtlCol="0">
-            <a:normAutofit/>
-          </a:bodyPr>
-          <a:lstStyle>
-            <a:lvl1pPr marL="182880" indent="-182880" algn="l" defTabSz="914400" rtl="0" eaLnBrk="1" latinLnBrk="0" hangingPunct="1">
-              <a:lnSpc>
-                <a:spcPct val="90000"/>
-              </a:lnSpc>
-              <a:spcBef>
-                <a:spcPts val="1200"/>
-              </a:spcBef>
-              <a:buClr>
-                <a:schemeClr val="accent1">
-                  <a:lumMod val="75000"/>
-                </a:schemeClr>
-              </a:buClr>
-              <a:buSzPct val="85000"/>
-              <a:buFont typeface="Wingdings" pitchFamily="2" charset="2"/>
-              <a:buChar char="§"/>
-              <a:defRPr sz="2000" kern="1200">
-                <a:solidFill>
-                  <a:schemeClr val="tx1"/>
-                </a:solidFill>
-                <a:latin typeface="+mn-lt"/>
-                <a:ea typeface="+mn-ea"/>
-                <a:cs typeface="+mn-cs"/>
-              </a:defRPr>
-            </a:lvl1pPr>
-            <a:lvl2pPr marL="457200" indent="-182880" algn="l" defTabSz="914400" rtl="0" eaLnBrk="1" latinLnBrk="0" hangingPunct="1">
-              <a:lnSpc>
-                <a:spcPct val="90000"/>
-              </a:lnSpc>
-              <a:spcBef>
-                <a:spcPts val="400"/>
-              </a:spcBef>
-              <a:spcAft>
-                <a:spcPts val="200"/>
-              </a:spcAft>
-              <a:buClr>
-                <a:schemeClr val="accent1">
-                  <a:lumMod val="75000"/>
-                </a:schemeClr>
-              </a:buClr>
-              <a:buSzPct val="85000"/>
-              <a:buFont typeface="Wingdings" pitchFamily="2" charset="2"/>
-              <a:buChar char="§"/>
-              <a:defRPr sz="1800" kern="1200">
-                <a:solidFill>
-                  <a:schemeClr val="tx1"/>
-                </a:solidFill>
-                <a:latin typeface="+mn-lt"/>
-                <a:ea typeface="+mn-ea"/>
-                <a:cs typeface="+mn-cs"/>
-              </a:defRPr>
-            </a:lvl2pPr>
-            <a:lvl3pPr marL="731520" indent="-182880" algn="l" defTabSz="914400" rtl="0" eaLnBrk="1" latinLnBrk="0" hangingPunct="1">
-              <a:lnSpc>
-                <a:spcPct val="90000"/>
-              </a:lnSpc>
-              <a:spcBef>
-                <a:spcPts val="400"/>
-              </a:spcBef>
-              <a:spcAft>
-                <a:spcPts val="200"/>
-              </a:spcAft>
-              <a:buClr>
-                <a:schemeClr val="accent1">
-                  <a:lumMod val="75000"/>
-                </a:schemeClr>
-              </a:buClr>
-              <a:buSzPct val="85000"/>
-              <a:buFont typeface="Wingdings" pitchFamily="2" charset="2"/>
-              <a:buChar char="§"/>
-              <a:defRPr sz="1600" kern="1200">
-                <a:solidFill>
-                  <a:schemeClr val="tx1"/>
-                </a:solidFill>
-                <a:latin typeface="+mn-lt"/>
-                <a:ea typeface="+mn-ea"/>
-                <a:cs typeface="+mn-cs"/>
-              </a:defRPr>
-            </a:lvl3pPr>
-            <a:lvl4pPr marL="1005840" indent="-182880" algn="l" defTabSz="914400" rtl="0" eaLnBrk="1" latinLnBrk="0" hangingPunct="1">
-              <a:lnSpc>
-                <a:spcPct val="90000"/>
-              </a:lnSpc>
-              <a:spcBef>
-                <a:spcPts val="400"/>
-              </a:spcBef>
-              <a:spcAft>
-                <a:spcPts val="200"/>
-              </a:spcAft>
-              <a:buClr>
-                <a:schemeClr val="accent1">
-                  <a:lumMod val="75000"/>
-                </a:schemeClr>
-              </a:buClr>
-              <a:buSzPct val="85000"/>
-              <a:buFont typeface="Wingdings" pitchFamily="2" charset="2"/>
-              <a:buChar char="§"/>
-              <a:defRPr sz="1600" kern="1200">
-                <a:solidFill>
-                  <a:schemeClr val="tx1"/>
-                </a:solidFill>
-                <a:latin typeface="+mn-lt"/>
-                <a:ea typeface="+mn-ea"/>
-                <a:cs typeface="+mn-cs"/>
-              </a:defRPr>
-            </a:lvl4pPr>
-            <a:lvl5pPr marL="1280160" indent="-182880" algn="l" defTabSz="914400" rtl="0" eaLnBrk="1" latinLnBrk="0" hangingPunct="1">
-              <a:lnSpc>
-                <a:spcPct val="90000"/>
-              </a:lnSpc>
-              <a:spcBef>
-                <a:spcPts val="400"/>
-              </a:spcBef>
-              <a:spcAft>
-                <a:spcPts val="200"/>
-              </a:spcAft>
-              <a:buClr>
-                <a:schemeClr val="accent1">
-                  <a:lumMod val="75000"/>
-                </a:schemeClr>
-              </a:buClr>
-              <a:buSzPct val="85000"/>
-              <a:buFont typeface="Wingdings" pitchFamily="2" charset="2"/>
-              <a:buChar char="§"/>
-              <a:defRPr sz="1600" kern="1200">
-                <a:solidFill>
-                  <a:schemeClr val="tx1"/>
-                </a:solidFill>
-                <a:latin typeface="+mn-lt"/>
-                <a:ea typeface="+mn-ea"/>
-                <a:cs typeface="+mn-cs"/>
-              </a:defRPr>
-            </a:lvl5pPr>
-            <a:lvl6pPr marL="1600000" indent="-228600" algn="l" defTabSz="914400" rtl="0" eaLnBrk="1" latinLnBrk="0" hangingPunct="1">
-              <a:lnSpc>
-                <a:spcPct val="90000"/>
-              </a:lnSpc>
-              <a:spcBef>
-                <a:spcPts val="400"/>
-              </a:spcBef>
-              <a:spcAft>
-                <a:spcPts val="200"/>
-              </a:spcAft>
-              <a:buClr>
-                <a:schemeClr val="accent1">
-                  <a:lumMod val="75000"/>
-                </a:schemeClr>
-              </a:buClr>
-              <a:buSzPct val="85000"/>
-              <a:buFont typeface="Wingdings" pitchFamily="2" charset="2"/>
-              <a:buChar char="§"/>
-              <a:defRPr sz="1600" kern="1200">
-                <a:solidFill>
-                  <a:schemeClr val="tx1"/>
-                </a:solidFill>
-                <a:latin typeface="+mn-lt"/>
-                <a:ea typeface="+mn-ea"/>
-                <a:cs typeface="+mn-cs"/>
-              </a:defRPr>
-            </a:lvl6pPr>
-            <a:lvl7pPr marL="1900000" indent="-228600" algn="l" defTabSz="914400" rtl="0" eaLnBrk="1" latinLnBrk="0" hangingPunct="1">
-              <a:lnSpc>
-                <a:spcPct val="90000"/>
-              </a:lnSpc>
-              <a:spcBef>
-                <a:spcPts val="400"/>
-              </a:spcBef>
-              <a:spcAft>
-                <a:spcPts val="200"/>
-              </a:spcAft>
-              <a:buClr>
-                <a:schemeClr val="accent1">
-                  <a:lumMod val="75000"/>
-                </a:schemeClr>
-              </a:buClr>
-              <a:buSzPct val="85000"/>
-              <a:buFont typeface="Wingdings" pitchFamily="2" charset="2"/>
-              <a:buChar char="§"/>
-              <a:defRPr sz="1600" kern="1200">
-                <a:solidFill>
-                  <a:schemeClr val="tx1"/>
-                </a:solidFill>
-                <a:latin typeface="+mn-lt"/>
-                <a:ea typeface="+mn-ea"/>
-                <a:cs typeface="+mn-cs"/>
-              </a:defRPr>
-            </a:lvl7pPr>
-            <a:lvl8pPr marL="2200000" indent="-228600" algn="l" defTabSz="914400" rtl="0" eaLnBrk="1" latinLnBrk="0" hangingPunct="1">
-              <a:lnSpc>
-                <a:spcPct val="90000"/>
-              </a:lnSpc>
-              <a:spcBef>
-                <a:spcPts val="400"/>
-              </a:spcBef>
-              <a:spcAft>
-                <a:spcPts val="200"/>
-              </a:spcAft>
-              <a:buClr>
-                <a:schemeClr val="accent1">
-                  <a:lumMod val="75000"/>
-                </a:schemeClr>
-              </a:buClr>
-              <a:buSzPct val="85000"/>
-              <a:buFont typeface="Wingdings" pitchFamily="2" charset="2"/>
-              <a:buChar char="§"/>
-              <a:defRPr sz="1600" kern="1200">
-                <a:solidFill>
-                  <a:schemeClr val="tx1"/>
-                </a:solidFill>
-                <a:latin typeface="+mn-lt"/>
-                <a:ea typeface="+mn-ea"/>
-                <a:cs typeface="+mn-cs"/>
-              </a:defRPr>
-            </a:lvl8pPr>
-            <a:lvl9pPr marL="2500000" indent="-228600" algn="l" defTabSz="914400" rtl="0" eaLnBrk="1" latinLnBrk="0" hangingPunct="1">
-              <a:lnSpc>
-                <a:spcPct val="90000"/>
-              </a:lnSpc>
-              <a:spcBef>
-                <a:spcPts val="400"/>
-              </a:spcBef>
-              <a:spcAft>
-                <a:spcPts val="200"/>
-              </a:spcAft>
-              <a:buClr>
-                <a:schemeClr val="accent1">
-                  <a:lumMod val="75000"/>
-                </a:schemeClr>
-              </a:buClr>
-              <a:buSzPct val="85000"/>
-              <a:buFont typeface="Wingdings" pitchFamily="2" charset="2"/>
-              <a:buChar char="§"/>
-              <a:defRPr sz="1600" kern="1200">
-                <a:solidFill>
-                  <a:schemeClr val="tx1"/>
-                </a:solidFill>
-                <a:latin typeface="+mn-lt"/>
-                <a:ea typeface="+mn-ea"/>
-                <a:cs typeface="+mn-cs"/>
-              </a:defRPr>
-            </a:lvl9pPr>
-          </a:lstStyle>
-          <a:p>
-            <a:pPr marL="0" indent="0">
-              <a:buNone/>
-            </a:pPr>
-            <a:r>
-              <a:rPr lang="en-MY" sz="1400" dirty="0">
-                <a:latin typeface="Cascadia Mono" pitchFamily="50" charset="0"/>
-                <a:cs typeface="Cascadia Mono" pitchFamily="50" charset="0"/>
-              </a:rPr>
-              <a:t>PS&gt; git subtree push --prefix </a:t>
-            </a:r>
-            <a:r>
-              <a:rPr lang="en-MY" sz="1400" dirty="0" err="1">
-                <a:latin typeface="Cascadia Mono" pitchFamily="50" charset="0"/>
-                <a:cs typeface="Cascadia Mono" pitchFamily="50" charset="0"/>
-              </a:rPr>
-              <a:t>QuestionPrj</a:t>
-            </a:r>
-            <a:r>
-              <a:rPr lang="en-MY" sz="1400" dirty="0">
-                <a:latin typeface="Cascadia Mono" pitchFamily="50" charset="0"/>
-                <a:cs typeface="Cascadia Mono" pitchFamily="50" charset="0"/>
-              </a:rPr>
-              <a:t> </a:t>
-            </a:r>
-            <a:r>
-              <a:rPr lang="en-MY" sz="1400" dirty="0" err="1">
-                <a:latin typeface="Cascadia Mono" pitchFamily="50" charset="0"/>
-                <a:cs typeface="Cascadia Mono" pitchFamily="50" charset="0"/>
-              </a:rPr>
-              <a:t>heroku</a:t>
-            </a:r>
-            <a:r>
-              <a:rPr lang="en-MY" sz="1400" dirty="0">
-                <a:latin typeface="Cascadia Mono" pitchFamily="50" charset="0"/>
-                <a:cs typeface="Cascadia Mono" pitchFamily="50" charset="0"/>
-              </a:rPr>
-              <a:t> main</a:t>
-            </a:r>
-          </a:p>
-          <a:p>
-            <a:pPr marL="0" indent="0">
-              <a:buNone/>
-            </a:pPr>
-            <a:r>
-              <a:rPr lang="en-US" sz="1400" dirty="0">
-                <a:latin typeface="Cascadia Mono" pitchFamily="50" charset="0"/>
-                <a:cs typeface="Cascadia Mono" pitchFamily="50" charset="0"/>
-              </a:rPr>
-              <a:t>PS&gt; </a:t>
-            </a:r>
-            <a:r>
-              <a:rPr lang="en-US" sz="1400" dirty="0" err="1">
-                <a:latin typeface="Cascadia Mono" pitchFamily="50" charset="0"/>
-                <a:cs typeface="Cascadia Mono" pitchFamily="50" charset="0"/>
-              </a:rPr>
-              <a:t>heroku</a:t>
-            </a:r>
-            <a:r>
-              <a:rPr lang="en-US" sz="1400" dirty="0">
-                <a:latin typeface="Cascadia Mono" pitchFamily="50" charset="0"/>
-                <a:cs typeface="Cascadia Mono" pitchFamily="50" charset="0"/>
-              </a:rPr>
-              <a:t> </a:t>
-            </a:r>
-            <a:r>
-              <a:rPr lang="en-US" sz="1400" dirty="0" err="1">
-                <a:latin typeface="Cascadia Mono" pitchFamily="50" charset="0"/>
-                <a:cs typeface="Cascadia Mono" pitchFamily="50" charset="0"/>
-              </a:rPr>
-              <a:t>ps:scale</a:t>
-            </a:r>
-            <a:r>
-              <a:rPr lang="en-US" sz="1400" dirty="0">
-                <a:latin typeface="Cascadia Mono" pitchFamily="50" charset="0"/>
-                <a:cs typeface="Cascadia Mono" pitchFamily="50" charset="0"/>
-              </a:rPr>
-              <a:t> web=1</a:t>
-            </a:r>
-          </a:p>
-        </p:txBody>
-      </p:sp>
-    </p:spTree>
-    <p:extLst>
-      <p:ext uri="{BB962C8B-B14F-4D97-AF65-F5344CB8AC3E}">
-        <p14:creationId xmlns:p14="http://schemas.microsoft.com/office/powerpoint/2010/main" val="2804067587"/>
-      </p:ext>
-    </p:extLst>
-  </p:cSld>
-  <p:clrMapOvr>
-    <a:masterClrMapping/>
-  </p:clrMapOvr>
-</p:sld>
-</file>
-
-<file path=ppt/slides/slide3.xml><?xml version="1.0" encoding="utf-8"?>
-<p:sld xmlns:a="http://schemas.openxmlformats.org/drawingml/2006/main" xmlns:r="http://schemas.openxmlformats.org/officeDocument/2006/relationships" xmlns:p="http://schemas.openxmlformats.org/presentationml/2006/main">
-  <p:cSld>
-    <p:spTree>
-      <p:nvGrpSpPr>
-        <p:cNvPr id="1" name=""/>
-        <p:cNvGrpSpPr/>
-        <p:nvPr/>
-      </p:nvGrpSpPr>
-      <p:grpSpPr>
-        <a:xfrm>
-          <a:off x="0" y="0"/>
-          <a:ext cx="0" cy="0"/>
-          <a:chOff x="0" y="0"/>
-          <a:chExt cx="0" cy="0"/>
-        </a:xfrm>
-      </p:grpSpPr>
-      <p:sp>
-        <p:nvSpPr>
-          <p:cNvPr id="2" name="Title 1">
-            <a:extLst>
-              <a:ext uri="{FF2B5EF4-FFF2-40B4-BE49-F238E27FC236}">
-                <a16:creationId xmlns:a16="http://schemas.microsoft.com/office/drawing/2014/main" id="{5A817F65-0249-4813-916F-D22CF5F41D8C}"/>
-              </a:ext>
-            </a:extLst>
-          </p:cNvPr>
-          <p:cNvSpPr>
-            <a:spLocks noGrp="1"/>
-          </p:cNvSpPr>
-          <p:nvPr>
-            <p:ph type="title"/>
-          </p:nvPr>
-        </p:nvSpPr>
-        <p:spPr/>
-        <p:txBody>
-          <a:bodyPr/>
-          <a:lstStyle/>
-          <a:p>
-            <a:r>
-              <a:rPr lang="en-US" dirty="0"/>
-              <a:t>Config the URL for viewing result</a:t>
-            </a:r>
-            <a:endParaRPr lang="en-MY" dirty="0"/>
-          </a:p>
-        </p:txBody>
-      </p:sp>
-      <p:sp>
-        <p:nvSpPr>
-          <p:cNvPr id="3" name="Content Placeholder 2">
-            <a:extLst>
-              <a:ext uri="{FF2B5EF4-FFF2-40B4-BE49-F238E27FC236}">
-                <a16:creationId xmlns:a16="http://schemas.microsoft.com/office/drawing/2014/main" id="{588B000C-CCD7-42E0-A4A2-DB893ED55A0D}"/>
-              </a:ext>
-            </a:extLst>
-          </p:cNvPr>
-          <p:cNvSpPr>
-            <a:spLocks noGrp="1"/>
-          </p:cNvSpPr>
-          <p:nvPr>
-            <p:ph idx="1"/>
-          </p:nvPr>
-        </p:nvSpPr>
-        <p:spPr>
-          <a:xfrm>
-            <a:off x="1069848" y="2121408"/>
-            <a:ext cx="10058400" cy="3267338"/>
-          </a:xfrm>
-        </p:spPr>
-        <p:txBody>
-          <a:bodyPr>
-            <a:normAutofit/>
-          </a:bodyPr>
-          <a:lstStyle/>
-          <a:p>
-            <a:r>
-              <a:rPr lang="en-US" dirty="0"/>
-              <a:t>Add new URL for ‘/result/&lt;</a:t>
-            </a:r>
-            <a:r>
-              <a:rPr lang="en-US" dirty="0" err="1"/>
-              <a:t>int:pk</a:t>
-            </a:r>
-            <a:r>
-              <a:rPr lang="en-US" dirty="0"/>
-              <a:t>&gt;/’ </a:t>
-            </a:r>
-          </a:p>
-        </p:txBody>
-      </p:sp>
-      <p:pic>
-        <p:nvPicPr>
-          <p:cNvPr id="5" name="Picture 4">
-            <a:extLst>
-              <a:ext uri="{FF2B5EF4-FFF2-40B4-BE49-F238E27FC236}">
-                <a16:creationId xmlns:a16="http://schemas.microsoft.com/office/drawing/2014/main" id="{58587CF6-24D6-466D-B053-3CC92A75CE73}"/>
-              </a:ext>
-            </a:extLst>
-          </p:cNvPr>
-          <p:cNvPicPr>
-            <a:picLocks noChangeAspect="1"/>
-          </p:cNvPicPr>
-          <p:nvPr/>
-        </p:nvPicPr>
-        <p:blipFill>
-          <a:blip r:embed="rId2"/>
-          <a:stretch>
-            <a:fillRect/>
-          </a:stretch>
-        </p:blipFill>
-        <p:spPr>
-          <a:xfrm>
-            <a:off x="2202351" y="3200368"/>
-            <a:ext cx="6697010" cy="457264"/>
-          </a:xfrm>
-          <a:prstGeom prst="rect">
-            <a:avLst/>
-          </a:prstGeom>
-        </p:spPr>
-      </p:pic>
-    </p:spTree>
-    <p:extLst>
-      <p:ext uri="{BB962C8B-B14F-4D97-AF65-F5344CB8AC3E}">
-        <p14:creationId xmlns:p14="http://schemas.microsoft.com/office/powerpoint/2010/main" val="3320987705"/>
-      </p:ext>
-    </p:extLst>
-  </p:cSld>
-  <p:clrMapOvr>
-    <a:masterClrMapping/>
-  </p:clrMapOvr>
-</p:sld>
-</file>
-
-<file path=ppt/slides/slide4.xml><?xml version="1.0" encoding="utf-8"?>
-<p:sld xmlns:a="http://schemas.openxmlformats.org/drawingml/2006/main" xmlns:r="http://schemas.openxmlformats.org/officeDocument/2006/relationships" xmlns:p="http://schemas.openxmlformats.org/presentationml/2006/main">
-  <p:cSld>
-    <p:spTree>
-      <p:nvGrpSpPr>
-        <p:cNvPr id="1" name=""/>
-        <p:cNvGrpSpPr/>
-        <p:nvPr/>
-      </p:nvGrpSpPr>
-      <p:grpSpPr>
-        <a:xfrm>
-          <a:off x="0" y="0"/>
-          <a:ext cx="0" cy="0"/>
-          <a:chOff x="0" y="0"/>
-          <a:chExt cx="0" cy="0"/>
-        </a:xfrm>
-      </p:grpSpPr>
-      <p:sp>
-        <p:nvSpPr>
-          <p:cNvPr id="2" name="Title 1">
-            <a:extLst>
-              <a:ext uri="{FF2B5EF4-FFF2-40B4-BE49-F238E27FC236}">
-                <a16:creationId xmlns:a16="http://schemas.microsoft.com/office/drawing/2014/main" id="{5A817F65-0249-4813-916F-D22CF5F41D8C}"/>
-              </a:ext>
-            </a:extLst>
-          </p:cNvPr>
-          <p:cNvSpPr>
-            <a:spLocks noGrp="1"/>
-          </p:cNvSpPr>
-          <p:nvPr>
-            <p:ph type="title"/>
-          </p:nvPr>
-        </p:nvSpPr>
-        <p:spPr/>
-        <p:txBody>
-          <a:bodyPr/>
-          <a:lstStyle/>
-          <a:p>
-            <a:r>
-              <a:rPr lang="en-US" dirty="0"/>
-              <a:t>Add view for checking result</a:t>
-            </a:r>
-            <a:endParaRPr lang="en-MY" dirty="0"/>
-          </a:p>
-        </p:txBody>
-      </p:sp>
-      <p:sp>
-        <p:nvSpPr>
-          <p:cNvPr id="3" name="Content Placeholder 2">
-            <a:extLst>
-              <a:ext uri="{FF2B5EF4-FFF2-40B4-BE49-F238E27FC236}">
-                <a16:creationId xmlns:a16="http://schemas.microsoft.com/office/drawing/2014/main" id="{588B000C-CCD7-42E0-A4A2-DB893ED55A0D}"/>
-              </a:ext>
-            </a:extLst>
-          </p:cNvPr>
-          <p:cNvSpPr>
-            <a:spLocks noGrp="1"/>
-          </p:cNvSpPr>
-          <p:nvPr>
-            <p:ph idx="1"/>
-          </p:nvPr>
-        </p:nvSpPr>
-        <p:spPr>
-          <a:xfrm>
-            <a:off x="1069848" y="2121408"/>
-            <a:ext cx="10058400" cy="1609344"/>
-          </a:xfrm>
-        </p:spPr>
-        <p:txBody>
-          <a:bodyPr>
-            <a:normAutofit/>
-          </a:bodyPr>
-          <a:lstStyle/>
-          <a:p>
-            <a:r>
-              <a:rPr lang="en-US" dirty="0"/>
-              <a:t>The new view also from the </a:t>
-            </a:r>
-            <a:r>
-              <a:rPr lang="en-US" dirty="0" err="1"/>
-              <a:t>DetailView</a:t>
-            </a:r>
-            <a:r>
-              <a:rPr lang="en-US" dirty="0"/>
-              <a:t>.</a:t>
-            </a:r>
-          </a:p>
-          <a:p>
-            <a:r>
-              <a:rPr lang="en-US" dirty="0"/>
-              <a:t>The main content is based on Question, although it added vote results. So it is using model Question’s detail (one item of Question).</a:t>
-            </a:r>
-          </a:p>
-        </p:txBody>
-      </p:sp>
-      <p:pic>
-        <p:nvPicPr>
-          <p:cNvPr id="5" name="Picture 4">
-            <a:extLst>
-              <a:ext uri="{FF2B5EF4-FFF2-40B4-BE49-F238E27FC236}">
-                <a16:creationId xmlns:a16="http://schemas.microsoft.com/office/drawing/2014/main" id="{B822A106-36D1-45C4-9CF4-F282EE122DFC}"/>
-              </a:ext>
-            </a:extLst>
-          </p:cNvPr>
-          <p:cNvPicPr>
-            <a:picLocks noChangeAspect="1"/>
-          </p:cNvPicPr>
-          <p:nvPr/>
-        </p:nvPicPr>
-        <p:blipFill>
-          <a:blip r:embed="rId2"/>
-          <a:stretch>
-            <a:fillRect/>
-          </a:stretch>
-        </p:blipFill>
-        <p:spPr>
-          <a:xfrm>
-            <a:off x="1634910" y="3718525"/>
-            <a:ext cx="5258534" cy="1771897"/>
-          </a:xfrm>
-          <a:prstGeom prst="rect">
-            <a:avLst/>
-          </a:prstGeom>
-        </p:spPr>
-      </p:pic>
-    </p:spTree>
-    <p:extLst>
-      <p:ext uri="{BB962C8B-B14F-4D97-AF65-F5344CB8AC3E}">
-        <p14:creationId xmlns:p14="http://schemas.microsoft.com/office/powerpoint/2010/main" val="246451916"/>
-      </p:ext>
-    </p:extLst>
-  </p:cSld>
-  <p:clrMapOvr>
-    <a:masterClrMapping/>
-  </p:clrMapOvr>
-</p:sld>
-</file>
-
-<file path=ppt/slides/slide5.xml><?xml version="1.0" encoding="utf-8"?>
-<p:sld xmlns:a="http://schemas.openxmlformats.org/drawingml/2006/main" xmlns:r="http://schemas.openxmlformats.org/officeDocument/2006/relationships" xmlns:p="http://schemas.openxmlformats.org/presentationml/2006/main">
-  <p:cSld>
-    <p:spTree>
-      <p:nvGrpSpPr>
-        <p:cNvPr id="1" name=""/>
-        <p:cNvGrpSpPr/>
-        <p:nvPr/>
-      </p:nvGrpSpPr>
-      <p:grpSpPr>
-        <a:xfrm>
-          <a:off x="0" y="0"/>
-          <a:ext cx="0" cy="0"/>
-          <a:chOff x="0" y="0"/>
-          <a:chExt cx="0" cy="0"/>
-        </a:xfrm>
-      </p:grpSpPr>
-      <p:sp>
-        <p:nvSpPr>
-          <p:cNvPr id="2" name="Title 1">
-            <a:extLst>
-              <a:ext uri="{FF2B5EF4-FFF2-40B4-BE49-F238E27FC236}">
-                <a16:creationId xmlns:a16="http://schemas.microsoft.com/office/drawing/2014/main" id="{477E8C87-54FB-4292-8444-21E2C7627A56}"/>
-              </a:ext>
-            </a:extLst>
-          </p:cNvPr>
-          <p:cNvSpPr>
-            <a:spLocks noGrp="1"/>
-          </p:cNvSpPr>
-          <p:nvPr>
-            <p:ph type="title"/>
-          </p:nvPr>
-        </p:nvSpPr>
-        <p:spPr>
-          <a:xfrm>
-            <a:off x="441198" y="310896"/>
-            <a:ext cx="5731002" cy="1609344"/>
-          </a:xfrm>
-        </p:spPr>
-        <p:txBody>
-          <a:bodyPr/>
-          <a:lstStyle/>
-          <a:p>
-            <a:r>
-              <a:rPr lang="en-US" dirty="0"/>
-              <a:t>Add template</a:t>
-            </a:r>
-            <a:endParaRPr lang="en-MY" dirty="0"/>
-          </a:p>
-        </p:txBody>
-      </p:sp>
-      <p:sp>
-        <p:nvSpPr>
-          <p:cNvPr id="3" name="Content Placeholder 2">
-            <a:extLst>
-              <a:ext uri="{FF2B5EF4-FFF2-40B4-BE49-F238E27FC236}">
-                <a16:creationId xmlns:a16="http://schemas.microsoft.com/office/drawing/2014/main" id="{7C298690-2FA3-4AA2-BEA2-9514435CD3F0}"/>
-              </a:ext>
-            </a:extLst>
-          </p:cNvPr>
-          <p:cNvSpPr>
-            <a:spLocks noGrp="1"/>
-          </p:cNvSpPr>
-          <p:nvPr>
-            <p:ph idx="1"/>
-          </p:nvPr>
-        </p:nvSpPr>
-        <p:spPr>
-          <a:xfrm>
-            <a:off x="441198" y="1920240"/>
-            <a:ext cx="3741679" cy="4050792"/>
-          </a:xfrm>
-        </p:spPr>
-        <p:txBody>
-          <a:bodyPr/>
-          <a:lstStyle/>
-          <a:p>
-            <a:r>
-              <a:rPr lang="en-US" dirty="0" err="1"/>
-              <a:t>Exntends</a:t>
-            </a:r>
-            <a:r>
-              <a:rPr lang="en-US" dirty="0"/>
-              <a:t> from base.html</a:t>
-            </a:r>
-          </a:p>
-          <a:p>
-            <a:r>
-              <a:rPr lang="en-US" dirty="0"/>
-              <a:t>All content similar to detail template. Only added how many users opt for the choice, and we show the text in red larger size.</a:t>
-            </a:r>
-          </a:p>
-        </p:txBody>
-      </p:sp>
-      <p:pic>
-        <p:nvPicPr>
-          <p:cNvPr id="7" name="Picture 6">
-            <a:extLst>
-              <a:ext uri="{FF2B5EF4-FFF2-40B4-BE49-F238E27FC236}">
-                <a16:creationId xmlns:a16="http://schemas.microsoft.com/office/drawing/2014/main" id="{43099531-8835-45C9-BD09-2E370F763302}"/>
-              </a:ext>
-            </a:extLst>
-          </p:cNvPr>
-          <p:cNvPicPr>
-            <a:picLocks noChangeAspect="1"/>
-          </p:cNvPicPr>
-          <p:nvPr/>
-        </p:nvPicPr>
-        <p:blipFill>
-          <a:blip r:embed="rId2"/>
-          <a:stretch>
-            <a:fillRect/>
-          </a:stretch>
-        </p:blipFill>
-        <p:spPr>
-          <a:xfrm>
-            <a:off x="4182877" y="486096"/>
-            <a:ext cx="7735380" cy="5887272"/>
-          </a:xfrm>
-          <a:prstGeom prst="rect">
-            <a:avLst/>
-          </a:prstGeom>
-        </p:spPr>
-      </p:pic>
-      <p:sp>
-        <p:nvSpPr>
-          <p:cNvPr id="4" name="Rectangle 3">
-            <a:extLst>
-              <a:ext uri="{FF2B5EF4-FFF2-40B4-BE49-F238E27FC236}">
-                <a16:creationId xmlns:a16="http://schemas.microsoft.com/office/drawing/2014/main" id="{0466A948-699D-4A2D-A8BD-F540625ED2D8}"/>
-              </a:ext>
-            </a:extLst>
-          </p:cNvPr>
-          <p:cNvSpPr/>
-          <p:nvPr/>
-        </p:nvSpPr>
-        <p:spPr>
-          <a:xfrm>
-            <a:off x="5086349" y="3962399"/>
-            <a:ext cx="6029326" cy="400051"/>
-          </a:xfrm>
-          <a:prstGeom prst="rect">
-            <a:avLst/>
-          </a:prstGeom>
-          <a:noFill/>
-        </p:spPr>
-        <p:style>
-          <a:lnRef idx="2">
-            <a:schemeClr val="accent1">
-              <a:shade val="50000"/>
-            </a:schemeClr>
-          </a:lnRef>
-          <a:fillRef idx="1">
-            <a:schemeClr val="accent1"/>
-          </a:fillRef>
-          <a:effectRef idx="0">
-            <a:schemeClr val="accent1"/>
-          </a:effectRef>
-          <a:fontRef idx="minor">
-            <a:schemeClr val="lt1"/>
-          </a:fontRef>
-        </p:style>
-        <p:txBody>
-          <a:bodyPr rtlCol="0" anchor="ctr"/>
-          <a:lstStyle/>
-          <a:p>
-            <a:pPr algn="ctr"/>
-            <a:endParaRPr lang="en-MY"/>
-          </a:p>
-        </p:txBody>
-      </p:sp>
-    </p:spTree>
-    <p:extLst>
-      <p:ext uri="{BB962C8B-B14F-4D97-AF65-F5344CB8AC3E}">
-        <p14:creationId xmlns:p14="http://schemas.microsoft.com/office/powerpoint/2010/main" val="285818922"/>
-      </p:ext>
-    </p:extLst>
-  </p:cSld>
-  <p:clrMapOvr>
-    <a:masterClrMapping/>
-  </p:clrMapOvr>
-</p:sld>
-</file>
-
-<file path=ppt/slides/slide6.xml><?xml version="1.0" encoding="utf-8"?>
-<p:sld xmlns:a="http://schemas.openxmlformats.org/drawingml/2006/main" xmlns:r="http://schemas.openxmlformats.org/officeDocument/2006/relationships" xmlns:p="http://schemas.openxmlformats.org/presentationml/2006/main">
-  <p:cSld>
-    <p:spTree>
-      <p:nvGrpSpPr>
-        <p:cNvPr id="1" name=""/>
-        <p:cNvGrpSpPr/>
-        <p:nvPr/>
-      </p:nvGrpSpPr>
-      <p:grpSpPr>
-        <a:xfrm>
-          <a:off x="0" y="0"/>
-          <a:ext cx="0" cy="0"/>
-          <a:chOff x="0" y="0"/>
-          <a:chExt cx="0" cy="0"/>
-        </a:xfrm>
-      </p:grpSpPr>
-      <p:sp>
-        <p:nvSpPr>
-          <p:cNvPr id="2" name="Title 1">
-            <a:extLst>
-              <a:ext uri="{FF2B5EF4-FFF2-40B4-BE49-F238E27FC236}">
-                <a16:creationId xmlns:a16="http://schemas.microsoft.com/office/drawing/2014/main" id="{5A817F65-0249-4813-916F-D22CF5F41D8C}"/>
-              </a:ext>
-            </a:extLst>
-          </p:cNvPr>
-          <p:cNvSpPr>
-            <a:spLocks noGrp="1"/>
-          </p:cNvSpPr>
-          <p:nvPr>
-            <p:ph type="title"/>
-          </p:nvPr>
-        </p:nvSpPr>
-        <p:spPr/>
-        <p:txBody>
-          <a:bodyPr/>
-          <a:lstStyle/>
-          <a:p>
-            <a:r>
-              <a:rPr lang="en-US" dirty="0"/>
-              <a:t>Change detail template a button to view result</a:t>
-            </a:r>
-            <a:endParaRPr lang="en-MY" dirty="0"/>
-          </a:p>
-        </p:txBody>
-      </p:sp>
-      <p:sp>
-        <p:nvSpPr>
-          <p:cNvPr id="3" name="Content Placeholder 2">
-            <a:extLst>
-              <a:ext uri="{FF2B5EF4-FFF2-40B4-BE49-F238E27FC236}">
-                <a16:creationId xmlns:a16="http://schemas.microsoft.com/office/drawing/2014/main" id="{588B000C-CCD7-42E0-A4A2-DB893ED55A0D}"/>
-              </a:ext>
-            </a:extLst>
-          </p:cNvPr>
-          <p:cNvSpPr>
-            <a:spLocks noGrp="1"/>
-          </p:cNvSpPr>
-          <p:nvPr>
-            <p:ph idx="1"/>
-          </p:nvPr>
-        </p:nvSpPr>
-        <p:spPr>
-          <a:xfrm>
-            <a:off x="1069848" y="2121409"/>
-            <a:ext cx="9160002" cy="755142"/>
-          </a:xfrm>
-        </p:spPr>
-        <p:txBody>
-          <a:bodyPr>
-            <a:normAutofit/>
-          </a:bodyPr>
-          <a:lstStyle/>
-          <a:p>
-            <a:r>
-              <a:rPr lang="en-US" dirty="0"/>
-              <a:t>At each question detail page, add one link to check the result.</a:t>
-            </a:r>
-          </a:p>
-        </p:txBody>
-      </p:sp>
-      <p:pic>
-        <p:nvPicPr>
-          <p:cNvPr id="6" name="Picture 5">
-            <a:extLst>
-              <a:ext uri="{FF2B5EF4-FFF2-40B4-BE49-F238E27FC236}">
-                <a16:creationId xmlns:a16="http://schemas.microsoft.com/office/drawing/2014/main" id="{764EF642-9CCD-471D-AA73-BBE8537AB2F4}"/>
-              </a:ext>
-            </a:extLst>
-          </p:cNvPr>
-          <p:cNvPicPr>
-            <a:picLocks noChangeAspect="1"/>
-          </p:cNvPicPr>
-          <p:nvPr/>
-        </p:nvPicPr>
-        <p:blipFill>
-          <a:blip r:embed="rId2"/>
-          <a:stretch>
-            <a:fillRect/>
-          </a:stretch>
-        </p:blipFill>
-        <p:spPr>
-          <a:xfrm>
-            <a:off x="2871337" y="2876551"/>
-            <a:ext cx="6449325" cy="2886478"/>
-          </a:xfrm>
-          <a:prstGeom prst="rect">
-            <a:avLst/>
-          </a:prstGeom>
-        </p:spPr>
-      </p:pic>
-      <p:sp>
-        <p:nvSpPr>
-          <p:cNvPr id="8" name="Rectangle 7">
-            <a:extLst>
-              <a:ext uri="{FF2B5EF4-FFF2-40B4-BE49-F238E27FC236}">
-                <a16:creationId xmlns:a16="http://schemas.microsoft.com/office/drawing/2014/main" id="{90BC11E7-5D9C-4920-BC68-209D4B4C9B4C}"/>
-              </a:ext>
-            </a:extLst>
-          </p:cNvPr>
-          <p:cNvSpPr/>
-          <p:nvPr/>
-        </p:nvSpPr>
-        <p:spPr>
-          <a:xfrm>
-            <a:off x="3171824" y="4876799"/>
-            <a:ext cx="6067426" cy="400051"/>
-          </a:xfrm>
-          <a:prstGeom prst="rect">
-            <a:avLst/>
-          </a:prstGeom>
-          <a:noFill/>
-        </p:spPr>
-        <p:style>
-          <a:lnRef idx="2">
-            <a:schemeClr val="accent1">
-              <a:shade val="50000"/>
-            </a:schemeClr>
-          </a:lnRef>
-          <a:fillRef idx="1">
-            <a:schemeClr val="accent1"/>
-          </a:fillRef>
-          <a:effectRef idx="0">
-            <a:schemeClr val="accent1"/>
-          </a:effectRef>
-          <a:fontRef idx="minor">
-            <a:schemeClr val="lt1"/>
-          </a:fontRef>
-        </p:style>
-        <p:txBody>
-          <a:bodyPr rtlCol="0" anchor="ctr"/>
-          <a:lstStyle/>
-          <a:p>
-            <a:pPr algn="ctr"/>
-            <a:endParaRPr lang="en-MY"/>
-          </a:p>
-        </p:txBody>
-      </p:sp>
-    </p:spTree>
-    <p:extLst>
-      <p:ext uri="{BB962C8B-B14F-4D97-AF65-F5344CB8AC3E}">
-        <p14:creationId xmlns:p14="http://schemas.microsoft.com/office/powerpoint/2010/main" val="2587062739"/>
-      </p:ext>
-    </p:extLst>
-  </p:cSld>
-  <p:clrMapOvr>
-    <a:masterClrMapping/>
-  </p:clrMapOvr>
-</p:sld>
-</file>
-
-<file path=ppt/slides/slide7.xml><?xml version="1.0" encoding="utf-8"?>
-<p:sld xmlns:a="http://schemas.openxmlformats.org/drawingml/2006/main" xmlns:r="http://schemas.openxmlformats.org/officeDocument/2006/relationships" xmlns:p="http://schemas.openxmlformats.org/presentationml/2006/main">
-  <p:cSld>
-    <p:spTree>
-      <p:nvGrpSpPr>
-        <p:cNvPr id="1" name=""/>
-        <p:cNvGrpSpPr/>
-        <p:nvPr/>
-      </p:nvGrpSpPr>
-      <p:grpSpPr>
-        <a:xfrm>
-          <a:off x="0" y="0"/>
-          <a:ext cx="0" cy="0"/>
-          <a:chOff x="0" y="0"/>
-          <a:chExt cx="0" cy="0"/>
-        </a:xfrm>
-      </p:grpSpPr>
-      <p:sp>
-        <p:nvSpPr>
-          <p:cNvPr id="2" name="Title 1">
-            <a:extLst>
-              <a:ext uri="{FF2B5EF4-FFF2-40B4-BE49-F238E27FC236}">
-                <a16:creationId xmlns:a16="http://schemas.microsoft.com/office/drawing/2014/main" id="{5A817F65-0249-4813-916F-D22CF5F41D8C}"/>
-              </a:ext>
-            </a:extLst>
-          </p:cNvPr>
-          <p:cNvSpPr>
-            <a:spLocks noGrp="1"/>
-          </p:cNvSpPr>
-          <p:nvPr>
-            <p:ph type="title"/>
-          </p:nvPr>
-        </p:nvSpPr>
-        <p:spPr>
-          <a:xfrm>
-            <a:off x="1069848" y="94107"/>
-            <a:ext cx="10058400" cy="1609344"/>
-          </a:xfrm>
-        </p:spPr>
-        <p:txBody>
-          <a:bodyPr/>
-          <a:lstStyle/>
-          <a:p>
-            <a:r>
-              <a:rPr lang="en-US" dirty="0"/>
-              <a:t>From the browser</a:t>
-            </a:r>
-            <a:endParaRPr lang="en-MY" dirty="0"/>
-          </a:p>
-        </p:txBody>
-      </p:sp>
-      <p:pic>
-        <p:nvPicPr>
-          <p:cNvPr id="12" name="Picture 11">
-            <a:extLst>
-              <a:ext uri="{FF2B5EF4-FFF2-40B4-BE49-F238E27FC236}">
-                <a16:creationId xmlns:a16="http://schemas.microsoft.com/office/drawing/2014/main" id="{5803A05E-309F-42F9-B192-3F18FE9B5140}"/>
-              </a:ext>
-            </a:extLst>
-          </p:cNvPr>
-          <p:cNvPicPr>
-            <a:picLocks noChangeAspect="1"/>
-          </p:cNvPicPr>
-          <p:nvPr/>
-        </p:nvPicPr>
-        <p:blipFill>
-          <a:blip r:embed="rId2"/>
-          <a:stretch>
-            <a:fillRect/>
-          </a:stretch>
-        </p:blipFill>
-        <p:spPr>
-          <a:xfrm>
-            <a:off x="323290" y="1261832"/>
-            <a:ext cx="8021169" cy="3305636"/>
-          </a:xfrm>
-          <a:prstGeom prst="rect">
-            <a:avLst/>
-          </a:prstGeom>
-        </p:spPr>
-      </p:pic>
-      <p:sp>
-        <p:nvSpPr>
-          <p:cNvPr id="13" name="Rectangle 12">
-            <a:extLst>
-              <a:ext uri="{FF2B5EF4-FFF2-40B4-BE49-F238E27FC236}">
-                <a16:creationId xmlns:a16="http://schemas.microsoft.com/office/drawing/2014/main" id="{F7B99B1B-43C0-4F09-ADD4-9100C9E6EB84}"/>
-              </a:ext>
-            </a:extLst>
-          </p:cNvPr>
-          <p:cNvSpPr/>
-          <p:nvPr/>
-        </p:nvSpPr>
-        <p:spPr>
-          <a:xfrm>
-            <a:off x="1088898" y="4076699"/>
-            <a:ext cx="1695451" cy="400051"/>
-          </a:xfrm>
-          <a:prstGeom prst="rect">
-            <a:avLst/>
-          </a:prstGeom>
-          <a:noFill/>
-        </p:spPr>
-        <p:style>
-          <a:lnRef idx="2">
-            <a:schemeClr val="accent1">
-              <a:shade val="50000"/>
-            </a:schemeClr>
-          </a:lnRef>
-          <a:fillRef idx="1">
-            <a:schemeClr val="accent1"/>
-          </a:fillRef>
-          <a:effectRef idx="0">
-            <a:schemeClr val="accent1"/>
-          </a:effectRef>
-          <a:fontRef idx="minor">
-            <a:schemeClr val="lt1"/>
-          </a:fontRef>
-        </p:style>
-        <p:txBody>
-          <a:bodyPr rtlCol="0" anchor="ctr"/>
-          <a:lstStyle/>
-          <a:p>
-            <a:pPr algn="ctr"/>
-            <a:endParaRPr lang="en-MY"/>
-          </a:p>
-        </p:txBody>
-      </p:sp>
-      <p:pic>
-        <p:nvPicPr>
-          <p:cNvPr id="15" name="Picture 14">
-            <a:extLst>
-              <a:ext uri="{FF2B5EF4-FFF2-40B4-BE49-F238E27FC236}">
-                <a16:creationId xmlns:a16="http://schemas.microsoft.com/office/drawing/2014/main" id="{9DEA72EA-E780-494E-8007-33BF45752592}"/>
-              </a:ext>
-            </a:extLst>
-          </p:cNvPr>
-          <p:cNvPicPr>
-            <a:picLocks noChangeAspect="1"/>
-          </p:cNvPicPr>
-          <p:nvPr/>
-        </p:nvPicPr>
-        <p:blipFill>
-          <a:blip r:embed="rId3"/>
-          <a:stretch>
-            <a:fillRect/>
-          </a:stretch>
-        </p:blipFill>
-        <p:spPr>
-          <a:xfrm>
-            <a:off x="4095225" y="3071560"/>
-            <a:ext cx="7773485" cy="3610479"/>
-          </a:xfrm>
-          <a:prstGeom prst="rect">
-            <a:avLst/>
-          </a:prstGeom>
-        </p:spPr>
-      </p:pic>
-      <p:cxnSp>
-        <p:nvCxnSpPr>
-          <p:cNvPr id="17" name="Straight Arrow Connector 16">
-            <a:extLst>
-              <a:ext uri="{FF2B5EF4-FFF2-40B4-BE49-F238E27FC236}">
-                <a16:creationId xmlns:a16="http://schemas.microsoft.com/office/drawing/2014/main" id="{05A4793D-1B72-4ABD-A204-BFD21CFA4C19}"/>
-              </a:ext>
-            </a:extLst>
-          </p:cNvPr>
-          <p:cNvCxnSpPr/>
-          <p:nvPr/>
-        </p:nvCxnSpPr>
-        <p:spPr>
-          <a:xfrm>
-            <a:off x="2933700" y="4276724"/>
-            <a:ext cx="2724150" cy="419101"/>
-          </a:xfrm>
-          <a:prstGeom prst="straightConnector1">
-            <a:avLst/>
-          </a:prstGeom>
-          <a:ln>
-            <a:tailEnd type="triangle"/>
-          </a:ln>
-        </p:spPr>
-        <p:style>
-          <a:lnRef idx="1">
-            <a:schemeClr val="accent1"/>
-          </a:lnRef>
-          <a:fillRef idx="0">
-            <a:schemeClr val="accent1"/>
-          </a:fillRef>
-          <a:effectRef idx="0">
-            <a:schemeClr val="accent1"/>
-          </a:effectRef>
-          <a:fontRef idx="minor">
-            <a:schemeClr val="tx1"/>
-          </a:fontRef>
-        </p:style>
-      </p:cxnSp>
-    </p:spTree>
-    <p:extLst>
-      <p:ext uri="{BB962C8B-B14F-4D97-AF65-F5344CB8AC3E}">
-        <p14:creationId xmlns:p14="http://schemas.microsoft.com/office/powerpoint/2010/main" val="3827001385"/>
-      </p:ext>
-    </p:extLst>
-  </p:cSld>
-  <p:clrMapOvr>
-    <a:masterClrMapping/>
-  </p:clrMapOvr>
-</p:sld>
-</file>
-
-<file path=ppt/slides/slide8.xml><?xml version="1.0" encoding="utf-8"?>
-<p:sld xmlns:a="http://schemas.openxmlformats.org/drawingml/2006/main" xmlns:r="http://schemas.openxmlformats.org/officeDocument/2006/relationships" xmlns:p="http://schemas.openxmlformats.org/presentationml/2006/main">
-  <p:cSld>
-    <p:spTree>
-      <p:nvGrpSpPr>
-        <p:cNvPr id="1" name=""/>
-        <p:cNvGrpSpPr/>
-        <p:nvPr/>
-      </p:nvGrpSpPr>
-      <p:grpSpPr>
-        <a:xfrm>
-          <a:off x="0" y="0"/>
-          <a:ext cx="0" cy="0"/>
-          <a:chOff x="0" y="0"/>
-          <a:chExt cx="0" cy="0"/>
-        </a:xfrm>
-      </p:grpSpPr>
-      <p:sp>
-        <p:nvSpPr>
-          <p:cNvPr id="2" name="Title 1">
-            <a:extLst>
-              <a:ext uri="{FF2B5EF4-FFF2-40B4-BE49-F238E27FC236}">
-                <a16:creationId xmlns:a16="http://schemas.microsoft.com/office/drawing/2014/main" id="{B727E39C-792E-404C-A849-A302EFFB3EFB}"/>
-              </a:ext>
-            </a:extLst>
-          </p:cNvPr>
-          <p:cNvSpPr>
-            <a:spLocks noGrp="1"/>
-          </p:cNvSpPr>
-          <p:nvPr>
-            <p:ph type="title"/>
-          </p:nvPr>
-        </p:nvSpPr>
-        <p:spPr/>
-        <p:txBody>
-          <a:bodyPr/>
-          <a:lstStyle/>
-          <a:p>
-            <a:r>
-              <a:rPr lang="en-US" dirty="0"/>
-              <a:t>Add new function for user to add comment or feedback</a:t>
-            </a:r>
-            <a:endParaRPr lang="en-MY" dirty="0"/>
-          </a:p>
-        </p:txBody>
-      </p:sp>
-      <p:sp>
-        <p:nvSpPr>
-          <p:cNvPr id="3" name="Content Placeholder 2">
-            <a:extLst>
-              <a:ext uri="{FF2B5EF4-FFF2-40B4-BE49-F238E27FC236}">
-                <a16:creationId xmlns:a16="http://schemas.microsoft.com/office/drawing/2014/main" id="{0C9AD400-E08E-4F4D-BB2A-E33D4E30E88B}"/>
-              </a:ext>
-            </a:extLst>
-          </p:cNvPr>
-          <p:cNvSpPr>
-            <a:spLocks noGrp="1"/>
-          </p:cNvSpPr>
-          <p:nvPr>
-            <p:ph idx="1"/>
-          </p:nvPr>
-        </p:nvSpPr>
-        <p:spPr>
-          <a:xfrm>
-            <a:off x="1069848" y="2121408"/>
-            <a:ext cx="10058400" cy="1500681"/>
-          </a:xfrm>
-        </p:spPr>
-        <p:txBody>
-          <a:bodyPr/>
-          <a:lstStyle/>
-          <a:p>
-            <a:r>
-              <a:rPr lang="en-US" dirty="0"/>
-              <a:t>Before we start to let user participate the questionnaire, we first develop the function for user to add comment/feedback.</a:t>
-            </a:r>
-            <a:endParaRPr lang="en-MY" dirty="0"/>
-          </a:p>
-        </p:txBody>
-      </p:sp>
-    </p:spTree>
-    <p:extLst>
-      <p:ext uri="{BB962C8B-B14F-4D97-AF65-F5344CB8AC3E}">
-        <p14:creationId xmlns:p14="http://schemas.microsoft.com/office/powerpoint/2010/main" val="2526600334"/>
-      </p:ext>
-    </p:extLst>
-  </p:cSld>
-  <p:clrMapOvr>
-    <a:masterClrMapping/>
-  </p:clrMapOvr>
-</p:sld>
-</file>
-
-<file path=ppt/slides/slide9.xml><?xml version="1.0" encoding="utf-8"?>
-<p:sld xmlns:a="http://schemas.openxmlformats.org/drawingml/2006/main" xmlns:r="http://schemas.openxmlformats.org/officeDocument/2006/relationships" xmlns:p="http://schemas.openxmlformats.org/presentationml/2006/main">
-  <p:cSld>
-    <p:spTree>
-      <p:nvGrpSpPr>
-        <p:cNvPr id="1" name=""/>
-        <p:cNvGrpSpPr/>
-        <p:nvPr/>
-      </p:nvGrpSpPr>
-      <p:grpSpPr>
-        <a:xfrm>
-          <a:off x="0" y="0"/>
-          <a:ext cx="0" cy="0"/>
-          <a:chOff x="0" y="0"/>
-          <a:chExt cx="0" cy="0"/>
-        </a:xfrm>
-      </p:grpSpPr>
-      <p:sp>
-        <p:nvSpPr>
-          <p:cNvPr id="2" name="Title 1">
-            <a:extLst>
-              <a:ext uri="{FF2B5EF4-FFF2-40B4-BE49-F238E27FC236}">
-                <a16:creationId xmlns:a16="http://schemas.microsoft.com/office/drawing/2014/main" id="{265FFBC7-A7EB-4773-B540-BA9313C9D35E}"/>
-              </a:ext>
-            </a:extLst>
-          </p:cNvPr>
-          <p:cNvSpPr>
-            <a:spLocks noGrp="1"/>
-          </p:cNvSpPr>
-          <p:nvPr>
-            <p:ph type="title"/>
-          </p:nvPr>
-        </p:nvSpPr>
-        <p:spPr/>
-        <p:txBody>
-          <a:bodyPr/>
-          <a:lstStyle/>
-          <a:p>
-            <a:r>
-              <a:rPr lang="en-US" dirty="0"/>
-              <a:t>Add model to store the comment in DB</a:t>
-            </a:r>
-            <a:endParaRPr lang="en-MY" dirty="0"/>
-          </a:p>
-        </p:txBody>
-      </p:sp>
-      <p:pic>
-        <p:nvPicPr>
-          <p:cNvPr id="4" name="Picture 3">
-            <a:extLst>
-              <a:ext uri="{FF2B5EF4-FFF2-40B4-BE49-F238E27FC236}">
-                <a16:creationId xmlns:a16="http://schemas.microsoft.com/office/drawing/2014/main" id="{0F7D3DBB-083A-4195-81BE-33DBA0666704}"/>
-              </a:ext>
-            </a:extLst>
-          </p:cNvPr>
-          <p:cNvPicPr>
-            <a:picLocks noChangeAspect="1"/>
-          </p:cNvPicPr>
-          <p:nvPr/>
-        </p:nvPicPr>
-        <p:blipFill rotWithShape="1">
-          <a:blip r:embed="rId2"/>
-          <a:srcRect b="25493"/>
-          <a:stretch/>
-        </p:blipFill>
-        <p:spPr>
-          <a:xfrm>
-            <a:off x="2704125" y="2614518"/>
-            <a:ext cx="5363323" cy="1504721"/>
-          </a:xfrm>
-          <a:prstGeom prst="rect">
-            <a:avLst/>
-          </a:prstGeom>
-        </p:spPr>
-      </p:pic>
-    </p:spTree>
-    <p:extLst>
-      <p:ext uri="{BB962C8B-B14F-4D97-AF65-F5344CB8AC3E}">
-        <p14:creationId xmlns:p14="http://schemas.microsoft.com/office/powerpoint/2010/main" val="4217966447"/>
       </p:ext>
     </p:extLst>
   </p:cSld>

--- a/Py Web Unit2c.pptx
+++ b/Py Web Unit2c.pptx
@@ -11,24 +11,25 @@
     <p:sldId id="287" r:id="rId5"/>
     <p:sldId id="293" r:id="rId6"/>
     <p:sldId id="301" r:id="rId7"/>
-    <p:sldId id="285" r:id="rId8"/>
-    <p:sldId id="288" r:id="rId9"/>
-    <p:sldId id="289" r:id="rId10"/>
-    <p:sldId id="290" r:id="rId11"/>
-    <p:sldId id="291" r:id="rId12"/>
-    <p:sldId id="292" r:id="rId13"/>
-    <p:sldId id="294" r:id="rId14"/>
-    <p:sldId id="311" r:id="rId15"/>
-    <p:sldId id="302" r:id="rId16"/>
-    <p:sldId id="307" r:id="rId17"/>
-    <p:sldId id="303" r:id="rId18"/>
-    <p:sldId id="304" r:id="rId19"/>
-    <p:sldId id="308" r:id="rId20"/>
-    <p:sldId id="305" r:id="rId21"/>
-    <p:sldId id="309" r:id="rId22"/>
-    <p:sldId id="306" r:id="rId23"/>
-    <p:sldId id="310" r:id="rId24"/>
-    <p:sldId id="297" r:id="rId25"/>
+    <p:sldId id="312" r:id="rId8"/>
+    <p:sldId id="285" r:id="rId9"/>
+    <p:sldId id="288" r:id="rId10"/>
+    <p:sldId id="289" r:id="rId11"/>
+    <p:sldId id="290" r:id="rId12"/>
+    <p:sldId id="291" r:id="rId13"/>
+    <p:sldId id="292" r:id="rId14"/>
+    <p:sldId id="294" r:id="rId15"/>
+    <p:sldId id="311" r:id="rId16"/>
+    <p:sldId id="302" r:id="rId17"/>
+    <p:sldId id="307" r:id="rId18"/>
+    <p:sldId id="303" r:id="rId19"/>
+    <p:sldId id="304" r:id="rId20"/>
+    <p:sldId id="308" r:id="rId21"/>
+    <p:sldId id="305" r:id="rId22"/>
+    <p:sldId id="309" r:id="rId23"/>
+    <p:sldId id="306" r:id="rId24"/>
+    <p:sldId id="310" r:id="rId25"/>
+    <p:sldId id="297" r:id="rId26"/>
   </p:sldIdLst>
   <p:sldSz cx="12192000" cy="6858000"/>
   <p:notesSz cx="6858000" cy="9144000"/>
@@ -138,7 +139,7 @@
 <file path=ppt/revisionInfo.xml><?xml version="1.0" encoding="utf-8"?>
 <p1510:revInfo xmlns:a="http://schemas.openxmlformats.org/drawingml/2006/main" xmlns:r="http://schemas.openxmlformats.org/officeDocument/2006/relationships" xmlns:p1510="http://schemas.microsoft.com/office/powerpoint/2015/10/main">
   <p1510:revLst>
-    <p1510:client id="{1CCA740D-5DC1-4844-8AC4-1FA36A5E2D2C}" v="51" dt="2021-09-05T03:57:42.604"/>
+    <p1510:client id="{1CCA740D-5DC1-4844-8AC4-1FA36A5E2D2C}" v="54" dt="2021-12-09T13:05:38.835"/>
   </p1510:revLst>
 </p1510:revInfo>
 </file>
@@ -2688,7 +2689,7 @@
   <pc:docChgLst>
     <pc:chgData name="Li Lixiang" userId="6104bbfcb56aea79" providerId="LiveId" clId="{1CCA740D-5DC1-4844-8AC4-1FA36A5E2D2C}"/>
     <pc:docChg chg="undo custSel addSld delSld modSld sldOrd">
-      <pc:chgData name="Li Lixiang" userId="6104bbfcb56aea79" providerId="LiveId" clId="{1CCA740D-5DC1-4844-8AC4-1FA36A5E2D2C}" dt="2021-11-08T12:27:02.005" v="7535" actId="1076"/>
+      <pc:chgData name="Li Lixiang" userId="6104bbfcb56aea79" providerId="LiveId" clId="{1CCA740D-5DC1-4844-8AC4-1FA36A5E2D2C}" dt="2021-12-09T13:05:45.521" v="7698" actId="14100"/>
       <pc:docMkLst>
         <pc:docMk/>
       </pc:docMkLst>
@@ -4031,7 +4032,7 @@
         </pc:spChg>
       </pc:sldChg>
       <pc:sldChg chg="addSp delSp modSp add mod ord">
-        <pc:chgData name="Li Lixiang" userId="6104bbfcb56aea79" providerId="LiveId" clId="{1CCA740D-5DC1-4844-8AC4-1FA36A5E2D2C}" dt="2021-09-04T13:23:58.906" v="5388"/>
+        <pc:chgData name="Li Lixiang" userId="6104bbfcb56aea79" providerId="LiveId" clId="{1CCA740D-5DC1-4844-8AC4-1FA36A5E2D2C}" dt="2021-12-09T13:05:45.521" v="7698" actId="14100"/>
         <pc:sldMkLst>
           <pc:docMk/>
           <pc:sldMk cId="3660807517" sldId="301"/>
@@ -4050,6 +4051,22 @@
             <pc:docMk/>
             <pc:sldMk cId="3660807517" sldId="301"/>
             <ac:spMk id="4" creationId="{073644C0-A577-4B59-96CE-06D3D687BB3D}"/>
+          </ac:spMkLst>
+        </pc:spChg>
+        <pc:spChg chg="add mod">
+          <ac:chgData name="Li Lixiang" userId="6104bbfcb56aea79" providerId="LiveId" clId="{1CCA740D-5DC1-4844-8AC4-1FA36A5E2D2C}" dt="2021-12-09T13:05:37.264" v="7695" actId="14100"/>
+          <ac:spMkLst>
+            <pc:docMk/>
+            <pc:sldMk cId="3660807517" sldId="301"/>
+            <ac:spMk id="5" creationId="{ADEBB8D4-7887-4C7C-85B7-A68DEBB9552F}"/>
+          </ac:spMkLst>
+        </pc:spChg>
+        <pc:spChg chg="add mod">
+          <ac:chgData name="Li Lixiang" userId="6104bbfcb56aea79" providerId="LiveId" clId="{1CCA740D-5DC1-4844-8AC4-1FA36A5E2D2C}" dt="2021-12-09T13:05:45.521" v="7698" actId="14100"/>
+          <ac:spMkLst>
+            <pc:docMk/>
+            <pc:sldMk cId="3660807517" sldId="301"/>
+            <ac:spMk id="6" creationId="{A906D2B8-CC3B-43F5-8A25-E64CACDC0E29}"/>
           </ac:spMkLst>
         </pc:spChg>
         <pc:spChg chg="add mod">
@@ -4704,6 +4721,45 @@
             <pc:docMk/>
             <pc:sldMk cId="3863609363" sldId="311"/>
             <ac:picMk id="9" creationId="{DE8321AA-8609-4917-8A1C-6FC613C8FE77}"/>
+          </ac:picMkLst>
+        </pc:picChg>
+      </pc:sldChg>
+      <pc:sldChg chg="addSp modSp new mod">
+        <pc:chgData name="Li Lixiang" userId="6104bbfcb56aea79" providerId="LiveId" clId="{1CCA740D-5DC1-4844-8AC4-1FA36A5E2D2C}" dt="2021-12-09T13:05:23.979" v="7692" actId="1037"/>
+        <pc:sldMkLst>
+          <pc:docMk/>
+          <pc:sldMk cId="331555977" sldId="312"/>
+        </pc:sldMkLst>
+        <pc:spChg chg="mod">
+          <ac:chgData name="Li Lixiang" userId="6104bbfcb56aea79" providerId="LiveId" clId="{1CCA740D-5DC1-4844-8AC4-1FA36A5E2D2C}" dt="2021-12-09T13:04:14.874" v="7597" actId="20577"/>
+          <ac:spMkLst>
+            <pc:docMk/>
+            <pc:sldMk cId="331555977" sldId="312"/>
+            <ac:spMk id="2" creationId="{41266683-15B5-45D4-9E5A-38A3A6E73898}"/>
+          </ac:spMkLst>
+        </pc:spChg>
+        <pc:spChg chg="mod">
+          <ac:chgData name="Li Lixiang" userId="6104bbfcb56aea79" providerId="LiveId" clId="{1CCA740D-5DC1-4844-8AC4-1FA36A5E2D2C}" dt="2021-12-09T13:04:38.797" v="7684" actId="14100"/>
+          <ac:spMkLst>
+            <pc:docMk/>
+            <pc:sldMk cId="331555977" sldId="312"/>
+            <ac:spMk id="3" creationId="{0345EE51-D9D2-4D8C-9E18-249D8BBF9851}"/>
+          </ac:spMkLst>
+        </pc:spChg>
+        <pc:spChg chg="add mod">
+          <ac:chgData name="Li Lixiang" userId="6104bbfcb56aea79" providerId="LiveId" clId="{1CCA740D-5DC1-4844-8AC4-1FA36A5E2D2C}" dt="2021-12-09T13:05:23.979" v="7692" actId="1037"/>
+          <ac:spMkLst>
+            <pc:docMk/>
+            <pc:sldMk cId="331555977" sldId="312"/>
+            <ac:spMk id="6" creationId="{F2563318-1204-4A72-9AD7-DACF249C3E04}"/>
+          </ac:spMkLst>
+        </pc:spChg>
+        <pc:picChg chg="add mod">
+          <ac:chgData name="Li Lixiang" userId="6104bbfcb56aea79" providerId="LiveId" clId="{1CCA740D-5DC1-4844-8AC4-1FA36A5E2D2C}" dt="2021-12-09T13:05:09.084" v="7686" actId="1076"/>
+          <ac:picMkLst>
+            <pc:docMk/>
+            <pc:sldMk cId="331555977" sldId="312"/>
+            <ac:picMk id="5" creationId="{5E2D19FC-916E-4977-BA63-E60B10C23535}"/>
           </ac:picMkLst>
         </pc:picChg>
       </pc:sldChg>
@@ -5117,7 +5173,7 @@
             <a:fld id="{A5B0A250-5CC0-1746-B209-08E8B0DAE6AF}" type="datetimeFigureOut">
               <a:rPr lang="en-US" smtClean="0"/>
               <a:pPr algn="l"/>
-              <a:t>11/8/2021</a:t>
+              <a:t>12/9/2021</a:t>
             </a:fld>
             <a:endParaRPr lang="en-US" dirty="0"/>
           </a:p>
@@ -5296,7 +5352,7 @@
           <a:p>
             <a:fld id="{A5B0A250-5CC0-1746-B209-08E8B0DAE6AF}" type="datetimeFigureOut">
               <a:rPr lang="en-US" smtClean="0"/>
-              <a:t>11/8/2021</a:t>
+              <a:t>12/9/2021</a:t>
             </a:fld>
             <a:endParaRPr lang="en-US" dirty="0"/>
           </a:p>
@@ -5476,7 +5532,7 @@
           <a:p>
             <a:fld id="{A5B0A250-5CC0-1746-B209-08E8B0DAE6AF}" type="datetimeFigureOut">
               <a:rPr lang="en-US" smtClean="0"/>
-              <a:t>11/8/2021</a:t>
+              <a:t>12/9/2021</a:t>
             </a:fld>
             <a:endParaRPr lang="en-US"/>
           </a:p>
@@ -5646,7 +5702,7 @@
           <a:p>
             <a:fld id="{A5B0A250-5CC0-1746-B209-08E8B0DAE6AF}" type="datetimeFigureOut">
               <a:rPr lang="en-US" smtClean="0"/>
-              <a:t>11/8/2021</a:t>
+              <a:t>12/9/2021</a:t>
             </a:fld>
             <a:endParaRPr lang="en-US" dirty="0"/>
           </a:p>
@@ -5959,7 +6015,7 @@
           <a:p>
             <a:fld id="{A5B0A250-5CC0-1746-B209-08E8B0DAE6AF}" type="datetimeFigureOut">
               <a:rPr lang="en-US" smtClean="0"/>
-              <a:t>11/8/2021</a:t>
+              <a:t>12/9/2021</a:t>
             </a:fld>
             <a:endParaRPr lang="en-US" dirty="0"/>
           </a:p>
@@ -6345,7 +6401,7 @@
           <a:p>
             <a:fld id="{A5B0A250-5CC0-1746-B209-08E8B0DAE6AF}" type="datetimeFigureOut">
               <a:rPr lang="en-US" smtClean="0"/>
-              <a:t>11/8/2021</a:t>
+              <a:t>12/9/2021</a:t>
             </a:fld>
             <a:endParaRPr lang="en-US" dirty="0"/>
           </a:p>
@@ -6779,7 +6835,7 @@
           <a:p>
             <a:fld id="{A5B0A250-5CC0-1746-B209-08E8B0DAE6AF}" type="datetimeFigureOut">
               <a:rPr lang="en-US" smtClean="0"/>
-              <a:t>11/8/2021</a:t>
+              <a:t>12/9/2021</a:t>
             </a:fld>
             <a:endParaRPr lang="en-US" dirty="0"/>
           </a:p>
@@ -6897,7 +6953,7 @@
           <a:p>
             <a:fld id="{A5B0A250-5CC0-1746-B209-08E8B0DAE6AF}" type="datetimeFigureOut">
               <a:rPr lang="en-US" smtClean="0"/>
-              <a:t>11/8/2021</a:t>
+              <a:t>12/9/2021</a:t>
             </a:fld>
             <a:endParaRPr lang="en-US" dirty="0"/>
           </a:p>
@@ -6993,7 +7049,7 @@
             <a:fld id="{A5B0A250-5CC0-1746-B209-08E8B0DAE6AF}" type="datetimeFigureOut">
               <a:rPr lang="en-US" smtClean="0"/>
               <a:pPr/>
-              <a:t>11/8/2021</a:t>
+              <a:t>12/9/2021</a:t>
             </a:fld>
             <a:endParaRPr lang="en-US" dirty="0"/>
           </a:p>
@@ -7344,7 +7400,7 @@
           <a:p>
             <a:fld id="{A5B0A250-5CC0-1746-B209-08E8B0DAE6AF}" type="datetimeFigureOut">
               <a:rPr lang="en-US" smtClean="0"/>
-              <a:t>11/8/2021</a:t>
+              <a:t>12/9/2021</a:t>
             </a:fld>
             <a:endParaRPr lang="en-US" dirty="0"/>
           </a:p>
@@ -7769,7 +7825,7 @@
           <a:p>
             <a:fld id="{A5B0A250-5CC0-1746-B209-08E8B0DAE6AF}" type="datetimeFigureOut">
               <a:rPr lang="en-US" smtClean="0"/>
-              <a:t>11/8/2021</a:t>
+              <a:t>12/9/2021</a:t>
             </a:fld>
             <a:endParaRPr lang="en-US" dirty="0"/>
           </a:p>
@@ -8051,7 +8107,7 @@
             <a:fld id="{A5B0A250-5CC0-1746-B209-08E8B0DAE6AF}" type="datetimeFigureOut">
               <a:rPr lang="en-US" smtClean="0"/>
               <a:pPr/>
-              <a:t>11/8/2021</a:t>
+              <a:t>12/9/2021</a:t>
             </a:fld>
             <a:endParaRPr lang="en-US" dirty="0"/>
           </a:p>
@@ -9168,6 +9224,161 @@
           <p:cNvPr id="2" name="Title 1">
             <a:extLst>
               <a:ext uri="{FF2B5EF4-FFF2-40B4-BE49-F238E27FC236}">
+                <a16:creationId xmlns:a16="http://schemas.microsoft.com/office/drawing/2014/main" id="{328EA6FF-CA26-441D-8940-D0B826F0F1FE}"/>
+              </a:ext>
+            </a:extLst>
+          </p:cNvPr>
+          <p:cNvSpPr>
+            <a:spLocks noGrp="1"/>
+          </p:cNvSpPr>
+          <p:nvPr>
+            <p:ph type="title"/>
+          </p:nvPr>
+        </p:nvSpPr>
+        <p:spPr/>
+        <p:txBody>
+          <a:bodyPr/>
+          <a:lstStyle/>
+          <a:p>
+            <a:r>
+              <a:rPr lang="en-US" dirty="0"/>
+              <a:t>Add view for add comment page</a:t>
+            </a:r>
+            <a:endParaRPr lang="en-MY" dirty="0"/>
+          </a:p>
+        </p:txBody>
+      </p:sp>
+      <p:sp>
+        <p:nvSpPr>
+          <p:cNvPr id="3" name="Content Placeholder 2">
+            <a:extLst>
+              <a:ext uri="{FF2B5EF4-FFF2-40B4-BE49-F238E27FC236}">
+                <a16:creationId xmlns:a16="http://schemas.microsoft.com/office/drawing/2014/main" id="{F07A4DFC-47A6-4D19-A43A-748930341FEF}"/>
+              </a:ext>
+            </a:extLst>
+          </p:cNvPr>
+          <p:cNvSpPr>
+            <a:spLocks noGrp="1"/>
+          </p:cNvSpPr>
+          <p:nvPr>
+            <p:ph idx="1"/>
+          </p:nvPr>
+        </p:nvSpPr>
+        <p:spPr>
+          <a:xfrm>
+            <a:off x="1069848" y="2121408"/>
+            <a:ext cx="10058400" cy="755142"/>
+          </a:xfrm>
+        </p:spPr>
+        <p:txBody>
+          <a:bodyPr/>
+          <a:lstStyle/>
+          <a:p>
+            <a:r>
+              <a:rPr lang="en-US" dirty="0"/>
+              <a:t>It is using the </a:t>
+            </a:r>
+            <a:r>
+              <a:rPr lang="en-US" dirty="0" err="1"/>
+              <a:t>Django.views.generic.edit</a:t>
+            </a:r>
+            <a:r>
+              <a:rPr lang="en-US" dirty="0"/>
+              <a:t>, the </a:t>
+            </a:r>
+            <a:r>
+              <a:rPr lang="en-US" dirty="0" err="1"/>
+              <a:t>CreateView</a:t>
+            </a:r>
+            <a:r>
+              <a:rPr lang="en-US" dirty="0"/>
+              <a:t>. Other views include </a:t>
+            </a:r>
+            <a:r>
+              <a:rPr lang="en-US" dirty="0" err="1"/>
+              <a:t>UpdateView</a:t>
+            </a:r>
+            <a:r>
+              <a:rPr lang="en-US" dirty="0"/>
+              <a:t>, </a:t>
+            </a:r>
+            <a:r>
+              <a:rPr lang="en-US" dirty="0" err="1"/>
+              <a:t>DeleteView</a:t>
+            </a:r>
+            <a:r>
+              <a:rPr lang="en-US" dirty="0"/>
+              <a:t>.</a:t>
+            </a:r>
+            <a:endParaRPr lang="en-MY" dirty="0"/>
+          </a:p>
+        </p:txBody>
+      </p:sp>
+      <p:pic>
+        <p:nvPicPr>
+          <p:cNvPr id="7" name="Picture 6">
+            <a:extLst>
+              <a:ext uri="{FF2B5EF4-FFF2-40B4-BE49-F238E27FC236}">
+                <a16:creationId xmlns:a16="http://schemas.microsoft.com/office/drawing/2014/main" id="{365D75DE-63D0-46F0-B10B-BB7A13D9EFE0}"/>
+              </a:ext>
+            </a:extLst>
+          </p:cNvPr>
+          <p:cNvPicPr>
+            <a:picLocks noChangeAspect="1"/>
+          </p:cNvPicPr>
+          <p:nvPr/>
+        </p:nvPicPr>
+        <p:blipFill>
+          <a:blip r:embed="rId2"/>
+          <a:stretch>
+            <a:fillRect/>
+          </a:stretch>
+        </p:blipFill>
+        <p:spPr>
+          <a:xfrm>
+            <a:off x="1923656" y="3300271"/>
+            <a:ext cx="5639587" cy="2029108"/>
+          </a:xfrm>
+          <a:prstGeom prst="rect">
+            <a:avLst/>
+          </a:prstGeom>
+        </p:spPr>
+      </p:pic>
+    </p:spTree>
+    <p:extLst>
+      <p:ext uri="{BB962C8B-B14F-4D97-AF65-F5344CB8AC3E}">
+        <p14:creationId xmlns:p14="http://schemas.microsoft.com/office/powerpoint/2010/main" val="1596857763"/>
+      </p:ext>
+    </p:extLst>
+  </p:cSld>
+  <p:clrMapOvr>
+    <a:masterClrMapping/>
+  </p:clrMapOvr>
+</p:sld>
+</file>
+
+<file path=ppt/slides/slide11.xml><?xml version="1.0" encoding="utf-8"?>
+<p:sld xmlns:a="http://schemas.openxmlformats.org/drawingml/2006/main" xmlns:r="http://schemas.openxmlformats.org/officeDocument/2006/relationships" xmlns:p="http://schemas.openxmlformats.org/presentationml/2006/main">
+  <p:cSld>
+    <p:spTree>
+      <p:nvGrpSpPr>
+        <p:cNvPr id="1" name=""/>
+        <p:cNvGrpSpPr/>
+        <p:nvPr/>
+      </p:nvGrpSpPr>
+      <p:grpSpPr>
+        <a:xfrm>
+          <a:off x="0" y="0"/>
+          <a:ext cx="0" cy="0"/>
+          <a:chOff x="0" y="0"/>
+          <a:chExt cx="0" cy="0"/>
+        </a:xfrm>
+      </p:grpSpPr>
+      <p:sp>
+        <p:nvSpPr>
+          <p:cNvPr id="2" name="Title 1">
+            <a:extLst>
+              <a:ext uri="{FF2B5EF4-FFF2-40B4-BE49-F238E27FC236}">
                 <a16:creationId xmlns:a16="http://schemas.microsoft.com/office/drawing/2014/main" id="{D9B1C52C-254D-41F1-B4D9-68BC364ACA0D}"/>
               </a:ext>
             </a:extLst>
@@ -9269,7 +9480,7 @@
 </p:sld>
 </file>
 
-<file path=ppt/slides/slide11.xml><?xml version="1.0" encoding="utf-8"?>
+<file path=ppt/slides/slide12.xml><?xml version="1.0" encoding="utf-8"?>
 <p:sld xmlns:a="http://schemas.openxmlformats.org/drawingml/2006/main" xmlns:r="http://schemas.openxmlformats.org/officeDocument/2006/relationships" xmlns:p="http://schemas.openxmlformats.org/presentationml/2006/main">
   <p:cSld>
     <p:spTree>
@@ -9440,7 +9651,7 @@
 </p:sld>
 </file>
 
-<file path=ppt/slides/slide12.xml><?xml version="1.0" encoding="utf-8"?>
+<file path=ppt/slides/slide13.xml><?xml version="1.0" encoding="utf-8"?>
 <p:sld xmlns:a="http://schemas.openxmlformats.org/drawingml/2006/main" xmlns:r="http://schemas.openxmlformats.org/officeDocument/2006/relationships" xmlns:p="http://schemas.openxmlformats.org/presentationml/2006/main">
   <p:cSld>
     <p:spTree>
@@ -9629,7 +9840,7 @@
 </p:sld>
 </file>
 
-<file path=ppt/slides/slide13.xml><?xml version="1.0" encoding="utf-8"?>
+<file path=ppt/slides/slide14.xml><?xml version="1.0" encoding="utf-8"?>
 <p:sld xmlns:a="http://schemas.openxmlformats.org/drawingml/2006/main" xmlns:r="http://schemas.openxmlformats.org/officeDocument/2006/relationships" xmlns:p="http://schemas.openxmlformats.org/presentationml/2006/main">
   <p:cSld>
     <p:spTree>
@@ -9751,7 +9962,7 @@
 </p:sld>
 </file>
 
-<file path=ppt/slides/slide14.xml><?xml version="1.0" encoding="utf-8"?>
+<file path=ppt/slides/slide15.xml><?xml version="1.0" encoding="utf-8"?>
 <p:sld xmlns:a="http://schemas.openxmlformats.org/drawingml/2006/main" xmlns:r="http://schemas.openxmlformats.org/officeDocument/2006/relationships" xmlns:p="http://schemas.openxmlformats.org/presentationml/2006/main">
   <p:cSld>
     <p:spTree>
@@ -9904,7 +10115,7 @@
 </p:sld>
 </file>
 
-<file path=ppt/slides/slide15.xml><?xml version="1.0" encoding="utf-8"?>
+<file path=ppt/slides/slide16.xml><?xml version="1.0" encoding="utf-8"?>
 <p:sld xmlns:a="http://schemas.openxmlformats.org/drawingml/2006/main" xmlns:r="http://schemas.openxmlformats.org/officeDocument/2006/relationships" xmlns:p="http://schemas.openxmlformats.org/presentationml/2006/main">
   <p:cSld>
     <p:spTree>
@@ -10080,7 +10291,7 @@
 </p:sld>
 </file>
 
-<file path=ppt/slides/slide16.xml><?xml version="1.0" encoding="utf-8"?>
+<file path=ppt/slides/slide17.xml><?xml version="1.0" encoding="utf-8"?>
 <p:sld xmlns:a="http://schemas.openxmlformats.org/drawingml/2006/main" xmlns:r="http://schemas.openxmlformats.org/officeDocument/2006/relationships" xmlns:p="http://schemas.openxmlformats.org/presentationml/2006/main">
   <p:cSld>
     <p:spTree>
@@ -10174,7 +10385,7 @@
 </p:sld>
 </file>
 
-<file path=ppt/slides/slide17.xml><?xml version="1.0" encoding="utf-8"?>
+<file path=ppt/slides/slide18.xml><?xml version="1.0" encoding="utf-8"?>
 <p:sld xmlns:a="http://schemas.openxmlformats.org/drawingml/2006/main" xmlns:r="http://schemas.openxmlformats.org/officeDocument/2006/relationships" xmlns:p="http://schemas.openxmlformats.org/presentationml/2006/main">
   <p:cSld>
     <p:spTree>
@@ -10312,7 +10523,7 @@
 </p:sld>
 </file>
 
-<file path=ppt/slides/slide18.xml><?xml version="1.0" encoding="utf-8"?>
+<file path=ppt/slides/slide19.xml><?xml version="1.0" encoding="utf-8"?>
 <p:sld xmlns:a="http://schemas.openxmlformats.org/drawingml/2006/main" xmlns:r="http://schemas.openxmlformats.org/officeDocument/2006/relationships" xmlns:p="http://schemas.openxmlformats.org/presentationml/2006/main">
   <p:cSld>
     <p:spTree>
@@ -10501,128 +10712,6 @@
 </p:sld>
 </file>
 
-<file path=ppt/slides/slide19.xml><?xml version="1.0" encoding="utf-8"?>
-<p:sld xmlns:a="http://schemas.openxmlformats.org/drawingml/2006/main" xmlns:r="http://schemas.openxmlformats.org/officeDocument/2006/relationships" xmlns:p="http://schemas.openxmlformats.org/presentationml/2006/main">
-  <p:cSld>
-    <p:spTree>
-      <p:nvGrpSpPr>
-        <p:cNvPr id="1" name=""/>
-        <p:cNvGrpSpPr/>
-        <p:nvPr/>
-      </p:nvGrpSpPr>
-      <p:grpSpPr>
-        <a:xfrm>
-          <a:off x="0" y="0"/>
-          <a:ext cx="0" cy="0"/>
-          <a:chOff x="0" y="0"/>
-          <a:chExt cx="0" cy="0"/>
-        </a:xfrm>
-      </p:grpSpPr>
-      <p:sp>
-        <p:nvSpPr>
-          <p:cNvPr id="2" name="Title 1">
-            <a:extLst>
-              <a:ext uri="{FF2B5EF4-FFF2-40B4-BE49-F238E27FC236}">
-                <a16:creationId xmlns:a16="http://schemas.microsoft.com/office/drawing/2014/main" id="{EAD4186D-F36B-4AA6-87CE-4C6041871F6B}"/>
-              </a:ext>
-            </a:extLst>
-          </p:cNvPr>
-          <p:cNvSpPr>
-            <a:spLocks noGrp="1"/>
-          </p:cNvSpPr>
-          <p:nvPr>
-            <p:ph type="title"/>
-          </p:nvPr>
-        </p:nvSpPr>
-        <p:spPr/>
-        <p:txBody>
-          <a:bodyPr/>
-          <a:lstStyle/>
-          <a:p>
-            <a:r>
-              <a:rPr lang="en-US"/>
-              <a:t>Add template</a:t>
-            </a:r>
-            <a:endParaRPr lang="en-MY" dirty="0"/>
-          </a:p>
-        </p:txBody>
-      </p:sp>
-      <p:sp>
-        <p:nvSpPr>
-          <p:cNvPr id="3" name="Content Placeholder 2">
-            <a:extLst>
-              <a:ext uri="{FF2B5EF4-FFF2-40B4-BE49-F238E27FC236}">
-                <a16:creationId xmlns:a16="http://schemas.microsoft.com/office/drawing/2014/main" id="{E2653FD0-C365-4654-AF7E-17A773EBEAF1}"/>
-              </a:ext>
-            </a:extLst>
-          </p:cNvPr>
-          <p:cNvSpPr>
-            <a:spLocks noGrp="1"/>
-          </p:cNvSpPr>
-          <p:nvPr>
-            <p:ph idx="1"/>
-          </p:nvPr>
-        </p:nvSpPr>
-        <p:spPr>
-          <a:xfrm>
-            <a:off x="1069848" y="2121408"/>
-            <a:ext cx="3670828" cy="1420782"/>
-          </a:xfrm>
-        </p:spPr>
-        <p:txBody>
-          <a:bodyPr/>
-          <a:lstStyle/>
-          <a:p>
-            <a:r>
-              <a:rPr lang="en-US" dirty="0"/>
-              <a:t>Comment details</a:t>
-            </a:r>
-          </a:p>
-        </p:txBody>
-      </p:sp>
-      <p:pic>
-        <p:nvPicPr>
-          <p:cNvPr id="6" name="Picture 5">
-            <a:extLst>
-              <a:ext uri="{FF2B5EF4-FFF2-40B4-BE49-F238E27FC236}">
-                <a16:creationId xmlns:a16="http://schemas.microsoft.com/office/drawing/2014/main" id="{4B9E47FD-CACB-4F39-A7C4-5B4F277C25D9}"/>
-              </a:ext>
-            </a:extLst>
-          </p:cNvPr>
-          <p:cNvPicPr>
-            <a:picLocks noChangeAspect="1"/>
-          </p:cNvPicPr>
-          <p:nvPr/>
-        </p:nvPicPr>
-        <p:blipFill>
-          <a:blip r:embed="rId2"/>
-          <a:stretch>
-            <a:fillRect/>
-          </a:stretch>
-        </p:blipFill>
-        <p:spPr>
-          <a:xfrm>
-            <a:off x="4962618" y="292963"/>
-            <a:ext cx="7105095" cy="6458382"/>
-          </a:xfrm>
-          <a:prstGeom prst="rect">
-            <a:avLst/>
-          </a:prstGeom>
-        </p:spPr>
-      </p:pic>
-    </p:spTree>
-    <p:extLst>
-      <p:ext uri="{BB962C8B-B14F-4D97-AF65-F5344CB8AC3E}">
-        <p14:creationId xmlns:p14="http://schemas.microsoft.com/office/powerpoint/2010/main" val="133345068"/>
-      </p:ext>
-    </p:extLst>
-  </p:cSld>
-  <p:clrMapOvr>
-    <a:masterClrMapping/>
-  </p:clrMapOvr>
-</p:sld>
-</file>
-
 <file path=ppt/slides/slide2.xml><?xml version="1.0" encoding="utf-8"?>
 <p:sld xmlns:a="http://schemas.openxmlformats.org/drawingml/2006/main" xmlns:r="http://schemas.openxmlformats.org/officeDocument/2006/relationships" xmlns:p="http://schemas.openxmlformats.org/presentationml/2006/main">
   <p:cSld>
@@ -10781,7 +10870,7 @@
         <p:spPr>
           <a:xfrm>
             <a:off x="1069848" y="2121408"/>
-            <a:ext cx="2490098" cy="1882421"/>
+            <a:ext cx="3670828" cy="1420782"/>
           </a:xfrm>
         </p:spPr>
         <p:txBody>
@@ -10790,17 +10879,17 @@
           <a:p>
             <a:r>
               <a:rPr lang="en-US" dirty="0"/>
-              <a:t>Comment edit. Same template as add new comment</a:t>
+              <a:t>Comment details</a:t>
             </a:r>
           </a:p>
         </p:txBody>
       </p:sp>
       <p:pic>
         <p:nvPicPr>
-          <p:cNvPr id="5" name="Picture 4">
+          <p:cNvPr id="6" name="Picture 5">
             <a:extLst>
               <a:ext uri="{FF2B5EF4-FFF2-40B4-BE49-F238E27FC236}">
-                <a16:creationId xmlns:a16="http://schemas.microsoft.com/office/drawing/2014/main" id="{7434D0AB-CB95-4D3E-9EB6-B58A7C8FA3F9}"/>
+                <a16:creationId xmlns:a16="http://schemas.microsoft.com/office/drawing/2014/main" id="{4B9E47FD-CACB-4F39-A7C4-5B4F277C25D9}"/>
               </a:ext>
             </a:extLst>
           </p:cNvPr>
@@ -10817,8 +10906,8 @@
         </p:blipFill>
         <p:spPr>
           <a:xfrm>
-            <a:off x="3805941" y="2008337"/>
-            <a:ext cx="7811590" cy="4048690"/>
+            <a:off x="4962618" y="292963"/>
+            <a:ext cx="7105095" cy="6458382"/>
           </a:xfrm>
           <a:prstGeom prst="rect">
             <a:avLst/>
@@ -10828,7 +10917,7 @@
     </p:spTree>
     <p:extLst>
       <p:ext uri="{BB962C8B-B14F-4D97-AF65-F5344CB8AC3E}">
-        <p14:creationId xmlns:p14="http://schemas.microsoft.com/office/powerpoint/2010/main" val="2090435506"/>
+        <p14:creationId xmlns:p14="http://schemas.microsoft.com/office/powerpoint/2010/main" val="133345068"/>
       </p:ext>
     </p:extLst>
   </p:cSld>
@@ -10912,6 +11001,128 @@
           <a:p>
             <a:r>
               <a:rPr lang="en-US" dirty="0"/>
+              <a:t>Comment edit. Same template as add new comment</a:t>
+            </a:r>
+          </a:p>
+        </p:txBody>
+      </p:sp>
+      <p:pic>
+        <p:nvPicPr>
+          <p:cNvPr id="5" name="Picture 4">
+            <a:extLst>
+              <a:ext uri="{FF2B5EF4-FFF2-40B4-BE49-F238E27FC236}">
+                <a16:creationId xmlns:a16="http://schemas.microsoft.com/office/drawing/2014/main" id="{7434D0AB-CB95-4D3E-9EB6-B58A7C8FA3F9}"/>
+              </a:ext>
+            </a:extLst>
+          </p:cNvPr>
+          <p:cNvPicPr>
+            <a:picLocks noChangeAspect="1"/>
+          </p:cNvPicPr>
+          <p:nvPr/>
+        </p:nvPicPr>
+        <p:blipFill>
+          <a:blip r:embed="rId2"/>
+          <a:stretch>
+            <a:fillRect/>
+          </a:stretch>
+        </p:blipFill>
+        <p:spPr>
+          <a:xfrm>
+            <a:off x="3805941" y="2008337"/>
+            <a:ext cx="7811590" cy="4048690"/>
+          </a:xfrm>
+          <a:prstGeom prst="rect">
+            <a:avLst/>
+          </a:prstGeom>
+        </p:spPr>
+      </p:pic>
+    </p:spTree>
+    <p:extLst>
+      <p:ext uri="{BB962C8B-B14F-4D97-AF65-F5344CB8AC3E}">
+        <p14:creationId xmlns:p14="http://schemas.microsoft.com/office/powerpoint/2010/main" val="2090435506"/>
+      </p:ext>
+    </p:extLst>
+  </p:cSld>
+  <p:clrMapOvr>
+    <a:masterClrMapping/>
+  </p:clrMapOvr>
+</p:sld>
+</file>
+
+<file path=ppt/slides/slide22.xml><?xml version="1.0" encoding="utf-8"?>
+<p:sld xmlns:a="http://schemas.openxmlformats.org/drawingml/2006/main" xmlns:r="http://schemas.openxmlformats.org/officeDocument/2006/relationships" xmlns:p="http://schemas.openxmlformats.org/presentationml/2006/main">
+  <p:cSld>
+    <p:spTree>
+      <p:nvGrpSpPr>
+        <p:cNvPr id="1" name=""/>
+        <p:cNvGrpSpPr/>
+        <p:nvPr/>
+      </p:nvGrpSpPr>
+      <p:grpSpPr>
+        <a:xfrm>
+          <a:off x="0" y="0"/>
+          <a:ext cx="0" cy="0"/>
+          <a:chOff x="0" y="0"/>
+          <a:chExt cx="0" cy="0"/>
+        </a:xfrm>
+      </p:grpSpPr>
+      <p:sp>
+        <p:nvSpPr>
+          <p:cNvPr id="2" name="Title 1">
+            <a:extLst>
+              <a:ext uri="{FF2B5EF4-FFF2-40B4-BE49-F238E27FC236}">
+                <a16:creationId xmlns:a16="http://schemas.microsoft.com/office/drawing/2014/main" id="{EAD4186D-F36B-4AA6-87CE-4C6041871F6B}"/>
+              </a:ext>
+            </a:extLst>
+          </p:cNvPr>
+          <p:cNvSpPr>
+            <a:spLocks noGrp="1"/>
+          </p:cNvSpPr>
+          <p:nvPr>
+            <p:ph type="title"/>
+          </p:nvPr>
+        </p:nvSpPr>
+        <p:spPr/>
+        <p:txBody>
+          <a:bodyPr/>
+          <a:lstStyle/>
+          <a:p>
+            <a:r>
+              <a:rPr lang="en-US"/>
+              <a:t>Add template</a:t>
+            </a:r>
+            <a:endParaRPr lang="en-MY" dirty="0"/>
+          </a:p>
+        </p:txBody>
+      </p:sp>
+      <p:sp>
+        <p:nvSpPr>
+          <p:cNvPr id="3" name="Content Placeholder 2">
+            <a:extLst>
+              <a:ext uri="{FF2B5EF4-FFF2-40B4-BE49-F238E27FC236}">
+                <a16:creationId xmlns:a16="http://schemas.microsoft.com/office/drawing/2014/main" id="{E2653FD0-C365-4654-AF7E-17A773EBEAF1}"/>
+              </a:ext>
+            </a:extLst>
+          </p:cNvPr>
+          <p:cNvSpPr>
+            <a:spLocks noGrp="1"/>
+          </p:cNvSpPr>
+          <p:nvPr>
+            <p:ph idx="1"/>
+          </p:nvPr>
+        </p:nvSpPr>
+        <p:spPr>
+          <a:xfrm>
+            <a:off x="1069848" y="2121408"/>
+            <a:ext cx="2490098" cy="1882421"/>
+          </a:xfrm>
+        </p:spPr>
+        <p:txBody>
+          <a:bodyPr/>
+          <a:lstStyle/>
+          <a:p>
+            <a:r>
+              <a:rPr lang="en-US" dirty="0"/>
               <a:t>Comment delete</a:t>
             </a:r>
           </a:p>
@@ -10966,7 +11177,7 @@
 </p:sld>
 </file>
 
-<file path=ppt/slides/slide22.xml><?xml version="1.0" encoding="utf-8"?>
+<file path=ppt/slides/slide23.xml><?xml version="1.0" encoding="utf-8"?>
 <p:sld xmlns:a="http://schemas.openxmlformats.org/drawingml/2006/main" xmlns:r="http://schemas.openxmlformats.org/officeDocument/2006/relationships" xmlns:p="http://schemas.openxmlformats.org/presentationml/2006/main">
   <p:cSld>
     <p:spTree>
@@ -11143,7 +11354,7 @@
 </p:sld>
 </file>
 
-<file path=ppt/slides/slide23.xml><?xml version="1.0" encoding="utf-8"?>
+<file path=ppt/slides/slide24.xml><?xml version="1.0" encoding="utf-8"?>
 <p:sld xmlns:a="http://schemas.openxmlformats.org/drawingml/2006/main" xmlns:r="http://schemas.openxmlformats.org/officeDocument/2006/relationships" xmlns:p="http://schemas.openxmlformats.org/presentationml/2006/main">
   <p:cSld>
     <p:spTree>
@@ -12562,7 +12773,7 @@
 </p:sld>
 </file>
 
-<file path=ppt/slides/slide24.xml><?xml version="1.0" encoding="utf-8"?>
+<file path=ppt/slides/slide25.xml><?xml version="1.0" encoding="utf-8"?>
 <p:sld xmlns:a="http://schemas.openxmlformats.org/drawingml/2006/main" xmlns:r="http://schemas.openxmlformats.org/officeDocument/2006/relationships" xmlns:p="http://schemas.openxmlformats.org/presentationml/2006/main">
   <p:cSld>
     <p:spTree>
@@ -14226,6 +14437,100 @@
           </a:prstGeom>
         </p:spPr>
       </p:pic>
+      <p:sp>
+        <p:nvSpPr>
+          <p:cNvPr id="5" name="Rectangle 4">
+            <a:extLst>
+              <a:ext uri="{FF2B5EF4-FFF2-40B4-BE49-F238E27FC236}">
+                <a16:creationId xmlns:a16="http://schemas.microsoft.com/office/drawing/2014/main" id="{ADEBB8D4-7887-4C7C-85B7-A68DEBB9552F}"/>
+              </a:ext>
+            </a:extLst>
+          </p:cNvPr>
+          <p:cNvSpPr/>
+          <p:nvPr/>
+        </p:nvSpPr>
+        <p:spPr>
+          <a:xfrm>
+            <a:off x="5108643" y="5801501"/>
+            <a:ext cx="5694612" cy="571867"/>
+          </a:xfrm>
+          <a:prstGeom prst="rect">
+            <a:avLst/>
+          </a:prstGeom>
+          <a:noFill/>
+        </p:spPr>
+        <p:style>
+          <a:lnRef idx="2">
+            <a:schemeClr val="accent1">
+              <a:shade val="50000"/>
+            </a:schemeClr>
+          </a:lnRef>
+          <a:fillRef idx="1">
+            <a:schemeClr val="accent1"/>
+          </a:fillRef>
+          <a:effectRef idx="0">
+            <a:schemeClr val="accent1"/>
+          </a:effectRef>
+          <a:fontRef idx="minor">
+            <a:schemeClr val="lt1"/>
+          </a:fontRef>
+        </p:style>
+        <p:txBody>
+          <a:bodyPr rtlCol="0" anchor="ctr"/>
+          <a:lstStyle/>
+          <a:p>
+            <a:pPr algn="ctr"/>
+            <a:endParaRPr lang="en-MY"/>
+          </a:p>
+        </p:txBody>
+      </p:sp>
+      <p:sp>
+        <p:nvSpPr>
+          <p:cNvPr id="6" name="Rectangle 5">
+            <a:extLst>
+              <a:ext uri="{FF2B5EF4-FFF2-40B4-BE49-F238E27FC236}">
+                <a16:creationId xmlns:a16="http://schemas.microsoft.com/office/drawing/2014/main" id="{A906D2B8-CC3B-43F5-8A25-E64CACDC0E29}"/>
+              </a:ext>
+            </a:extLst>
+          </p:cNvPr>
+          <p:cNvSpPr/>
+          <p:nvPr/>
+        </p:nvSpPr>
+        <p:spPr>
+          <a:xfrm>
+            <a:off x="5032443" y="4158758"/>
+            <a:ext cx="5694612" cy="1432417"/>
+          </a:xfrm>
+          <a:prstGeom prst="rect">
+            <a:avLst/>
+          </a:prstGeom>
+          <a:noFill/>
+        </p:spPr>
+        <p:style>
+          <a:lnRef idx="2">
+            <a:schemeClr val="accent1">
+              <a:shade val="50000"/>
+            </a:schemeClr>
+          </a:lnRef>
+          <a:fillRef idx="1">
+            <a:schemeClr val="accent1"/>
+          </a:fillRef>
+          <a:effectRef idx="0">
+            <a:schemeClr val="accent1"/>
+          </a:effectRef>
+          <a:fontRef idx="minor">
+            <a:schemeClr val="lt1"/>
+          </a:fontRef>
+        </p:style>
+        <p:txBody>
+          <a:bodyPr rtlCol="0" anchor="ctr"/>
+          <a:lstStyle/>
+          <a:p>
+            <a:pPr algn="ctr"/>
+            <a:endParaRPr lang="en-MY"/>
+          </a:p>
+        </p:txBody>
+      </p:sp>
     </p:spTree>
     <p:extLst>
       <p:ext uri="{BB962C8B-B14F-4D97-AF65-F5344CB8AC3E}">
@@ -14240,6 +14545,176 @@
 </file>
 
 <file path=ppt/slides/slide7.xml><?xml version="1.0" encoding="utf-8"?>
+<p:sld xmlns:a="http://schemas.openxmlformats.org/drawingml/2006/main" xmlns:r="http://schemas.openxmlformats.org/officeDocument/2006/relationships" xmlns:p="http://schemas.openxmlformats.org/presentationml/2006/main">
+  <p:cSld>
+    <p:spTree>
+      <p:nvGrpSpPr>
+        <p:cNvPr id="1" name=""/>
+        <p:cNvGrpSpPr/>
+        <p:nvPr/>
+      </p:nvGrpSpPr>
+      <p:grpSpPr>
+        <a:xfrm>
+          <a:off x="0" y="0"/>
+          <a:ext cx="0" cy="0"/>
+          <a:chOff x="0" y="0"/>
+          <a:chExt cx="0" cy="0"/>
+        </a:xfrm>
+      </p:grpSpPr>
+      <p:sp>
+        <p:nvSpPr>
+          <p:cNvPr id="2" name="Title 1">
+            <a:extLst>
+              <a:ext uri="{FF2B5EF4-FFF2-40B4-BE49-F238E27FC236}">
+                <a16:creationId xmlns:a16="http://schemas.microsoft.com/office/drawing/2014/main" id="{41266683-15B5-45D4-9E5A-38A3A6E73898}"/>
+              </a:ext>
+            </a:extLst>
+          </p:cNvPr>
+          <p:cNvSpPr>
+            <a:spLocks noGrp="1"/>
+          </p:cNvSpPr>
+          <p:nvPr>
+            <p:ph type="title"/>
+          </p:nvPr>
+        </p:nvSpPr>
+        <p:spPr/>
+        <p:txBody>
+          <a:bodyPr/>
+          <a:lstStyle/>
+          <a:p>
+            <a:r>
+              <a:rPr lang="en-US" dirty="0"/>
+              <a:t>Homepage view need update with more context info</a:t>
+            </a:r>
+            <a:endParaRPr lang="en-MY" dirty="0"/>
+          </a:p>
+        </p:txBody>
+      </p:sp>
+      <p:sp>
+        <p:nvSpPr>
+          <p:cNvPr id="3" name="Content Placeholder 2">
+            <a:extLst>
+              <a:ext uri="{FF2B5EF4-FFF2-40B4-BE49-F238E27FC236}">
+                <a16:creationId xmlns:a16="http://schemas.microsoft.com/office/drawing/2014/main" id="{0345EE51-D9D2-4D8C-9E18-249D8BBF9851}"/>
+              </a:ext>
+            </a:extLst>
+          </p:cNvPr>
+          <p:cNvSpPr>
+            <a:spLocks noGrp="1"/>
+          </p:cNvSpPr>
+          <p:nvPr>
+            <p:ph idx="1"/>
+          </p:nvPr>
+        </p:nvSpPr>
+        <p:spPr>
+          <a:xfrm>
+            <a:off x="1069848" y="2121408"/>
+            <a:ext cx="4778502" cy="4050792"/>
+          </a:xfrm>
+        </p:spPr>
+        <p:txBody>
+          <a:bodyPr/>
+          <a:lstStyle/>
+          <a:p>
+            <a:r>
+              <a:rPr lang="en-US" dirty="0"/>
+              <a:t>Need add comment list, so that the template can process and get all comment list info</a:t>
+            </a:r>
+            <a:endParaRPr lang="en-MY" dirty="0"/>
+          </a:p>
+        </p:txBody>
+      </p:sp>
+      <p:pic>
+        <p:nvPicPr>
+          <p:cNvPr id="5" name="Picture 4">
+            <a:extLst>
+              <a:ext uri="{FF2B5EF4-FFF2-40B4-BE49-F238E27FC236}">
+                <a16:creationId xmlns:a16="http://schemas.microsoft.com/office/drawing/2014/main" id="{5E2D19FC-916E-4977-BA63-E60B10C23535}"/>
+              </a:ext>
+            </a:extLst>
+          </p:cNvPr>
+          <p:cNvPicPr>
+            <a:picLocks noChangeAspect="1"/>
+          </p:cNvPicPr>
+          <p:nvPr/>
+        </p:nvPicPr>
+        <p:blipFill>
+          <a:blip r:embed="rId2"/>
+          <a:stretch>
+            <a:fillRect/>
+          </a:stretch>
+        </p:blipFill>
+        <p:spPr>
+          <a:xfrm>
+            <a:off x="3957220" y="3295469"/>
+            <a:ext cx="5973009" cy="2591162"/>
+          </a:xfrm>
+          <a:prstGeom prst="rect">
+            <a:avLst/>
+          </a:prstGeom>
+        </p:spPr>
+      </p:pic>
+      <p:sp>
+        <p:nvSpPr>
+          <p:cNvPr id="6" name="Rectangle 5">
+            <a:extLst>
+              <a:ext uri="{FF2B5EF4-FFF2-40B4-BE49-F238E27FC236}">
+                <a16:creationId xmlns:a16="http://schemas.microsoft.com/office/drawing/2014/main" id="{F2563318-1204-4A72-9AD7-DACF249C3E04}"/>
+              </a:ext>
+            </a:extLst>
+          </p:cNvPr>
+          <p:cNvSpPr/>
+          <p:nvPr/>
+        </p:nvSpPr>
+        <p:spPr>
+          <a:xfrm>
+            <a:off x="4356168" y="5344301"/>
+            <a:ext cx="5694612" cy="218299"/>
+          </a:xfrm>
+          <a:prstGeom prst="rect">
+            <a:avLst/>
+          </a:prstGeom>
+          <a:noFill/>
+        </p:spPr>
+        <p:style>
+          <a:lnRef idx="2">
+            <a:schemeClr val="accent1">
+              <a:shade val="50000"/>
+            </a:schemeClr>
+          </a:lnRef>
+          <a:fillRef idx="1">
+            <a:schemeClr val="accent1"/>
+          </a:fillRef>
+          <a:effectRef idx="0">
+            <a:schemeClr val="accent1"/>
+          </a:effectRef>
+          <a:fontRef idx="minor">
+            <a:schemeClr val="lt1"/>
+          </a:fontRef>
+        </p:style>
+        <p:txBody>
+          <a:bodyPr rtlCol="0" anchor="ctr"/>
+          <a:lstStyle/>
+          <a:p>
+            <a:pPr algn="ctr"/>
+            <a:endParaRPr lang="en-MY"/>
+          </a:p>
+        </p:txBody>
+      </p:sp>
+    </p:spTree>
+    <p:extLst>
+      <p:ext uri="{BB962C8B-B14F-4D97-AF65-F5344CB8AC3E}">
+        <p14:creationId xmlns:p14="http://schemas.microsoft.com/office/powerpoint/2010/main" val="331555977"/>
+      </p:ext>
+    </p:extLst>
+  </p:cSld>
+  <p:clrMapOvr>
+    <a:masterClrMapping/>
+  </p:clrMapOvr>
+</p:sld>
+</file>
+
+<file path=ppt/slides/slide8.xml><?xml version="1.0" encoding="utf-8"?>
 <p:sld xmlns:a="http://schemas.openxmlformats.org/drawingml/2006/main" xmlns:r="http://schemas.openxmlformats.org/officeDocument/2006/relationships" xmlns:p="http://schemas.openxmlformats.org/presentationml/2006/main">
   <p:cSld>
     <p:spTree>
@@ -14392,7 +14867,7 @@
 </p:sld>
 </file>
 
-<file path=ppt/slides/slide8.xml><?xml version="1.0" encoding="utf-8"?>
+<file path=ppt/slides/slide9.xml><?xml version="1.0" encoding="utf-8"?>
 <p:sld xmlns:a="http://schemas.openxmlformats.org/drawingml/2006/main" xmlns:r="http://schemas.openxmlformats.org/officeDocument/2006/relationships" xmlns:p="http://schemas.openxmlformats.org/presentationml/2006/main">
   <p:cSld>
     <p:spTree>
@@ -14527,161 +15002,6 @@
     <p:extLst>
       <p:ext uri="{BB962C8B-B14F-4D97-AF65-F5344CB8AC3E}">
         <p14:creationId xmlns:p14="http://schemas.microsoft.com/office/powerpoint/2010/main" val="1934451162"/>
-      </p:ext>
-    </p:extLst>
-  </p:cSld>
-  <p:clrMapOvr>
-    <a:masterClrMapping/>
-  </p:clrMapOvr>
-</p:sld>
-</file>
-
-<file path=ppt/slides/slide9.xml><?xml version="1.0" encoding="utf-8"?>
-<p:sld xmlns:a="http://schemas.openxmlformats.org/drawingml/2006/main" xmlns:r="http://schemas.openxmlformats.org/officeDocument/2006/relationships" xmlns:p="http://schemas.openxmlformats.org/presentationml/2006/main">
-  <p:cSld>
-    <p:spTree>
-      <p:nvGrpSpPr>
-        <p:cNvPr id="1" name=""/>
-        <p:cNvGrpSpPr/>
-        <p:nvPr/>
-      </p:nvGrpSpPr>
-      <p:grpSpPr>
-        <a:xfrm>
-          <a:off x="0" y="0"/>
-          <a:ext cx="0" cy="0"/>
-          <a:chOff x="0" y="0"/>
-          <a:chExt cx="0" cy="0"/>
-        </a:xfrm>
-      </p:grpSpPr>
-      <p:sp>
-        <p:nvSpPr>
-          <p:cNvPr id="2" name="Title 1">
-            <a:extLst>
-              <a:ext uri="{FF2B5EF4-FFF2-40B4-BE49-F238E27FC236}">
-                <a16:creationId xmlns:a16="http://schemas.microsoft.com/office/drawing/2014/main" id="{328EA6FF-CA26-441D-8940-D0B826F0F1FE}"/>
-              </a:ext>
-            </a:extLst>
-          </p:cNvPr>
-          <p:cNvSpPr>
-            <a:spLocks noGrp="1"/>
-          </p:cNvSpPr>
-          <p:nvPr>
-            <p:ph type="title"/>
-          </p:nvPr>
-        </p:nvSpPr>
-        <p:spPr/>
-        <p:txBody>
-          <a:bodyPr/>
-          <a:lstStyle/>
-          <a:p>
-            <a:r>
-              <a:rPr lang="en-US" dirty="0"/>
-              <a:t>Add view for add comment page</a:t>
-            </a:r>
-            <a:endParaRPr lang="en-MY" dirty="0"/>
-          </a:p>
-        </p:txBody>
-      </p:sp>
-      <p:sp>
-        <p:nvSpPr>
-          <p:cNvPr id="3" name="Content Placeholder 2">
-            <a:extLst>
-              <a:ext uri="{FF2B5EF4-FFF2-40B4-BE49-F238E27FC236}">
-                <a16:creationId xmlns:a16="http://schemas.microsoft.com/office/drawing/2014/main" id="{F07A4DFC-47A6-4D19-A43A-748930341FEF}"/>
-              </a:ext>
-            </a:extLst>
-          </p:cNvPr>
-          <p:cNvSpPr>
-            <a:spLocks noGrp="1"/>
-          </p:cNvSpPr>
-          <p:nvPr>
-            <p:ph idx="1"/>
-          </p:nvPr>
-        </p:nvSpPr>
-        <p:spPr>
-          <a:xfrm>
-            <a:off x="1069848" y="2121408"/>
-            <a:ext cx="10058400" cy="755142"/>
-          </a:xfrm>
-        </p:spPr>
-        <p:txBody>
-          <a:bodyPr/>
-          <a:lstStyle/>
-          <a:p>
-            <a:r>
-              <a:rPr lang="en-US" dirty="0"/>
-              <a:t>It is using the </a:t>
-            </a:r>
-            <a:r>
-              <a:rPr lang="en-US" dirty="0" err="1"/>
-              <a:t>Django.views.generic.edit</a:t>
-            </a:r>
-            <a:r>
-              <a:rPr lang="en-US" dirty="0"/>
-              <a:t>, the </a:t>
-            </a:r>
-            <a:r>
-              <a:rPr lang="en-US" dirty="0" err="1"/>
-              <a:t>CreateView</a:t>
-            </a:r>
-            <a:r>
-              <a:rPr lang="en-US" dirty="0"/>
-              <a:t>. Other views include </a:t>
-            </a:r>
-            <a:r>
-              <a:rPr lang="en-US" dirty="0" err="1"/>
-              <a:t>UpdateView</a:t>
-            </a:r>
-            <a:r>
-              <a:rPr lang="en-US" dirty="0"/>
-              <a:t>, </a:t>
-            </a:r>
-            <a:r>
-              <a:rPr lang="en-US" dirty="0" err="1"/>
-              <a:t>DeleteView</a:t>
-            </a:r>
-            <a:r>
-              <a:rPr lang="en-US" dirty="0"/>
-              <a:t>.</a:t>
-            </a:r>
-            <a:endParaRPr lang="en-MY" dirty="0"/>
-          </a:p>
-        </p:txBody>
-      </p:sp>
-      <p:pic>
-        <p:nvPicPr>
-          <p:cNvPr id="7" name="Picture 6">
-            <a:extLst>
-              <a:ext uri="{FF2B5EF4-FFF2-40B4-BE49-F238E27FC236}">
-                <a16:creationId xmlns:a16="http://schemas.microsoft.com/office/drawing/2014/main" id="{365D75DE-63D0-46F0-B10B-BB7A13D9EFE0}"/>
-              </a:ext>
-            </a:extLst>
-          </p:cNvPr>
-          <p:cNvPicPr>
-            <a:picLocks noChangeAspect="1"/>
-          </p:cNvPicPr>
-          <p:nvPr/>
-        </p:nvPicPr>
-        <p:blipFill>
-          <a:blip r:embed="rId2"/>
-          <a:stretch>
-            <a:fillRect/>
-          </a:stretch>
-        </p:blipFill>
-        <p:spPr>
-          <a:xfrm>
-            <a:off x="1923656" y="3300271"/>
-            <a:ext cx="5639587" cy="2029108"/>
-          </a:xfrm>
-          <a:prstGeom prst="rect">
-            <a:avLst/>
-          </a:prstGeom>
-        </p:spPr>
-      </p:pic>
-    </p:spTree>
-    <p:extLst>
-      <p:ext uri="{BB962C8B-B14F-4D97-AF65-F5344CB8AC3E}">
-        <p14:creationId xmlns:p14="http://schemas.microsoft.com/office/powerpoint/2010/main" val="1596857763"/>
       </p:ext>
     </p:extLst>
   </p:cSld>
